--- a/lectures/6. Neural audio compression.pptx
+++ b/lectures/6. Neural audio compression.pptx
@@ -1,53 +1,54 @@
 
 <file path=ppt/presentation.xml><?xml version="1.0" encoding="utf-8"?>
-<p:presentation xmlns:a="http://schemas.openxmlformats.org/drawingml/2006/main" xmlns:r="http://schemas.openxmlformats.org/officeDocument/2006/relationships" xmlns:mc="http://schemas.openxmlformats.org/markup-compatibility/2006" xmlns:mv="urn:schemas-microsoft-com:mac:vml" xmlns:p="http://schemas.openxmlformats.org/presentationml/2006/main" xmlns:c="http://schemas.openxmlformats.org/drawingml/2006/chart" xmlns:dgm="http://schemas.openxmlformats.org/drawingml/2006/diagram" xmlns:o="urn:schemas-microsoft-com:office:office" xmlns:v="urn:schemas-microsoft-com:vml" xmlns:pvml="urn:schemas-microsoft-com:office:powerpoint" xmlns:com="http://schemas.openxmlformats.org/drawingml/2006/compatibility" xmlns:p14="http://schemas.microsoft.com/office/powerpoint/2010/main" xmlns:p15="http://schemas.microsoft.com/office/powerpoint/2012/main" xmlns:ahyp="http://schemas.microsoft.com/office/drawing/2018/hyperlinkcolor" autoCompressPictures="0" embedTrueTypeFonts="1" strictFirstAndLastChars="0" saveSubsetFonts="1">
+<p:presentation xmlns:a="http://schemas.openxmlformats.org/drawingml/2006/main" xmlns:r="http://schemas.openxmlformats.org/officeDocument/2006/relationships" xmlns:p="http://schemas.openxmlformats.org/presentationml/2006/main" strictFirstAndLastChars="0" embedTrueTypeFonts="1" saveSubsetFonts="1" autoCompressPictures="0">
   <p:sldMasterIdLst>
-    <p:sldMasterId id="2147483659" r:id="rId4"/>
+    <p:sldMasterId id="2147483659" r:id="rId1"/>
   </p:sldMasterIdLst>
   <p:notesMasterIdLst>
-    <p:notesMasterId r:id="rId5"/>
+    <p:notesMasterId r:id="rId22"/>
   </p:notesMasterIdLst>
   <p:sldIdLst>
-    <p:sldId id="256" r:id="rId6"/>
-    <p:sldId id="257" r:id="rId7"/>
-    <p:sldId id="258" r:id="rId8"/>
-    <p:sldId id="259" r:id="rId9"/>
-    <p:sldId id="260" r:id="rId10"/>
-    <p:sldId id="261" r:id="rId11"/>
-    <p:sldId id="262" r:id="rId12"/>
-    <p:sldId id="263" r:id="rId13"/>
-    <p:sldId id="264" r:id="rId14"/>
-    <p:sldId id="265" r:id="rId15"/>
-    <p:sldId id="266" r:id="rId16"/>
-    <p:sldId id="267" r:id="rId17"/>
-    <p:sldId id="268" r:id="rId18"/>
-    <p:sldId id="269" r:id="rId19"/>
-    <p:sldId id="270" r:id="rId20"/>
-    <p:sldId id="271" r:id="rId21"/>
-    <p:sldId id="272" r:id="rId22"/>
-    <p:sldId id="273" r:id="rId23"/>
-    <p:sldId id="274" r:id="rId24"/>
+    <p:sldId id="256" r:id="rId2"/>
+    <p:sldId id="257" r:id="rId3"/>
+    <p:sldId id="275" r:id="rId4"/>
+    <p:sldId id="258" r:id="rId5"/>
+    <p:sldId id="259" r:id="rId6"/>
+    <p:sldId id="260" r:id="rId7"/>
+    <p:sldId id="261" r:id="rId8"/>
+    <p:sldId id="262" r:id="rId9"/>
+    <p:sldId id="263" r:id="rId10"/>
+    <p:sldId id="264" r:id="rId11"/>
+    <p:sldId id="265" r:id="rId12"/>
+    <p:sldId id="266" r:id="rId13"/>
+    <p:sldId id="267" r:id="rId14"/>
+    <p:sldId id="268" r:id="rId15"/>
+    <p:sldId id="269" r:id="rId16"/>
+    <p:sldId id="270" r:id="rId17"/>
+    <p:sldId id="271" r:id="rId18"/>
+    <p:sldId id="272" r:id="rId19"/>
+    <p:sldId id="273" r:id="rId20"/>
+    <p:sldId id="274" r:id="rId21"/>
   </p:sldIdLst>
-  <p:sldSz cy="5143500" cx="9144000"/>
+  <p:sldSz cx="9144000" cy="5143500" type="screen16x9"/>
   <p:notesSz cx="6858000" cy="9144000"/>
   <p:embeddedFontLst>
     <p:embeddedFont>
-      <p:font typeface="Raleway"/>
-      <p:regular r:id="rId25"/>
-      <p:bold r:id="rId26"/>
-      <p:italic r:id="rId27"/>
-      <p:boldItalic r:id="rId28"/>
+      <p:font typeface="Lato" panose="020F0502020204030203" pitchFamily="34" charset="0"/>
+      <p:regular r:id="rId23"/>
+      <p:bold r:id="rId24"/>
+      <p:italic r:id="rId25"/>
+      <p:boldItalic r:id="rId26"/>
     </p:embeddedFont>
     <p:embeddedFont>
-      <p:font typeface="Lato"/>
-      <p:regular r:id="rId29"/>
-      <p:bold r:id="rId30"/>
-      <p:italic r:id="rId31"/>
-      <p:boldItalic r:id="rId32"/>
+      <p:font typeface="Raleway" pitchFamily="2" charset="77"/>
+      <p:regular r:id="rId27"/>
+      <p:bold r:id="rId28"/>
+      <p:italic r:id="rId29"/>
+      <p:boldItalic r:id="rId30"/>
     </p:embeddedFont>
   </p:embeddedFontLst>
   <p:defaultTextStyle>
-    <a:defPPr lvl="0" marR="0" rtl="0" algn="l">
+    <a:defPPr marR="0" lvl="0" algn="l" rtl="0">
       <a:lnSpc>
         <a:spcPct val="100000"/>
       </a:lnSpc>
@@ -58,7 +59,7 @@
         <a:spcPts val="0"/>
       </a:spcAft>
     </a:defPPr>
-    <a:lvl1pPr lvl="0" marR="0" rtl="0" algn="l">
+    <a:lvl1pPr marR="0" lvl="0" algn="l" rtl="0">
       <a:lnSpc>
         <a:spcPct val="100000"/>
       </a:lnSpc>
@@ -72,7 +73,7 @@
         <a:srgbClr val="000000"/>
       </a:buClr>
       <a:buFont typeface="Arial"/>
-      <a:defRPr b="0" i="0" sz="1400" u="none" cap="none" strike="noStrike">
+      <a:defRPr sz="1400" b="0" i="0" u="none" strike="noStrike" cap="none">
         <a:solidFill>
           <a:srgbClr val="000000"/>
         </a:solidFill>
@@ -82,7 +83,7 @@
         <a:sym typeface="Arial"/>
       </a:defRPr>
     </a:lvl1pPr>
-    <a:lvl2pPr lvl="1" marR="0" rtl="0" algn="l">
+    <a:lvl2pPr marR="0" lvl="1" algn="l" rtl="0">
       <a:lnSpc>
         <a:spcPct val="100000"/>
       </a:lnSpc>
@@ -96,7 +97,7 @@
         <a:srgbClr val="000000"/>
       </a:buClr>
       <a:buFont typeface="Arial"/>
-      <a:defRPr b="0" i="0" sz="1400" u="none" cap="none" strike="noStrike">
+      <a:defRPr sz="1400" b="0" i="0" u="none" strike="noStrike" cap="none">
         <a:solidFill>
           <a:srgbClr val="000000"/>
         </a:solidFill>
@@ -106,7 +107,7 @@
         <a:sym typeface="Arial"/>
       </a:defRPr>
     </a:lvl2pPr>
-    <a:lvl3pPr lvl="2" marR="0" rtl="0" algn="l">
+    <a:lvl3pPr marR="0" lvl="2" algn="l" rtl="0">
       <a:lnSpc>
         <a:spcPct val="100000"/>
       </a:lnSpc>
@@ -120,7 +121,7 @@
         <a:srgbClr val="000000"/>
       </a:buClr>
       <a:buFont typeface="Arial"/>
-      <a:defRPr b="0" i="0" sz="1400" u="none" cap="none" strike="noStrike">
+      <a:defRPr sz="1400" b="0" i="0" u="none" strike="noStrike" cap="none">
         <a:solidFill>
           <a:srgbClr val="000000"/>
         </a:solidFill>
@@ -130,7 +131,7 @@
         <a:sym typeface="Arial"/>
       </a:defRPr>
     </a:lvl3pPr>
-    <a:lvl4pPr lvl="3" marR="0" rtl="0" algn="l">
+    <a:lvl4pPr marR="0" lvl="3" algn="l" rtl="0">
       <a:lnSpc>
         <a:spcPct val="100000"/>
       </a:lnSpc>
@@ -144,7 +145,7 @@
         <a:srgbClr val="000000"/>
       </a:buClr>
       <a:buFont typeface="Arial"/>
-      <a:defRPr b="0" i="0" sz="1400" u="none" cap="none" strike="noStrike">
+      <a:defRPr sz="1400" b="0" i="0" u="none" strike="noStrike" cap="none">
         <a:solidFill>
           <a:srgbClr val="000000"/>
         </a:solidFill>
@@ -154,7 +155,7 @@
         <a:sym typeface="Arial"/>
       </a:defRPr>
     </a:lvl4pPr>
-    <a:lvl5pPr lvl="4" marR="0" rtl="0" algn="l">
+    <a:lvl5pPr marR="0" lvl="4" algn="l" rtl="0">
       <a:lnSpc>
         <a:spcPct val="100000"/>
       </a:lnSpc>
@@ -168,7 +169,7 @@
         <a:srgbClr val="000000"/>
       </a:buClr>
       <a:buFont typeface="Arial"/>
-      <a:defRPr b="0" i="0" sz="1400" u="none" cap="none" strike="noStrike">
+      <a:defRPr sz="1400" b="0" i="0" u="none" strike="noStrike" cap="none">
         <a:solidFill>
           <a:srgbClr val="000000"/>
         </a:solidFill>
@@ -178,7 +179,7 @@
         <a:sym typeface="Arial"/>
       </a:defRPr>
     </a:lvl5pPr>
-    <a:lvl6pPr lvl="5" marR="0" rtl="0" algn="l">
+    <a:lvl6pPr marR="0" lvl="5" algn="l" rtl="0">
       <a:lnSpc>
         <a:spcPct val="100000"/>
       </a:lnSpc>
@@ -192,7 +193,7 @@
         <a:srgbClr val="000000"/>
       </a:buClr>
       <a:buFont typeface="Arial"/>
-      <a:defRPr b="0" i="0" sz="1400" u="none" cap="none" strike="noStrike">
+      <a:defRPr sz="1400" b="0" i="0" u="none" strike="noStrike" cap="none">
         <a:solidFill>
           <a:srgbClr val="000000"/>
         </a:solidFill>
@@ -202,7 +203,7 @@
         <a:sym typeface="Arial"/>
       </a:defRPr>
     </a:lvl6pPr>
-    <a:lvl7pPr lvl="6" marR="0" rtl="0" algn="l">
+    <a:lvl7pPr marR="0" lvl="6" algn="l" rtl="0">
       <a:lnSpc>
         <a:spcPct val="100000"/>
       </a:lnSpc>
@@ -216,7 +217,7 @@
         <a:srgbClr val="000000"/>
       </a:buClr>
       <a:buFont typeface="Arial"/>
-      <a:defRPr b="0" i="0" sz="1400" u="none" cap="none" strike="noStrike">
+      <a:defRPr sz="1400" b="0" i="0" u="none" strike="noStrike" cap="none">
         <a:solidFill>
           <a:srgbClr val="000000"/>
         </a:solidFill>
@@ -226,7 +227,7 @@
         <a:sym typeface="Arial"/>
       </a:defRPr>
     </a:lvl7pPr>
-    <a:lvl8pPr lvl="7" marR="0" rtl="0" algn="l">
+    <a:lvl8pPr marR="0" lvl="7" algn="l" rtl="0">
       <a:lnSpc>
         <a:spcPct val="100000"/>
       </a:lnSpc>
@@ -240,7 +241,7 @@
         <a:srgbClr val="000000"/>
       </a:buClr>
       <a:buFont typeface="Arial"/>
-      <a:defRPr b="0" i="0" sz="1400" u="none" cap="none" strike="noStrike">
+      <a:defRPr sz="1400" b="0" i="0" u="none" strike="noStrike" cap="none">
         <a:solidFill>
           <a:srgbClr val="000000"/>
         </a:solidFill>
@@ -250,7 +251,7 @@
         <a:sym typeface="Arial"/>
       </a:defRPr>
     </a:lvl8pPr>
-    <a:lvl9pPr lvl="8" marR="0" rtl="0" algn="l">
+    <a:lvl9pPr marR="0" lvl="8" algn="l" rtl="0">
       <a:lnSpc>
         <a:spcPct val="100000"/>
       </a:lnSpc>
@@ -264,7 +265,7 @@
         <a:srgbClr val="000000"/>
       </a:buClr>
       <a:buFont typeface="Arial"/>
-      <a:defRPr b="0" i="0" sz="1400" u="none" cap="none" strike="noStrike">
+      <a:defRPr sz="1400" b="0" i="0" u="none" strike="noStrike" cap="none">
         <a:solidFill>
           <a:srgbClr val="000000"/>
         </a:solidFill>
@@ -277,7 +278,7 @@
   </p:defaultTextStyle>
   <p:extLst>
     <p:ext uri="{EFAFB233-063F-42B5-8137-9DF3F51BA10A}">
-      <p15:sldGuideLst>
+      <p15:sldGuideLst xmlns:p15="http://schemas.microsoft.com/office/powerpoint/2012/main">
         <p15:guide id="1" orient="horz" pos="1620">
           <p15:clr>
             <a:srgbClr val="747775"/>
@@ -295,11 +296,16 @@
 </file>
 
 <file path=ppt/notesMasters/notesMaster1.xml><?xml version="1.0" encoding="utf-8"?>
-<p:notesMaster xmlns:a="http://schemas.openxmlformats.org/drawingml/2006/main" xmlns:r="http://schemas.openxmlformats.org/officeDocument/2006/relationships" xmlns:mc="http://schemas.openxmlformats.org/markup-compatibility/2006" xmlns:mv="urn:schemas-microsoft-com:mac:vml" xmlns:p="http://schemas.openxmlformats.org/presentationml/2006/main" xmlns:c="http://schemas.openxmlformats.org/drawingml/2006/chart" xmlns:dgm="http://schemas.openxmlformats.org/drawingml/2006/diagram" xmlns:o="urn:schemas-microsoft-com:office:office" xmlns:v="urn:schemas-microsoft-com:vml" xmlns:pvml="urn:schemas-microsoft-com:office:powerpoint" xmlns:com="http://schemas.openxmlformats.org/drawingml/2006/compatibility" xmlns:p14="http://schemas.microsoft.com/office/powerpoint/2010/main" xmlns:p15="http://schemas.microsoft.com/office/powerpoint/2012/main" xmlns:ahyp="http://schemas.microsoft.com/office/drawing/2018/hyperlinkcolor">
+<p:notesMaster xmlns:a="http://schemas.openxmlformats.org/drawingml/2006/main" xmlns:r="http://schemas.openxmlformats.org/officeDocument/2006/relationships" xmlns:p="http://schemas.openxmlformats.org/presentationml/2006/main">
   <p:cSld>
+    <p:bg>
+      <p:bgRef idx="1001">
+        <a:schemeClr val="bg1"/>
+      </p:bgRef>
+    </p:bg>
     <p:spTree>
       <p:nvGrpSpPr>
-        <p:cNvPr id="2" name="Shape 2"/>
+        <p:cNvPr id="1" name="Shape 2"/>
         <p:cNvGrpSpPr/>
         <p:nvPr/>
       </p:nvGrpSpPr>
@@ -314,9 +320,11 @@
       <p:sp>
         <p:nvSpPr>
           <p:cNvPr id="3" name="Google Shape;3;n"/>
-          <p:cNvSpPr/>
+          <p:cNvSpPr>
+            <a:spLocks noGrp="1" noRot="1" noChangeAspect="1"/>
+          </p:cNvSpPr>
           <p:nvPr>
-            <p:ph idx="2" type="sldImg"/>
+            <p:ph type="sldImg" idx="2"/>
           </p:nvPr>
         </p:nvSpPr>
         <p:spPr>
@@ -325,9 +333,13 @@
             <a:ext cx="6096075" cy="3429000"/>
           </a:xfrm>
           <a:custGeom>
-            <a:rect b="b" l="l" r="r" t="t"/>
+            <a:avLst/>
+            <a:gdLst/>
+            <a:ahLst/>
+            <a:cxnLst/>
+            <a:rect l="l" t="t" r="r" b="b"/>
             <a:pathLst>
-              <a:path extrusionOk="0" h="120000" w="120000">
+              <a:path w="120000" h="120000" extrusionOk="0">
                 <a:moveTo>
                   <a:pt x="0" y="0"/>
                 </a:moveTo>
@@ -345,23 +357,25 @@
             </a:pathLst>
           </a:custGeom>
           <a:noFill/>
-          <a:ln cap="flat" cmpd="sng" w="9525">
+          <a:ln w="9525" cap="flat" cmpd="sng">
             <a:solidFill>
               <a:srgbClr val="000000"/>
             </a:solidFill>
             <a:prstDash val="solid"/>
             <a:round/>
-            <a:headEnd len="sm" w="sm" type="none"/>
-            <a:tailEnd len="sm" w="sm" type="none"/>
+            <a:headEnd type="none" w="sm" len="sm"/>
+            <a:tailEnd type="none" w="sm" len="sm"/>
           </a:ln>
         </p:spPr>
       </p:sp>
       <p:sp>
         <p:nvSpPr>
           <p:cNvPr id="4" name="Google Shape;4;n"/>
-          <p:cNvSpPr txBox="1"/>
+          <p:cNvSpPr txBox="1">
+            <a:spLocks noGrp="1"/>
+          </p:cNvSpPr>
           <p:nvPr>
-            <p:ph idx="1" type="body"/>
+            <p:ph type="body" idx="1"/>
           </p:nvPr>
         </p:nvSpPr>
         <p:spPr>
@@ -378,11 +392,11 @@
           </a:ln>
         </p:spPr>
         <p:txBody>
-          <a:bodyPr anchorCtr="0" anchor="t" bIns="91425" lIns="91425" spcFirstLastPara="1" rIns="91425" wrap="square" tIns="91425">
+          <a:bodyPr spcFirstLastPara="1" wrap="square" lIns="91425" tIns="91425" rIns="91425" bIns="91425" anchor="t" anchorCtr="0">
             <a:noAutofit/>
           </a:bodyPr>
           <a:lstStyle>
-            <a:lvl1pPr indent="-298450" lvl="0" marL="457200">
+            <a:lvl1pPr marL="457200" lvl="0" indent="-298450">
               <a:spcBef>
                 <a:spcPts val="0"/>
               </a:spcBef>
@@ -393,7 +407,7 @@
               <a:buChar char="●"/>
               <a:defRPr sz="1100"/>
             </a:lvl1pPr>
-            <a:lvl2pPr indent="-298450" lvl="1" marL="914400">
+            <a:lvl2pPr marL="914400" lvl="1" indent="-298450">
               <a:spcBef>
                 <a:spcPts val="0"/>
               </a:spcBef>
@@ -404,7 +418,7 @@
               <a:buChar char="○"/>
               <a:defRPr sz="1100"/>
             </a:lvl2pPr>
-            <a:lvl3pPr indent="-298450" lvl="2" marL="1371600">
+            <a:lvl3pPr marL="1371600" lvl="2" indent="-298450">
               <a:spcBef>
                 <a:spcPts val="0"/>
               </a:spcBef>
@@ -415,7 +429,7 @@
               <a:buChar char="■"/>
               <a:defRPr sz="1100"/>
             </a:lvl3pPr>
-            <a:lvl4pPr indent="-298450" lvl="3" marL="1828800">
+            <a:lvl4pPr marL="1828800" lvl="3" indent="-298450">
               <a:spcBef>
                 <a:spcPts val="0"/>
               </a:spcBef>
@@ -426,7 +440,7 @@
               <a:buChar char="●"/>
               <a:defRPr sz="1100"/>
             </a:lvl4pPr>
-            <a:lvl5pPr indent="-298450" lvl="4" marL="2286000">
+            <a:lvl5pPr marL="2286000" lvl="4" indent="-298450">
               <a:spcBef>
                 <a:spcPts val="0"/>
               </a:spcBef>
@@ -437,7 +451,7 @@
               <a:buChar char="○"/>
               <a:defRPr sz="1100"/>
             </a:lvl5pPr>
-            <a:lvl6pPr indent="-298450" lvl="5" marL="2743200">
+            <a:lvl6pPr marL="2743200" lvl="5" indent="-298450">
               <a:spcBef>
                 <a:spcPts val="0"/>
               </a:spcBef>
@@ -448,7 +462,7 @@
               <a:buChar char="■"/>
               <a:defRPr sz="1100"/>
             </a:lvl6pPr>
-            <a:lvl7pPr indent="-298450" lvl="6" marL="3200400">
+            <a:lvl7pPr marL="3200400" lvl="6" indent="-298450">
               <a:spcBef>
                 <a:spcPts val="0"/>
               </a:spcBef>
@@ -459,7 +473,7 @@
               <a:buChar char="●"/>
               <a:defRPr sz="1100"/>
             </a:lvl7pPr>
-            <a:lvl8pPr indent="-298450" lvl="7" marL="3657600">
+            <a:lvl8pPr marL="3657600" lvl="7" indent="-298450">
               <a:spcBef>
                 <a:spcPts val="0"/>
               </a:spcBef>
@@ -470,7 +484,7 @@
               <a:buChar char="○"/>
               <a:defRPr sz="1100"/>
             </a:lvl8pPr>
-            <a:lvl9pPr indent="-298450" lvl="8" marL="4114800">
+            <a:lvl9pPr marL="4114800" lvl="8" indent="-298450">
               <a:spcBef>
                 <a:spcPts val="0"/>
               </a:spcBef>
@@ -482,14 +496,16 @@
               <a:defRPr sz="1100"/>
             </a:lvl9pPr>
           </a:lstStyle>
-          <a:p/>
+          <a:p>
+            <a:endParaRPr/>
+          </a:p>
         </p:txBody>
       </p:sp>
     </p:spTree>
   </p:cSld>
-  <p:clrMap accent1="accent1" accent2="accent2" accent3="accent3" accent4="accent4" accent5="accent5" accent6="accent6" bg1="lt1" bg2="dk2" tx1="dk1" tx2="lt2" folHlink="folHlink" hlink="hlink"/>
+  <p:clrMap bg1="lt1" tx1="dk1" bg2="dk2" tx2="lt2" accent1="accent1" accent2="accent2" accent3="accent3" accent4="accent4" accent5="accent5" accent6="accent6" hlink="hlink" folHlink="folHlink"/>
   <p:notesStyle>
-    <a:defPPr lvl="0" marR="0" rtl="0" algn="l">
+    <a:defPPr marR="0" lvl="0" algn="l" rtl="0">
       <a:lnSpc>
         <a:spcPct val="100000"/>
       </a:lnSpc>
@@ -500,7 +516,7 @@
         <a:spcPts val="0"/>
       </a:spcAft>
     </a:defPPr>
-    <a:lvl1pPr lvl="0" marR="0" rtl="0" algn="l">
+    <a:lvl1pPr marR="0" lvl="0" algn="l" rtl="0">
       <a:lnSpc>
         <a:spcPct val="100000"/>
       </a:lnSpc>
@@ -514,7 +530,7 @@
         <a:srgbClr val="000000"/>
       </a:buClr>
       <a:buFont typeface="Arial"/>
-      <a:defRPr b="0" i="0" sz="1400" u="none" cap="none" strike="noStrike">
+      <a:defRPr sz="1400" b="0" i="0" u="none" strike="noStrike" cap="none">
         <a:solidFill>
           <a:srgbClr val="000000"/>
         </a:solidFill>
@@ -524,7 +540,7 @@
         <a:sym typeface="Arial"/>
       </a:defRPr>
     </a:lvl1pPr>
-    <a:lvl2pPr lvl="1" marR="0" rtl="0" algn="l">
+    <a:lvl2pPr marR="0" lvl="1" algn="l" rtl="0">
       <a:lnSpc>
         <a:spcPct val="100000"/>
       </a:lnSpc>
@@ -538,7 +554,7 @@
         <a:srgbClr val="000000"/>
       </a:buClr>
       <a:buFont typeface="Arial"/>
-      <a:defRPr b="0" i="0" sz="1400" u="none" cap="none" strike="noStrike">
+      <a:defRPr sz="1400" b="0" i="0" u="none" strike="noStrike" cap="none">
         <a:solidFill>
           <a:srgbClr val="000000"/>
         </a:solidFill>
@@ -548,7 +564,7 @@
         <a:sym typeface="Arial"/>
       </a:defRPr>
     </a:lvl2pPr>
-    <a:lvl3pPr lvl="2" marR="0" rtl="0" algn="l">
+    <a:lvl3pPr marR="0" lvl="2" algn="l" rtl="0">
       <a:lnSpc>
         <a:spcPct val="100000"/>
       </a:lnSpc>
@@ -562,7 +578,7 @@
         <a:srgbClr val="000000"/>
       </a:buClr>
       <a:buFont typeface="Arial"/>
-      <a:defRPr b="0" i="0" sz="1400" u="none" cap="none" strike="noStrike">
+      <a:defRPr sz="1400" b="0" i="0" u="none" strike="noStrike" cap="none">
         <a:solidFill>
           <a:srgbClr val="000000"/>
         </a:solidFill>
@@ -572,7 +588,7 @@
         <a:sym typeface="Arial"/>
       </a:defRPr>
     </a:lvl3pPr>
-    <a:lvl4pPr lvl="3" marR="0" rtl="0" algn="l">
+    <a:lvl4pPr marR="0" lvl="3" algn="l" rtl="0">
       <a:lnSpc>
         <a:spcPct val="100000"/>
       </a:lnSpc>
@@ -586,7 +602,7 @@
         <a:srgbClr val="000000"/>
       </a:buClr>
       <a:buFont typeface="Arial"/>
-      <a:defRPr b="0" i="0" sz="1400" u="none" cap="none" strike="noStrike">
+      <a:defRPr sz="1400" b="0" i="0" u="none" strike="noStrike" cap="none">
         <a:solidFill>
           <a:srgbClr val="000000"/>
         </a:solidFill>
@@ -596,7 +612,7 @@
         <a:sym typeface="Arial"/>
       </a:defRPr>
     </a:lvl4pPr>
-    <a:lvl5pPr lvl="4" marR="0" rtl="0" algn="l">
+    <a:lvl5pPr marR="0" lvl="4" algn="l" rtl="0">
       <a:lnSpc>
         <a:spcPct val="100000"/>
       </a:lnSpc>
@@ -610,7 +626,7 @@
         <a:srgbClr val="000000"/>
       </a:buClr>
       <a:buFont typeface="Arial"/>
-      <a:defRPr b="0" i="0" sz="1400" u="none" cap="none" strike="noStrike">
+      <a:defRPr sz="1400" b="0" i="0" u="none" strike="noStrike" cap="none">
         <a:solidFill>
           <a:srgbClr val="000000"/>
         </a:solidFill>
@@ -620,7 +636,7 @@
         <a:sym typeface="Arial"/>
       </a:defRPr>
     </a:lvl5pPr>
-    <a:lvl6pPr lvl="5" marR="0" rtl="0" algn="l">
+    <a:lvl6pPr marR="0" lvl="5" algn="l" rtl="0">
       <a:lnSpc>
         <a:spcPct val="100000"/>
       </a:lnSpc>
@@ -634,7 +650,7 @@
         <a:srgbClr val="000000"/>
       </a:buClr>
       <a:buFont typeface="Arial"/>
-      <a:defRPr b="0" i="0" sz="1400" u="none" cap="none" strike="noStrike">
+      <a:defRPr sz="1400" b="0" i="0" u="none" strike="noStrike" cap="none">
         <a:solidFill>
           <a:srgbClr val="000000"/>
         </a:solidFill>
@@ -644,7 +660,7 @@
         <a:sym typeface="Arial"/>
       </a:defRPr>
     </a:lvl6pPr>
-    <a:lvl7pPr lvl="6" marR="0" rtl="0" algn="l">
+    <a:lvl7pPr marR="0" lvl="6" algn="l" rtl="0">
       <a:lnSpc>
         <a:spcPct val="100000"/>
       </a:lnSpc>
@@ -658,7 +674,7 @@
         <a:srgbClr val="000000"/>
       </a:buClr>
       <a:buFont typeface="Arial"/>
-      <a:defRPr b="0" i="0" sz="1400" u="none" cap="none" strike="noStrike">
+      <a:defRPr sz="1400" b="0" i="0" u="none" strike="noStrike" cap="none">
         <a:solidFill>
           <a:srgbClr val="000000"/>
         </a:solidFill>
@@ -668,7 +684,7 @@
         <a:sym typeface="Arial"/>
       </a:defRPr>
     </a:lvl7pPr>
-    <a:lvl8pPr lvl="7" marR="0" rtl="0" algn="l">
+    <a:lvl8pPr marR="0" lvl="7" algn="l" rtl="0">
       <a:lnSpc>
         <a:spcPct val="100000"/>
       </a:lnSpc>
@@ -682,7 +698,7 @@
         <a:srgbClr val="000000"/>
       </a:buClr>
       <a:buFont typeface="Arial"/>
-      <a:defRPr b="0" i="0" sz="1400" u="none" cap="none" strike="noStrike">
+      <a:defRPr sz="1400" b="0" i="0" u="none" strike="noStrike" cap="none">
         <a:solidFill>
           <a:srgbClr val="000000"/>
         </a:solidFill>
@@ -692,7 +708,7 @@
         <a:sym typeface="Arial"/>
       </a:defRPr>
     </a:lvl8pPr>
-    <a:lvl9pPr lvl="8" marR="0" rtl="0" algn="l">
+    <a:lvl9pPr marR="0" lvl="8" algn="l" rtl="0">
       <a:lnSpc>
         <a:spcPct val="100000"/>
       </a:lnSpc>
@@ -706,7 +722,7 @@
         <a:srgbClr val="000000"/>
       </a:buClr>
       <a:buFont typeface="Arial"/>
-      <a:defRPr b="0" i="0" sz="1400" u="none" cap="none" strike="noStrike">
+      <a:defRPr sz="1400" b="0" i="0" u="none" strike="noStrike" cap="none">
         <a:solidFill>
           <a:srgbClr val="000000"/>
         </a:solidFill>
@@ -721,11 +737,11 @@
 </file>
 
 <file path=ppt/notesSlides/notesSlide1.xml><?xml version="1.0" encoding="utf-8"?>
-<p:notes xmlns:a="http://schemas.openxmlformats.org/drawingml/2006/main" xmlns:r="http://schemas.openxmlformats.org/officeDocument/2006/relationships" xmlns:mc="http://schemas.openxmlformats.org/markup-compatibility/2006" xmlns:mv="urn:schemas-microsoft-com:mac:vml" xmlns:p="http://schemas.openxmlformats.org/presentationml/2006/main" xmlns:c="http://schemas.openxmlformats.org/drawingml/2006/chart" xmlns:dgm="http://schemas.openxmlformats.org/drawingml/2006/diagram" xmlns:o="urn:schemas-microsoft-com:office:office" xmlns:v="urn:schemas-microsoft-com:vml" xmlns:pvml="urn:schemas-microsoft-com:office:powerpoint" xmlns:com="http://schemas.openxmlformats.org/drawingml/2006/compatibility" xmlns:p14="http://schemas.microsoft.com/office/powerpoint/2010/main" xmlns:p15="http://schemas.microsoft.com/office/powerpoint/2012/main" xmlns:ahyp="http://schemas.microsoft.com/office/drawing/2018/hyperlinkcolor" showMasterPhAnim="0" showMasterSp="0">
+<p:notes xmlns:a="http://schemas.openxmlformats.org/drawingml/2006/main" xmlns:r="http://schemas.openxmlformats.org/officeDocument/2006/relationships" xmlns:p="http://schemas.openxmlformats.org/presentationml/2006/main" showMasterSp="0" showMasterPhAnim="0">
   <p:cSld>
     <p:spTree>
       <p:nvGrpSpPr>
-        <p:cNvPr id="50" name="Shape 50"/>
+        <p:cNvPr id="1" name="Shape 50"/>
         <p:cNvGrpSpPr/>
         <p:nvPr/>
       </p:nvGrpSpPr>
@@ -740,9 +756,11 @@
       <p:sp>
         <p:nvSpPr>
           <p:cNvPr id="51" name="Google Shape;51;p:notes"/>
-          <p:cNvSpPr/>
+          <p:cNvSpPr>
+            <a:spLocks noGrp="1" noRot="1" noChangeAspect="1"/>
+          </p:cNvSpPr>
           <p:nvPr>
-            <p:ph idx="2" type="sldImg"/>
+            <p:ph type="sldImg" idx="2"/>
           </p:nvPr>
         </p:nvSpPr>
         <p:spPr>
@@ -751,9 +769,13 @@
             <a:ext cx="6096075" cy="3429000"/>
           </a:xfrm>
           <a:custGeom>
-            <a:rect b="b" l="l" r="r" t="t"/>
+            <a:avLst/>
+            <a:gdLst/>
+            <a:ahLst/>
+            <a:cxnLst/>
+            <a:rect l="l" t="t" r="r" b="b"/>
             <a:pathLst>
-              <a:path extrusionOk="0" h="120000" w="120000">
+              <a:path w="120000" h="120000" extrusionOk="0">
                 <a:moveTo>
                   <a:pt x="0" y="0"/>
                 </a:moveTo>
@@ -775,9 +797,11 @@
       <p:sp>
         <p:nvSpPr>
           <p:cNvPr id="52" name="Google Shape;52;p:notes"/>
-          <p:cNvSpPr txBox="1"/>
+          <p:cNvSpPr txBox="1">
+            <a:spLocks noGrp="1"/>
+          </p:cNvSpPr>
           <p:nvPr>
-            <p:ph idx="1" type="body"/>
+            <p:ph type="body" idx="1"/>
           </p:nvPr>
         </p:nvSpPr>
         <p:spPr>
@@ -790,12 +814,12 @@
           </a:prstGeom>
         </p:spPr>
         <p:txBody>
-          <a:bodyPr anchorCtr="0" anchor="t" bIns="91425" lIns="91425" spcFirstLastPara="1" rIns="91425" wrap="square" tIns="91425">
+          <a:bodyPr spcFirstLastPara="1" wrap="square" lIns="91425" tIns="91425" rIns="91425" bIns="91425" anchor="t" anchorCtr="0">
             <a:noAutofit/>
           </a:bodyPr>
           <a:lstStyle/>
           <a:p>
-            <a:pPr indent="0" lvl="0" marL="0" rtl="0" algn="l">
+            <a:pPr marL="0" lvl="0" indent="0" algn="l" rtl="0">
               <a:spcBef>
                 <a:spcPts val="0"/>
               </a:spcBef>
@@ -804,9 +828,6 @@
               </a:spcAft>
               <a:buNone/>
             </a:pPr>
-            <a:r>
-              <a:t/>
-            </a:r>
             <a:endParaRPr/>
           </a:p>
         </p:txBody>
@@ -820,11 +841,11 @@
 </file>
 
 <file path=ppt/notesSlides/notesSlide10.xml><?xml version="1.0" encoding="utf-8"?>
-<p:notes xmlns:a="http://schemas.openxmlformats.org/drawingml/2006/main" xmlns:r="http://schemas.openxmlformats.org/officeDocument/2006/relationships" xmlns:mc="http://schemas.openxmlformats.org/markup-compatibility/2006" xmlns:mv="urn:schemas-microsoft-com:mac:vml" xmlns:p="http://schemas.openxmlformats.org/presentationml/2006/main" xmlns:c="http://schemas.openxmlformats.org/drawingml/2006/chart" xmlns:dgm="http://schemas.openxmlformats.org/drawingml/2006/diagram" xmlns:o="urn:schemas-microsoft-com:office:office" xmlns:v="urn:schemas-microsoft-com:vml" xmlns:pvml="urn:schemas-microsoft-com:office:powerpoint" xmlns:com="http://schemas.openxmlformats.org/drawingml/2006/compatibility" xmlns:p14="http://schemas.microsoft.com/office/powerpoint/2010/main" xmlns:p15="http://schemas.microsoft.com/office/powerpoint/2012/main" xmlns:ahyp="http://schemas.microsoft.com/office/drawing/2018/hyperlinkcolor" showMasterPhAnim="0" showMasterSp="0">
+<p:notes xmlns:a="http://schemas.openxmlformats.org/drawingml/2006/main" xmlns:r="http://schemas.openxmlformats.org/officeDocument/2006/relationships" xmlns:p="http://schemas.openxmlformats.org/presentationml/2006/main" showMasterSp="0" showMasterPhAnim="0">
   <p:cSld>
     <p:spTree>
       <p:nvGrpSpPr>
-        <p:cNvPr id="116" name="Shape 116"/>
+        <p:cNvPr id="1" name="Shape 116"/>
         <p:cNvGrpSpPr/>
         <p:nvPr/>
       </p:nvGrpSpPr>
@@ -839,9 +860,11 @@
       <p:sp>
         <p:nvSpPr>
           <p:cNvPr id="117" name="Google Shape;117;g2fd395eea33_0_37:notes"/>
-          <p:cNvSpPr/>
+          <p:cNvSpPr>
+            <a:spLocks noGrp="1" noRot="1" noChangeAspect="1"/>
+          </p:cNvSpPr>
           <p:nvPr>
-            <p:ph idx="2" type="sldImg"/>
+            <p:ph type="sldImg" idx="2"/>
           </p:nvPr>
         </p:nvSpPr>
         <p:spPr>
@@ -850,9 +873,13 @@
             <a:ext cx="6096000" cy="3429000"/>
           </a:xfrm>
           <a:custGeom>
-            <a:rect b="b" l="l" r="r" t="t"/>
+            <a:avLst/>
+            <a:gdLst/>
+            <a:ahLst/>
+            <a:cxnLst/>
+            <a:rect l="l" t="t" r="r" b="b"/>
             <a:pathLst>
-              <a:path extrusionOk="0" h="120000" w="120000">
+              <a:path w="120000" h="120000" extrusionOk="0">
                 <a:moveTo>
                   <a:pt x="0" y="0"/>
                 </a:moveTo>
@@ -874,9 +901,11 @@
       <p:sp>
         <p:nvSpPr>
           <p:cNvPr id="118" name="Google Shape;118;g2fd395eea33_0_37:notes"/>
-          <p:cNvSpPr txBox="1"/>
+          <p:cNvSpPr txBox="1">
+            <a:spLocks noGrp="1"/>
+          </p:cNvSpPr>
           <p:nvPr>
-            <p:ph idx="1" type="body"/>
+            <p:ph type="body" idx="1"/>
           </p:nvPr>
         </p:nvSpPr>
         <p:spPr>
@@ -889,12 +918,12 @@
           </a:prstGeom>
         </p:spPr>
         <p:txBody>
-          <a:bodyPr anchorCtr="0" anchor="t" bIns="91425" lIns="91425" spcFirstLastPara="1" rIns="91425" wrap="square" tIns="91425">
+          <a:bodyPr spcFirstLastPara="1" wrap="square" lIns="91425" tIns="91425" rIns="91425" bIns="91425" anchor="t" anchorCtr="0">
             <a:noAutofit/>
           </a:bodyPr>
           <a:lstStyle/>
           <a:p>
-            <a:pPr indent="0" lvl="0" marL="0" rtl="0" algn="l">
+            <a:pPr marL="0" lvl="0" indent="0" algn="l" rtl="0">
               <a:spcBef>
                 <a:spcPts val="0"/>
               </a:spcBef>
@@ -903,9 +932,6 @@
               </a:spcAft>
               <a:buNone/>
             </a:pPr>
-            <a:r>
-              <a:t/>
-            </a:r>
             <a:endParaRPr/>
           </a:p>
         </p:txBody>
@@ -919,11 +945,11 @@
 </file>
 
 <file path=ppt/notesSlides/notesSlide11.xml><?xml version="1.0" encoding="utf-8"?>
-<p:notes xmlns:a="http://schemas.openxmlformats.org/drawingml/2006/main" xmlns:r="http://schemas.openxmlformats.org/officeDocument/2006/relationships" xmlns:mc="http://schemas.openxmlformats.org/markup-compatibility/2006" xmlns:mv="urn:schemas-microsoft-com:mac:vml" xmlns:p="http://schemas.openxmlformats.org/presentationml/2006/main" xmlns:c="http://schemas.openxmlformats.org/drawingml/2006/chart" xmlns:dgm="http://schemas.openxmlformats.org/drawingml/2006/diagram" xmlns:o="urn:schemas-microsoft-com:office:office" xmlns:v="urn:schemas-microsoft-com:vml" xmlns:pvml="urn:schemas-microsoft-com:office:powerpoint" xmlns:com="http://schemas.openxmlformats.org/drawingml/2006/compatibility" xmlns:p14="http://schemas.microsoft.com/office/powerpoint/2010/main" xmlns:p15="http://schemas.microsoft.com/office/powerpoint/2012/main" xmlns:ahyp="http://schemas.microsoft.com/office/drawing/2018/hyperlinkcolor" showMasterPhAnim="0" showMasterSp="0">
+<p:notes xmlns:a="http://schemas.openxmlformats.org/drawingml/2006/main" xmlns:r="http://schemas.openxmlformats.org/officeDocument/2006/relationships" xmlns:p="http://schemas.openxmlformats.org/presentationml/2006/main" showMasterSp="0" showMasterPhAnim="0">
   <p:cSld>
     <p:spTree>
       <p:nvGrpSpPr>
-        <p:cNvPr id="123" name="Shape 123"/>
+        <p:cNvPr id="1" name="Shape 123"/>
         <p:cNvGrpSpPr/>
         <p:nvPr/>
       </p:nvGrpSpPr>
@@ -938,9 +964,11 @@
       <p:sp>
         <p:nvSpPr>
           <p:cNvPr id="124" name="Google Shape;124;g2fd395eea33_0_43:notes"/>
-          <p:cNvSpPr/>
+          <p:cNvSpPr>
+            <a:spLocks noGrp="1" noRot="1" noChangeAspect="1"/>
+          </p:cNvSpPr>
           <p:nvPr>
-            <p:ph idx="2" type="sldImg"/>
+            <p:ph type="sldImg" idx="2"/>
           </p:nvPr>
         </p:nvSpPr>
         <p:spPr>
@@ -949,9 +977,13 @@
             <a:ext cx="6096000" cy="3429000"/>
           </a:xfrm>
           <a:custGeom>
-            <a:rect b="b" l="l" r="r" t="t"/>
+            <a:avLst/>
+            <a:gdLst/>
+            <a:ahLst/>
+            <a:cxnLst/>
+            <a:rect l="l" t="t" r="r" b="b"/>
             <a:pathLst>
-              <a:path extrusionOk="0" h="120000" w="120000">
+              <a:path w="120000" h="120000" extrusionOk="0">
                 <a:moveTo>
                   <a:pt x="0" y="0"/>
                 </a:moveTo>
@@ -973,9 +1005,11 @@
       <p:sp>
         <p:nvSpPr>
           <p:cNvPr id="125" name="Google Shape;125;g2fd395eea33_0_43:notes"/>
-          <p:cNvSpPr txBox="1"/>
+          <p:cNvSpPr txBox="1">
+            <a:spLocks noGrp="1"/>
+          </p:cNvSpPr>
           <p:nvPr>
-            <p:ph idx="1" type="body"/>
+            <p:ph type="body" idx="1"/>
           </p:nvPr>
         </p:nvSpPr>
         <p:spPr>
@@ -988,12 +1022,12 @@
           </a:prstGeom>
         </p:spPr>
         <p:txBody>
-          <a:bodyPr anchorCtr="0" anchor="t" bIns="91425" lIns="91425" spcFirstLastPara="1" rIns="91425" wrap="square" tIns="91425">
+          <a:bodyPr spcFirstLastPara="1" wrap="square" lIns="91425" tIns="91425" rIns="91425" bIns="91425" anchor="t" anchorCtr="0">
             <a:noAutofit/>
           </a:bodyPr>
           <a:lstStyle/>
           <a:p>
-            <a:pPr indent="0" lvl="0" marL="0" rtl="0" algn="l">
+            <a:pPr marL="0" lvl="0" indent="0" algn="l" rtl="0">
               <a:spcBef>
                 <a:spcPts val="0"/>
               </a:spcBef>
@@ -1002,9 +1036,6 @@
               </a:spcAft>
               <a:buNone/>
             </a:pPr>
-            <a:r>
-              <a:t/>
-            </a:r>
             <a:endParaRPr/>
           </a:p>
         </p:txBody>
@@ -1018,11 +1049,11 @@
 </file>
 
 <file path=ppt/notesSlides/notesSlide12.xml><?xml version="1.0" encoding="utf-8"?>
-<p:notes xmlns:a="http://schemas.openxmlformats.org/drawingml/2006/main" xmlns:r="http://schemas.openxmlformats.org/officeDocument/2006/relationships" xmlns:mc="http://schemas.openxmlformats.org/markup-compatibility/2006" xmlns:mv="urn:schemas-microsoft-com:mac:vml" xmlns:p="http://schemas.openxmlformats.org/presentationml/2006/main" xmlns:c="http://schemas.openxmlformats.org/drawingml/2006/chart" xmlns:dgm="http://schemas.openxmlformats.org/drawingml/2006/diagram" xmlns:o="urn:schemas-microsoft-com:office:office" xmlns:v="urn:schemas-microsoft-com:vml" xmlns:pvml="urn:schemas-microsoft-com:office:powerpoint" xmlns:com="http://schemas.openxmlformats.org/drawingml/2006/compatibility" xmlns:p14="http://schemas.microsoft.com/office/powerpoint/2010/main" xmlns:p15="http://schemas.microsoft.com/office/powerpoint/2012/main" xmlns:ahyp="http://schemas.microsoft.com/office/drawing/2018/hyperlinkcolor" showMasterPhAnim="0" showMasterSp="0">
+<p:notes xmlns:a="http://schemas.openxmlformats.org/drawingml/2006/main" xmlns:r="http://schemas.openxmlformats.org/officeDocument/2006/relationships" xmlns:p="http://schemas.openxmlformats.org/presentationml/2006/main" showMasterSp="0" showMasterPhAnim="0">
   <p:cSld>
     <p:spTree>
       <p:nvGrpSpPr>
-        <p:cNvPr id="130" name="Shape 130"/>
+        <p:cNvPr id="1" name="Shape 130"/>
         <p:cNvGrpSpPr/>
         <p:nvPr/>
       </p:nvGrpSpPr>
@@ -1037,9 +1068,11 @@
       <p:sp>
         <p:nvSpPr>
           <p:cNvPr id="131" name="Google Shape;131;g2fd395eea33_0_49:notes"/>
-          <p:cNvSpPr/>
+          <p:cNvSpPr>
+            <a:spLocks noGrp="1" noRot="1" noChangeAspect="1"/>
+          </p:cNvSpPr>
           <p:nvPr>
-            <p:ph idx="2" type="sldImg"/>
+            <p:ph type="sldImg" idx="2"/>
           </p:nvPr>
         </p:nvSpPr>
         <p:spPr>
@@ -1048,9 +1081,13 @@
             <a:ext cx="6096000" cy="3429000"/>
           </a:xfrm>
           <a:custGeom>
-            <a:rect b="b" l="l" r="r" t="t"/>
+            <a:avLst/>
+            <a:gdLst/>
+            <a:ahLst/>
+            <a:cxnLst/>
+            <a:rect l="l" t="t" r="r" b="b"/>
             <a:pathLst>
-              <a:path extrusionOk="0" h="120000" w="120000">
+              <a:path w="120000" h="120000" extrusionOk="0">
                 <a:moveTo>
                   <a:pt x="0" y="0"/>
                 </a:moveTo>
@@ -1072,9 +1109,11 @@
       <p:sp>
         <p:nvSpPr>
           <p:cNvPr id="132" name="Google Shape;132;g2fd395eea33_0_49:notes"/>
-          <p:cNvSpPr txBox="1"/>
+          <p:cNvSpPr txBox="1">
+            <a:spLocks noGrp="1"/>
+          </p:cNvSpPr>
           <p:nvPr>
-            <p:ph idx="1" type="body"/>
+            <p:ph type="body" idx="1"/>
           </p:nvPr>
         </p:nvSpPr>
         <p:spPr>
@@ -1087,12 +1126,12 @@
           </a:prstGeom>
         </p:spPr>
         <p:txBody>
-          <a:bodyPr anchorCtr="0" anchor="t" bIns="91425" lIns="91425" spcFirstLastPara="1" rIns="91425" wrap="square" tIns="91425">
+          <a:bodyPr spcFirstLastPara="1" wrap="square" lIns="91425" tIns="91425" rIns="91425" bIns="91425" anchor="t" anchorCtr="0">
             <a:noAutofit/>
           </a:bodyPr>
           <a:lstStyle/>
           <a:p>
-            <a:pPr indent="0" lvl="0" marL="0" rtl="0" algn="l">
+            <a:pPr marL="0" lvl="0" indent="0" algn="l" rtl="0">
               <a:spcBef>
                 <a:spcPts val="0"/>
               </a:spcBef>
@@ -1101,9 +1140,6 @@
               </a:spcAft>
               <a:buNone/>
             </a:pPr>
-            <a:r>
-              <a:t/>
-            </a:r>
             <a:endParaRPr/>
           </a:p>
         </p:txBody>
@@ -1117,11 +1153,11 @@
 </file>
 
 <file path=ppt/notesSlides/notesSlide13.xml><?xml version="1.0" encoding="utf-8"?>
-<p:notes xmlns:a="http://schemas.openxmlformats.org/drawingml/2006/main" xmlns:r="http://schemas.openxmlformats.org/officeDocument/2006/relationships" xmlns:mc="http://schemas.openxmlformats.org/markup-compatibility/2006" xmlns:mv="urn:schemas-microsoft-com:mac:vml" xmlns:p="http://schemas.openxmlformats.org/presentationml/2006/main" xmlns:c="http://schemas.openxmlformats.org/drawingml/2006/chart" xmlns:dgm="http://schemas.openxmlformats.org/drawingml/2006/diagram" xmlns:o="urn:schemas-microsoft-com:office:office" xmlns:v="urn:schemas-microsoft-com:vml" xmlns:pvml="urn:schemas-microsoft-com:office:powerpoint" xmlns:com="http://schemas.openxmlformats.org/drawingml/2006/compatibility" xmlns:p14="http://schemas.microsoft.com/office/powerpoint/2010/main" xmlns:p15="http://schemas.microsoft.com/office/powerpoint/2012/main" xmlns:ahyp="http://schemas.microsoft.com/office/drawing/2018/hyperlinkcolor" showMasterPhAnim="0" showMasterSp="0">
+<p:notes xmlns:a="http://schemas.openxmlformats.org/drawingml/2006/main" xmlns:r="http://schemas.openxmlformats.org/officeDocument/2006/relationships" xmlns:p="http://schemas.openxmlformats.org/presentationml/2006/main" showMasterSp="0" showMasterPhAnim="0">
   <p:cSld>
     <p:spTree>
       <p:nvGrpSpPr>
-        <p:cNvPr id="136" name="Shape 136"/>
+        <p:cNvPr id="1" name="Shape 136"/>
         <p:cNvGrpSpPr/>
         <p:nvPr/>
       </p:nvGrpSpPr>
@@ -1136,9 +1172,11 @@
       <p:sp>
         <p:nvSpPr>
           <p:cNvPr id="137" name="Google Shape;137;g2fd395eea33_0_54:notes"/>
-          <p:cNvSpPr/>
+          <p:cNvSpPr>
+            <a:spLocks noGrp="1" noRot="1" noChangeAspect="1"/>
+          </p:cNvSpPr>
           <p:nvPr>
-            <p:ph idx="2" type="sldImg"/>
+            <p:ph type="sldImg" idx="2"/>
           </p:nvPr>
         </p:nvSpPr>
         <p:spPr>
@@ -1147,9 +1185,13 @@
             <a:ext cx="6096000" cy="3429000"/>
           </a:xfrm>
           <a:custGeom>
-            <a:rect b="b" l="l" r="r" t="t"/>
+            <a:avLst/>
+            <a:gdLst/>
+            <a:ahLst/>
+            <a:cxnLst/>
+            <a:rect l="l" t="t" r="r" b="b"/>
             <a:pathLst>
-              <a:path extrusionOk="0" h="120000" w="120000">
+              <a:path w="120000" h="120000" extrusionOk="0">
                 <a:moveTo>
                   <a:pt x="0" y="0"/>
                 </a:moveTo>
@@ -1171,9 +1213,11 @@
       <p:sp>
         <p:nvSpPr>
           <p:cNvPr id="138" name="Google Shape;138;g2fd395eea33_0_54:notes"/>
-          <p:cNvSpPr txBox="1"/>
+          <p:cNvSpPr txBox="1">
+            <a:spLocks noGrp="1"/>
+          </p:cNvSpPr>
           <p:nvPr>
-            <p:ph idx="1" type="body"/>
+            <p:ph type="body" idx="1"/>
           </p:nvPr>
         </p:nvSpPr>
         <p:spPr>
@@ -1186,12 +1230,12 @@
           </a:prstGeom>
         </p:spPr>
         <p:txBody>
-          <a:bodyPr anchorCtr="0" anchor="t" bIns="91425" lIns="91425" spcFirstLastPara="1" rIns="91425" wrap="square" tIns="91425">
+          <a:bodyPr spcFirstLastPara="1" wrap="square" lIns="91425" tIns="91425" rIns="91425" bIns="91425" anchor="t" anchorCtr="0">
             <a:noAutofit/>
           </a:bodyPr>
           <a:lstStyle/>
           <a:p>
-            <a:pPr indent="0" lvl="0" marL="0" rtl="0" algn="l">
+            <a:pPr marL="0" lvl="0" indent="0" algn="l" rtl="0">
               <a:spcBef>
                 <a:spcPts val="0"/>
               </a:spcBef>
@@ -1200,9 +1244,6 @@
               </a:spcAft>
               <a:buNone/>
             </a:pPr>
-            <a:r>
-              <a:t/>
-            </a:r>
             <a:endParaRPr/>
           </a:p>
         </p:txBody>
@@ -1216,11 +1257,11 @@
 </file>
 
 <file path=ppt/notesSlides/notesSlide14.xml><?xml version="1.0" encoding="utf-8"?>
-<p:notes xmlns:a="http://schemas.openxmlformats.org/drawingml/2006/main" xmlns:r="http://schemas.openxmlformats.org/officeDocument/2006/relationships" xmlns:mc="http://schemas.openxmlformats.org/markup-compatibility/2006" xmlns:mv="urn:schemas-microsoft-com:mac:vml" xmlns:p="http://schemas.openxmlformats.org/presentationml/2006/main" xmlns:c="http://schemas.openxmlformats.org/drawingml/2006/chart" xmlns:dgm="http://schemas.openxmlformats.org/drawingml/2006/diagram" xmlns:o="urn:schemas-microsoft-com:office:office" xmlns:v="urn:schemas-microsoft-com:vml" xmlns:pvml="urn:schemas-microsoft-com:office:powerpoint" xmlns:com="http://schemas.openxmlformats.org/drawingml/2006/compatibility" xmlns:p14="http://schemas.microsoft.com/office/powerpoint/2010/main" xmlns:p15="http://schemas.microsoft.com/office/powerpoint/2012/main" xmlns:ahyp="http://schemas.microsoft.com/office/drawing/2018/hyperlinkcolor" showMasterPhAnim="0" showMasterSp="0">
+<p:notes xmlns:a="http://schemas.openxmlformats.org/drawingml/2006/main" xmlns:r="http://schemas.openxmlformats.org/officeDocument/2006/relationships" xmlns:p="http://schemas.openxmlformats.org/presentationml/2006/main" showMasterSp="0" showMasterPhAnim="0">
   <p:cSld>
     <p:spTree>
       <p:nvGrpSpPr>
-        <p:cNvPr id="142" name="Shape 142"/>
+        <p:cNvPr id="1" name="Shape 142"/>
         <p:cNvGrpSpPr/>
         <p:nvPr/>
       </p:nvGrpSpPr>
@@ -1235,9 +1276,11 @@
       <p:sp>
         <p:nvSpPr>
           <p:cNvPr id="143" name="Google Shape;143;g2fd395eea33_0_0:notes"/>
-          <p:cNvSpPr/>
+          <p:cNvSpPr>
+            <a:spLocks noGrp="1" noRot="1" noChangeAspect="1"/>
+          </p:cNvSpPr>
           <p:nvPr>
-            <p:ph idx="2" type="sldImg"/>
+            <p:ph type="sldImg" idx="2"/>
           </p:nvPr>
         </p:nvSpPr>
         <p:spPr>
@@ -1246,9 +1289,13 @@
             <a:ext cx="6096000" cy="3429000"/>
           </a:xfrm>
           <a:custGeom>
-            <a:rect b="b" l="l" r="r" t="t"/>
+            <a:avLst/>
+            <a:gdLst/>
+            <a:ahLst/>
+            <a:cxnLst/>
+            <a:rect l="l" t="t" r="r" b="b"/>
             <a:pathLst>
-              <a:path extrusionOk="0" h="120000" w="120000">
+              <a:path w="120000" h="120000" extrusionOk="0">
                 <a:moveTo>
                   <a:pt x="0" y="0"/>
                 </a:moveTo>
@@ -1270,9 +1317,11 @@
       <p:sp>
         <p:nvSpPr>
           <p:cNvPr id="144" name="Google Shape;144;g2fd395eea33_0_0:notes"/>
-          <p:cNvSpPr txBox="1"/>
+          <p:cNvSpPr txBox="1">
+            <a:spLocks noGrp="1"/>
+          </p:cNvSpPr>
           <p:nvPr>
-            <p:ph idx="1" type="body"/>
+            <p:ph type="body" idx="1"/>
           </p:nvPr>
         </p:nvSpPr>
         <p:spPr>
@@ -1285,12 +1334,12 @@
           </a:prstGeom>
         </p:spPr>
         <p:txBody>
-          <a:bodyPr anchorCtr="0" anchor="t" bIns="91425" lIns="91425" spcFirstLastPara="1" rIns="91425" wrap="square" tIns="91425">
+          <a:bodyPr spcFirstLastPara="1" wrap="square" lIns="91425" tIns="91425" rIns="91425" bIns="91425" anchor="t" anchorCtr="0">
             <a:noAutofit/>
           </a:bodyPr>
           <a:lstStyle/>
           <a:p>
-            <a:pPr indent="0" lvl="0" marL="0" rtl="0" algn="l">
+            <a:pPr marL="0" lvl="0" indent="0" algn="l" rtl="0">
               <a:spcBef>
                 <a:spcPts val="0"/>
               </a:spcBef>
@@ -1299,9 +1348,6 @@
               </a:spcAft>
               <a:buNone/>
             </a:pPr>
-            <a:r>
-              <a:t/>
-            </a:r>
             <a:endParaRPr/>
           </a:p>
         </p:txBody>
@@ -1315,11 +1361,11 @@
 </file>
 
 <file path=ppt/notesSlides/notesSlide15.xml><?xml version="1.0" encoding="utf-8"?>
-<p:notes xmlns:a="http://schemas.openxmlformats.org/drawingml/2006/main" xmlns:r="http://schemas.openxmlformats.org/officeDocument/2006/relationships" xmlns:mc="http://schemas.openxmlformats.org/markup-compatibility/2006" xmlns:mv="urn:schemas-microsoft-com:mac:vml" xmlns:p="http://schemas.openxmlformats.org/presentationml/2006/main" xmlns:c="http://schemas.openxmlformats.org/drawingml/2006/chart" xmlns:dgm="http://schemas.openxmlformats.org/drawingml/2006/diagram" xmlns:o="urn:schemas-microsoft-com:office:office" xmlns:v="urn:schemas-microsoft-com:vml" xmlns:pvml="urn:schemas-microsoft-com:office:powerpoint" xmlns:com="http://schemas.openxmlformats.org/drawingml/2006/compatibility" xmlns:p14="http://schemas.microsoft.com/office/powerpoint/2010/main" xmlns:p15="http://schemas.microsoft.com/office/powerpoint/2012/main" xmlns:ahyp="http://schemas.microsoft.com/office/drawing/2018/hyperlinkcolor" showMasterPhAnim="0" showMasterSp="0">
+<p:notes xmlns:a="http://schemas.openxmlformats.org/drawingml/2006/main" xmlns:r="http://schemas.openxmlformats.org/officeDocument/2006/relationships" xmlns:p="http://schemas.openxmlformats.org/presentationml/2006/main" showMasterSp="0" showMasterPhAnim="0">
   <p:cSld>
     <p:spTree>
       <p:nvGrpSpPr>
-        <p:cNvPr id="149" name="Shape 149"/>
+        <p:cNvPr id="1" name="Shape 149"/>
         <p:cNvGrpSpPr/>
         <p:nvPr/>
       </p:nvGrpSpPr>
@@ -1334,9 +1380,11 @@
       <p:sp>
         <p:nvSpPr>
           <p:cNvPr id="150" name="Google Shape;150;g2fd395eea33_0_61:notes"/>
-          <p:cNvSpPr/>
+          <p:cNvSpPr>
+            <a:spLocks noGrp="1" noRot="1" noChangeAspect="1"/>
+          </p:cNvSpPr>
           <p:nvPr>
-            <p:ph idx="2" type="sldImg"/>
+            <p:ph type="sldImg" idx="2"/>
           </p:nvPr>
         </p:nvSpPr>
         <p:spPr>
@@ -1345,9 +1393,13 @@
             <a:ext cx="6096000" cy="3429000"/>
           </a:xfrm>
           <a:custGeom>
-            <a:rect b="b" l="l" r="r" t="t"/>
+            <a:avLst/>
+            <a:gdLst/>
+            <a:ahLst/>
+            <a:cxnLst/>
+            <a:rect l="l" t="t" r="r" b="b"/>
             <a:pathLst>
-              <a:path extrusionOk="0" h="120000" w="120000">
+              <a:path w="120000" h="120000" extrusionOk="0">
                 <a:moveTo>
                   <a:pt x="0" y="0"/>
                 </a:moveTo>
@@ -1369,9 +1421,11 @@
       <p:sp>
         <p:nvSpPr>
           <p:cNvPr id="151" name="Google Shape;151;g2fd395eea33_0_61:notes"/>
-          <p:cNvSpPr txBox="1"/>
+          <p:cNvSpPr txBox="1">
+            <a:spLocks noGrp="1"/>
+          </p:cNvSpPr>
           <p:nvPr>
-            <p:ph idx="1" type="body"/>
+            <p:ph type="body" idx="1"/>
           </p:nvPr>
         </p:nvSpPr>
         <p:spPr>
@@ -1384,12 +1438,12 @@
           </a:prstGeom>
         </p:spPr>
         <p:txBody>
-          <a:bodyPr anchorCtr="0" anchor="t" bIns="91425" lIns="91425" spcFirstLastPara="1" rIns="91425" wrap="square" tIns="91425">
+          <a:bodyPr spcFirstLastPara="1" wrap="square" lIns="91425" tIns="91425" rIns="91425" bIns="91425" anchor="t" anchorCtr="0">
             <a:noAutofit/>
           </a:bodyPr>
           <a:lstStyle/>
           <a:p>
-            <a:pPr indent="0" lvl="0" marL="0" rtl="0" algn="l">
+            <a:pPr marL="0" lvl="0" indent="0" algn="l" rtl="0">
               <a:spcBef>
                 <a:spcPts val="0"/>
               </a:spcBef>
@@ -1398,9 +1452,6 @@
               </a:spcAft>
               <a:buNone/>
             </a:pPr>
-            <a:r>
-              <a:t/>
-            </a:r>
             <a:endParaRPr/>
           </a:p>
         </p:txBody>
@@ -1414,11 +1465,11 @@
 </file>
 
 <file path=ppt/notesSlides/notesSlide16.xml><?xml version="1.0" encoding="utf-8"?>
-<p:notes xmlns:a="http://schemas.openxmlformats.org/drawingml/2006/main" xmlns:r="http://schemas.openxmlformats.org/officeDocument/2006/relationships" xmlns:mc="http://schemas.openxmlformats.org/markup-compatibility/2006" xmlns:mv="urn:schemas-microsoft-com:mac:vml" xmlns:p="http://schemas.openxmlformats.org/presentationml/2006/main" xmlns:c="http://schemas.openxmlformats.org/drawingml/2006/chart" xmlns:dgm="http://schemas.openxmlformats.org/drawingml/2006/diagram" xmlns:o="urn:schemas-microsoft-com:office:office" xmlns:v="urn:schemas-microsoft-com:vml" xmlns:pvml="urn:schemas-microsoft-com:office:powerpoint" xmlns:com="http://schemas.openxmlformats.org/drawingml/2006/compatibility" xmlns:p14="http://schemas.microsoft.com/office/powerpoint/2010/main" xmlns:p15="http://schemas.microsoft.com/office/powerpoint/2012/main" xmlns:ahyp="http://schemas.microsoft.com/office/drawing/2018/hyperlinkcolor" showMasterPhAnim="0" showMasterSp="0">
+<p:notes xmlns:a="http://schemas.openxmlformats.org/drawingml/2006/main" xmlns:r="http://schemas.openxmlformats.org/officeDocument/2006/relationships" xmlns:p="http://schemas.openxmlformats.org/presentationml/2006/main" showMasterSp="0" showMasterPhAnim="0">
   <p:cSld>
     <p:spTree>
       <p:nvGrpSpPr>
-        <p:cNvPr id="155" name="Shape 155"/>
+        <p:cNvPr id="1" name="Shape 155"/>
         <p:cNvGrpSpPr/>
         <p:nvPr/>
       </p:nvGrpSpPr>
@@ -1433,9 +1484,11 @@
       <p:sp>
         <p:nvSpPr>
           <p:cNvPr id="156" name="Google Shape;156;g2fd395eea33_0_66:notes"/>
-          <p:cNvSpPr/>
+          <p:cNvSpPr>
+            <a:spLocks noGrp="1" noRot="1" noChangeAspect="1"/>
+          </p:cNvSpPr>
           <p:nvPr>
-            <p:ph idx="2" type="sldImg"/>
+            <p:ph type="sldImg" idx="2"/>
           </p:nvPr>
         </p:nvSpPr>
         <p:spPr>
@@ -1444,9 +1497,13 @@
             <a:ext cx="6096000" cy="3429000"/>
           </a:xfrm>
           <a:custGeom>
-            <a:rect b="b" l="l" r="r" t="t"/>
+            <a:avLst/>
+            <a:gdLst/>
+            <a:ahLst/>
+            <a:cxnLst/>
+            <a:rect l="l" t="t" r="r" b="b"/>
             <a:pathLst>
-              <a:path extrusionOk="0" h="120000" w="120000">
+              <a:path w="120000" h="120000" extrusionOk="0">
                 <a:moveTo>
                   <a:pt x="0" y="0"/>
                 </a:moveTo>
@@ -1468,9 +1525,11 @@
       <p:sp>
         <p:nvSpPr>
           <p:cNvPr id="157" name="Google Shape;157;g2fd395eea33_0_66:notes"/>
-          <p:cNvSpPr txBox="1"/>
+          <p:cNvSpPr txBox="1">
+            <a:spLocks noGrp="1"/>
+          </p:cNvSpPr>
           <p:nvPr>
-            <p:ph idx="1" type="body"/>
+            <p:ph type="body" idx="1"/>
           </p:nvPr>
         </p:nvSpPr>
         <p:spPr>
@@ -1483,12 +1542,12 @@
           </a:prstGeom>
         </p:spPr>
         <p:txBody>
-          <a:bodyPr anchorCtr="0" anchor="t" bIns="91425" lIns="91425" spcFirstLastPara="1" rIns="91425" wrap="square" tIns="91425">
+          <a:bodyPr spcFirstLastPara="1" wrap="square" lIns="91425" tIns="91425" rIns="91425" bIns="91425" anchor="t" anchorCtr="0">
             <a:noAutofit/>
           </a:bodyPr>
           <a:lstStyle/>
           <a:p>
-            <a:pPr indent="0" lvl="0" marL="0" rtl="0" algn="l">
+            <a:pPr marL="0" lvl="0" indent="0" algn="l" rtl="0">
               <a:spcBef>
                 <a:spcPts val="0"/>
               </a:spcBef>
@@ -1497,9 +1556,6 @@
               </a:spcAft>
               <a:buNone/>
             </a:pPr>
-            <a:r>
-              <a:t/>
-            </a:r>
             <a:endParaRPr/>
           </a:p>
         </p:txBody>
@@ -1513,11 +1569,11 @@
 </file>
 
 <file path=ppt/notesSlides/notesSlide17.xml><?xml version="1.0" encoding="utf-8"?>
-<p:notes xmlns:a="http://schemas.openxmlformats.org/drawingml/2006/main" xmlns:r="http://schemas.openxmlformats.org/officeDocument/2006/relationships" xmlns:mc="http://schemas.openxmlformats.org/markup-compatibility/2006" xmlns:mv="urn:schemas-microsoft-com:mac:vml" xmlns:p="http://schemas.openxmlformats.org/presentationml/2006/main" xmlns:c="http://schemas.openxmlformats.org/drawingml/2006/chart" xmlns:dgm="http://schemas.openxmlformats.org/drawingml/2006/diagram" xmlns:o="urn:schemas-microsoft-com:office:office" xmlns:v="urn:schemas-microsoft-com:vml" xmlns:pvml="urn:schemas-microsoft-com:office:powerpoint" xmlns:com="http://schemas.openxmlformats.org/drawingml/2006/compatibility" xmlns:p14="http://schemas.microsoft.com/office/powerpoint/2010/main" xmlns:p15="http://schemas.microsoft.com/office/powerpoint/2012/main" xmlns:ahyp="http://schemas.microsoft.com/office/drawing/2018/hyperlinkcolor" showMasterPhAnim="0" showMasterSp="0">
+<p:notes xmlns:a="http://schemas.openxmlformats.org/drawingml/2006/main" xmlns:r="http://schemas.openxmlformats.org/officeDocument/2006/relationships" xmlns:p="http://schemas.openxmlformats.org/presentationml/2006/main" showMasterSp="0" showMasterPhAnim="0">
   <p:cSld>
     <p:spTree>
       <p:nvGrpSpPr>
-        <p:cNvPr id="161" name="Shape 161"/>
+        <p:cNvPr id="1" name="Shape 161"/>
         <p:cNvGrpSpPr/>
         <p:nvPr/>
       </p:nvGrpSpPr>
@@ -1532,9 +1588,11 @@
       <p:sp>
         <p:nvSpPr>
           <p:cNvPr id="162" name="Google Shape;162;g2fd395eea33_0_71:notes"/>
-          <p:cNvSpPr/>
+          <p:cNvSpPr>
+            <a:spLocks noGrp="1" noRot="1" noChangeAspect="1"/>
+          </p:cNvSpPr>
           <p:nvPr>
-            <p:ph idx="2" type="sldImg"/>
+            <p:ph type="sldImg" idx="2"/>
           </p:nvPr>
         </p:nvSpPr>
         <p:spPr>
@@ -1543,9 +1601,13 @@
             <a:ext cx="6096000" cy="3429000"/>
           </a:xfrm>
           <a:custGeom>
-            <a:rect b="b" l="l" r="r" t="t"/>
+            <a:avLst/>
+            <a:gdLst/>
+            <a:ahLst/>
+            <a:cxnLst/>
+            <a:rect l="l" t="t" r="r" b="b"/>
             <a:pathLst>
-              <a:path extrusionOk="0" h="120000" w="120000">
+              <a:path w="120000" h="120000" extrusionOk="0">
                 <a:moveTo>
                   <a:pt x="0" y="0"/>
                 </a:moveTo>
@@ -1567,9 +1629,11 @@
       <p:sp>
         <p:nvSpPr>
           <p:cNvPr id="163" name="Google Shape;163;g2fd395eea33_0_71:notes"/>
-          <p:cNvSpPr txBox="1"/>
+          <p:cNvSpPr txBox="1">
+            <a:spLocks noGrp="1"/>
+          </p:cNvSpPr>
           <p:nvPr>
-            <p:ph idx="1" type="body"/>
+            <p:ph type="body" idx="1"/>
           </p:nvPr>
         </p:nvSpPr>
         <p:spPr>
@@ -1582,12 +1646,12 @@
           </a:prstGeom>
         </p:spPr>
         <p:txBody>
-          <a:bodyPr anchorCtr="0" anchor="t" bIns="91425" lIns="91425" spcFirstLastPara="1" rIns="91425" wrap="square" tIns="91425">
+          <a:bodyPr spcFirstLastPara="1" wrap="square" lIns="91425" tIns="91425" rIns="91425" bIns="91425" anchor="t" anchorCtr="0">
             <a:noAutofit/>
           </a:bodyPr>
           <a:lstStyle/>
           <a:p>
-            <a:pPr indent="0" lvl="0" marL="0" rtl="0" algn="l">
+            <a:pPr marL="0" lvl="0" indent="0" algn="l" rtl="0">
               <a:spcBef>
                 <a:spcPts val="0"/>
               </a:spcBef>
@@ -1596,9 +1660,6 @@
               </a:spcAft>
               <a:buNone/>
             </a:pPr>
-            <a:r>
-              <a:t/>
-            </a:r>
             <a:endParaRPr/>
           </a:p>
         </p:txBody>
@@ -1612,11 +1673,11 @@
 </file>
 
 <file path=ppt/notesSlides/notesSlide18.xml><?xml version="1.0" encoding="utf-8"?>
-<p:notes xmlns:a="http://schemas.openxmlformats.org/drawingml/2006/main" xmlns:r="http://schemas.openxmlformats.org/officeDocument/2006/relationships" xmlns:mc="http://schemas.openxmlformats.org/markup-compatibility/2006" xmlns:mv="urn:schemas-microsoft-com:mac:vml" xmlns:p="http://schemas.openxmlformats.org/presentationml/2006/main" xmlns:c="http://schemas.openxmlformats.org/drawingml/2006/chart" xmlns:dgm="http://schemas.openxmlformats.org/drawingml/2006/diagram" xmlns:o="urn:schemas-microsoft-com:office:office" xmlns:v="urn:schemas-microsoft-com:vml" xmlns:pvml="urn:schemas-microsoft-com:office:powerpoint" xmlns:com="http://schemas.openxmlformats.org/drawingml/2006/compatibility" xmlns:p14="http://schemas.microsoft.com/office/powerpoint/2010/main" xmlns:p15="http://schemas.microsoft.com/office/powerpoint/2012/main" xmlns:ahyp="http://schemas.microsoft.com/office/drawing/2018/hyperlinkcolor" showMasterPhAnim="0" showMasterSp="0">
+<p:notes xmlns:a="http://schemas.openxmlformats.org/drawingml/2006/main" xmlns:r="http://schemas.openxmlformats.org/officeDocument/2006/relationships" xmlns:p="http://schemas.openxmlformats.org/presentationml/2006/main" showMasterSp="0" showMasterPhAnim="0">
   <p:cSld>
     <p:spTree>
       <p:nvGrpSpPr>
-        <p:cNvPr id="167" name="Shape 167"/>
+        <p:cNvPr id="1" name="Shape 167"/>
         <p:cNvGrpSpPr/>
         <p:nvPr/>
       </p:nvGrpSpPr>
@@ -1631,9 +1692,11 @@
       <p:sp>
         <p:nvSpPr>
           <p:cNvPr id="168" name="Google Shape;168;g2fd395eea33_0_77:notes"/>
-          <p:cNvSpPr/>
+          <p:cNvSpPr>
+            <a:spLocks noGrp="1" noRot="1" noChangeAspect="1"/>
+          </p:cNvSpPr>
           <p:nvPr>
-            <p:ph idx="2" type="sldImg"/>
+            <p:ph type="sldImg" idx="2"/>
           </p:nvPr>
         </p:nvSpPr>
         <p:spPr>
@@ -1642,9 +1705,13 @@
             <a:ext cx="6096000" cy="3429000"/>
           </a:xfrm>
           <a:custGeom>
-            <a:rect b="b" l="l" r="r" t="t"/>
+            <a:avLst/>
+            <a:gdLst/>
+            <a:ahLst/>
+            <a:cxnLst/>
+            <a:rect l="l" t="t" r="r" b="b"/>
             <a:pathLst>
-              <a:path extrusionOk="0" h="120000" w="120000">
+              <a:path w="120000" h="120000" extrusionOk="0">
                 <a:moveTo>
                   <a:pt x="0" y="0"/>
                 </a:moveTo>
@@ -1666,9 +1733,11 @@
       <p:sp>
         <p:nvSpPr>
           <p:cNvPr id="169" name="Google Shape;169;g2fd395eea33_0_77:notes"/>
-          <p:cNvSpPr txBox="1"/>
+          <p:cNvSpPr txBox="1">
+            <a:spLocks noGrp="1"/>
+          </p:cNvSpPr>
           <p:nvPr>
-            <p:ph idx="1" type="body"/>
+            <p:ph type="body" idx="1"/>
           </p:nvPr>
         </p:nvSpPr>
         <p:spPr>
@@ -1681,12 +1750,12 @@
           </a:prstGeom>
         </p:spPr>
         <p:txBody>
-          <a:bodyPr anchorCtr="0" anchor="t" bIns="91425" lIns="91425" spcFirstLastPara="1" rIns="91425" wrap="square" tIns="91425">
+          <a:bodyPr spcFirstLastPara="1" wrap="square" lIns="91425" tIns="91425" rIns="91425" bIns="91425" anchor="t" anchorCtr="0">
             <a:noAutofit/>
           </a:bodyPr>
           <a:lstStyle/>
           <a:p>
-            <a:pPr indent="0" lvl="0" marL="0" rtl="0" algn="l">
+            <a:pPr marL="0" lvl="0" indent="0" algn="l" rtl="0">
               <a:spcBef>
                 <a:spcPts val="0"/>
               </a:spcBef>
@@ -1695,9 +1764,6 @@
               </a:spcAft>
               <a:buNone/>
             </a:pPr>
-            <a:r>
-              <a:t/>
-            </a:r>
             <a:endParaRPr/>
           </a:p>
         </p:txBody>
@@ -1711,11 +1777,11 @@
 </file>
 
 <file path=ppt/notesSlides/notesSlide19.xml><?xml version="1.0" encoding="utf-8"?>
-<p:notes xmlns:a="http://schemas.openxmlformats.org/drawingml/2006/main" xmlns:r="http://schemas.openxmlformats.org/officeDocument/2006/relationships" xmlns:mc="http://schemas.openxmlformats.org/markup-compatibility/2006" xmlns:mv="urn:schemas-microsoft-com:mac:vml" xmlns:p="http://schemas.openxmlformats.org/presentationml/2006/main" xmlns:c="http://schemas.openxmlformats.org/drawingml/2006/chart" xmlns:dgm="http://schemas.openxmlformats.org/drawingml/2006/diagram" xmlns:o="urn:schemas-microsoft-com:office:office" xmlns:v="urn:schemas-microsoft-com:vml" xmlns:pvml="urn:schemas-microsoft-com:office:powerpoint" xmlns:com="http://schemas.openxmlformats.org/drawingml/2006/compatibility" xmlns:p14="http://schemas.microsoft.com/office/powerpoint/2010/main" xmlns:p15="http://schemas.microsoft.com/office/powerpoint/2012/main" xmlns:ahyp="http://schemas.microsoft.com/office/drawing/2018/hyperlinkcolor" showMasterPhAnim="0" showMasterSp="0">
+<p:notes xmlns:a="http://schemas.openxmlformats.org/drawingml/2006/main" xmlns:r="http://schemas.openxmlformats.org/officeDocument/2006/relationships" xmlns:p="http://schemas.openxmlformats.org/presentationml/2006/main" showMasterSp="0" showMasterPhAnim="0">
   <p:cSld>
     <p:spTree>
       <p:nvGrpSpPr>
-        <p:cNvPr id="173" name="Shape 173"/>
+        <p:cNvPr id="1" name="Shape 173"/>
         <p:cNvGrpSpPr/>
         <p:nvPr/>
       </p:nvGrpSpPr>
@@ -1730,9 +1796,11 @@
       <p:sp>
         <p:nvSpPr>
           <p:cNvPr id="174" name="Google Shape;174;g2fd395eea33_0_10:notes"/>
-          <p:cNvSpPr/>
+          <p:cNvSpPr>
+            <a:spLocks noGrp="1" noRot="1" noChangeAspect="1"/>
+          </p:cNvSpPr>
           <p:nvPr>
-            <p:ph idx="2" type="sldImg"/>
+            <p:ph type="sldImg" idx="2"/>
           </p:nvPr>
         </p:nvSpPr>
         <p:spPr>
@@ -1741,9 +1809,13 @@
             <a:ext cx="6096000" cy="3429000"/>
           </a:xfrm>
           <a:custGeom>
-            <a:rect b="b" l="l" r="r" t="t"/>
+            <a:avLst/>
+            <a:gdLst/>
+            <a:ahLst/>
+            <a:cxnLst/>
+            <a:rect l="l" t="t" r="r" b="b"/>
             <a:pathLst>
-              <a:path extrusionOk="0" h="120000" w="120000">
+              <a:path w="120000" h="120000" extrusionOk="0">
                 <a:moveTo>
                   <a:pt x="0" y="0"/>
                 </a:moveTo>
@@ -1765,9 +1837,11 @@
       <p:sp>
         <p:nvSpPr>
           <p:cNvPr id="175" name="Google Shape;175;g2fd395eea33_0_10:notes"/>
-          <p:cNvSpPr txBox="1"/>
+          <p:cNvSpPr txBox="1">
+            <a:spLocks noGrp="1"/>
+          </p:cNvSpPr>
           <p:nvPr>
-            <p:ph idx="1" type="body"/>
+            <p:ph type="body" idx="1"/>
           </p:nvPr>
         </p:nvSpPr>
         <p:spPr>
@@ -1780,12 +1854,12 @@
           </a:prstGeom>
         </p:spPr>
         <p:txBody>
-          <a:bodyPr anchorCtr="0" anchor="t" bIns="91425" lIns="91425" spcFirstLastPara="1" rIns="91425" wrap="square" tIns="91425">
+          <a:bodyPr spcFirstLastPara="1" wrap="square" lIns="91425" tIns="91425" rIns="91425" bIns="91425" anchor="t" anchorCtr="0">
             <a:noAutofit/>
           </a:bodyPr>
           <a:lstStyle/>
           <a:p>
-            <a:pPr indent="0" lvl="0" marL="0" rtl="0" algn="l">
+            <a:pPr marL="0" lvl="0" indent="0" algn="l" rtl="0">
               <a:spcBef>
                 <a:spcPts val="0"/>
               </a:spcBef>
@@ -1794,9 +1868,6 @@
               </a:spcAft>
               <a:buNone/>
             </a:pPr>
-            <a:r>
-              <a:t/>
-            </a:r>
             <a:endParaRPr/>
           </a:p>
         </p:txBody>
@@ -1810,11 +1881,11 @@
 </file>
 
 <file path=ppt/notesSlides/notesSlide2.xml><?xml version="1.0" encoding="utf-8"?>
-<p:notes xmlns:a="http://schemas.openxmlformats.org/drawingml/2006/main" xmlns:r="http://schemas.openxmlformats.org/officeDocument/2006/relationships" xmlns:mc="http://schemas.openxmlformats.org/markup-compatibility/2006" xmlns:mv="urn:schemas-microsoft-com:mac:vml" xmlns:p="http://schemas.openxmlformats.org/presentationml/2006/main" xmlns:c="http://schemas.openxmlformats.org/drawingml/2006/chart" xmlns:dgm="http://schemas.openxmlformats.org/drawingml/2006/diagram" xmlns:o="urn:schemas-microsoft-com:office:office" xmlns:v="urn:schemas-microsoft-com:vml" xmlns:pvml="urn:schemas-microsoft-com:office:powerpoint" xmlns:com="http://schemas.openxmlformats.org/drawingml/2006/compatibility" xmlns:p14="http://schemas.microsoft.com/office/powerpoint/2010/main" xmlns:p15="http://schemas.microsoft.com/office/powerpoint/2012/main" xmlns:ahyp="http://schemas.microsoft.com/office/drawing/2018/hyperlinkcolor" showMasterPhAnim="0" showMasterSp="0">
+<p:notes xmlns:a="http://schemas.openxmlformats.org/drawingml/2006/main" xmlns:r="http://schemas.openxmlformats.org/officeDocument/2006/relationships" xmlns:p="http://schemas.openxmlformats.org/presentationml/2006/main" showMasterSp="0" showMasterPhAnim="0">
   <p:cSld>
     <p:spTree>
       <p:nvGrpSpPr>
-        <p:cNvPr id="56" name="Shape 56"/>
+        <p:cNvPr id="1" name="Shape 56"/>
         <p:cNvGrpSpPr/>
         <p:nvPr/>
       </p:nvGrpSpPr>
@@ -1829,20 +1900,26 @@
       <p:sp>
         <p:nvSpPr>
           <p:cNvPr id="57" name="Google Shape;57;g2f5fd4ba4c7_0_5:notes"/>
-          <p:cNvSpPr/>
+          <p:cNvSpPr>
+            <a:spLocks noGrp="1" noRot="1" noChangeAspect="1"/>
+          </p:cNvSpPr>
           <p:nvPr>
-            <p:ph idx="2" type="sldImg"/>
+            <p:ph type="sldImg" idx="2"/>
           </p:nvPr>
         </p:nvSpPr>
         <p:spPr>
           <a:xfrm>
-            <a:off x="381300" y="685800"/>
+            <a:off x="381000" y="685800"/>
             <a:ext cx="6096000" cy="3429000"/>
           </a:xfrm>
           <a:custGeom>
-            <a:rect b="b" l="l" r="r" t="t"/>
+            <a:avLst/>
+            <a:gdLst/>
+            <a:ahLst/>
+            <a:cxnLst/>
+            <a:rect l="l" t="t" r="r" b="b"/>
             <a:pathLst>
-              <a:path extrusionOk="0" h="120000" w="120000">
+              <a:path w="120000" h="120000" extrusionOk="0">
                 <a:moveTo>
                   <a:pt x="0" y="0"/>
                 </a:moveTo>
@@ -1864,9 +1941,11 @@
       <p:sp>
         <p:nvSpPr>
           <p:cNvPr id="58" name="Google Shape;58;g2f5fd4ba4c7_0_5:notes"/>
-          <p:cNvSpPr txBox="1"/>
+          <p:cNvSpPr txBox="1">
+            <a:spLocks noGrp="1"/>
+          </p:cNvSpPr>
           <p:nvPr>
-            <p:ph idx="1" type="body"/>
+            <p:ph type="body" idx="1"/>
           </p:nvPr>
         </p:nvSpPr>
         <p:spPr>
@@ -1879,12 +1958,12 @@
           </a:prstGeom>
         </p:spPr>
         <p:txBody>
-          <a:bodyPr anchorCtr="0" anchor="t" bIns="91425" lIns="91425" spcFirstLastPara="1" rIns="91425" wrap="square" tIns="91425">
+          <a:bodyPr spcFirstLastPara="1" wrap="square" lIns="91425" tIns="91425" rIns="91425" bIns="91425" anchor="t" anchorCtr="0">
             <a:noAutofit/>
           </a:bodyPr>
           <a:lstStyle/>
           <a:p>
-            <a:pPr indent="0" lvl="0" marL="0" rtl="0" algn="l">
+            <a:pPr marL="0" lvl="0" indent="0" algn="l" rtl="0">
               <a:spcBef>
                 <a:spcPts val="0"/>
               </a:spcBef>
@@ -1893,9 +1972,6 @@
               </a:spcAft>
               <a:buNone/>
             </a:pPr>
-            <a:r>
-              <a:t/>
-            </a:r>
             <a:endParaRPr/>
           </a:p>
         </p:txBody>
@@ -1909,11 +1985,11 @@
 </file>
 
 <file path=ppt/notesSlides/notesSlide3.xml><?xml version="1.0" encoding="utf-8"?>
-<p:notes xmlns:a="http://schemas.openxmlformats.org/drawingml/2006/main" xmlns:r="http://schemas.openxmlformats.org/officeDocument/2006/relationships" xmlns:mc="http://schemas.openxmlformats.org/markup-compatibility/2006" xmlns:mv="urn:schemas-microsoft-com:mac:vml" xmlns:p="http://schemas.openxmlformats.org/presentationml/2006/main" xmlns:c="http://schemas.openxmlformats.org/drawingml/2006/chart" xmlns:dgm="http://schemas.openxmlformats.org/drawingml/2006/diagram" xmlns:o="urn:schemas-microsoft-com:office:office" xmlns:v="urn:schemas-microsoft-com:vml" xmlns:pvml="urn:schemas-microsoft-com:office:powerpoint" xmlns:com="http://schemas.openxmlformats.org/drawingml/2006/compatibility" xmlns:p14="http://schemas.microsoft.com/office/powerpoint/2010/main" xmlns:p15="http://schemas.microsoft.com/office/powerpoint/2012/main" xmlns:ahyp="http://schemas.microsoft.com/office/drawing/2018/hyperlinkcolor" showMasterPhAnim="0" showMasterSp="0">
+<p:notes xmlns:a="http://schemas.openxmlformats.org/drawingml/2006/main" xmlns:r="http://schemas.openxmlformats.org/officeDocument/2006/relationships" xmlns:p="http://schemas.openxmlformats.org/presentationml/2006/main" showMasterSp="0" showMasterPhAnim="0">
   <p:cSld>
     <p:spTree>
       <p:nvGrpSpPr>
-        <p:cNvPr id="62" name="Shape 62"/>
+        <p:cNvPr id="1" name="Shape 62"/>
         <p:cNvGrpSpPr/>
         <p:nvPr/>
       </p:nvGrpSpPr>
@@ -1928,9 +2004,11 @@
       <p:sp>
         <p:nvSpPr>
           <p:cNvPr id="63" name="Google Shape;63;g2f3ba97deb3_0_0:notes"/>
-          <p:cNvSpPr/>
+          <p:cNvSpPr>
+            <a:spLocks noGrp="1" noRot="1" noChangeAspect="1"/>
+          </p:cNvSpPr>
           <p:nvPr>
-            <p:ph idx="2" type="sldImg"/>
+            <p:ph type="sldImg" idx="2"/>
           </p:nvPr>
         </p:nvSpPr>
         <p:spPr>
@@ -1939,9 +2017,13 @@
             <a:ext cx="6096000" cy="3429000"/>
           </a:xfrm>
           <a:custGeom>
-            <a:rect b="b" l="l" r="r" t="t"/>
+            <a:avLst/>
+            <a:gdLst/>
+            <a:ahLst/>
+            <a:cxnLst/>
+            <a:rect l="l" t="t" r="r" b="b"/>
             <a:pathLst>
-              <a:path extrusionOk="0" h="120000" w="120000">
+              <a:path w="120000" h="120000" extrusionOk="0">
                 <a:moveTo>
                   <a:pt x="0" y="0"/>
                 </a:moveTo>
@@ -1963,9 +2045,11 @@
       <p:sp>
         <p:nvSpPr>
           <p:cNvPr id="64" name="Google Shape;64;g2f3ba97deb3_0_0:notes"/>
-          <p:cNvSpPr txBox="1"/>
+          <p:cNvSpPr txBox="1">
+            <a:spLocks noGrp="1"/>
+          </p:cNvSpPr>
           <p:nvPr>
-            <p:ph idx="1" type="body"/>
+            <p:ph type="body" idx="1"/>
           </p:nvPr>
         </p:nvSpPr>
         <p:spPr>
@@ -1978,12 +2062,12 @@
           </a:prstGeom>
         </p:spPr>
         <p:txBody>
-          <a:bodyPr anchorCtr="0" anchor="t" bIns="91425" lIns="91425" spcFirstLastPara="1" rIns="91425" wrap="square" tIns="91425">
+          <a:bodyPr spcFirstLastPara="1" wrap="square" lIns="91425" tIns="91425" rIns="91425" bIns="91425" anchor="t" anchorCtr="0">
             <a:noAutofit/>
           </a:bodyPr>
           <a:lstStyle/>
           <a:p>
-            <a:pPr indent="0" lvl="0" marL="0" rtl="0" algn="l">
+            <a:pPr marL="0" lvl="0" indent="0" algn="l" rtl="0">
               <a:spcBef>
                 <a:spcPts val="0"/>
               </a:spcBef>
@@ -1992,9 +2076,6 @@
               </a:spcAft>
               <a:buNone/>
             </a:pPr>
-            <a:r>
-              <a:t/>
-            </a:r>
             <a:endParaRPr/>
           </a:p>
         </p:txBody>
@@ -2008,11 +2089,11 @@
 </file>
 
 <file path=ppt/notesSlides/notesSlide4.xml><?xml version="1.0" encoding="utf-8"?>
-<p:notes xmlns:a="http://schemas.openxmlformats.org/drawingml/2006/main" xmlns:r="http://schemas.openxmlformats.org/officeDocument/2006/relationships" xmlns:mc="http://schemas.openxmlformats.org/markup-compatibility/2006" xmlns:mv="urn:schemas-microsoft-com:mac:vml" xmlns:p="http://schemas.openxmlformats.org/presentationml/2006/main" xmlns:c="http://schemas.openxmlformats.org/drawingml/2006/chart" xmlns:dgm="http://schemas.openxmlformats.org/drawingml/2006/diagram" xmlns:o="urn:schemas-microsoft-com:office:office" xmlns:v="urn:schemas-microsoft-com:vml" xmlns:pvml="urn:schemas-microsoft-com:office:powerpoint" xmlns:com="http://schemas.openxmlformats.org/drawingml/2006/compatibility" xmlns:p14="http://schemas.microsoft.com/office/powerpoint/2010/main" xmlns:p15="http://schemas.microsoft.com/office/powerpoint/2012/main" xmlns:ahyp="http://schemas.microsoft.com/office/drawing/2018/hyperlinkcolor" showMasterPhAnim="0" showMasterSp="0">
+<p:notes xmlns:a="http://schemas.openxmlformats.org/drawingml/2006/main" xmlns:r="http://schemas.openxmlformats.org/officeDocument/2006/relationships" xmlns:p="http://schemas.openxmlformats.org/presentationml/2006/main" showMasterSp="0" showMasterPhAnim="0">
   <p:cSld>
     <p:spTree>
       <p:nvGrpSpPr>
-        <p:cNvPr id="78" name="Shape 78"/>
+        <p:cNvPr id="1" name="Shape 78"/>
         <p:cNvGrpSpPr/>
         <p:nvPr/>
       </p:nvGrpSpPr>
@@ -2027,9 +2108,11 @@
       <p:sp>
         <p:nvSpPr>
           <p:cNvPr id="79" name="Google Shape;79;g2f3ba97deb3_0_20:notes"/>
-          <p:cNvSpPr/>
+          <p:cNvSpPr>
+            <a:spLocks noGrp="1" noRot="1" noChangeAspect="1"/>
+          </p:cNvSpPr>
           <p:nvPr>
-            <p:ph idx="2" type="sldImg"/>
+            <p:ph type="sldImg" idx="2"/>
           </p:nvPr>
         </p:nvSpPr>
         <p:spPr>
@@ -2038,9 +2121,13 @@
             <a:ext cx="6096000" cy="3429000"/>
           </a:xfrm>
           <a:custGeom>
-            <a:rect b="b" l="l" r="r" t="t"/>
+            <a:avLst/>
+            <a:gdLst/>
+            <a:ahLst/>
+            <a:cxnLst/>
+            <a:rect l="l" t="t" r="r" b="b"/>
             <a:pathLst>
-              <a:path extrusionOk="0" h="120000" w="120000">
+              <a:path w="120000" h="120000" extrusionOk="0">
                 <a:moveTo>
                   <a:pt x="0" y="0"/>
                 </a:moveTo>
@@ -2062,9 +2149,11 @@
       <p:sp>
         <p:nvSpPr>
           <p:cNvPr id="80" name="Google Shape;80;g2f3ba97deb3_0_20:notes"/>
-          <p:cNvSpPr txBox="1"/>
+          <p:cNvSpPr txBox="1">
+            <a:spLocks noGrp="1"/>
+          </p:cNvSpPr>
           <p:nvPr>
-            <p:ph idx="1" type="body"/>
+            <p:ph type="body" idx="1"/>
           </p:nvPr>
         </p:nvSpPr>
         <p:spPr>
@@ -2077,12 +2166,12 @@
           </a:prstGeom>
         </p:spPr>
         <p:txBody>
-          <a:bodyPr anchorCtr="0" anchor="t" bIns="91425" lIns="91425" spcFirstLastPara="1" rIns="91425" wrap="square" tIns="91425">
+          <a:bodyPr spcFirstLastPara="1" wrap="square" lIns="91425" tIns="91425" rIns="91425" bIns="91425" anchor="t" anchorCtr="0">
             <a:noAutofit/>
           </a:bodyPr>
           <a:lstStyle/>
           <a:p>
-            <a:pPr indent="0" lvl="0" marL="0" rtl="0" algn="l">
+            <a:pPr marL="0" lvl="0" indent="0" algn="l" rtl="0">
               <a:spcBef>
                 <a:spcPts val="0"/>
               </a:spcBef>
@@ -2091,9 +2180,6 @@
               </a:spcAft>
               <a:buNone/>
             </a:pPr>
-            <a:r>
-              <a:t/>
-            </a:r>
             <a:endParaRPr/>
           </a:p>
         </p:txBody>
@@ -2107,11 +2193,11 @@
 </file>
 
 <file path=ppt/notesSlides/notesSlide5.xml><?xml version="1.0" encoding="utf-8"?>
-<p:notes xmlns:a="http://schemas.openxmlformats.org/drawingml/2006/main" xmlns:r="http://schemas.openxmlformats.org/officeDocument/2006/relationships" xmlns:mc="http://schemas.openxmlformats.org/markup-compatibility/2006" xmlns:mv="urn:schemas-microsoft-com:mac:vml" xmlns:p="http://schemas.openxmlformats.org/presentationml/2006/main" xmlns:c="http://schemas.openxmlformats.org/drawingml/2006/chart" xmlns:dgm="http://schemas.openxmlformats.org/drawingml/2006/diagram" xmlns:o="urn:schemas-microsoft-com:office:office" xmlns:v="urn:schemas-microsoft-com:vml" xmlns:pvml="urn:schemas-microsoft-com:office:powerpoint" xmlns:com="http://schemas.openxmlformats.org/drawingml/2006/compatibility" xmlns:p14="http://schemas.microsoft.com/office/powerpoint/2010/main" xmlns:p15="http://schemas.microsoft.com/office/powerpoint/2012/main" xmlns:ahyp="http://schemas.microsoft.com/office/drawing/2018/hyperlinkcolor" showMasterPhAnim="0" showMasterSp="0">
+<p:notes xmlns:a="http://schemas.openxmlformats.org/drawingml/2006/main" xmlns:r="http://schemas.openxmlformats.org/officeDocument/2006/relationships" xmlns:p="http://schemas.openxmlformats.org/presentationml/2006/main" showMasterSp="0" showMasterPhAnim="0">
   <p:cSld>
     <p:spTree>
       <p:nvGrpSpPr>
-        <p:cNvPr id="84" name="Shape 84"/>
+        <p:cNvPr id="1" name="Shape 84"/>
         <p:cNvGrpSpPr/>
         <p:nvPr/>
       </p:nvGrpSpPr>
@@ -2126,9 +2212,11 @@
       <p:sp>
         <p:nvSpPr>
           <p:cNvPr id="85" name="Google Shape;85;g2fcff38b0c7_0_0:notes"/>
-          <p:cNvSpPr/>
+          <p:cNvSpPr>
+            <a:spLocks noGrp="1" noRot="1" noChangeAspect="1"/>
+          </p:cNvSpPr>
           <p:nvPr>
-            <p:ph idx="2" type="sldImg"/>
+            <p:ph type="sldImg" idx="2"/>
           </p:nvPr>
         </p:nvSpPr>
         <p:spPr>
@@ -2137,9 +2225,13 @@
             <a:ext cx="6096000" cy="3429000"/>
           </a:xfrm>
           <a:custGeom>
-            <a:rect b="b" l="l" r="r" t="t"/>
+            <a:avLst/>
+            <a:gdLst/>
+            <a:ahLst/>
+            <a:cxnLst/>
+            <a:rect l="l" t="t" r="r" b="b"/>
             <a:pathLst>
-              <a:path extrusionOk="0" h="120000" w="120000">
+              <a:path w="120000" h="120000" extrusionOk="0">
                 <a:moveTo>
                   <a:pt x="0" y="0"/>
                 </a:moveTo>
@@ -2161,9 +2253,11 @@
       <p:sp>
         <p:nvSpPr>
           <p:cNvPr id="86" name="Google Shape;86;g2fcff38b0c7_0_0:notes"/>
-          <p:cNvSpPr txBox="1"/>
+          <p:cNvSpPr txBox="1">
+            <a:spLocks noGrp="1"/>
+          </p:cNvSpPr>
           <p:nvPr>
-            <p:ph idx="1" type="body"/>
+            <p:ph type="body" idx="1"/>
           </p:nvPr>
         </p:nvSpPr>
         <p:spPr>
@@ -2176,12 +2270,12 @@
           </a:prstGeom>
         </p:spPr>
         <p:txBody>
-          <a:bodyPr anchorCtr="0" anchor="t" bIns="91425" lIns="91425" spcFirstLastPara="1" rIns="91425" wrap="square" tIns="91425">
+          <a:bodyPr spcFirstLastPara="1" wrap="square" lIns="91425" tIns="91425" rIns="91425" bIns="91425" anchor="t" anchorCtr="0">
             <a:noAutofit/>
           </a:bodyPr>
           <a:lstStyle/>
           <a:p>
-            <a:pPr indent="0" lvl="0" marL="0" rtl="0" algn="l">
+            <a:pPr marL="0" lvl="0" indent="0" algn="l" rtl="0">
               <a:spcBef>
                 <a:spcPts val="0"/>
               </a:spcBef>
@@ -2190,9 +2284,6 @@
               </a:spcAft>
               <a:buNone/>
             </a:pPr>
-            <a:r>
-              <a:t/>
-            </a:r>
             <a:endParaRPr/>
           </a:p>
         </p:txBody>
@@ -2206,11 +2297,11 @@
 </file>
 
 <file path=ppt/notesSlides/notesSlide6.xml><?xml version="1.0" encoding="utf-8"?>
-<p:notes xmlns:a="http://schemas.openxmlformats.org/drawingml/2006/main" xmlns:r="http://schemas.openxmlformats.org/officeDocument/2006/relationships" xmlns:mc="http://schemas.openxmlformats.org/markup-compatibility/2006" xmlns:mv="urn:schemas-microsoft-com:mac:vml" xmlns:p="http://schemas.openxmlformats.org/presentationml/2006/main" xmlns:c="http://schemas.openxmlformats.org/drawingml/2006/chart" xmlns:dgm="http://schemas.openxmlformats.org/drawingml/2006/diagram" xmlns:o="urn:schemas-microsoft-com:office:office" xmlns:v="urn:schemas-microsoft-com:vml" xmlns:pvml="urn:schemas-microsoft-com:office:powerpoint" xmlns:com="http://schemas.openxmlformats.org/drawingml/2006/compatibility" xmlns:p14="http://schemas.microsoft.com/office/powerpoint/2010/main" xmlns:p15="http://schemas.microsoft.com/office/powerpoint/2012/main" xmlns:ahyp="http://schemas.microsoft.com/office/drawing/2018/hyperlinkcolor" showMasterPhAnim="0" showMasterSp="0">
+<p:notes xmlns:a="http://schemas.openxmlformats.org/drawingml/2006/main" xmlns:r="http://schemas.openxmlformats.org/officeDocument/2006/relationships" xmlns:p="http://schemas.openxmlformats.org/presentationml/2006/main" showMasterSp="0" showMasterPhAnim="0">
   <p:cSld>
     <p:spTree>
       <p:nvGrpSpPr>
-        <p:cNvPr id="91" name="Shape 91"/>
+        <p:cNvPr id="1" name="Shape 91"/>
         <p:cNvGrpSpPr/>
         <p:nvPr/>
       </p:nvGrpSpPr>
@@ -2225,9 +2316,11 @@
       <p:sp>
         <p:nvSpPr>
           <p:cNvPr id="92" name="Google Shape;92;g2fd395eea33_0_16:notes"/>
-          <p:cNvSpPr/>
+          <p:cNvSpPr>
+            <a:spLocks noGrp="1" noRot="1" noChangeAspect="1"/>
+          </p:cNvSpPr>
           <p:nvPr>
-            <p:ph idx="2" type="sldImg"/>
+            <p:ph type="sldImg" idx="2"/>
           </p:nvPr>
         </p:nvSpPr>
         <p:spPr>
@@ -2236,9 +2329,13 @@
             <a:ext cx="6096000" cy="3429000"/>
           </a:xfrm>
           <a:custGeom>
-            <a:rect b="b" l="l" r="r" t="t"/>
+            <a:avLst/>
+            <a:gdLst/>
+            <a:ahLst/>
+            <a:cxnLst/>
+            <a:rect l="l" t="t" r="r" b="b"/>
             <a:pathLst>
-              <a:path extrusionOk="0" h="120000" w="120000">
+              <a:path w="120000" h="120000" extrusionOk="0">
                 <a:moveTo>
                   <a:pt x="0" y="0"/>
                 </a:moveTo>
@@ -2260,9 +2357,11 @@
       <p:sp>
         <p:nvSpPr>
           <p:cNvPr id="93" name="Google Shape;93;g2fd395eea33_0_16:notes"/>
-          <p:cNvSpPr txBox="1"/>
+          <p:cNvSpPr txBox="1">
+            <a:spLocks noGrp="1"/>
+          </p:cNvSpPr>
           <p:nvPr>
-            <p:ph idx="1" type="body"/>
+            <p:ph type="body" idx="1"/>
           </p:nvPr>
         </p:nvSpPr>
         <p:spPr>
@@ -2275,12 +2374,12 @@
           </a:prstGeom>
         </p:spPr>
         <p:txBody>
-          <a:bodyPr anchorCtr="0" anchor="t" bIns="91425" lIns="91425" spcFirstLastPara="1" rIns="91425" wrap="square" tIns="91425">
+          <a:bodyPr spcFirstLastPara="1" wrap="square" lIns="91425" tIns="91425" rIns="91425" bIns="91425" anchor="t" anchorCtr="0">
             <a:noAutofit/>
           </a:bodyPr>
           <a:lstStyle/>
           <a:p>
-            <a:pPr indent="0" lvl="0" marL="0" rtl="0" algn="l">
+            <a:pPr marL="0" lvl="0" indent="0" algn="l" rtl="0">
               <a:spcBef>
                 <a:spcPts val="0"/>
               </a:spcBef>
@@ -2289,9 +2388,6 @@
               </a:spcAft>
               <a:buNone/>
             </a:pPr>
-            <a:r>
-              <a:t/>
-            </a:r>
             <a:endParaRPr/>
           </a:p>
         </p:txBody>
@@ -2305,11 +2401,11 @@
 </file>
 
 <file path=ppt/notesSlides/notesSlide7.xml><?xml version="1.0" encoding="utf-8"?>
-<p:notes xmlns:a="http://schemas.openxmlformats.org/drawingml/2006/main" xmlns:r="http://schemas.openxmlformats.org/officeDocument/2006/relationships" xmlns:mc="http://schemas.openxmlformats.org/markup-compatibility/2006" xmlns:mv="urn:schemas-microsoft-com:mac:vml" xmlns:p="http://schemas.openxmlformats.org/presentationml/2006/main" xmlns:c="http://schemas.openxmlformats.org/drawingml/2006/chart" xmlns:dgm="http://schemas.openxmlformats.org/drawingml/2006/diagram" xmlns:o="urn:schemas-microsoft-com:office:office" xmlns:v="urn:schemas-microsoft-com:vml" xmlns:pvml="urn:schemas-microsoft-com:office:powerpoint" xmlns:com="http://schemas.openxmlformats.org/drawingml/2006/compatibility" xmlns:p14="http://schemas.microsoft.com/office/powerpoint/2010/main" xmlns:p15="http://schemas.microsoft.com/office/powerpoint/2012/main" xmlns:ahyp="http://schemas.microsoft.com/office/drawing/2018/hyperlinkcolor" showMasterPhAnim="0" showMasterSp="0">
+<p:notes xmlns:a="http://schemas.openxmlformats.org/drawingml/2006/main" xmlns:r="http://schemas.openxmlformats.org/officeDocument/2006/relationships" xmlns:p="http://schemas.openxmlformats.org/presentationml/2006/main" showMasterSp="0" showMasterPhAnim="0">
   <p:cSld>
     <p:spTree>
       <p:nvGrpSpPr>
-        <p:cNvPr id="98" name="Shape 98"/>
+        <p:cNvPr id="1" name="Shape 98"/>
         <p:cNvGrpSpPr/>
         <p:nvPr/>
       </p:nvGrpSpPr>
@@ -2324,9 +2420,11 @@
       <p:sp>
         <p:nvSpPr>
           <p:cNvPr id="99" name="Google Shape;99;g2fd395eea33_0_22:notes"/>
-          <p:cNvSpPr/>
+          <p:cNvSpPr>
+            <a:spLocks noGrp="1" noRot="1" noChangeAspect="1"/>
+          </p:cNvSpPr>
           <p:nvPr>
-            <p:ph idx="2" type="sldImg"/>
+            <p:ph type="sldImg" idx="2"/>
           </p:nvPr>
         </p:nvSpPr>
         <p:spPr>
@@ -2335,9 +2433,13 @@
             <a:ext cx="6096000" cy="3429000"/>
           </a:xfrm>
           <a:custGeom>
-            <a:rect b="b" l="l" r="r" t="t"/>
+            <a:avLst/>
+            <a:gdLst/>
+            <a:ahLst/>
+            <a:cxnLst/>
+            <a:rect l="l" t="t" r="r" b="b"/>
             <a:pathLst>
-              <a:path extrusionOk="0" h="120000" w="120000">
+              <a:path w="120000" h="120000" extrusionOk="0">
                 <a:moveTo>
                   <a:pt x="0" y="0"/>
                 </a:moveTo>
@@ -2359,9 +2461,11 @@
       <p:sp>
         <p:nvSpPr>
           <p:cNvPr id="100" name="Google Shape;100;g2fd395eea33_0_22:notes"/>
-          <p:cNvSpPr txBox="1"/>
+          <p:cNvSpPr txBox="1">
+            <a:spLocks noGrp="1"/>
+          </p:cNvSpPr>
           <p:nvPr>
-            <p:ph idx="1" type="body"/>
+            <p:ph type="body" idx="1"/>
           </p:nvPr>
         </p:nvSpPr>
         <p:spPr>
@@ -2374,12 +2478,12 @@
           </a:prstGeom>
         </p:spPr>
         <p:txBody>
-          <a:bodyPr anchorCtr="0" anchor="t" bIns="91425" lIns="91425" spcFirstLastPara="1" rIns="91425" wrap="square" tIns="91425">
+          <a:bodyPr spcFirstLastPara="1" wrap="square" lIns="91425" tIns="91425" rIns="91425" bIns="91425" anchor="t" anchorCtr="0">
             <a:noAutofit/>
           </a:bodyPr>
           <a:lstStyle/>
           <a:p>
-            <a:pPr indent="0" lvl="0" marL="0" rtl="0" algn="l">
+            <a:pPr marL="0" lvl="0" indent="0" algn="l" rtl="0">
               <a:spcBef>
                 <a:spcPts val="0"/>
               </a:spcBef>
@@ -2388,9 +2492,6 @@
               </a:spcAft>
               <a:buNone/>
             </a:pPr>
-            <a:r>
-              <a:t/>
-            </a:r>
             <a:endParaRPr/>
           </a:p>
         </p:txBody>
@@ -2404,11 +2505,11 @@
 </file>
 
 <file path=ppt/notesSlides/notesSlide8.xml><?xml version="1.0" encoding="utf-8"?>
-<p:notes xmlns:a="http://schemas.openxmlformats.org/drawingml/2006/main" xmlns:r="http://schemas.openxmlformats.org/officeDocument/2006/relationships" xmlns:mc="http://schemas.openxmlformats.org/markup-compatibility/2006" xmlns:mv="urn:schemas-microsoft-com:mac:vml" xmlns:p="http://schemas.openxmlformats.org/presentationml/2006/main" xmlns:c="http://schemas.openxmlformats.org/drawingml/2006/chart" xmlns:dgm="http://schemas.openxmlformats.org/drawingml/2006/diagram" xmlns:o="urn:schemas-microsoft-com:office:office" xmlns:v="urn:schemas-microsoft-com:vml" xmlns:pvml="urn:schemas-microsoft-com:office:powerpoint" xmlns:com="http://schemas.openxmlformats.org/drawingml/2006/compatibility" xmlns:p14="http://schemas.microsoft.com/office/powerpoint/2010/main" xmlns:p15="http://schemas.microsoft.com/office/powerpoint/2012/main" xmlns:ahyp="http://schemas.microsoft.com/office/drawing/2018/hyperlinkcolor" showMasterPhAnim="0" showMasterSp="0">
+<p:notes xmlns:a="http://schemas.openxmlformats.org/drawingml/2006/main" xmlns:r="http://schemas.openxmlformats.org/officeDocument/2006/relationships" xmlns:p="http://schemas.openxmlformats.org/presentationml/2006/main" showMasterSp="0" showMasterPhAnim="0">
   <p:cSld>
     <p:spTree>
       <p:nvGrpSpPr>
-        <p:cNvPr id="104" name="Shape 104"/>
+        <p:cNvPr id="1" name="Shape 104"/>
         <p:cNvGrpSpPr/>
         <p:nvPr/>
       </p:nvGrpSpPr>
@@ -2423,9 +2524,11 @@
       <p:sp>
         <p:nvSpPr>
           <p:cNvPr id="105" name="Google Shape;105;g2fd395eea33_0_27:notes"/>
-          <p:cNvSpPr/>
+          <p:cNvSpPr>
+            <a:spLocks noGrp="1" noRot="1" noChangeAspect="1"/>
+          </p:cNvSpPr>
           <p:nvPr>
-            <p:ph idx="2" type="sldImg"/>
+            <p:ph type="sldImg" idx="2"/>
           </p:nvPr>
         </p:nvSpPr>
         <p:spPr>
@@ -2434,9 +2537,13 @@
             <a:ext cx="6096000" cy="3429000"/>
           </a:xfrm>
           <a:custGeom>
-            <a:rect b="b" l="l" r="r" t="t"/>
+            <a:avLst/>
+            <a:gdLst/>
+            <a:ahLst/>
+            <a:cxnLst/>
+            <a:rect l="l" t="t" r="r" b="b"/>
             <a:pathLst>
-              <a:path extrusionOk="0" h="120000" w="120000">
+              <a:path w="120000" h="120000" extrusionOk="0">
                 <a:moveTo>
                   <a:pt x="0" y="0"/>
                 </a:moveTo>
@@ -2458,9 +2565,11 @@
       <p:sp>
         <p:nvSpPr>
           <p:cNvPr id="106" name="Google Shape;106;g2fd395eea33_0_27:notes"/>
-          <p:cNvSpPr txBox="1"/>
+          <p:cNvSpPr txBox="1">
+            <a:spLocks noGrp="1"/>
+          </p:cNvSpPr>
           <p:nvPr>
-            <p:ph idx="1" type="body"/>
+            <p:ph type="body" idx="1"/>
           </p:nvPr>
         </p:nvSpPr>
         <p:spPr>
@@ -2473,12 +2582,12 @@
           </a:prstGeom>
         </p:spPr>
         <p:txBody>
-          <a:bodyPr anchorCtr="0" anchor="t" bIns="91425" lIns="91425" spcFirstLastPara="1" rIns="91425" wrap="square" tIns="91425">
+          <a:bodyPr spcFirstLastPara="1" wrap="square" lIns="91425" tIns="91425" rIns="91425" bIns="91425" anchor="t" anchorCtr="0">
             <a:noAutofit/>
           </a:bodyPr>
           <a:lstStyle/>
           <a:p>
-            <a:pPr indent="0" lvl="0" marL="0" rtl="0" algn="l">
+            <a:pPr marL="0" lvl="0" indent="0" algn="l" rtl="0">
               <a:spcBef>
                 <a:spcPts val="0"/>
               </a:spcBef>
@@ -2487,9 +2596,6 @@
               </a:spcAft>
               <a:buNone/>
             </a:pPr>
-            <a:r>
-              <a:t/>
-            </a:r>
             <a:endParaRPr/>
           </a:p>
         </p:txBody>
@@ -2503,11 +2609,11 @@
 </file>
 
 <file path=ppt/notesSlides/notesSlide9.xml><?xml version="1.0" encoding="utf-8"?>
-<p:notes xmlns:a="http://schemas.openxmlformats.org/drawingml/2006/main" xmlns:r="http://schemas.openxmlformats.org/officeDocument/2006/relationships" xmlns:mc="http://schemas.openxmlformats.org/markup-compatibility/2006" xmlns:mv="urn:schemas-microsoft-com:mac:vml" xmlns:p="http://schemas.openxmlformats.org/presentationml/2006/main" xmlns:c="http://schemas.openxmlformats.org/drawingml/2006/chart" xmlns:dgm="http://schemas.openxmlformats.org/drawingml/2006/diagram" xmlns:o="urn:schemas-microsoft-com:office:office" xmlns:v="urn:schemas-microsoft-com:vml" xmlns:pvml="urn:schemas-microsoft-com:office:powerpoint" xmlns:com="http://schemas.openxmlformats.org/drawingml/2006/compatibility" xmlns:p14="http://schemas.microsoft.com/office/powerpoint/2010/main" xmlns:p15="http://schemas.microsoft.com/office/powerpoint/2012/main" xmlns:ahyp="http://schemas.microsoft.com/office/drawing/2018/hyperlinkcolor" showMasterPhAnim="0" showMasterSp="0">
+<p:notes xmlns:a="http://schemas.openxmlformats.org/drawingml/2006/main" xmlns:r="http://schemas.openxmlformats.org/officeDocument/2006/relationships" xmlns:p="http://schemas.openxmlformats.org/presentationml/2006/main" showMasterSp="0" showMasterPhAnim="0">
   <p:cSld>
     <p:spTree>
       <p:nvGrpSpPr>
-        <p:cNvPr id="110" name="Shape 110"/>
+        <p:cNvPr id="1" name="Shape 110"/>
         <p:cNvGrpSpPr/>
         <p:nvPr/>
       </p:nvGrpSpPr>
@@ -2522,9 +2628,11 @@
       <p:sp>
         <p:nvSpPr>
           <p:cNvPr id="111" name="Google Shape;111;g2fd395eea33_0_32:notes"/>
-          <p:cNvSpPr/>
+          <p:cNvSpPr>
+            <a:spLocks noGrp="1" noRot="1" noChangeAspect="1"/>
+          </p:cNvSpPr>
           <p:nvPr>
-            <p:ph idx="2" type="sldImg"/>
+            <p:ph type="sldImg" idx="2"/>
           </p:nvPr>
         </p:nvSpPr>
         <p:spPr>
@@ -2533,9 +2641,13 @@
             <a:ext cx="6096000" cy="3429000"/>
           </a:xfrm>
           <a:custGeom>
-            <a:rect b="b" l="l" r="r" t="t"/>
+            <a:avLst/>
+            <a:gdLst/>
+            <a:ahLst/>
+            <a:cxnLst/>
+            <a:rect l="l" t="t" r="r" b="b"/>
             <a:pathLst>
-              <a:path extrusionOk="0" h="120000" w="120000">
+              <a:path w="120000" h="120000" extrusionOk="0">
                 <a:moveTo>
                   <a:pt x="0" y="0"/>
                 </a:moveTo>
@@ -2557,9 +2669,11 @@
       <p:sp>
         <p:nvSpPr>
           <p:cNvPr id="112" name="Google Shape;112;g2fd395eea33_0_32:notes"/>
-          <p:cNvSpPr txBox="1"/>
+          <p:cNvSpPr txBox="1">
+            <a:spLocks noGrp="1"/>
+          </p:cNvSpPr>
           <p:nvPr>
-            <p:ph idx="1" type="body"/>
+            <p:ph type="body" idx="1"/>
           </p:nvPr>
         </p:nvSpPr>
         <p:spPr>
@@ -2572,12 +2686,12 @@
           </a:prstGeom>
         </p:spPr>
         <p:txBody>
-          <a:bodyPr anchorCtr="0" anchor="t" bIns="91425" lIns="91425" spcFirstLastPara="1" rIns="91425" wrap="square" tIns="91425">
+          <a:bodyPr spcFirstLastPara="1" wrap="square" lIns="91425" tIns="91425" rIns="91425" bIns="91425" anchor="t" anchorCtr="0">
             <a:noAutofit/>
           </a:bodyPr>
           <a:lstStyle/>
           <a:p>
-            <a:pPr indent="0" lvl="0" marL="0" rtl="0" algn="l">
+            <a:pPr marL="0" lvl="0" indent="0" algn="l" rtl="0">
               <a:spcBef>
                 <a:spcPts val="0"/>
               </a:spcBef>
@@ -2586,9 +2700,6 @@
               </a:spcAft>
               <a:buNone/>
             </a:pPr>
-            <a:r>
-              <a:t/>
-            </a:r>
             <a:endParaRPr/>
           </a:p>
         </p:txBody>
@@ -2602,11 +2713,11 @@
 </file>
 
 <file path=ppt/slideLayouts/slideLayout1.xml><?xml version="1.0" encoding="utf-8"?>
-<p:sldLayout xmlns:a="http://schemas.openxmlformats.org/drawingml/2006/main" xmlns:r="http://schemas.openxmlformats.org/officeDocument/2006/relationships" xmlns:mc="http://schemas.openxmlformats.org/markup-compatibility/2006" xmlns:mv="urn:schemas-microsoft-com:mac:vml" xmlns:p="http://schemas.openxmlformats.org/presentationml/2006/main" xmlns:c="http://schemas.openxmlformats.org/drawingml/2006/chart" xmlns:dgm="http://schemas.openxmlformats.org/drawingml/2006/diagram" xmlns:o="urn:schemas-microsoft-com:office:office" xmlns:v="urn:schemas-microsoft-com:vml" xmlns:pvml="urn:schemas-microsoft-com:office:powerpoint" xmlns:com="http://schemas.openxmlformats.org/drawingml/2006/compatibility" xmlns:p14="http://schemas.microsoft.com/office/powerpoint/2010/main" xmlns:p15="http://schemas.microsoft.com/office/powerpoint/2012/main" xmlns:ahyp="http://schemas.microsoft.com/office/drawing/2018/hyperlinkcolor" matchingName="Title slide" type="title">
+<p:sldLayout xmlns:a="http://schemas.openxmlformats.org/drawingml/2006/main" xmlns:r="http://schemas.openxmlformats.org/officeDocument/2006/relationships" xmlns:p="http://schemas.openxmlformats.org/presentationml/2006/main" matchingName="Title slide" type="title">
   <p:cSld name="TITLE">
     <p:spTree>
       <p:nvGrpSpPr>
-        <p:cNvPr id="9" name="Shape 9"/>
+        <p:cNvPr id="1" name="Shape 9"/>
         <p:cNvGrpSpPr/>
         <p:nvPr/>
       </p:nvGrpSpPr>
@@ -2621,7 +2732,9 @@
       <p:sp>
         <p:nvSpPr>
           <p:cNvPr id="10" name="Google Shape;10;p2"/>
-          <p:cNvSpPr txBox="1"/>
+          <p:cNvSpPr txBox="1">
+            <a:spLocks noGrp="1"/>
+          </p:cNvSpPr>
           <p:nvPr>
             <p:ph type="ctrTitle"/>
           </p:nvPr>
@@ -2636,7 +2749,7 @@
           </a:prstGeom>
         </p:spPr>
         <p:txBody>
-          <a:bodyPr anchorCtr="0" anchor="b" bIns="91425" lIns="91425" spcFirstLastPara="1" rIns="91425" wrap="square" tIns="91425">
+          <a:bodyPr spcFirstLastPara="1" wrap="square" lIns="91425" tIns="91425" rIns="91425" bIns="91425" anchor="b" anchorCtr="0">
             <a:normAutofit/>
           </a:bodyPr>
           <a:lstStyle>
@@ -2740,15 +2853,19 @@
               <a:defRPr sz="5200"/>
             </a:lvl9pPr>
           </a:lstStyle>
-          <a:p/>
+          <a:p>
+            <a:endParaRPr/>
+          </a:p>
         </p:txBody>
       </p:sp>
       <p:sp>
         <p:nvSpPr>
           <p:cNvPr id="11" name="Google Shape;11;p2"/>
-          <p:cNvSpPr txBox="1"/>
+          <p:cNvSpPr txBox="1">
+            <a:spLocks noGrp="1"/>
+          </p:cNvSpPr>
           <p:nvPr>
-            <p:ph idx="1" type="subTitle"/>
+            <p:ph type="subTitle" idx="1"/>
           </p:nvPr>
         </p:nvSpPr>
         <p:spPr>
@@ -2761,7 +2878,7 @@
           </a:prstGeom>
         </p:spPr>
         <p:txBody>
-          <a:bodyPr anchorCtr="0" anchor="t" bIns="91425" lIns="91425" spcFirstLastPara="1" rIns="91425" wrap="square" tIns="91425">
+          <a:bodyPr spcFirstLastPara="1" wrap="square" lIns="91425" tIns="91425" rIns="91425" bIns="91425" anchor="t" anchorCtr="0">
             <a:normAutofit/>
           </a:bodyPr>
           <a:lstStyle>
@@ -2892,15 +3009,19 @@
               <a:defRPr sz="2800"/>
             </a:lvl9pPr>
           </a:lstStyle>
-          <a:p/>
+          <a:p>
+            <a:endParaRPr/>
+          </a:p>
         </p:txBody>
       </p:sp>
       <p:sp>
         <p:nvSpPr>
           <p:cNvPr id="12" name="Google Shape;12;p2"/>
-          <p:cNvSpPr txBox="1"/>
+          <p:cNvSpPr txBox="1">
+            <a:spLocks noGrp="1"/>
+          </p:cNvSpPr>
           <p:nvPr>
-            <p:ph idx="12" type="sldNum"/>
+            <p:ph type="sldNum" idx="12"/>
           </p:nvPr>
         </p:nvSpPr>
         <p:spPr>
@@ -2913,7 +3034,7 @@
           </a:prstGeom>
         </p:spPr>
         <p:txBody>
-          <a:bodyPr anchorCtr="0" anchor="ctr" bIns="91425" lIns="91425" spcFirstLastPara="1" rIns="91425" wrap="square" tIns="91425">
+          <a:bodyPr spcFirstLastPara="1" wrap="square" lIns="91425" tIns="91425" rIns="91425" bIns="91425" anchor="ctr" anchorCtr="0">
             <a:normAutofit/>
           </a:bodyPr>
           <a:lstStyle>
@@ -2955,7 +3076,7 @@
             </a:lvl9pPr>
           </a:lstStyle>
           <a:p>
-            <a:pPr indent="0" lvl="0" marL="0" rtl="0" algn="r">
+            <a:pPr marL="0" lvl="0" indent="0" algn="r" rtl="0">
               <a:spcBef>
                 <a:spcPts val="0"/>
               </a:spcBef>
@@ -2981,11 +3102,11 @@
 </file>
 
 <file path=ppt/slideLayouts/slideLayout10.xml><?xml version="1.0" encoding="utf-8"?>
-<p:sldLayout xmlns:a="http://schemas.openxmlformats.org/drawingml/2006/main" xmlns:r="http://schemas.openxmlformats.org/officeDocument/2006/relationships" xmlns:mc="http://schemas.openxmlformats.org/markup-compatibility/2006" xmlns:mv="urn:schemas-microsoft-com:mac:vml" xmlns:p="http://schemas.openxmlformats.org/presentationml/2006/main" xmlns:c="http://schemas.openxmlformats.org/drawingml/2006/chart" xmlns:dgm="http://schemas.openxmlformats.org/drawingml/2006/diagram" xmlns:o="urn:schemas-microsoft-com:office:office" xmlns:v="urn:schemas-microsoft-com:vml" xmlns:pvml="urn:schemas-microsoft-com:office:powerpoint" xmlns:com="http://schemas.openxmlformats.org/drawingml/2006/compatibility" xmlns:p14="http://schemas.microsoft.com/office/powerpoint/2010/main" xmlns:p15="http://schemas.microsoft.com/office/powerpoint/2012/main" xmlns:ahyp="http://schemas.microsoft.com/office/drawing/2018/hyperlinkcolor" matchingName="Big number">
+<p:sldLayout xmlns:a="http://schemas.openxmlformats.org/drawingml/2006/main" xmlns:r="http://schemas.openxmlformats.org/officeDocument/2006/relationships" xmlns:p="http://schemas.openxmlformats.org/presentationml/2006/main" matchingName="Big number">
   <p:cSld name="BIG_NUMBER">
     <p:spTree>
       <p:nvGrpSpPr>
-        <p:cNvPr id="44" name="Shape 44"/>
+        <p:cNvPr id="1" name="Shape 44"/>
         <p:cNvGrpSpPr/>
         <p:nvPr/>
       </p:nvGrpSpPr>
@@ -3000,9 +3121,11 @@
       <p:sp>
         <p:nvSpPr>
           <p:cNvPr id="45" name="Google Shape;45;p11"/>
-          <p:cNvSpPr txBox="1"/>
+          <p:cNvSpPr txBox="1">
+            <a:spLocks noGrp="1"/>
+          </p:cNvSpPr>
           <p:nvPr>
-            <p:ph hasCustomPrompt="1" type="title"/>
+            <p:ph type="title" hasCustomPrompt="1"/>
           </p:nvPr>
         </p:nvSpPr>
         <p:spPr>
@@ -3015,7 +3138,7 @@
           </a:prstGeom>
         </p:spPr>
         <p:txBody>
-          <a:bodyPr anchorCtr="0" anchor="b" bIns="91425" lIns="91425" spcFirstLastPara="1" rIns="91425" wrap="square" tIns="91425">
+          <a:bodyPr spcFirstLastPara="1" wrap="square" lIns="91425" tIns="91425" rIns="91425" bIns="91425" anchor="b" anchorCtr="0">
             <a:normAutofit/>
           </a:bodyPr>
           <a:lstStyle>
@@ -3129,9 +3252,11 @@
       <p:sp>
         <p:nvSpPr>
           <p:cNvPr id="46" name="Google Shape;46;p11"/>
-          <p:cNvSpPr txBox="1"/>
+          <p:cNvSpPr txBox="1">
+            <a:spLocks noGrp="1"/>
+          </p:cNvSpPr>
           <p:nvPr>
-            <p:ph idx="1" type="body"/>
+            <p:ph type="body" idx="1"/>
           </p:nvPr>
         </p:nvSpPr>
         <p:spPr>
@@ -3144,11 +3269,11 @@
           </a:prstGeom>
         </p:spPr>
         <p:txBody>
-          <a:bodyPr anchorCtr="0" anchor="t" bIns="91425" lIns="91425" spcFirstLastPara="1" rIns="91425" wrap="square" tIns="91425">
+          <a:bodyPr spcFirstLastPara="1" wrap="square" lIns="91425" tIns="91425" rIns="91425" bIns="91425" anchor="t" anchorCtr="0">
             <a:normAutofit/>
           </a:bodyPr>
           <a:lstStyle>
-            <a:lvl1pPr indent="-342900" lvl="0" marL="457200" algn="ctr">
+            <a:lvl1pPr marL="457200" lvl="0" indent="-342900" algn="ctr">
               <a:spcBef>
                 <a:spcPts val="0"/>
               </a:spcBef>
@@ -3159,7 +3284,7 @@
               <a:buChar char="●"/>
               <a:defRPr/>
             </a:lvl1pPr>
-            <a:lvl2pPr indent="-317500" lvl="1" marL="914400" algn="ctr">
+            <a:lvl2pPr marL="914400" lvl="1" indent="-317500" algn="ctr">
               <a:spcBef>
                 <a:spcPts val="0"/>
               </a:spcBef>
@@ -3170,7 +3295,7 @@
               <a:buChar char="○"/>
               <a:defRPr/>
             </a:lvl2pPr>
-            <a:lvl3pPr indent="-317500" lvl="2" marL="1371600" algn="ctr">
+            <a:lvl3pPr marL="1371600" lvl="2" indent="-317500" algn="ctr">
               <a:spcBef>
                 <a:spcPts val="0"/>
               </a:spcBef>
@@ -3181,7 +3306,7 @@
               <a:buChar char="■"/>
               <a:defRPr/>
             </a:lvl3pPr>
-            <a:lvl4pPr indent="-317500" lvl="3" marL="1828800" algn="ctr">
+            <a:lvl4pPr marL="1828800" lvl="3" indent="-317500" algn="ctr">
               <a:spcBef>
                 <a:spcPts val="0"/>
               </a:spcBef>
@@ -3192,7 +3317,7 @@
               <a:buChar char="●"/>
               <a:defRPr/>
             </a:lvl4pPr>
-            <a:lvl5pPr indent="-317500" lvl="4" marL="2286000" algn="ctr">
+            <a:lvl5pPr marL="2286000" lvl="4" indent="-317500" algn="ctr">
               <a:spcBef>
                 <a:spcPts val="0"/>
               </a:spcBef>
@@ -3203,7 +3328,7 @@
               <a:buChar char="○"/>
               <a:defRPr/>
             </a:lvl5pPr>
-            <a:lvl6pPr indent="-317500" lvl="5" marL="2743200" algn="ctr">
+            <a:lvl6pPr marL="2743200" lvl="5" indent="-317500" algn="ctr">
               <a:spcBef>
                 <a:spcPts val="0"/>
               </a:spcBef>
@@ -3214,7 +3339,7 @@
               <a:buChar char="■"/>
               <a:defRPr/>
             </a:lvl6pPr>
-            <a:lvl7pPr indent="-317500" lvl="6" marL="3200400" algn="ctr">
+            <a:lvl7pPr marL="3200400" lvl="6" indent="-317500" algn="ctr">
               <a:spcBef>
                 <a:spcPts val="0"/>
               </a:spcBef>
@@ -3225,7 +3350,7 @@
               <a:buChar char="●"/>
               <a:defRPr/>
             </a:lvl7pPr>
-            <a:lvl8pPr indent="-317500" lvl="7" marL="3657600" algn="ctr">
+            <a:lvl8pPr marL="3657600" lvl="7" indent="-317500" algn="ctr">
               <a:spcBef>
                 <a:spcPts val="0"/>
               </a:spcBef>
@@ -3236,7 +3361,7 @@
               <a:buChar char="○"/>
               <a:defRPr/>
             </a:lvl8pPr>
-            <a:lvl9pPr indent="-317500" lvl="8" marL="4114800" algn="ctr">
+            <a:lvl9pPr marL="4114800" lvl="8" indent="-317500" algn="ctr">
               <a:spcBef>
                 <a:spcPts val="0"/>
               </a:spcBef>
@@ -3248,15 +3373,19 @@
               <a:defRPr/>
             </a:lvl9pPr>
           </a:lstStyle>
-          <a:p/>
+          <a:p>
+            <a:endParaRPr/>
+          </a:p>
         </p:txBody>
       </p:sp>
       <p:sp>
         <p:nvSpPr>
           <p:cNvPr id="47" name="Google Shape;47;p11"/>
-          <p:cNvSpPr txBox="1"/>
+          <p:cNvSpPr txBox="1">
+            <a:spLocks noGrp="1"/>
+          </p:cNvSpPr>
           <p:nvPr>
-            <p:ph idx="12" type="sldNum"/>
+            <p:ph type="sldNum" idx="12"/>
           </p:nvPr>
         </p:nvSpPr>
         <p:spPr>
@@ -3269,7 +3398,7 @@
           </a:prstGeom>
         </p:spPr>
         <p:txBody>
-          <a:bodyPr anchorCtr="0" anchor="ctr" bIns="91425" lIns="91425" spcFirstLastPara="1" rIns="91425" wrap="square" tIns="91425">
+          <a:bodyPr spcFirstLastPara="1" wrap="square" lIns="91425" tIns="91425" rIns="91425" bIns="91425" anchor="ctr" anchorCtr="0">
             <a:normAutofit/>
           </a:bodyPr>
           <a:lstStyle>
@@ -3311,7 +3440,7 @@
             </a:lvl9pPr>
           </a:lstStyle>
           <a:p>
-            <a:pPr indent="0" lvl="0" marL="0" rtl="0" algn="r">
+            <a:pPr marL="0" lvl="0" indent="0" algn="r" rtl="0">
               <a:spcBef>
                 <a:spcPts val="0"/>
               </a:spcBef>
@@ -3337,11 +3466,11 @@
 </file>
 
 <file path=ppt/slideLayouts/slideLayout11.xml><?xml version="1.0" encoding="utf-8"?>
-<p:sldLayout xmlns:a="http://schemas.openxmlformats.org/drawingml/2006/main" xmlns:r="http://schemas.openxmlformats.org/officeDocument/2006/relationships" xmlns:mc="http://schemas.openxmlformats.org/markup-compatibility/2006" xmlns:mv="urn:schemas-microsoft-com:mac:vml" xmlns:p="http://schemas.openxmlformats.org/presentationml/2006/main" xmlns:c="http://schemas.openxmlformats.org/drawingml/2006/chart" xmlns:dgm="http://schemas.openxmlformats.org/drawingml/2006/diagram" xmlns:o="urn:schemas-microsoft-com:office:office" xmlns:v="urn:schemas-microsoft-com:vml" xmlns:pvml="urn:schemas-microsoft-com:office:powerpoint" xmlns:com="http://schemas.openxmlformats.org/drawingml/2006/compatibility" xmlns:p14="http://schemas.microsoft.com/office/powerpoint/2010/main" xmlns:p15="http://schemas.microsoft.com/office/powerpoint/2012/main" xmlns:ahyp="http://schemas.microsoft.com/office/drawing/2018/hyperlinkcolor" matchingName="Blank" type="blank">
+<p:sldLayout xmlns:a="http://schemas.openxmlformats.org/drawingml/2006/main" xmlns:r="http://schemas.openxmlformats.org/officeDocument/2006/relationships" xmlns:p="http://schemas.openxmlformats.org/presentationml/2006/main" matchingName="Blank" type="blank">
   <p:cSld name="BLANK">
     <p:spTree>
       <p:nvGrpSpPr>
-        <p:cNvPr id="48" name="Shape 48"/>
+        <p:cNvPr id="1" name="Shape 48"/>
         <p:cNvGrpSpPr/>
         <p:nvPr/>
       </p:nvGrpSpPr>
@@ -3356,9 +3485,11 @@
       <p:sp>
         <p:nvSpPr>
           <p:cNvPr id="49" name="Google Shape;49;p12"/>
-          <p:cNvSpPr txBox="1"/>
+          <p:cNvSpPr txBox="1">
+            <a:spLocks noGrp="1"/>
+          </p:cNvSpPr>
           <p:nvPr>
-            <p:ph idx="12" type="sldNum"/>
+            <p:ph type="sldNum" idx="12"/>
           </p:nvPr>
         </p:nvSpPr>
         <p:spPr>
@@ -3371,7 +3502,7 @@
           </a:prstGeom>
         </p:spPr>
         <p:txBody>
-          <a:bodyPr anchorCtr="0" anchor="ctr" bIns="91425" lIns="91425" spcFirstLastPara="1" rIns="91425" wrap="square" tIns="91425">
+          <a:bodyPr spcFirstLastPara="1" wrap="square" lIns="91425" tIns="91425" rIns="91425" bIns="91425" anchor="ctr" anchorCtr="0">
             <a:normAutofit/>
           </a:bodyPr>
           <a:lstStyle>
@@ -3413,7 +3544,7 @@
             </a:lvl9pPr>
           </a:lstStyle>
           <a:p>
-            <a:pPr indent="0" lvl="0" marL="0" rtl="0" algn="r">
+            <a:pPr marL="0" lvl="0" indent="0" algn="r" rtl="0">
               <a:spcBef>
                 <a:spcPts val="0"/>
               </a:spcBef>
@@ -3439,11 +3570,11 @@
 </file>
 
 <file path=ppt/slideLayouts/slideLayout2.xml><?xml version="1.0" encoding="utf-8"?>
-<p:sldLayout xmlns:a="http://schemas.openxmlformats.org/drawingml/2006/main" xmlns:r="http://schemas.openxmlformats.org/officeDocument/2006/relationships" xmlns:mc="http://schemas.openxmlformats.org/markup-compatibility/2006" xmlns:mv="urn:schemas-microsoft-com:mac:vml" xmlns:p="http://schemas.openxmlformats.org/presentationml/2006/main" xmlns:c="http://schemas.openxmlformats.org/drawingml/2006/chart" xmlns:dgm="http://schemas.openxmlformats.org/drawingml/2006/diagram" xmlns:o="urn:schemas-microsoft-com:office:office" xmlns:v="urn:schemas-microsoft-com:vml" xmlns:pvml="urn:schemas-microsoft-com:office:powerpoint" xmlns:com="http://schemas.openxmlformats.org/drawingml/2006/compatibility" xmlns:p14="http://schemas.microsoft.com/office/powerpoint/2010/main" xmlns:p15="http://schemas.microsoft.com/office/powerpoint/2012/main" xmlns:ahyp="http://schemas.microsoft.com/office/drawing/2018/hyperlinkcolor" matchingName="Section header" type="secHead">
+<p:sldLayout xmlns:a="http://schemas.openxmlformats.org/drawingml/2006/main" xmlns:r="http://schemas.openxmlformats.org/officeDocument/2006/relationships" xmlns:p="http://schemas.openxmlformats.org/presentationml/2006/main" matchingName="Section header" type="secHead">
   <p:cSld name="SECTION_HEADER">
     <p:spTree>
       <p:nvGrpSpPr>
-        <p:cNvPr id="13" name="Shape 13"/>
+        <p:cNvPr id="1" name="Shape 13"/>
         <p:cNvGrpSpPr/>
         <p:nvPr/>
       </p:nvGrpSpPr>
@@ -3458,7 +3589,9 @@
       <p:sp>
         <p:nvSpPr>
           <p:cNvPr id="14" name="Google Shape;14;p3"/>
-          <p:cNvSpPr txBox="1"/>
+          <p:cNvSpPr txBox="1">
+            <a:spLocks noGrp="1"/>
+          </p:cNvSpPr>
           <p:nvPr>
             <p:ph type="title"/>
           </p:nvPr>
@@ -3473,7 +3606,7 @@
           </a:prstGeom>
         </p:spPr>
         <p:txBody>
-          <a:bodyPr anchorCtr="0" anchor="ctr" bIns="91425" lIns="91425" spcFirstLastPara="1" rIns="91425" wrap="square" tIns="91425">
+          <a:bodyPr spcFirstLastPara="1" wrap="square" lIns="91425" tIns="91425" rIns="91425" bIns="91425" anchor="ctr" anchorCtr="0">
             <a:normAutofit/>
           </a:bodyPr>
           <a:lstStyle>
@@ -3577,15 +3710,19 @@
               <a:defRPr sz="3600"/>
             </a:lvl9pPr>
           </a:lstStyle>
-          <a:p/>
+          <a:p>
+            <a:endParaRPr/>
+          </a:p>
         </p:txBody>
       </p:sp>
       <p:sp>
         <p:nvSpPr>
           <p:cNvPr id="15" name="Google Shape;15;p3"/>
-          <p:cNvSpPr txBox="1"/>
+          <p:cNvSpPr txBox="1">
+            <a:spLocks noGrp="1"/>
+          </p:cNvSpPr>
           <p:nvPr>
-            <p:ph idx="12" type="sldNum"/>
+            <p:ph type="sldNum" idx="12"/>
           </p:nvPr>
         </p:nvSpPr>
         <p:spPr>
@@ -3598,7 +3735,7 @@
           </a:prstGeom>
         </p:spPr>
         <p:txBody>
-          <a:bodyPr anchorCtr="0" anchor="ctr" bIns="91425" lIns="91425" spcFirstLastPara="1" rIns="91425" wrap="square" tIns="91425">
+          <a:bodyPr spcFirstLastPara="1" wrap="square" lIns="91425" tIns="91425" rIns="91425" bIns="91425" anchor="ctr" anchorCtr="0">
             <a:normAutofit/>
           </a:bodyPr>
           <a:lstStyle>
@@ -3640,7 +3777,7 @@
             </a:lvl9pPr>
           </a:lstStyle>
           <a:p>
-            <a:pPr indent="0" lvl="0" marL="0" rtl="0" algn="r">
+            <a:pPr marL="0" lvl="0" indent="0" algn="r" rtl="0">
               <a:spcBef>
                 <a:spcPts val="0"/>
               </a:spcBef>
@@ -3666,11 +3803,11 @@
 </file>
 
 <file path=ppt/slideLayouts/slideLayout3.xml><?xml version="1.0" encoding="utf-8"?>
-<p:sldLayout xmlns:a="http://schemas.openxmlformats.org/drawingml/2006/main" xmlns:r="http://schemas.openxmlformats.org/officeDocument/2006/relationships" xmlns:mc="http://schemas.openxmlformats.org/markup-compatibility/2006" xmlns:mv="urn:schemas-microsoft-com:mac:vml" xmlns:p="http://schemas.openxmlformats.org/presentationml/2006/main" xmlns:c="http://schemas.openxmlformats.org/drawingml/2006/chart" xmlns:dgm="http://schemas.openxmlformats.org/drawingml/2006/diagram" xmlns:o="urn:schemas-microsoft-com:office:office" xmlns:v="urn:schemas-microsoft-com:vml" xmlns:pvml="urn:schemas-microsoft-com:office:powerpoint" xmlns:com="http://schemas.openxmlformats.org/drawingml/2006/compatibility" xmlns:p14="http://schemas.microsoft.com/office/powerpoint/2010/main" xmlns:p15="http://schemas.microsoft.com/office/powerpoint/2012/main" xmlns:ahyp="http://schemas.microsoft.com/office/drawing/2018/hyperlinkcolor" matchingName="Title and body" type="tx">
+<p:sldLayout xmlns:a="http://schemas.openxmlformats.org/drawingml/2006/main" xmlns:r="http://schemas.openxmlformats.org/officeDocument/2006/relationships" xmlns:p="http://schemas.openxmlformats.org/presentationml/2006/main" matchingName="Title and body" type="tx">
   <p:cSld name="TITLE_AND_BODY">
     <p:spTree>
       <p:nvGrpSpPr>
-        <p:cNvPr id="16" name="Shape 16"/>
+        <p:cNvPr id="1" name="Shape 16"/>
         <p:cNvGrpSpPr/>
         <p:nvPr/>
       </p:nvGrpSpPr>
@@ -3685,7 +3822,9 @@
       <p:sp>
         <p:nvSpPr>
           <p:cNvPr id="17" name="Google Shape;17;p4"/>
-          <p:cNvSpPr txBox="1"/>
+          <p:cNvSpPr txBox="1">
+            <a:spLocks noGrp="1"/>
+          </p:cNvSpPr>
           <p:nvPr>
             <p:ph type="title"/>
           </p:nvPr>
@@ -3700,7 +3839,7 @@
           </a:prstGeom>
         </p:spPr>
         <p:txBody>
-          <a:bodyPr anchorCtr="0" anchor="t" bIns="91425" lIns="91425" spcFirstLastPara="1" rIns="91425" wrap="square" tIns="91425">
+          <a:bodyPr spcFirstLastPara="1" wrap="square" lIns="91425" tIns="91425" rIns="91425" bIns="91425" anchor="t" anchorCtr="0">
             <a:normAutofit/>
           </a:bodyPr>
           <a:lstStyle>
@@ -3804,15 +3943,19 @@
               <a:defRPr/>
             </a:lvl9pPr>
           </a:lstStyle>
-          <a:p/>
+          <a:p>
+            <a:endParaRPr/>
+          </a:p>
         </p:txBody>
       </p:sp>
       <p:sp>
         <p:nvSpPr>
           <p:cNvPr id="18" name="Google Shape;18;p4"/>
-          <p:cNvSpPr txBox="1"/>
+          <p:cNvSpPr txBox="1">
+            <a:spLocks noGrp="1"/>
+          </p:cNvSpPr>
           <p:nvPr>
-            <p:ph idx="1" type="body"/>
+            <p:ph type="body" idx="1"/>
           </p:nvPr>
         </p:nvSpPr>
         <p:spPr>
@@ -3825,11 +3968,11 @@
           </a:prstGeom>
         </p:spPr>
         <p:txBody>
-          <a:bodyPr anchorCtr="0" anchor="t" bIns="91425" lIns="91425" spcFirstLastPara="1" rIns="91425" wrap="square" tIns="91425">
+          <a:bodyPr spcFirstLastPara="1" wrap="square" lIns="91425" tIns="91425" rIns="91425" bIns="91425" anchor="t" anchorCtr="0">
             <a:normAutofit/>
           </a:bodyPr>
           <a:lstStyle>
-            <a:lvl1pPr indent="-342900" lvl="0" marL="457200">
+            <a:lvl1pPr marL="457200" lvl="0" indent="-342900">
               <a:spcBef>
                 <a:spcPts val="0"/>
               </a:spcBef>
@@ -3840,7 +3983,7 @@
               <a:buChar char="●"/>
               <a:defRPr/>
             </a:lvl1pPr>
-            <a:lvl2pPr indent="-317500" lvl="1" marL="914400">
+            <a:lvl2pPr marL="914400" lvl="1" indent="-317500">
               <a:spcBef>
                 <a:spcPts val="0"/>
               </a:spcBef>
@@ -3851,7 +3994,7 @@
               <a:buChar char="○"/>
               <a:defRPr/>
             </a:lvl2pPr>
-            <a:lvl3pPr indent="-317500" lvl="2" marL="1371600">
+            <a:lvl3pPr marL="1371600" lvl="2" indent="-317500">
               <a:spcBef>
                 <a:spcPts val="0"/>
               </a:spcBef>
@@ -3862,7 +4005,7 @@
               <a:buChar char="■"/>
               <a:defRPr/>
             </a:lvl3pPr>
-            <a:lvl4pPr indent="-317500" lvl="3" marL="1828800">
+            <a:lvl4pPr marL="1828800" lvl="3" indent="-317500">
               <a:spcBef>
                 <a:spcPts val="0"/>
               </a:spcBef>
@@ -3873,7 +4016,7 @@
               <a:buChar char="●"/>
               <a:defRPr/>
             </a:lvl4pPr>
-            <a:lvl5pPr indent="-317500" lvl="4" marL="2286000">
+            <a:lvl5pPr marL="2286000" lvl="4" indent="-317500">
               <a:spcBef>
                 <a:spcPts val="0"/>
               </a:spcBef>
@@ -3884,7 +4027,7 @@
               <a:buChar char="○"/>
               <a:defRPr/>
             </a:lvl5pPr>
-            <a:lvl6pPr indent="-317500" lvl="5" marL="2743200">
+            <a:lvl6pPr marL="2743200" lvl="5" indent="-317500">
               <a:spcBef>
                 <a:spcPts val="0"/>
               </a:spcBef>
@@ -3895,7 +4038,7 @@
               <a:buChar char="■"/>
               <a:defRPr/>
             </a:lvl6pPr>
-            <a:lvl7pPr indent="-317500" lvl="6" marL="3200400">
+            <a:lvl7pPr marL="3200400" lvl="6" indent="-317500">
               <a:spcBef>
                 <a:spcPts val="0"/>
               </a:spcBef>
@@ -3906,7 +4049,7 @@
               <a:buChar char="●"/>
               <a:defRPr/>
             </a:lvl7pPr>
-            <a:lvl8pPr indent="-317500" lvl="7" marL="3657600">
+            <a:lvl8pPr marL="3657600" lvl="7" indent="-317500">
               <a:spcBef>
                 <a:spcPts val="0"/>
               </a:spcBef>
@@ -3917,7 +4060,7 @@
               <a:buChar char="○"/>
               <a:defRPr/>
             </a:lvl8pPr>
-            <a:lvl9pPr indent="-317500" lvl="8" marL="4114800">
+            <a:lvl9pPr marL="4114800" lvl="8" indent="-317500">
               <a:spcBef>
                 <a:spcPts val="0"/>
               </a:spcBef>
@@ -3929,15 +4072,19 @@
               <a:defRPr/>
             </a:lvl9pPr>
           </a:lstStyle>
-          <a:p/>
+          <a:p>
+            <a:endParaRPr/>
+          </a:p>
         </p:txBody>
       </p:sp>
       <p:sp>
         <p:nvSpPr>
           <p:cNvPr id="19" name="Google Shape;19;p4"/>
-          <p:cNvSpPr txBox="1"/>
+          <p:cNvSpPr txBox="1">
+            <a:spLocks noGrp="1"/>
+          </p:cNvSpPr>
           <p:nvPr>
-            <p:ph idx="12" type="sldNum"/>
+            <p:ph type="sldNum" idx="12"/>
           </p:nvPr>
         </p:nvSpPr>
         <p:spPr>
@@ -3950,7 +4097,7 @@
           </a:prstGeom>
         </p:spPr>
         <p:txBody>
-          <a:bodyPr anchorCtr="0" anchor="ctr" bIns="91425" lIns="91425" spcFirstLastPara="1" rIns="91425" wrap="square" tIns="91425">
+          <a:bodyPr spcFirstLastPara="1" wrap="square" lIns="91425" tIns="91425" rIns="91425" bIns="91425" anchor="ctr" anchorCtr="0">
             <a:normAutofit/>
           </a:bodyPr>
           <a:lstStyle>
@@ -3992,7 +4139,7 @@
             </a:lvl9pPr>
           </a:lstStyle>
           <a:p>
-            <a:pPr indent="0" lvl="0" marL="0" rtl="0" algn="r">
+            <a:pPr marL="0" lvl="0" indent="0" algn="r" rtl="0">
               <a:spcBef>
                 <a:spcPts val="0"/>
               </a:spcBef>
@@ -4018,11 +4165,11 @@
 </file>
 
 <file path=ppt/slideLayouts/slideLayout4.xml><?xml version="1.0" encoding="utf-8"?>
-<p:sldLayout xmlns:a="http://schemas.openxmlformats.org/drawingml/2006/main" xmlns:r="http://schemas.openxmlformats.org/officeDocument/2006/relationships" xmlns:mc="http://schemas.openxmlformats.org/markup-compatibility/2006" xmlns:mv="urn:schemas-microsoft-com:mac:vml" xmlns:p="http://schemas.openxmlformats.org/presentationml/2006/main" xmlns:c="http://schemas.openxmlformats.org/drawingml/2006/chart" xmlns:dgm="http://schemas.openxmlformats.org/drawingml/2006/diagram" xmlns:o="urn:schemas-microsoft-com:office:office" xmlns:v="urn:schemas-microsoft-com:vml" xmlns:pvml="urn:schemas-microsoft-com:office:powerpoint" xmlns:com="http://schemas.openxmlformats.org/drawingml/2006/compatibility" xmlns:p14="http://schemas.microsoft.com/office/powerpoint/2010/main" xmlns:p15="http://schemas.microsoft.com/office/powerpoint/2012/main" xmlns:ahyp="http://schemas.microsoft.com/office/drawing/2018/hyperlinkcolor" matchingName="Title and two columns" type="twoColTx">
+<p:sldLayout xmlns:a="http://schemas.openxmlformats.org/drawingml/2006/main" xmlns:r="http://schemas.openxmlformats.org/officeDocument/2006/relationships" xmlns:p="http://schemas.openxmlformats.org/presentationml/2006/main" matchingName="Title and two columns" type="twoColTx">
   <p:cSld name="TITLE_AND_TWO_COLUMNS">
     <p:spTree>
       <p:nvGrpSpPr>
-        <p:cNvPr id="20" name="Shape 20"/>
+        <p:cNvPr id="1" name="Shape 20"/>
         <p:cNvGrpSpPr/>
         <p:nvPr/>
       </p:nvGrpSpPr>
@@ -4037,7 +4184,9 @@
       <p:sp>
         <p:nvSpPr>
           <p:cNvPr id="21" name="Google Shape;21;p5"/>
-          <p:cNvSpPr txBox="1"/>
+          <p:cNvSpPr txBox="1">
+            <a:spLocks noGrp="1"/>
+          </p:cNvSpPr>
           <p:nvPr>
             <p:ph type="title"/>
           </p:nvPr>
@@ -4052,7 +4201,7 @@
           </a:prstGeom>
         </p:spPr>
         <p:txBody>
-          <a:bodyPr anchorCtr="0" anchor="t" bIns="91425" lIns="91425" spcFirstLastPara="1" rIns="91425" wrap="square" tIns="91425">
+          <a:bodyPr spcFirstLastPara="1" wrap="square" lIns="91425" tIns="91425" rIns="91425" bIns="91425" anchor="t" anchorCtr="0">
             <a:normAutofit/>
           </a:bodyPr>
           <a:lstStyle>
@@ -4156,15 +4305,19 @@
               <a:defRPr/>
             </a:lvl9pPr>
           </a:lstStyle>
-          <a:p/>
+          <a:p>
+            <a:endParaRPr/>
+          </a:p>
         </p:txBody>
       </p:sp>
       <p:sp>
         <p:nvSpPr>
           <p:cNvPr id="22" name="Google Shape;22;p5"/>
-          <p:cNvSpPr txBox="1"/>
+          <p:cNvSpPr txBox="1">
+            <a:spLocks noGrp="1"/>
+          </p:cNvSpPr>
           <p:nvPr>
-            <p:ph idx="1" type="body"/>
+            <p:ph type="body" idx="1"/>
           </p:nvPr>
         </p:nvSpPr>
         <p:spPr>
@@ -4177,11 +4330,11 @@
           </a:prstGeom>
         </p:spPr>
         <p:txBody>
-          <a:bodyPr anchorCtr="0" anchor="t" bIns="91425" lIns="91425" spcFirstLastPara="1" rIns="91425" wrap="square" tIns="91425">
+          <a:bodyPr spcFirstLastPara="1" wrap="square" lIns="91425" tIns="91425" rIns="91425" bIns="91425" anchor="t" anchorCtr="0">
             <a:normAutofit/>
           </a:bodyPr>
           <a:lstStyle>
-            <a:lvl1pPr indent="-317500" lvl="0" marL="457200">
+            <a:lvl1pPr marL="457200" lvl="0" indent="-317500">
               <a:spcBef>
                 <a:spcPts val="0"/>
               </a:spcBef>
@@ -4192,7 +4345,7 @@
               <a:buChar char="●"/>
               <a:defRPr sz="1400"/>
             </a:lvl1pPr>
-            <a:lvl2pPr indent="-304800" lvl="1" marL="914400">
+            <a:lvl2pPr marL="914400" lvl="1" indent="-304800">
               <a:spcBef>
                 <a:spcPts val="0"/>
               </a:spcBef>
@@ -4203,7 +4356,7 @@
               <a:buChar char="○"/>
               <a:defRPr sz="1200"/>
             </a:lvl2pPr>
-            <a:lvl3pPr indent="-304800" lvl="2" marL="1371600">
+            <a:lvl3pPr marL="1371600" lvl="2" indent="-304800">
               <a:spcBef>
                 <a:spcPts val="0"/>
               </a:spcBef>
@@ -4214,7 +4367,7 @@
               <a:buChar char="■"/>
               <a:defRPr sz="1200"/>
             </a:lvl3pPr>
-            <a:lvl4pPr indent="-304800" lvl="3" marL="1828800">
+            <a:lvl4pPr marL="1828800" lvl="3" indent="-304800">
               <a:spcBef>
                 <a:spcPts val="0"/>
               </a:spcBef>
@@ -4225,7 +4378,7 @@
               <a:buChar char="●"/>
               <a:defRPr sz="1200"/>
             </a:lvl4pPr>
-            <a:lvl5pPr indent="-304800" lvl="4" marL="2286000">
+            <a:lvl5pPr marL="2286000" lvl="4" indent="-304800">
               <a:spcBef>
                 <a:spcPts val="0"/>
               </a:spcBef>
@@ -4236,7 +4389,7 @@
               <a:buChar char="○"/>
               <a:defRPr sz="1200"/>
             </a:lvl5pPr>
-            <a:lvl6pPr indent="-304800" lvl="5" marL="2743200">
+            <a:lvl6pPr marL="2743200" lvl="5" indent="-304800">
               <a:spcBef>
                 <a:spcPts val="0"/>
               </a:spcBef>
@@ -4247,7 +4400,7 @@
               <a:buChar char="■"/>
               <a:defRPr sz="1200"/>
             </a:lvl6pPr>
-            <a:lvl7pPr indent="-304800" lvl="6" marL="3200400">
+            <a:lvl7pPr marL="3200400" lvl="6" indent="-304800">
               <a:spcBef>
                 <a:spcPts val="0"/>
               </a:spcBef>
@@ -4258,7 +4411,7 @@
               <a:buChar char="●"/>
               <a:defRPr sz="1200"/>
             </a:lvl7pPr>
-            <a:lvl8pPr indent="-304800" lvl="7" marL="3657600">
+            <a:lvl8pPr marL="3657600" lvl="7" indent="-304800">
               <a:spcBef>
                 <a:spcPts val="0"/>
               </a:spcBef>
@@ -4269,7 +4422,7 @@
               <a:buChar char="○"/>
               <a:defRPr sz="1200"/>
             </a:lvl8pPr>
-            <a:lvl9pPr indent="-304800" lvl="8" marL="4114800">
+            <a:lvl9pPr marL="4114800" lvl="8" indent="-304800">
               <a:spcBef>
                 <a:spcPts val="0"/>
               </a:spcBef>
@@ -4281,15 +4434,19 @@
               <a:defRPr sz="1200"/>
             </a:lvl9pPr>
           </a:lstStyle>
-          <a:p/>
+          <a:p>
+            <a:endParaRPr/>
+          </a:p>
         </p:txBody>
       </p:sp>
       <p:sp>
         <p:nvSpPr>
           <p:cNvPr id="23" name="Google Shape;23;p5"/>
-          <p:cNvSpPr txBox="1"/>
+          <p:cNvSpPr txBox="1">
+            <a:spLocks noGrp="1"/>
+          </p:cNvSpPr>
           <p:nvPr>
-            <p:ph idx="2" type="body"/>
+            <p:ph type="body" idx="2"/>
           </p:nvPr>
         </p:nvSpPr>
         <p:spPr>
@@ -4302,11 +4459,11 @@
           </a:prstGeom>
         </p:spPr>
         <p:txBody>
-          <a:bodyPr anchorCtr="0" anchor="t" bIns="91425" lIns="91425" spcFirstLastPara="1" rIns="91425" wrap="square" tIns="91425">
+          <a:bodyPr spcFirstLastPara="1" wrap="square" lIns="91425" tIns="91425" rIns="91425" bIns="91425" anchor="t" anchorCtr="0">
             <a:normAutofit/>
           </a:bodyPr>
           <a:lstStyle>
-            <a:lvl1pPr indent="-317500" lvl="0" marL="457200">
+            <a:lvl1pPr marL="457200" lvl="0" indent="-317500">
               <a:spcBef>
                 <a:spcPts val="0"/>
               </a:spcBef>
@@ -4317,7 +4474,7 @@
               <a:buChar char="●"/>
               <a:defRPr sz="1400"/>
             </a:lvl1pPr>
-            <a:lvl2pPr indent="-304800" lvl="1" marL="914400">
+            <a:lvl2pPr marL="914400" lvl="1" indent="-304800">
               <a:spcBef>
                 <a:spcPts val="0"/>
               </a:spcBef>
@@ -4328,7 +4485,7 @@
               <a:buChar char="○"/>
               <a:defRPr sz="1200"/>
             </a:lvl2pPr>
-            <a:lvl3pPr indent="-304800" lvl="2" marL="1371600">
+            <a:lvl3pPr marL="1371600" lvl="2" indent="-304800">
               <a:spcBef>
                 <a:spcPts val="0"/>
               </a:spcBef>
@@ -4339,7 +4496,7 @@
               <a:buChar char="■"/>
               <a:defRPr sz="1200"/>
             </a:lvl3pPr>
-            <a:lvl4pPr indent="-304800" lvl="3" marL="1828800">
+            <a:lvl4pPr marL="1828800" lvl="3" indent="-304800">
               <a:spcBef>
                 <a:spcPts val="0"/>
               </a:spcBef>
@@ -4350,7 +4507,7 @@
               <a:buChar char="●"/>
               <a:defRPr sz="1200"/>
             </a:lvl4pPr>
-            <a:lvl5pPr indent="-304800" lvl="4" marL="2286000">
+            <a:lvl5pPr marL="2286000" lvl="4" indent="-304800">
               <a:spcBef>
                 <a:spcPts val="0"/>
               </a:spcBef>
@@ -4361,7 +4518,7 @@
               <a:buChar char="○"/>
               <a:defRPr sz="1200"/>
             </a:lvl5pPr>
-            <a:lvl6pPr indent="-304800" lvl="5" marL="2743200">
+            <a:lvl6pPr marL="2743200" lvl="5" indent="-304800">
               <a:spcBef>
                 <a:spcPts val="0"/>
               </a:spcBef>
@@ -4372,7 +4529,7 @@
               <a:buChar char="■"/>
               <a:defRPr sz="1200"/>
             </a:lvl6pPr>
-            <a:lvl7pPr indent="-304800" lvl="6" marL="3200400">
+            <a:lvl7pPr marL="3200400" lvl="6" indent="-304800">
               <a:spcBef>
                 <a:spcPts val="0"/>
               </a:spcBef>
@@ -4383,7 +4540,7 @@
               <a:buChar char="●"/>
               <a:defRPr sz="1200"/>
             </a:lvl7pPr>
-            <a:lvl8pPr indent="-304800" lvl="7" marL="3657600">
+            <a:lvl8pPr marL="3657600" lvl="7" indent="-304800">
               <a:spcBef>
                 <a:spcPts val="0"/>
               </a:spcBef>
@@ -4394,7 +4551,7 @@
               <a:buChar char="○"/>
               <a:defRPr sz="1200"/>
             </a:lvl8pPr>
-            <a:lvl9pPr indent="-304800" lvl="8" marL="4114800">
+            <a:lvl9pPr marL="4114800" lvl="8" indent="-304800">
               <a:spcBef>
                 <a:spcPts val="0"/>
               </a:spcBef>
@@ -4406,15 +4563,19 @@
               <a:defRPr sz="1200"/>
             </a:lvl9pPr>
           </a:lstStyle>
-          <a:p/>
+          <a:p>
+            <a:endParaRPr/>
+          </a:p>
         </p:txBody>
       </p:sp>
       <p:sp>
         <p:nvSpPr>
           <p:cNvPr id="24" name="Google Shape;24;p5"/>
-          <p:cNvSpPr txBox="1"/>
+          <p:cNvSpPr txBox="1">
+            <a:spLocks noGrp="1"/>
+          </p:cNvSpPr>
           <p:nvPr>
-            <p:ph idx="12" type="sldNum"/>
+            <p:ph type="sldNum" idx="12"/>
           </p:nvPr>
         </p:nvSpPr>
         <p:spPr>
@@ -4427,7 +4588,7 @@
           </a:prstGeom>
         </p:spPr>
         <p:txBody>
-          <a:bodyPr anchorCtr="0" anchor="ctr" bIns="91425" lIns="91425" spcFirstLastPara="1" rIns="91425" wrap="square" tIns="91425">
+          <a:bodyPr spcFirstLastPara="1" wrap="square" lIns="91425" tIns="91425" rIns="91425" bIns="91425" anchor="ctr" anchorCtr="0">
             <a:normAutofit/>
           </a:bodyPr>
           <a:lstStyle>
@@ -4469,7 +4630,7 @@
             </a:lvl9pPr>
           </a:lstStyle>
           <a:p>
-            <a:pPr indent="0" lvl="0" marL="0" rtl="0" algn="r">
+            <a:pPr marL="0" lvl="0" indent="0" algn="r" rtl="0">
               <a:spcBef>
                 <a:spcPts val="0"/>
               </a:spcBef>
@@ -4495,11 +4656,11 @@
 </file>
 
 <file path=ppt/slideLayouts/slideLayout5.xml><?xml version="1.0" encoding="utf-8"?>
-<p:sldLayout xmlns:a="http://schemas.openxmlformats.org/drawingml/2006/main" xmlns:r="http://schemas.openxmlformats.org/officeDocument/2006/relationships" xmlns:mc="http://schemas.openxmlformats.org/markup-compatibility/2006" xmlns:mv="urn:schemas-microsoft-com:mac:vml" xmlns:p="http://schemas.openxmlformats.org/presentationml/2006/main" xmlns:c="http://schemas.openxmlformats.org/drawingml/2006/chart" xmlns:dgm="http://schemas.openxmlformats.org/drawingml/2006/diagram" xmlns:o="urn:schemas-microsoft-com:office:office" xmlns:v="urn:schemas-microsoft-com:vml" xmlns:pvml="urn:schemas-microsoft-com:office:powerpoint" xmlns:com="http://schemas.openxmlformats.org/drawingml/2006/compatibility" xmlns:p14="http://schemas.microsoft.com/office/powerpoint/2010/main" xmlns:p15="http://schemas.microsoft.com/office/powerpoint/2012/main" xmlns:ahyp="http://schemas.microsoft.com/office/drawing/2018/hyperlinkcolor" matchingName="Title only" type="titleOnly">
+<p:sldLayout xmlns:a="http://schemas.openxmlformats.org/drawingml/2006/main" xmlns:r="http://schemas.openxmlformats.org/officeDocument/2006/relationships" xmlns:p="http://schemas.openxmlformats.org/presentationml/2006/main" matchingName="Title only" type="titleOnly">
   <p:cSld name="TITLE_ONLY">
     <p:spTree>
       <p:nvGrpSpPr>
-        <p:cNvPr id="25" name="Shape 25"/>
+        <p:cNvPr id="1" name="Shape 25"/>
         <p:cNvGrpSpPr/>
         <p:nvPr/>
       </p:nvGrpSpPr>
@@ -4514,7 +4675,9 @@
       <p:sp>
         <p:nvSpPr>
           <p:cNvPr id="26" name="Google Shape;26;p6"/>
-          <p:cNvSpPr txBox="1"/>
+          <p:cNvSpPr txBox="1">
+            <a:spLocks noGrp="1"/>
+          </p:cNvSpPr>
           <p:nvPr>
             <p:ph type="title"/>
           </p:nvPr>
@@ -4529,7 +4692,7 @@
           </a:prstGeom>
         </p:spPr>
         <p:txBody>
-          <a:bodyPr anchorCtr="0" anchor="t" bIns="91425" lIns="91425" spcFirstLastPara="1" rIns="91425" wrap="square" tIns="91425">
+          <a:bodyPr spcFirstLastPara="1" wrap="square" lIns="91425" tIns="91425" rIns="91425" bIns="91425" anchor="t" anchorCtr="0">
             <a:normAutofit/>
           </a:bodyPr>
           <a:lstStyle>
@@ -4633,15 +4796,19 @@
               <a:defRPr/>
             </a:lvl9pPr>
           </a:lstStyle>
-          <a:p/>
+          <a:p>
+            <a:endParaRPr/>
+          </a:p>
         </p:txBody>
       </p:sp>
       <p:sp>
         <p:nvSpPr>
           <p:cNvPr id="27" name="Google Shape;27;p6"/>
-          <p:cNvSpPr txBox="1"/>
+          <p:cNvSpPr txBox="1">
+            <a:spLocks noGrp="1"/>
+          </p:cNvSpPr>
           <p:nvPr>
-            <p:ph idx="12" type="sldNum"/>
+            <p:ph type="sldNum" idx="12"/>
           </p:nvPr>
         </p:nvSpPr>
         <p:spPr>
@@ -4654,7 +4821,7 @@
           </a:prstGeom>
         </p:spPr>
         <p:txBody>
-          <a:bodyPr anchorCtr="0" anchor="ctr" bIns="91425" lIns="91425" spcFirstLastPara="1" rIns="91425" wrap="square" tIns="91425">
+          <a:bodyPr spcFirstLastPara="1" wrap="square" lIns="91425" tIns="91425" rIns="91425" bIns="91425" anchor="ctr" anchorCtr="0">
             <a:normAutofit/>
           </a:bodyPr>
           <a:lstStyle>
@@ -4696,7 +4863,7 @@
             </a:lvl9pPr>
           </a:lstStyle>
           <a:p>
-            <a:pPr indent="0" lvl="0" marL="0" rtl="0" algn="r">
+            <a:pPr marL="0" lvl="0" indent="0" algn="r" rtl="0">
               <a:spcBef>
                 <a:spcPts val="0"/>
               </a:spcBef>
@@ -4722,11 +4889,11 @@
 </file>
 
 <file path=ppt/slideLayouts/slideLayout6.xml><?xml version="1.0" encoding="utf-8"?>
-<p:sldLayout xmlns:a="http://schemas.openxmlformats.org/drawingml/2006/main" xmlns:r="http://schemas.openxmlformats.org/officeDocument/2006/relationships" xmlns:mc="http://schemas.openxmlformats.org/markup-compatibility/2006" xmlns:mv="urn:schemas-microsoft-com:mac:vml" xmlns:p="http://schemas.openxmlformats.org/presentationml/2006/main" xmlns:c="http://schemas.openxmlformats.org/drawingml/2006/chart" xmlns:dgm="http://schemas.openxmlformats.org/drawingml/2006/diagram" xmlns:o="urn:schemas-microsoft-com:office:office" xmlns:v="urn:schemas-microsoft-com:vml" xmlns:pvml="urn:schemas-microsoft-com:office:powerpoint" xmlns:com="http://schemas.openxmlformats.org/drawingml/2006/compatibility" xmlns:p14="http://schemas.microsoft.com/office/powerpoint/2010/main" xmlns:p15="http://schemas.microsoft.com/office/powerpoint/2012/main" xmlns:ahyp="http://schemas.microsoft.com/office/drawing/2018/hyperlinkcolor" matchingName="One column text">
+<p:sldLayout xmlns:a="http://schemas.openxmlformats.org/drawingml/2006/main" xmlns:r="http://schemas.openxmlformats.org/officeDocument/2006/relationships" xmlns:p="http://schemas.openxmlformats.org/presentationml/2006/main" matchingName="One column text">
   <p:cSld name="ONE_COLUMN_TEXT">
     <p:spTree>
       <p:nvGrpSpPr>
-        <p:cNvPr id="28" name="Shape 28"/>
+        <p:cNvPr id="1" name="Shape 28"/>
         <p:cNvGrpSpPr/>
         <p:nvPr/>
       </p:nvGrpSpPr>
@@ -4741,7 +4908,9 @@
       <p:sp>
         <p:nvSpPr>
           <p:cNvPr id="29" name="Google Shape;29;p7"/>
-          <p:cNvSpPr txBox="1"/>
+          <p:cNvSpPr txBox="1">
+            <a:spLocks noGrp="1"/>
+          </p:cNvSpPr>
           <p:nvPr>
             <p:ph type="title"/>
           </p:nvPr>
@@ -4756,7 +4925,7 @@
           </a:prstGeom>
         </p:spPr>
         <p:txBody>
-          <a:bodyPr anchorCtr="0" anchor="b" bIns="91425" lIns="91425" spcFirstLastPara="1" rIns="91425" wrap="square" tIns="91425">
+          <a:bodyPr spcFirstLastPara="1" wrap="square" lIns="91425" tIns="91425" rIns="91425" bIns="91425" anchor="b" anchorCtr="0">
             <a:normAutofit/>
           </a:bodyPr>
           <a:lstStyle>
@@ -4860,15 +5029,19 @@
               <a:defRPr sz="2400"/>
             </a:lvl9pPr>
           </a:lstStyle>
-          <a:p/>
+          <a:p>
+            <a:endParaRPr/>
+          </a:p>
         </p:txBody>
       </p:sp>
       <p:sp>
         <p:nvSpPr>
           <p:cNvPr id="30" name="Google Shape;30;p7"/>
-          <p:cNvSpPr txBox="1"/>
+          <p:cNvSpPr txBox="1">
+            <a:spLocks noGrp="1"/>
+          </p:cNvSpPr>
           <p:nvPr>
-            <p:ph idx="1" type="body"/>
+            <p:ph type="body" idx="1"/>
           </p:nvPr>
         </p:nvSpPr>
         <p:spPr>
@@ -4881,11 +5054,11 @@
           </a:prstGeom>
         </p:spPr>
         <p:txBody>
-          <a:bodyPr anchorCtr="0" anchor="t" bIns="91425" lIns="91425" spcFirstLastPara="1" rIns="91425" wrap="square" tIns="91425">
+          <a:bodyPr spcFirstLastPara="1" wrap="square" lIns="91425" tIns="91425" rIns="91425" bIns="91425" anchor="t" anchorCtr="0">
             <a:normAutofit/>
           </a:bodyPr>
           <a:lstStyle>
-            <a:lvl1pPr indent="-304800" lvl="0" marL="457200">
+            <a:lvl1pPr marL="457200" lvl="0" indent="-304800">
               <a:spcBef>
                 <a:spcPts val="0"/>
               </a:spcBef>
@@ -4896,7 +5069,7 @@
               <a:buChar char="●"/>
               <a:defRPr sz="1200"/>
             </a:lvl1pPr>
-            <a:lvl2pPr indent="-304800" lvl="1" marL="914400">
+            <a:lvl2pPr marL="914400" lvl="1" indent="-304800">
               <a:spcBef>
                 <a:spcPts val="0"/>
               </a:spcBef>
@@ -4907,7 +5080,7 @@
               <a:buChar char="○"/>
               <a:defRPr sz="1200"/>
             </a:lvl2pPr>
-            <a:lvl3pPr indent="-304800" lvl="2" marL="1371600">
+            <a:lvl3pPr marL="1371600" lvl="2" indent="-304800">
               <a:spcBef>
                 <a:spcPts val="0"/>
               </a:spcBef>
@@ -4918,7 +5091,7 @@
               <a:buChar char="■"/>
               <a:defRPr sz="1200"/>
             </a:lvl3pPr>
-            <a:lvl4pPr indent="-304800" lvl="3" marL="1828800">
+            <a:lvl4pPr marL="1828800" lvl="3" indent="-304800">
               <a:spcBef>
                 <a:spcPts val="0"/>
               </a:spcBef>
@@ -4929,7 +5102,7 @@
               <a:buChar char="●"/>
               <a:defRPr sz="1200"/>
             </a:lvl4pPr>
-            <a:lvl5pPr indent="-304800" lvl="4" marL="2286000">
+            <a:lvl5pPr marL="2286000" lvl="4" indent="-304800">
               <a:spcBef>
                 <a:spcPts val="0"/>
               </a:spcBef>
@@ -4940,7 +5113,7 @@
               <a:buChar char="○"/>
               <a:defRPr sz="1200"/>
             </a:lvl5pPr>
-            <a:lvl6pPr indent="-304800" lvl="5" marL="2743200">
+            <a:lvl6pPr marL="2743200" lvl="5" indent="-304800">
               <a:spcBef>
                 <a:spcPts val="0"/>
               </a:spcBef>
@@ -4951,7 +5124,7 @@
               <a:buChar char="■"/>
               <a:defRPr sz="1200"/>
             </a:lvl6pPr>
-            <a:lvl7pPr indent="-304800" lvl="6" marL="3200400">
+            <a:lvl7pPr marL="3200400" lvl="6" indent="-304800">
               <a:spcBef>
                 <a:spcPts val="0"/>
               </a:spcBef>
@@ -4962,7 +5135,7 @@
               <a:buChar char="●"/>
               <a:defRPr sz="1200"/>
             </a:lvl7pPr>
-            <a:lvl8pPr indent="-304800" lvl="7" marL="3657600">
+            <a:lvl8pPr marL="3657600" lvl="7" indent="-304800">
               <a:spcBef>
                 <a:spcPts val="0"/>
               </a:spcBef>
@@ -4973,7 +5146,7 @@
               <a:buChar char="○"/>
               <a:defRPr sz="1200"/>
             </a:lvl8pPr>
-            <a:lvl9pPr indent="-304800" lvl="8" marL="4114800">
+            <a:lvl9pPr marL="4114800" lvl="8" indent="-304800">
               <a:spcBef>
                 <a:spcPts val="0"/>
               </a:spcBef>
@@ -4985,15 +5158,19 @@
               <a:defRPr sz="1200"/>
             </a:lvl9pPr>
           </a:lstStyle>
-          <a:p/>
+          <a:p>
+            <a:endParaRPr/>
+          </a:p>
         </p:txBody>
       </p:sp>
       <p:sp>
         <p:nvSpPr>
           <p:cNvPr id="31" name="Google Shape;31;p7"/>
-          <p:cNvSpPr txBox="1"/>
+          <p:cNvSpPr txBox="1">
+            <a:spLocks noGrp="1"/>
+          </p:cNvSpPr>
           <p:nvPr>
-            <p:ph idx="12" type="sldNum"/>
+            <p:ph type="sldNum" idx="12"/>
           </p:nvPr>
         </p:nvSpPr>
         <p:spPr>
@@ -5006,7 +5183,7 @@
           </a:prstGeom>
         </p:spPr>
         <p:txBody>
-          <a:bodyPr anchorCtr="0" anchor="ctr" bIns="91425" lIns="91425" spcFirstLastPara="1" rIns="91425" wrap="square" tIns="91425">
+          <a:bodyPr spcFirstLastPara="1" wrap="square" lIns="91425" tIns="91425" rIns="91425" bIns="91425" anchor="ctr" anchorCtr="0">
             <a:normAutofit/>
           </a:bodyPr>
           <a:lstStyle>
@@ -5048,7 +5225,7 @@
             </a:lvl9pPr>
           </a:lstStyle>
           <a:p>
-            <a:pPr indent="0" lvl="0" marL="0" rtl="0" algn="r">
+            <a:pPr marL="0" lvl="0" indent="0" algn="r" rtl="0">
               <a:spcBef>
                 <a:spcPts val="0"/>
               </a:spcBef>
@@ -5074,11 +5251,11 @@
 </file>
 
 <file path=ppt/slideLayouts/slideLayout7.xml><?xml version="1.0" encoding="utf-8"?>
-<p:sldLayout xmlns:a="http://schemas.openxmlformats.org/drawingml/2006/main" xmlns:r="http://schemas.openxmlformats.org/officeDocument/2006/relationships" xmlns:mc="http://schemas.openxmlformats.org/markup-compatibility/2006" xmlns:mv="urn:schemas-microsoft-com:mac:vml" xmlns:p="http://schemas.openxmlformats.org/presentationml/2006/main" xmlns:c="http://schemas.openxmlformats.org/drawingml/2006/chart" xmlns:dgm="http://schemas.openxmlformats.org/drawingml/2006/diagram" xmlns:o="urn:schemas-microsoft-com:office:office" xmlns:v="urn:schemas-microsoft-com:vml" xmlns:pvml="urn:schemas-microsoft-com:office:powerpoint" xmlns:com="http://schemas.openxmlformats.org/drawingml/2006/compatibility" xmlns:p14="http://schemas.microsoft.com/office/powerpoint/2010/main" xmlns:p15="http://schemas.microsoft.com/office/powerpoint/2012/main" xmlns:ahyp="http://schemas.microsoft.com/office/drawing/2018/hyperlinkcolor" matchingName="Main point">
+<p:sldLayout xmlns:a="http://schemas.openxmlformats.org/drawingml/2006/main" xmlns:r="http://schemas.openxmlformats.org/officeDocument/2006/relationships" xmlns:p="http://schemas.openxmlformats.org/presentationml/2006/main" matchingName="Main point">
   <p:cSld name="MAIN_POINT">
     <p:spTree>
       <p:nvGrpSpPr>
-        <p:cNvPr id="32" name="Shape 32"/>
+        <p:cNvPr id="1" name="Shape 32"/>
         <p:cNvGrpSpPr/>
         <p:nvPr/>
       </p:nvGrpSpPr>
@@ -5093,7 +5270,9 @@
       <p:sp>
         <p:nvSpPr>
           <p:cNvPr id="33" name="Google Shape;33;p8"/>
-          <p:cNvSpPr txBox="1"/>
+          <p:cNvSpPr txBox="1">
+            <a:spLocks noGrp="1"/>
+          </p:cNvSpPr>
           <p:nvPr>
             <p:ph type="title"/>
           </p:nvPr>
@@ -5108,7 +5287,7 @@
           </a:prstGeom>
         </p:spPr>
         <p:txBody>
-          <a:bodyPr anchorCtr="0" anchor="ctr" bIns="91425" lIns="91425" spcFirstLastPara="1" rIns="91425" wrap="square" tIns="91425">
+          <a:bodyPr spcFirstLastPara="1" wrap="square" lIns="91425" tIns="91425" rIns="91425" bIns="91425" anchor="ctr" anchorCtr="0">
             <a:normAutofit/>
           </a:bodyPr>
           <a:lstStyle>
@@ -5212,15 +5391,19 @@
               <a:defRPr sz="4800"/>
             </a:lvl9pPr>
           </a:lstStyle>
-          <a:p/>
+          <a:p>
+            <a:endParaRPr/>
+          </a:p>
         </p:txBody>
       </p:sp>
       <p:sp>
         <p:nvSpPr>
           <p:cNvPr id="34" name="Google Shape;34;p8"/>
-          <p:cNvSpPr txBox="1"/>
+          <p:cNvSpPr txBox="1">
+            <a:spLocks noGrp="1"/>
+          </p:cNvSpPr>
           <p:nvPr>
-            <p:ph idx="12" type="sldNum"/>
+            <p:ph type="sldNum" idx="12"/>
           </p:nvPr>
         </p:nvSpPr>
         <p:spPr>
@@ -5233,7 +5416,7 @@
           </a:prstGeom>
         </p:spPr>
         <p:txBody>
-          <a:bodyPr anchorCtr="0" anchor="ctr" bIns="91425" lIns="91425" spcFirstLastPara="1" rIns="91425" wrap="square" tIns="91425">
+          <a:bodyPr spcFirstLastPara="1" wrap="square" lIns="91425" tIns="91425" rIns="91425" bIns="91425" anchor="ctr" anchorCtr="0">
             <a:normAutofit/>
           </a:bodyPr>
           <a:lstStyle>
@@ -5275,7 +5458,7 @@
             </a:lvl9pPr>
           </a:lstStyle>
           <a:p>
-            <a:pPr indent="0" lvl="0" marL="0" rtl="0" algn="r">
+            <a:pPr marL="0" lvl="0" indent="0" algn="r" rtl="0">
               <a:spcBef>
                 <a:spcPts val="0"/>
               </a:spcBef>
@@ -5301,11 +5484,11 @@
 </file>
 
 <file path=ppt/slideLayouts/slideLayout8.xml><?xml version="1.0" encoding="utf-8"?>
-<p:sldLayout xmlns:a="http://schemas.openxmlformats.org/drawingml/2006/main" xmlns:r="http://schemas.openxmlformats.org/officeDocument/2006/relationships" xmlns:mc="http://schemas.openxmlformats.org/markup-compatibility/2006" xmlns:mv="urn:schemas-microsoft-com:mac:vml" xmlns:p="http://schemas.openxmlformats.org/presentationml/2006/main" xmlns:c="http://schemas.openxmlformats.org/drawingml/2006/chart" xmlns:dgm="http://schemas.openxmlformats.org/drawingml/2006/diagram" xmlns:o="urn:schemas-microsoft-com:office:office" xmlns:v="urn:schemas-microsoft-com:vml" xmlns:pvml="urn:schemas-microsoft-com:office:powerpoint" xmlns:com="http://schemas.openxmlformats.org/drawingml/2006/compatibility" xmlns:p14="http://schemas.microsoft.com/office/powerpoint/2010/main" xmlns:p15="http://schemas.microsoft.com/office/powerpoint/2012/main" xmlns:ahyp="http://schemas.microsoft.com/office/drawing/2018/hyperlinkcolor" matchingName="Section title and description">
+<p:sldLayout xmlns:a="http://schemas.openxmlformats.org/drawingml/2006/main" xmlns:r="http://schemas.openxmlformats.org/officeDocument/2006/relationships" xmlns:p="http://schemas.openxmlformats.org/presentationml/2006/main" matchingName="Section title and description">
   <p:cSld name="SECTION_TITLE_AND_DESCRIPTION">
     <p:spTree>
       <p:nvGrpSpPr>
-        <p:cNvPr id="35" name="Shape 35"/>
+        <p:cNvPr id="1" name="Shape 35"/>
         <p:cNvGrpSpPr/>
         <p:nvPr/>
       </p:nvGrpSpPr>
@@ -5339,12 +5522,12 @@
           </a:ln>
         </p:spPr>
         <p:txBody>
-          <a:bodyPr anchorCtr="0" anchor="ctr" bIns="91425" lIns="91425" spcFirstLastPara="1" rIns="91425" wrap="square" tIns="91425">
+          <a:bodyPr spcFirstLastPara="1" wrap="square" lIns="91425" tIns="91425" rIns="91425" bIns="91425" anchor="ctr" anchorCtr="0">
             <a:noAutofit/>
           </a:bodyPr>
           <a:lstStyle/>
           <a:p>
-            <a:pPr indent="0" lvl="0" marL="0" rtl="0" algn="l">
+            <a:pPr marL="0" lvl="0" indent="0" algn="l" rtl="0">
               <a:spcBef>
                 <a:spcPts val="0"/>
               </a:spcBef>
@@ -5353,9 +5536,6 @@
               </a:spcAft>
               <a:buNone/>
             </a:pPr>
-            <a:r>
-              <a:t/>
-            </a:r>
             <a:endParaRPr/>
           </a:p>
         </p:txBody>
@@ -5363,7 +5543,9 @@
       <p:sp>
         <p:nvSpPr>
           <p:cNvPr id="37" name="Google Shape;37;p9"/>
-          <p:cNvSpPr txBox="1"/>
+          <p:cNvSpPr txBox="1">
+            <a:spLocks noGrp="1"/>
+          </p:cNvSpPr>
           <p:nvPr>
             <p:ph type="title"/>
           </p:nvPr>
@@ -5378,7 +5560,7 @@
           </a:prstGeom>
         </p:spPr>
         <p:txBody>
-          <a:bodyPr anchorCtr="0" anchor="b" bIns="91425" lIns="91425" spcFirstLastPara="1" rIns="91425" wrap="square" tIns="91425">
+          <a:bodyPr spcFirstLastPara="1" wrap="square" lIns="91425" tIns="91425" rIns="91425" bIns="91425" anchor="b" anchorCtr="0">
             <a:normAutofit/>
           </a:bodyPr>
           <a:lstStyle>
@@ -5482,15 +5664,19 @@
               <a:defRPr sz="4200"/>
             </a:lvl9pPr>
           </a:lstStyle>
-          <a:p/>
+          <a:p>
+            <a:endParaRPr/>
+          </a:p>
         </p:txBody>
       </p:sp>
       <p:sp>
         <p:nvSpPr>
           <p:cNvPr id="38" name="Google Shape;38;p9"/>
-          <p:cNvSpPr txBox="1"/>
+          <p:cNvSpPr txBox="1">
+            <a:spLocks noGrp="1"/>
+          </p:cNvSpPr>
           <p:nvPr>
-            <p:ph idx="1" type="subTitle"/>
+            <p:ph type="subTitle" idx="1"/>
           </p:nvPr>
         </p:nvSpPr>
         <p:spPr>
@@ -5503,7 +5689,7 @@
           </a:prstGeom>
         </p:spPr>
         <p:txBody>
-          <a:bodyPr anchorCtr="0" anchor="t" bIns="91425" lIns="91425" spcFirstLastPara="1" rIns="91425" wrap="square" tIns="91425">
+          <a:bodyPr spcFirstLastPara="1" wrap="square" lIns="91425" tIns="91425" rIns="91425" bIns="91425" anchor="t" anchorCtr="0">
             <a:normAutofit/>
           </a:bodyPr>
           <a:lstStyle>
@@ -5634,15 +5820,19 @@
               <a:defRPr sz="2100"/>
             </a:lvl9pPr>
           </a:lstStyle>
-          <a:p/>
+          <a:p>
+            <a:endParaRPr/>
+          </a:p>
         </p:txBody>
       </p:sp>
       <p:sp>
         <p:nvSpPr>
           <p:cNvPr id="39" name="Google Shape;39;p9"/>
-          <p:cNvSpPr txBox="1"/>
+          <p:cNvSpPr txBox="1">
+            <a:spLocks noGrp="1"/>
+          </p:cNvSpPr>
           <p:nvPr>
-            <p:ph idx="2" type="body"/>
+            <p:ph type="body" idx="2"/>
           </p:nvPr>
         </p:nvSpPr>
         <p:spPr>
@@ -5655,11 +5845,11 @@
           </a:prstGeom>
         </p:spPr>
         <p:txBody>
-          <a:bodyPr anchorCtr="0" anchor="ctr" bIns="91425" lIns="91425" spcFirstLastPara="1" rIns="91425" wrap="square" tIns="91425">
+          <a:bodyPr spcFirstLastPara="1" wrap="square" lIns="91425" tIns="91425" rIns="91425" bIns="91425" anchor="ctr" anchorCtr="0">
             <a:normAutofit/>
           </a:bodyPr>
           <a:lstStyle>
-            <a:lvl1pPr indent="-342900" lvl="0" marL="457200">
+            <a:lvl1pPr marL="457200" lvl="0" indent="-342900">
               <a:spcBef>
                 <a:spcPts val="0"/>
               </a:spcBef>
@@ -5670,7 +5860,7 @@
               <a:buChar char="●"/>
               <a:defRPr/>
             </a:lvl1pPr>
-            <a:lvl2pPr indent="-317500" lvl="1" marL="914400">
+            <a:lvl2pPr marL="914400" lvl="1" indent="-317500">
               <a:spcBef>
                 <a:spcPts val="0"/>
               </a:spcBef>
@@ -5681,7 +5871,7 @@
               <a:buChar char="○"/>
               <a:defRPr/>
             </a:lvl2pPr>
-            <a:lvl3pPr indent="-317500" lvl="2" marL="1371600">
+            <a:lvl3pPr marL="1371600" lvl="2" indent="-317500">
               <a:spcBef>
                 <a:spcPts val="0"/>
               </a:spcBef>
@@ -5692,7 +5882,7 @@
               <a:buChar char="■"/>
               <a:defRPr/>
             </a:lvl3pPr>
-            <a:lvl4pPr indent="-317500" lvl="3" marL="1828800">
+            <a:lvl4pPr marL="1828800" lvl="3" indent="-317500">
               <a:spcBef>
                 <a:spcPts val="0"/>
               </a:spcBef>
@@ -5703,7 +5893,7 @@
               <a:buChar char="●"/>
               <a:defRPr/>
             </a:lvl4pPr>
-            <a:lvl5pPr indent="-317500" lvl="4" marL="2286000">
+            <a:lvl5pPr marL="2286000" lvl="4" indent="-317500">
               <a:spcBef>
                 <a:spcPts val="0"/>
               </a:spcBef>
@@ -5714,7 +5904,7 @@
               <a:buChar char="○"/>
               <a:defRPr/>
             </a:lvl5pPr>
-            <a:lvl6pPr indent="-317500" lvl="5" marL="2743200">
+            <a:lvl6pPr marL="2743200" lvl="5" indent="-317500">
               <a:spcBef>
                 <a:spcPts val="0"/>
               </a:spcBef>
@@ -5725,7 +5915,7 @@
               <a:buChar char="■"/>
               <a:defRPr/>
             </a:lvl6pPr>
-            <a:lvl7pPr indent="-317500" lvl="6" marL="3200400">
+            <a:lvl7pPr marL="3200400" lvl="6" indent="-317500">
               <a:spcBef>
                 <a:spcPts val="0"/>
               </a:spcBef>
@@ -5736,7 +5926,7 @@
               <a:buChar char="●"/>
               <a:defRPr/>
             </a:lvl7pPr>
-            <a:lvl8pPr indent="-317500" lvl="7" marL="3657600">
+            <a:lvl8pPr marL="3657600" lvl="7" indent="-317500">
               <a:spcBef>
                 <a:spcPts val="0"/>
               </a:spcBef>
@@ -5747,7 +5937,7 @@
               <a:buChar char="○"/>
               <a:defRPr/>
             </a:lvl8pPr>
-            <a:lvl9pPr indent="-317500" lvl="8" marL="4114800">
+            <a:lvl9pPr marL="4114800" lvl="8" indent="-317500">
               <a:spcBef>
                 <a:spcPts val="0"/>
               </a:spcBef>
@@ -5759,15 +5949,19 @@
               <a:defRPr/>
             </a:lvl9pPr>
           </a:lstStyle>
-          <a:p/>
+          <a:p>
+            <a:endParaRPr/>
+          </a:p>
         </p:txBody>
       </p:sp>
       <p:sp>
         <p:nvSpPr>
           <p:cNvPr id="40" name="Google Shape;40;p9"/>
-          <p:cNvSpPr txBox="1"/>
+          <p:cNvSpPr txBox="1">
+            <a:spLocks noGrp="1"/>
+          </p:cNvSpPr>
           <p:nvPr>
-            <p:ph idx="12" type="sldNum"/>
+            <p:ph type="sldNum" idx="12"/>
           </p:nvPr>
         </p:nvSpPr>
         <p:spPr>
@@ -5780,7 +5974,7 @@
           </a:prstGeom>
         </p:spPr>
         <p:txBody>
-          <a:bodyPr anchorCtr="0" anchor="ctr" bIns="91425" lIns="91425" spcFirstLastPara="1" rIns="91425" wrap="square" tIns="91425">
+          <a:bodyPr spcFirstLastPara="1" wrap="square" lIns="91425" tIns="91425" rIns="91425" bIns="91425" anchor="ctr" anchorCtr="0">
             <a:normAutofit/>
           </a:bodyPr>
           <a:lstStyle>
@@ -5822,7 +6016,7 @@
             </a:lvl9pPr>
           </a:lstStyle>
           <a:p>
-            <a:pPr indent="0" lvl="0" marL="0" rtl="0" algn="r">
+            <a:pPr marL="0" lvl="0" indent="0" algn="r" rtl="0">
               <a:spcBef>
                 <a:spcPts val="0"/>
               </a:spcBef>
@@ -5848,11 +6042,11 @@
 </file>
 
 <file path=ppt/slideLayouts/slideLayout9.xml><?xml version="1.0" encoding="utf-8"?>
-<p:sldLayout xmlns:a="http://schemas.openxmlformats.org/drawingml/2006/main" xmlns:r="http://schemas.openxmlformats.org/officeDocument/2006/relationships" xmlns:mc="http://schemas.openxmlformats.org/markup-compatibility/2006" xmlns:mv="urn:schemas-microsoft-com:mac:vml" xmlns:p="http://schemas.openxmlformats.org/presentationml/2006/main" xmlns:c="http://schemas.openxmlformats.org/drawingml/2006/chart" xmlns:dgm="http://schemas.openxmlformats.org/drawingml/2006/diagram" xmlns:o="urn:schemas-microsoft-com:office:office" xmlns:v="urn:schemas-microsoft-com:vml" xmlns:pvml="urn:schemas-microsoft-com:office:powerpoint" xmlns:com="http://schemas.openxmlformats.org/drawingml/2006/compatibility" xmlns:p14="http://schemas.microsoft.com/office/powerpoint/2010/main" xmlns:p15="http://schemas.microsoft.com/office/powerpoint/2012/main" xmlns:ahyp="http://schemas.microsoft.com/office/drawing/2018/hyperlinkcolor" matchingName="Caption">
+<p:sldLayout xmlns:a="http://schemas.openxmlformats.org/drawingml/2006/main" xmlns:r="http://schemas.openxmlformats.org/officeDocument/2006/relationships" xmlns:p="http://schemas.openxmlformats.org/presentationml/2006/main" matchingName="Caption">
   <p:cSld name="CAPTION_ONLY">
     <p:spTree>
       <p:nvGrpSpPr>
-        <p:cNvPr id="41" name="Shape 41"/>
+        <p:cNvPr id="1" name="Shape 41"/>
         <p:cNvGrpSpPr/>
         <p:nvPr/>
       </p:nvGrpSpPr>
@@ -5867,9 +6061,11 @@
       <p:sp>
         <p:nvSpPr>
           <p:cNvPr id="42" name="Google Shape;42;p10"/>
-          <p:cNvSpPr txBox="1"/>
+          <p:cNvSpPr txBox="1">
+            <a:spLocks noGrp="1"/>
+          </p:cNvSpPr>
           <p:nvPr>
-            <p:ph idx="1" type="body"/>
+            <p:ph type="body" idx="1"/>
           </p:nvPr>
         </p:nvSpPr>
         <p:spPr>
@@ -5882,11 +6078,11 @@
           </a:prstGeom>
         </p:spPr>
         <p:txBody>
-          <a:bodyPr anchorCtr="0" anchor="ctr" bIns="91425" lIns="91425" spcFirstLastPara="1" rIns="91425" wrap="square" tIns="91425">
+          <a:bodyPr spcFirstLastPara="1" wrap="square" lIns="91425" tIns="91425" rIns="91425" bIns="91425" anchor="ctr" anchorCtr="0">
             <a:normAutofit/>
           </a:bodyPr>
           <a:lstStyle>
-            <a:lvl1pPr indent="-228600" lvl="0" marL="457200">
+            <a:lvl1pPr marL="457200" lvl="0" indent="-228600">
               <a:lnSpc>
                 <a:spcPct val="100000"/>
               </a:lnSpc>
@@ -5901,15 +6097,19 @@
               <a:defRPr/>
             </a:lvl1pPr>
           </a:lstStyle>
-          <a:p/>
+          <a:p>
+            <a:endParaRPr/>
+          </a:p>
         </p:txBody>
       </p:sp>
       <p:sp>
         <p:nvSpPr>
           <p:cNvPr id="43" name="Google Shape;43;p10"/>
-          <p:cNvSpPr txBox="1"/>
+          <p:cNvSpPr txBox="1">
+            <a:spLocks noGrp="1"/>
+          </p:cNvSpPr>
           <p:nvPr>
-            <p:ph idx="12" type="sldNum"/>
+            <p:ph type="sldNum" idx="12"/>
           </p:nvPr>
         </p:nvSpPr>
         <p:spPr>
@@ -5922,7 +6122,7 @@
           </a:prstGeom>
         </p:spPr>
         <p:txBody>
-          <a:bodyPr anchorCtr="0" anchor="ctr" bIns="91425" lIns="91425" spcFirstLastPara="1" rIns="91425" wrap="square" tIns="91425">
+          <a:bodyPr spcFirstLastPara="1" wrap="square" lIns="91425" tIns="91425" rIns="91425" bIns="91425" anchor="ctr" anchorCtr="0">
             <a:normAutofit/>
           </a:bodyPr>
           <a:lstStyle>
@@ -5964,7 +6164,7 @@
             </a:lvl9pPr>
           </a:lstStyle>
           <a:p>
-            <a:pPr indent="0" lvl="0" marL="0" rtl="0" algn="r">
+            <a:pPr marL="0" lvl="0" indent="0" algn="r" rtl="0">
               <a:spcBef>
                 <a:spcPts val="0"/>
               </a:spcBef>
@@ -5990,18 +6190,19 @@
 </file>
 
 <file path=ppt/slideMasters/slideMaster1.xml><?xml version="1.0" encoding="utf-8"?>
-<p:sldMaster xmlns:a="http://schemas.openxmlformats.org/drawingml/2006/main" xmlns:r="http://schemas.openxmlformats.org/officeDocument/2006/relationships" xmlns:mc="http://schemas.openxmlformats.org/markup-compatibility/2006" xmlns:mv="urn:schemas-microsoft-com:mac:vml" xmlns:p="http://schemas.openxmlformats.org/presentationml/2006/main" xmlns:c="http://schemas.openxmlformats.org/drawingml/2006/chart" xmlns:dgm="http://schemas.openxmlformats.org/drawingml/2006/diagram" xmlns:o="urn:schemas-microsoft-com:office:office" xmlns:v="urn:schemas-microsoft-com:vml" xmlns:pvml="urn:schemas-microsoft-com:office:powerpoint" xmlns:com="http://schemas.openxmlformats.org/drawingml/2006/compatibility" xmlns:p14="http://schemas.microsoft.com/office/powerpoint/2010/main" xmlns:p15="http://schemas.microsoft.com/office/powerpoint/2012/main" xmlns:ahyp="http://schemas.microsoft.com/office/drawing/2018/hyperlinkcolor">
+<p:sldMaster xmlns:a="http://schemas.openxmlformats.org/drawingml/2006/main" xmlns:r="http://schemas.openxmlformats.org/officeDocument/2006/relationships" xmlns:p="http://schemas.openxmlformats.org/presentationml/2006/main">
   <p:cSld name="simple-light-2">
     <p:bg>
       <p:bgPr>
         <a:solidFill>
           <a:schemeClr val="lt1"/>
         </a:solidFill>
+        <a:effectLst/>
       </p:bgPr>
     </p:bg>
     <p:spTree>
       <p:nvGrpSpPr>
-        <p:cNvPr id="5" name="Shape 5"/>
+        <p:cNvPr id="1" name="Shape 5"/>
         <p:cNvGrpSpPr/>
         <p:nvPr/>
       </p:nvGrpSpPr>
@@ -6016,7 +6217,9 @@
       <p:sp>
         <p:nvSpPr>
           <p:cNvPr id="6" name="Google Shape;6;p1"/>
-          <p:cNvSpPr txBox="1"/>
+          <p:cNvSpPr txBox="1">
+            <a:spLocks noGrp="1"/>
+          </p:cNvSpPr>
           <p:nvPr>
             <p:ph type="title"/>
           </p:nvPr>
@@ -6035,7 +6238,7 @@
           </a:ln>
         </p:spPr>
         <p:txBody>
-          <a:bodyPr anchorCtr="0" anchor="t" bIns="91425" lIns="91425" spcFirstLastPara="1" rIns="91425" wrap="square" tIns="91425">
+          <a:bodyPr spcFirstLastPara="1" wrap="square" lIns="91425" tIns="91425" rIns="91425" bIns="91425" anchor="t" anchorCtr="0">
             <a:normAutofit/>
           </a:bodyPr>
           <a:lstStyle>
@@ -6202,15 +6405,19 @@
               </a:defRPr>
             </a:lvl9pPr>
           </a:lstStyle>
-          <a:p/>
+          <a:p>
+            <a:endParaRPr/>
+          </a:p>
         </p:txBody>
       </p:sp>
       <p:sp>
         <p:nvSpPr>
           <p:cNvPr id="7" name="Google Shape;7;p1"/>
-          <p:cNvSpPr txBox="1"/>
+          <p:cNvSpPr txBox="1">
+            <a:spLocks noGrp="1"/>
+          </p:cNvSpPr>
           <p:nvPr>
-            <p:ph idx="1" type="body"/>
+            <p:ph type="body" idx="1"/>
           </p:nvPr>
         </p:nvSpPr>
         <p:spPr>
@@ -6227,11 +6434,11 @@
           </a:ln>
         </p:spPr>
         <p:txBody>
-          <a:bodyPr anchorCtr="0" anchor="t" bIns="91425" lIns="91425" spcFirstLastPara="1" rIns="91425" wrap="square" tIns="91425">
+          <a:bodyPr spcFirstLastPara="1" wrap="square" lIns="91425" tIns="91425" rIns="91425" bIns="91425" anchor="t" anchorCtr="0">
             <a:normAutofit/>
           </a:bodyPr>
           <a:lstStyle>
-            <a:lvl1pPr indent="-342900" lvl="0" marL="457200">
+            <a:lvl1pPr marL="457200" lvl="0" indent="-342900">
               <a:lnSpc>
                 <a:spcPct val="115000"/>
               </a:lnSpc>
@@ -6252,7 +6459,7 @@
                 </a:solidFill>
               </a:defRPr>
             </a:lvl1pPr>
-            <a:lvl2pPr indent="-317500" lvl="1" marL="914400">
+            <a:lvl2pPr marL="914400" lvl="1" indent="-317500">
               <a:lnSpc>
                 <a:spcPct val="115000"/>
               </a:lnSpc>
@@ -6273,7 +6480,7 @@
                 </a:solidFill>
               </a:defRPr>
             </a:lvl2pPr>
-            <a:lvl3pPr indent="-317500" lvl="2" marL="1371600">
+            <a:lvl3pPr marL="1371600" lvl="2" indent="-317500">
               <a:lnSpc>
                 <a:spcPct val="115000"/>
               </a:lnSpc>
@@ -6294,7 +6501,7 @@
                 </a:solidFill>
               </a:defRPr>
             </a:lvl3pPr>
-            <a:lvl4pPr indent="-317500" lvl="3" marL="1828800">
+            <a:lvl4pPr marL="1828800" lvl="3" indent="-317500">
               <a:lnSpc>
                 <a:spcPct val="115000"/>
               </a:lnSpc>
@@ -6315,7 +6522,7 @@
                 </a:solidFill>
               </a:defRPr>
             </a:lvl4pPr>
-            <a:lvl5pPr indent="-317500" lvl="4" marL="2286000">
+            <a:lvl5pPr marL="2286000" lvl="4" indent="-317500">
               <a:lnSpc>
                 <a:spcPct val="115000"/>
               </a:lnSpc>
@@ -6336,7 +6543,7 @@
                 </a:solidFill>
               </a:defRPr>
             </a:lvl5pPr>
-            <a:lvl6pPr indent="-317500" lvl="5" marL="2743200">
+            <a:lvl6pPr marL="2743200" lvl="5" indent="-317500">
               <a:lnSpc>
                 <a:spcPct val="115000"/>
               </a:lnSpc>
@@ -6357,7 +6564,7 @@
                 </a:solidFill>
               </a:defRPr>
             </a:lvl6pPr>
-            <a:lvl7pPr indent="-317500" lvl="6" marL="3200400">
+            <a:lvl7pPr marL="3200400" lvl="6" indent="-317500">
               <a:lnSpc>
                 <a:spcPct val="115000"/>
               </a:lnSpc>
@@ -6378,7 +6585,7 @@
                 </a:solidFill>
               </a:defRPr>
             </a:lvl7pPr>
-            <a:lvl8pPr indent="-317500" lvl="7" marL="3657600">
+            <a:lvl8pPr marL="3657600" lvl="7" indent="-317500">
               <a:lnSpc>
                 <a:spcPct val="115000"/>
               </a:lnSpc>
@@ -6399,7 +6606,7 @@
                 </a:solidFill>
               </a:defRPr>
             </a:lvl8pPr>
-            <a:lvl9pPr indent="-317500" lvl="8" marL="4114800">
+            <a:lvl9pPr marL="4114800" lvl="8" indent="-317500">
               <a:lnSpc>
                 <a:spcPct val="115000"/>
               </a:lnSpc>
@@ -6421,15 +6628,19 @@
               </a:defRPr>
             </a:lvl9pPr>
           </a:lstStyle>
-          <a:p/>
+          <a:p>
+            <a:endParaRPr/>
+          </a:p>
         </p:txBody>
       </p:sp>
       <p:sp>
         <p:nvSpPr>
           <p:cNvPr id="8" name="Google Shape;8;p1"/>
-          <p:cNvSpPr txBox="1"/>
+          <p:cNvSpPr txBox="1">
+            <a:spLocks noGrp="1"/>
+          </p:cNvSpPr>
           <p:nvPr>
-            <p:ph idx="12" type="sldNum"/>
+            <p:ph type="sldNum" idx="12"/>
           </p:nvPr>
         </p:nvSpPr>
         <p:spPr>
@@ -6446,7 +6657,7 @@
           </a:ln>
         </p:spPr>
         <p:txBody>
-          <a:bodyPr anchorCtr="0" anchor="ctr" bIns="91425" lIns="91425" spcFirstLastPara="1" rIns="91425" wrap="square" tIns="91425">
+          <a:bodyPr spcFirstLastPara="1" wrap="square" lIns="91425" tIns="91425" rIns="91425" bIns="91425" anchor="ctr" anchorCtr="0">
             <a:normAutofit/>
           </a:bodyPr>
           <a:lstStyle>
@@ -6524,7 +6735,7 @@
             </a:lvl9pPr>
           </a:lstStyle>
           <a:p>
-            <a:pPr indent="0" lvl="0" marL="0" rtl="0" algn="r">
+            <a:pPr marL="0" lvl="0" indent="0" algn="r" rtl="0">
               <a:spcBef>
                 <a:spcPts val="0"/>
               </a:spcBef>
@@ -6543,7 +6754,7 @@
       </p:sp>
     </p:spTree>
   </p:cSld>
-  <p:clrMap accent1="accent1" accent2="accent2" accent3="accent3" accent4="accent4" accent5="accent5" accent6="accent6" bg1="lt1" bg2="dk2" tx1="dk1" tx2="lt2" folHlink="folHlink" hlink="hlink"/>
+  <p:clrMap bg1="lt1" tx1="dk1" bg2="dk2" tx2="lt2" accent1="accent1" accent2="accent2" accent3="accent3" accent4="accent4" accent5="accent5" accent6="accent6" hlink="hlink" folHlink="folHlink"/>
   <p:sldLayoutIdLst>
     <p:sldLayoutId id="2147483648" r:id="rId1"/>
     <p:sldLayoutId id="2147483649" r:id="rId2"/>
@@ -6557,10 +6768,10 @@
     <p:sldLayoutId id="2147483657" r:id="rId10"/>
     <p:sldLayoutId id="2147483658" r:id="rId11"/>
   </p:sldLayoutIdLst>
-  <p:hf dt="0" ftr="0" hdr="0" sldNum="0"/>
+  <p:hf sldNum="0" hdr="0" ftr="0" dt="0"/>
   <p:txStyles>
     <p:titleStyle>
-      <a:defPPr lvl="0" marR="0" rtl="0" algn="l">
+      <a:defPPr marR="0" lvl="0" algn="l" rtl="0">
         <a:lnSpc>
           <a:spcPct val="100000"/>
         </a:lnSpc>
@@ -6571,7 +6782,7 @@
           <a:spcPts val="0"/>
         </a:spcAft>
       </a:defPPr>
-      <a:lvl1pPr lvl="0" marR="0" rtl="0" algn="l">
+      <a:lvl1pPr marR="0" lvl="0" algn="l" rtl="0">
         <a:lnSpc>
           <a:spcPct val="100000"/>
         </a:lnSpc>
@@ -6585,7 +6796,7 @@
           <a:srgbClr val="000000"/>
         </a:buClr>
         <a:buFont typeface="Arial"/>
-        <a:defRPr b="0" i="0" sz="1400" u="none" cap="none" strike="noStrike">
+        <a:defRPr sz="1400" b="0" i="0" u="none" strike="noStrike" cap="none">
           <a:solidFill>
             <a:srgbClr val="000000"/>
           </a:solidFill>
@@ -6595,7 +6806,7 @@
           <a:sym typeface="Arial"/>
         </a:defRPr>
       </a:lvl1pPr>
-      <a:lvl2pPr lvl="1" marR="0" rtl="0" algn="l">
+      <a:lvl2pPr marR="0" lvl="1" algn="l" rtl="0">
         <a:lnSpc>
           <a:spcPct val="100000"/>
         </a:lnSpc>
@@ -6609,7 +6820,7 @@
           <a:srgbClr val="000000"/>
         </a:buClr>
         <a:buFont typeface="Arial"/>
-        <a:defRPr b="0" i="0" sz="1400" u="none" cap="none" strike="noStrike">
+        <a:defRPr sz="1400" b="0" i="0" u="none" strike="noStrike" cap="none">
           <a:solidFill>
             <a:srgbClr val="000000"/>
           </a:solidFill>
@@ -6619,7 +6830,7 @@
           <a:sym typeface="Arial"/>
         </a:defRPr>
       </a:lvl2pPr>
-      <a:lvl3pPr lvl="2" marR="0" rtl="0" algn="l">
+      <a:lvl3pPr marR="0" lvl="2" algn="l" rtl="0">
         <a:lnSpc>
           <a:spcPct val="100000"/>
         </a:lnSpc>
@@ -6633,7 +6844,7 @@
           <a:srgbClr val="000000"/>
         </a:buClr>
         <a:buFont typeface="Arial"/>
-        <a:defRPr b="0" i="0" sz="1400" u="none" cap="none" strike="noStrike">
+        <a:defRPr sz="1400" b="0" i="0" u="none" strike="noStrike" cap="none">
           <a:solidFill>
             <a:srgbClr val="000000"/>
           </a:solidFill>
@@ -6643,7 +6854,7 @@
           <a:sym typeface="Arial"/>
         </a:defRPr>
       </a:lvl3pPr>
-      <a:lvl4pPr lvl="3" marR="0" rtl="0" algn="l">
+      <a:lvl4pPr marR="0" lvl="3" algn="l" rtl="0">
         <a:lnSpc>
           <a:spcPct val="100000"/>
         </a:lnSpc>
@@ -6657,7 +6868,7 @@
           <a:srgbClr val="000000"/>
         </a:buClr>
         <a:buFont typeface="Arial"/>
-        <a:defRPr b="0" i="0" sz="1400" u="none" cap="none" strike="noStrike">
+        <a:defRPr sz="1400" b="0" i="0" u="none" strike="noStrike" cap="none">
           <a:solidFill>
             <a:srgbClr val="000000"/>
           </a:solidFill>
@@ -6667,7 +6878,7 @@
           <a:sym typeface="Arial"/>
         </a:defRPr>
       </a:lvl4pPr>
-      <a:lvl5pPr lvl="4" marR="0" rtl="0" algn="l">
+      <a:lvl5pPr marR="0" lvl="4" algn="l" rtl="0">
         <a:lnSpc>
           <a:spcPct val="100000"/>
         </a:lnSpc>
@@ -6681,7 +6892,7 @@
           <a:srgbClr val="000000"/>
         </a:buClr>
         <a:buFont typeface="Arial"/>
-        <a:defRPr b="0" i="0" sz="1400" u="none" cap="none" strike="noStrike">
+        <a:defRPr sz="1400" b="0" i="0" u="none" strike="noStrike" cap="none">
           <a:solidFill>
             <a:srgbClr val="000000"/>
           </a:solidFill>
@@ -6691,7 +6902,7 @@
           <a:sym typeface="Arial"/>
         </a:defRPr>
       </a:lvl5pPr>
-      <a:lvl6pPr lvl="5" marR="0" rtl="0" algn="l">
+      <a:lvl6pPr marR="0" lvl="5" algn="l" rtl="0">
         <a:lnSpc>
           <a:spcPct val="100000"/>
         </a:lnSpc>
@@ -6705,7 +6916,7 @@
           <a:srgbClr val="000000"/>
         </a:buClr>
         <a:buFont typeface="Arial"/>
-        <a:defRPr b="0" i="0" sz="1400" u="none" cap="none" strike="noStrike">
+        <a:defRPr sz="1400" b="0" i="0" u="none" strike="noStrike" cap="none">
           <a:solidFill>
             <a:srgbClr val="000000"/>
           </a:solidFill>
@@ -6715,7 +6926,7 @@
           <a:sym typeface="Arial"/>
         </a:defRPr>
       </a:lvl6pPr>
-      <a:lvl7pPr lvl="6" marR="0" rtl="0" algn="l">
+      <a:lvl7pPr marR="0" lvl="6" algn="l" rtl="0">
         <a:lnSpc>
           <a:spcPct val="100000"/>
         </a:lnSpc>
@@ -6729,7 +6940,7 @@
           <a:srgbClr val="000000"/>
         </a:buClr>
         <a:buFont typeface="Arial"/>
-        <a:defRPr b="0" i="0" sz="1400" u="none" cap="none" strike="noStrike">
+        <a:defRPr sz="1400" b="0" i="0" u="none" strike="noStrike" cap="none">
           <a:solidFill>
             <a:srgbClr val="000000"/>
           </a:solidFill>
@@ -6739,7 +6950,7 @@
           <a:sym typeface="Arial"/>
         </a:defRPr>
       </a:lvl7pPr>
-      <a:lvl8pPr lvl="7" marR="0" rtl="0" algn="l">
+      <a:lvl8pPr marR="0" lvl="7" algn="l" rtl="0">
         <a:lnSpc>
           <a:spcPct val="100000"/>
         </a:lnSpc>
@@ -6753,7 +6964,7 @@
           <a:srgbClr val="000000"/>
         </a:buClr>
         <a:buFont typeface="Arial"/>
-        <a:defRPr b="0" i="0" sz="1400" u="none" cap="none" strike="noStrike">
+        <a:defRPr sz="1400" b="0" i="0" u="none" strike="noStrike" cap="none">
           <a:solidFill>
             <a:srgbClr val="000000"/>
           </a:solidFill>
@@ -6763,7 +6974,7 @@
           <a:sym typeface="Arial"/>
         </a:defRPr>
       </a:lvl8pPr>
-      <a:lvl9pPr lvl="8" marR="0" rtl="0" algn="l">
+      <a:lvl9pPr marR="0" lvl="8" algn="l" rtl="0">
         <a:lnSpc>
           <a:spcPct val="100000"/>
         </a:lnSpc>
@@ -6777,7 +6988,7 @@
           <a:srgbClr val="000000"/>
         </a:buClr>
         <a:buFont typeface="Arial"/>
-        <a:defRPr b="0" i="0" sz="1400" u="none" cap="none" strike="noStrike">
+        <a:defRPr sz="1400" b="0" i="0" u="none" strike="noStrike" cap="none">
           <a:solidFill>
             <a:srgbClr val="000000"/>
           </a:solidFill>
@@ -6789,7 +7000,7 @@
       </a:lvl9pPr>
     </p:titleStyle>
     <p:bodyStyle>
-      <a:defPPr lvl="0" marR="0" rtl="0" algn="l">
+      <a:defPPr marR="0" lvl="0" algn="l" rtl="0">
         <a:lnSpc>
           <a:spcPct val="100000"/>
         </a:lnSpc>
@@ -6800,7 +7011,7 @@
           <a:spcPts val="0"/>
         </a:spcAft>
       </a:defPPr>
-      <a:lvl1pPr lvl="0" marR="0" rtl="0" algn="l">
+      <a:lvl1pPr marR="0" lvl="0" algn="l" rtl="0">
         <a:lnSpc>
           <a:spcPct val="100000"/>
         </a:lnSpc>
@@ -6814,7 +7025,7 @@
           <a:srgbClr val="000000"/>
         </a:buClr>
         <a:buFont typeface="Arial"/>
-        <a:defRPr b="0" i="0" sz="1400" u="none" cap="none" strike="noStrike">
+        <a:defRPr sz="1400" b="0" i="0" u="none" strike="noStrike" cap="none">
           <a:solidFill>
             <a:srgbClr val="000000"/>
           </a:solidFill>
@@ -6824,7 +7035,7 @@
           <a:sym typeface="Arial"/>
         </a:defRPr>
       </a:lvl1pPr>
-      <a:lvl2pPr lvl="1" marR="0" rtl="0" algn="l">
+      <a:lvl2pPr marR="0" lvl="1" algn="l" rtl="0">
         <a:lnSpc>
           <a:spcPct val="100000"/>
         </a:lnSpc>
@@ -6838,7 +7049,7 @@
           <a:srgbClr val="000000"/>
         </a:buClr>
         <a:buFont typeface="Arial"/>
-        <a:defRPr b="0" i="0" sz="1400" u="none" cap="none" strike="noStrike">
+        <a:defRPr sz="1400" b="0" i="0" u="none" strike="noStrike" cap="none">
           <a:solidFill>
             <a:srgbClr val="000000"/>
           </a:solidFill>
@@ -6848,7 +7059,7 @@
           <a:sym typeface="Arial"/>
         </a:defRPr>
       </a:lvl2pPr>
-      <a:lvl3pPr lvl="2" marR="0" rtl="0" algn="l">
+      <a:lvl3pPr marR="0" lvl="2" algn="l" rtl="0">
         <a:lnSpc>
           <a:spcPct val="100000"/>
         </a:lnSpc>
@@ -6862,7 +7073,7 @@
           <a:srgbClr val="000000"/>
         </a:buClr>
         <a:buFont typeface="Arial"/>
-        <a:defRPr b="0" i="0" sz="1400" u="none" cap="none" strike="noStrike">
+        <a:defRPr sz="1400" b="0" i="0" u="none" strike="noStrike" cap="none">
           <a:solidFill>
             <a:srgbClr val="000000"/>
           </a:solidFill>
@@ -6872,7 +7083,7 @@
           <a:sym typeface="Arial"/>
         </a:defRPr>
       </a:lvl3pPr>
-      <a:lvl4pPr lvl="3" marR="0" rtl="0" algn="l">
+      <a:lvl4pPr marR="0" lvl="3" algn="l" rtl="0">
         <a:lnSpc>
           <a:spcPct val="100000"/>
         </a:lnSpc>
@@ -6886,7 +7097,7 @@
           <a:srgbClr val="000000"/>
         </a:buClr>
         <a:buFont typeface="Arial"/>
-        <a:defRPr b="0" i="0" sz="1400" u="none" cap="none" strike="noStrike">
+        <a:defRPr sz="1400" b="0" i="0" u="none" strike="noStrike" cap="none">
           <a:solidFill>
             <a:srgbClr val="000000"/>
           </a:solidFill>
@@ -6896,7 +7107,7 @@
           <a:sym typeface="Arial"/>
         </a:defRPr>
       </a:lvl4pPr>
-      <a:lvl5pPr lvl="4" marR="0" rtl="0" algn="l">
+      <a:lvl5pPr marR="0" lvl="4" algn="l" rtl="0">
         <a:lnSpc>
           <a:spcPct val="100000"/>
         </a:lnSpc>
@@ -6910,7 +7121,7 @@
           <a:srgbClr val="000000"/>
         </a:buClr>
         <a:buFont typeface="Arial"/>
-        <a:defRPr b="0" i="0" sz="1400" u="none" cap="none" strike="noStrike">
+        <a:defRPr sz="1400" b="0" i="0" u="none" strike="noStrike" cap="none">
           <a:solidFill>
             <a:srgbClr val="000000"/>
           </a:solidFill>
@@ -6920,7 +7131,7 @@
           <a:sym typeface="Arial"/>
         </a:defRPr>
       </a:lvl5pPr>
-      <a:lvl6pPr lvl="5" marR="0" rtl="0" algn="l">
+      <a:lvl6pPr marR="0" lvl="5" algn="l" rtl="0">
         <a:lnSpc>
           <a:spcPct val="100000"/>
         </a:lnSpc>
@@ -6934,7 +7145,7 @@
           <a:srgbClr val="000000"/>
         </a:buClr>
         <a:buFont typeface="Arial"/>
-        <a:defRPr b="0" i="0" sz="1400" u="none" cap="none" strike="noStrike">
+        <a:defRPr sz="1400" b="0" i="0" u="none" strike="noStrike" cap="none">
           <a:solidFill>
             <a:srgbClr val="000000"/>
           </a:solidFill>
@@ -6944,7 +7155,7 @@
           <a:sym typeface="Arial"/>
         </a:defRPr>
       </a:lvl6pPr>
-      <a:lvl7pPr lvl="6" marR="0" rtl="0" algn="l">
+      <a:lvl7pPr marR="0" lvl="6" algn="l" rtl="0">
         <a:lnSpc>
           <a:spcPct val="100000"/>
         </a:lnSpc>
@@ -6958,7 +7169,7 @@
           <a:srgbClr val="000000"/>
         </a:buClr>
         <a:buFont typeface="Arial"/>
-        <a:defRPr b="0" i="0" sz="1400" u="none" cap="none" strike="noStrike">
+        <a:defRPr sz="1400" b="0" i="0" u="none" strike="noStrike" cap="none">
           <a:solidFill>
             <a:srgbClr val="000000"/>
           </a:solidFill>
@@ -6968,7 +7179,7 @@
           <a:sym typeface="Arial"/>
         </a:defRPr>
       </a:lvl7pPr>
-      <a:lvl8pPr lvl="7" marR="0" rtl="0" algn="l">
+      <a:lvl8pPr marR="0" lvl="7" algn="l" rtl="0">
         <a:lnSpc>
           <a:spcPct val="100000"/>
         </a:lnSpc>
@@ -6982,7 +7193,7 @@
           <a:srgbClr val="000000"/>
         </a:buClr>
         <a:buFont typeface="Arial"/>
-        <a:defRPr b="0" i="0" sz="1400" u="none" cap="none" strike="noStrike">
+        <a:defRPr sz="1400" b="0" i="0" u="none" strike="noStrike" cap="none">
           <a:solidFill>
             <a:srgbClr val="000000"/>
           </a:solidFill>
@@ -6992,7 +7203,7 @@
           <a:sym typeface="Arial"/>
         </a:defRPr>
       </a:lvl8pPr>
-      <a:lvl9pPr lvl="8" marR="0" rtl="0" algn="l">
+      <a:lvl9pPr marR="0" lvl="8" algn="l" rtl="0">
         <a:lnSpc>
           <a:spcPct val="100000"/>
         </a:lnSpc>
@@ -7006,7 +7217,7 @@
           <a:srgbClr val="000000"/>
         </a:buClr>
         <a:buFont typeface="Arial"/>
-        <a:defRPr b="0" i="0" sz="1400" u="none" cap="none" strike="noStrike">
+        <a:defRPr sz="1400" b="0" i="0" u="none" strike="noStrike" cap="none">
           <a:solidFill>
             <a:srgbClr val="000000"/>
           </a:solidFill>
@@ -7018,7 +7229,7 @@
       </a:lvl9pPr>
     </p:bodyStyle>
     <p:otherStyle>
-      <a:defPPr lvl="0" marR="0" rtl="0" algn="l">
+      <a:defPPr marR="0" lvl="0" algn="l" rtl="0">
         <a:lnSpc>
           <a:spcPct val="100000"/>
         </a:lnSpc>
@@ -7029,7 +7240,7 @@
           <a:spcPts val="0"/>
         </a:spcAft>
       </a:defPPr>
-      <a:lvl1pPr lvl="0" marR="0" rtl="0" algn="l">
+      <a:lvl1pPr marR="0" lvl="0" algn="l" rtl="0">
         <a:lnSpc>
           <a:spcPct val="100000"/>
         </a:lnSpc>
@@ -7043,7 +7254,7 @@
           <a:srgbClr val="000000"/>
         </a:buClr>
         <a:buFont typeface="Arial"/>
-        <a:defRPr b="0" i="0" sz="1400" u="none" cap="none" strike="noStrike">
+        <a:defRPr sz="1400" b="0" i="0" u="none" strike="noStrike" cap="none">
           <a:solidFill>
             <a:srgbClr val="000000"/>
           </a:solidFill>
@@ -7053,7 +7264,7 @@
           <a:sym typeface="Arial"/>
         </a:defRPr>
       </a:lvl1pPr>
-      <a:lvl2pPr lvl="1" marR="0" rtl="0" algn="l">
+      <a:lvl2pPr marR="0" lvl="1" algn="l" rtl="0">
         <a:lnSpc>
           <a:spcPct val="100000"/>
         </a:lnSpc>
@@ -7067,7 +7278,7 @@
           <a:srgbClr val="000000"/>
         </a:buClr>
         <a:buFont typeface="Arial"/>
-        <a:defRPr b="0" i="0" sz="1400" u="none" cap="none" strike="noStrike">
+        <a:defRPr sz="1400" b="0" i="0" u="none" strike="noStrike" cap="none">
           <a:solidFill>
             <a:srgbClr val="000000"/>
           </a:solidFill>
@@ -7077,7 +7288,7 @@
           <a:sym typeface="Arial"/>
         </a:defRPr>
       </a:lvl2pPr>
-      <a:lvl3pPr lvl="2" marR="0" rtl="0" algn="l">
+      <a:lvl3pPr marR="0" lvl="2" algn="l" rtl="0">
         <a:lnSpc>
           <a:spcPct val="100000"/>
         </a:lnSpc>
@@ -7091,7 +7302,7 @@
           <a:srgbClr val="000000"/>
         </a:buClr>
         <a:buFont typeface="Arial"/>
-        <a:defRPr b="0" i="0" sz="1400" u="none" cap="none" strike="noStrike">
+        <a:defRPr sz="1400" b="0" i="0" u="none" strike="noStrike" cap="none">
           <a:solidFill>
             <a:srgbClr val="000000"/>
           </a:solidFill>
@@ -7101,7 +7312,7 @@
           <a:sym typeface="Arial"/>
         </a:defRPr>
       </a:lvl3pPr>
-      <a:lvl4pPr lvl="3" marR="0" rtl="0" algn="l">
+      <a:lvl4pPr marR="0" lvl="3" algn="l" rtl="0">
         <a:lnSpc>
           <a:spcPct val="100000"/>
         </a:lnSpc>
@@ -7115,7 +7326,7 @@
           <a:srgbClr val="000000"/>
         </a:buClr>
         <a:buFont typeface="Arial"/>
-        <a:defRPr b="0" i="0" sz="1400" u="none" cap="none" strike="noStrike">
+        <a:defRPr sz="1400" b="0" i="0" u="none" strike="noStrike" cap="none">
           <a:solidFill>
             <a:srgbClr val="000000"/>
           </a:solidFill>
@@ -7125,7 +7336,7 @@
           <a:sym typeface="Arial"/>
         </a:defRPr>
       </a:lvl4pPr>
-      <a:lvl5pPr lvl="4" marR="0" rtl="0" algn="l">
+      <a:lvl5pPr marR="0" lvl="4" algn="l" rtl="0">
         <a:lnSpc>
           <a:spcPct val="100000"/>
         </a:lnSpc>
@@ -7139,7 +7350,7 @@
           <a:srgbClr val="000000"/>
         </a:buClr>
         <a:buFont typeface="Arial"/>
-        <a:defRPr b="0" i="0" sz="1400" u="none" cap="none" strike="noStrike">
+        <a:defRPr sz="1400" b="0" i="0" u="none" strike="noStrike" cap="none">
           <a:solidFill>
             <a:srgbClr val="000000"/>
           </a:solidFill>
@@ -7149,7 +7360,7 @@
           <a:sym typeface="Arial"/>
         </a:defRPr>
       </a:lvl5pPr>
-      <a:lvl6pPr lvl="5" marR="0" rtl="0" algn="l">
+      <a:lvl6pPr marR="0" lvl="5" algn="l" rtl="0">
         <a:lnSpc>
           <a:spcPct val="100000"/>
         </a:lnSpc>
@@ -7163,7 +7374,7 @@
           <a:srgbClr val="000000"/>
         </a:buClr>
         <a:buFont typeface="Arial"/>
-        <a:defRPr b="0" i="0" sz="1400" u="none" cap="none" strike="noStrike">
+        <a:defRPr sz="1400" b="0" i="0" u="none" strike="noStrike" cap="none">
           <a:solidFill>
             <a:srgbClr val="000000"/>
           </a:solidFill>
@@ -7173,7 +7384,7 @@
           <a:sym typeface="Arial"/>
         </a:defRPr>
       </a:lvl6pPr>
-      <a:lvl7pPr lvl="6" marR="0" rtl="0" algn="l">
+      <a:lvl7pPr marR="0" lvl="6" algn="l" rtl="0">
         <a:lnSpc>
           <a:spcPct val="100000"/>
         </a:lnSpc>
@@ -7187,7 +7398,7 @@
           <a:srgbClr val="000000"/>
         </a:buClr>
         <a:buFont typeface="Arial"/>
-        <a:defRPr b="0" i="0" sz="1400" u="none" cap="none" strike="noStrike">
+        <a:defRPr sz="1400" b="0" i="0" u="none" strike="noStrike" cap="none">
           <a:solidFill>
             <a:srgbClr val="000000"/>
           </a:solidFill>
@@ -7197,7 +7408,7 @@
           <a:sym typeface="Arial"/>
         </a:defRPr>
       </a:lvl7pPr>
-      <a:lvl8pPr lvl="7" marR="0" rtl="0" algn="l">
+      <a:lvl8pPr marR="0" lvl="7" algn="l" rtl="0">
         <a:lnSpc>
           <a:spcPct val="100000"/>
         </a:lnSpc>
@@ -7211,7 +7422,7 @@
           <a:srgbClr val="000000"/>
         </a:buClr>
         <a:buFont typeface="Arial"/>
-        <a:defRPr b="0" i="0" sz="1400" u="none" cap="none" strike="noStrike">
+        <a:defRPr sz="1400" b="0" i="0" u="none" strike="noStrike" cap="none">
           <a:solidFill>
             <a:srgbClr val="000000"/>
           </a:solidFill>
@@ -7221,7 +7432,7 @@
           <a:sym typeface="Arial"/>
         </a:defRPr>
       </a:lvl8pPr>
-      <a:lvl9pPr lvl="8" marR="0" rtl="0" algn="l">
+      <a:lvl9pPr marR="0" lvl="8" algn="l" rtl="0">
         <a:lnSpc>
           <a:spcPct val="100000"/>
         </a:lnSpc>
@@ -7235,7 +7446,7 @@
           <a:srgbClr val="000000"/>
         </a:buClr>
         <a:buFont typeface="Arial"/>
-        <a:defRPr b="0" i="0" sz="1400" u="none" cap="none" strike="noStrike">
+        <a:defRPr sz="1400" b="0" i="0" u="none" strike="noStrike" cap="none">
           <a:solidFill>
             <a:srgbClr val="000000"/>
           </a:solidFill>
@@ -7251,11 +7462,11 @@
 </file>
 
 <file path=ppt/slides/slide1.xml><?xml version="1.0" encoding="utf-8"?>
-<p:sld xmlns:a="http://schemas.openxmlformats.org/drawingml/2006/main" xmlns:r="http://schemas.openxmlformats.org/officeDocument/2006/relationships" xmlns:mc="http://schemas.openxmlformats.org/markup-compatibility/2006" xmlns:mv="urn:schemas-microsoft-com:mac:vml" xmlns:p="http://schemas.openxmlformats.org/presentationml/2006/main" xmlns:c="http://schemas.openxmlformats.org/drawingml/2006/chart" xmlns:dgm="http://schemas.openxmlformats.org/drawingml/2006/diagram" xmlns:o="urn:schemas-microsoft-com:office:office" xmlns:v="urn:schemas-microsoft-com:vml" xmlns:pvml="urn:schemas-microsoft-com:office:powerpoint" xmlns:com="http://schemas.openxmlformats.org/drawingml/2006/compatibility" xmlns:p14="http://schemas.microsoft.com/office/powerpoint/2010/main" xmlns:p15="http://schemas.microsoft.com/office/powerpoint/2012/main" xmlns:ahyp="http://schemas.microsoft.com/office/drawing/2018/hyperlinkcolor">
+<p:sld xmlns:a="http://schemas.openxmlformats.org/drawingml/2006/main" xmlns:r="http://schemas.openxmlformats.org/officeDocument/2006/relationships" xmlns:p="http://schemas.openxmlformats.org/presentationml/2006/main">
   <p:cSld>
     <p:spTree>
       <p:nvGrpSpPr>
-        <p:cNvPr id="53" name="Shape 53"/>
+        <p:cNvPr id="1" name="Shape 53"/>
         <p:cNvGrpSpPr/>
         <p:nvPr/>
       </p:nvGrpSpPr>
@@ -7270,7 +7481,9 @@
       <p:sp>
         <p:nvSpPr>
           <p:cNvPr id="54" name="Google Shape;54;p13"/>
-          <p:cNvSpPr txBox="1"/>
+          <p:cNvSpPr txBox="1">
+            <a:spLocks noGrp="1"/>
+          </p:cNvSpPr>
           <p:nvPr>
             <p:ph type="ctrTitle"/>
           </p:nvPr>
@@ -7285,12 +7498,12 @@
           </a:prstGeom>
         </p:spPr>
         <p:txBody>
-          <a:bodyPr anchorCtr="0" anchor="b" bIns="91425" lIns="91425" spcFirstLastPara="1" rIns="91425" wrap="square" tIns="91425">
+          <a:bodyPr spcFirstLastPara="1" wrap="square" lIns="91425" tIns="91425" rIns="91425" bIns="91425" anchor="b" anchorCtr="0">
             <a:normAutofit/>
           </a:bodyPr>
           <a:lstStyle/>
           <a:p>
-            <a:pPr indent="0" lvl="0" marL="0" rtl="0" algn="ctr">
+            <a:pPr marL="0" lvl="0" indent="0" algn="ctr" rtl="0">
               <a:spcBef>
                 <a:spcPts val="0"/>
               </a:spcBef>
@@ -7306,7 +7519,7 @@
             <a:endParaRPr/>
           </a:p>
           <a:p>
-            <a:pPr indent="0" lvl="0" marL="0" rtl="0" algn="ctr">
+            <a:pPr marL="0" lvl="0" indent="0" algn="ctr" rtl="0">
               <a:spcBef>
                 <a:spcPts val="0"/>
               </a:spcBef>
@@ -7326,9 +7539,11 @@
       <p:sp>
         <p:nvSpPr>
           <p:cNvPr id="55" name="Google Shape;55;p13"/>
-          <p:cNvSpPr txBox="1"/>
+          <p:cNvSpPr txBox="1">
+            <a:spLocks noGrp="1"/>
+          </p:cNvSpPr>
           <p:nvPr>
-            <p:ph idx="1" type="subTitle"/>
+            <p:ph type="subTitle" idx="1"/>
           </p:nvPr>
         </p:nvSpPr>
         <p:spPr>
@@ -7341,12 +7556,12 @@
           </a:prstGeom>
         </p:spPr>
         <p:txBody>
-          <a:bodyPr anchorCtr="0" anchor="t" bIns="91425" lIns="91425" spcFirstLastPara="1" rIns="91425" wrap="square" tIns="91425">
+          <a:bodyPr spcFirstLastPara="1" wrap="square" lIns="91425" tIns="91425" rIns="91425" bIns="91425" anchor="t" anchorCtr="0">
             <a:normAutofit/>
           </a:bodyPr>
           <a:lstStyle/>
           <a:p>
-            <a:pPr indent="0" lvl="0" marL="0" rtl="0" algn="ctr">
+            <a:pPr marL="0" lvl="0" indent="0" algn="ctr" rtl="0">
               <a:spcBef>
                 <a:spcPts val="0"/>
               </a:spcBef>
@@ -7372,11 +7587,11 @@
 </file>
 
 <file path=ppt/slides/slide10.xml><?xml version="1.0" encoding="utf-8"?>
-<p:sld xmlns:a="http://schemas.openxmlformats.org/drawingml/2006/main" xmlns:r="http://schemas.openxmlformats.org/officeDocument/2006/relationships" xmlns:mc="http://schemas.openxmlformats.org/markup-compatibility/2006" xmlns:mv="urn:schemas-microsoft-com:mac:vml" xmlns:p="http://schemas.openxmlformats.org/presentationml/2006/main" xmlns:c="http://schemas.openxmlformats.org/drawingml/2006/chart" xmlns:dgm="http://schemas.openxmlformats.org/drawingml/2006/diagram" xmlns:o="urn:schemas-microsoft-com:office:office" xmlns:v="urn:schemas-microsoft-com:vml" xmlns:pvml="urn:schemas-microsoft-com:office:powerpoint" xmlns:com="http://schemas.openxmlformats.org/drawingml/2006/compatibility" xmlns:p14="http://schemas.microsoft.com/office/powerpoint/2010/main" xmlns:p15="http://schemas.microsoft.com/office/powerpoint/2012/main" xmlns:ahyp="http://schemas.microsoft.com/office/drawing/2018/hyperlinkcolor">
+<p:sld xmlns:a="http://schemas.openxmlformats.org/drawingml/2006/main" xmlns:r="http://schemas.openxmlformats.org/officeDocument/2006/relationships" xmlns:p="http://schemas.openxmlformats.org/presentationml/2006/main">
   <p:cSld>
     <p:spTree>
       <p:nvGrpSpPr>
-        <p:cNvPr id="119" name="Shape 119"/>
+        <p:cNvPr id="1" name="Shape 113"/>
         <p:cNvGrpSpPr/>
         <p:nvPr/>
       </p:nvGrpSpPr>
@@ -7390,8 +7605,10 @@
       </p:grpSpPr>
       <p:sp>
         <p:nvSpPr>
-          <p:cNvPr id="120" name="Google Shape;120;p22"/>
-          <p:cNvSpPr txBox="1"/>
+          <p:cNvPr id="114" name="Google Shape;114;p21"/>
+          <p:cNvSpPr txBox="1">
+            <a:spLocks noGrp="1"/>
+          </p:cNvSpPr>
           <p:nvPr>
             <p:ph type="title"/>
           </p:nvPr>
@@ -7406,12 +7623,153 @@
           </a:prstGeom>
         </p:spPr>
         <p:txBody>
-          <a:bodyPr anchorCtr="0" anchor="t" bIns="91425" lIns="91425" spcFirstLastPara="1" rIns="91425" wrap="square" tIns="91425">
+          <a:bodyPr spcFirstLastPara="1" wrap="square" lIns="91425" tIns="91425" rIns="91425" bIns="91425" anchor="t" anchorCtr="0">
             <a:normAutofit fontScale="90000"/>
           </a:bodyPr>
           <a:lstStyle/>
           <a:p>
-            <a:pPr indent="0" lvl="0" marL="0" rtl="0" algn="l">
+            <a:pPr marL="0" lvl="0" indent="0" algn="l" rtl="0">
+              <a:spcBef>
+                <a:spcPts val="0"/>
+              </a:spcBef>
+              <a:spcAft>
+                <a:spcPts val="0"/>
+              </a:spcAft>
+              <a:buNone/>
+            </a:pPr>
+            <a:r>
+              <a:rPr lang="en"/>
+              <a:t>Convolutional Layer: Extracting Features</a:t>
+            </a:r>
+            <a:endParaRPr/>
+          </a:p>
+        </p:txBody>
+      </p:sp>
+      <p:sp>
+        <p:nvSpPr>
+          <p:cNvPr id="115" name="Google Shape;115;p21"/>
+          <p:cNvSpPr txBox="1">
+            <a:spLocks noGrp="1"/>
+          </p:cNvSpPr>
+          <p:nvPr>
+            <p:ph type="body" idx="1"/>
+          </p:nvPr>
+        </p:nvSpPr>
+        <p:spPr>
+          <a:xfrm>
+            <a:off x="311700" y="1152475"/>
+            <a:ext cx="8520600" cy="3416400"/>
+          </a:xfrm>
+          <a:prstGeom prst="rect">
+            <a:avLst/>
+          </a:prstGeom>
+        </p:spPr>
+        <p:txBody>
+          <a:bodyPr spcFirstLastPara="1" wrap="square" lIns="91425" tIns="91425" rIns="91425" bIns="91425" anchor="t" anchorCtr="0">
+            <a:normAutofit/>
+          </a:bodyPr>
+          <a:lstStyle/>
+          <a:p>
+            <a:pPr marL="0" lvl="0" indent="0" algn="l" rtl="0">
+              <a:spcBef>
+                <a:spcPts val="0"/>
+              </a:spcBef>
+              <a:spcAft>
+                <a:spcPts val="0"/>
+              </a:spcAft>
+              <a:buNone/>
+            </a:pPr>
+            <a:r>
+              <a:rPr lang="en"/>
+              <a:t>A convolutional layer applies multiple filters to the input, producing feature maps.</a:t>
+            </a:r>
+            <a:endParaRPr/>
+          </a:p>
+          <a:p>
+            <a:pPr marL="0" lvl="0" indent="0" algn="l" rtl="0">
+              <a:spcBef>
+                <a:spcPts val="1200"/>
+              </a:spcBef>
+              <a:spcAft>
+                <a:spcPts val="0"/>
+              </a:spcAft>
+              <a:buNone/>
+            </a:pPr>
+            <a:r>
+              <a:rPr lang="en"/>
+              <a:t>Each feature map highlights a specific pattern (e.g., rhythm, timbre, harmonic structure).</a:t>
+            </a:r>
+            <a:endParaRPr/>
+          </a:p>
+          <a:p>
+            <a:pPr marL="0" lvl="0" indent="0" algn="l" rtl="0">
+              <a:spcBef>
+                <a:spcPts val="1200"/>
+              </a:spcBef>
+              <a:spcAft>
+                <a:spcPts val="1200"/>
+              </a:spcAft>
+              <a:buNone/>
+            </a:pPr>
+            <a:r>
+              <a:rPr lang="en"/>
+              <a:t>Multiple convolutional layers are stacked to capture progressively more complex patterns.</a:t>
+            </a:r>
+            <a:endParaRPr/>
+          </a:p>
+        </p:txBody>
+      </p:sp>
+    </p:spTree>
+  </p:cSld>
+  <p:clrMapOvr>
+    <a:masterClrMapping/>
+  </p:clrMapOvr>
+</p:sld>
+</file>
+
+<file path=ppt/slides/slide11.xml><?xml version="1.0" encoding="utf-8"?>
+<p:sld xmlns:a="http://schemas.openxmlformats.org/drawingml/2006/main" xmlns:r="http://schemas.openxmlformats.org/officeDocument/2006/relationships" xmlns:p="http://schemas.openxmlformats.org/presentationml/2006/main">
+  <p:cSld>
+    <p:spTree>
+      <p:nvGrpSpPr>
+        <p:cNvPr id="1" name="Shape 119"/>
+        <p:cNvGrpSpPr/>
+        <p:nvPr/>
+      </p:nvGrpSpPr>
+      <p:grpSpPr>
+        <a:xfrm>
+          <a:off x="0" y="0"/>
+          <a:ext cx="0" cy="0"/>
+          <a:chOff x="0" y="0"/>
+          <a:chExt cx="0" cy="0"/>
+        </a:xfrm>
+      </p:grpSpPr>
+      <p:sp>
+        <p:nvSpPr>
+          <p:cNvPr id="120" name="Google Shape;120;p22"/>
+          <p:cNvSpPr txBox="1">
+            <a:spLocks noGrp="1"/>
+          </p:cNvSpPr>
+          <p:nvPr>
+            <p:ph type="title"/>
+          </p:nvPr>
+        </p:nvSpPr>
+        <p:spPr>
+          <a:xfrm>
+            <a:off x="311700" y="445025"/>
+            <a:ext cx="8520600" cy="572700"/>
+          </a:xfrm>
+          <a:prstGeom prst="rect">
+            <a:avLst/>
+          </a:prstGeom>
+        </p:spPr>
+        <p:txBody>
+          <a:bodyPr spcFirstLastPara="1" wrap="square" lIns="91425" tIns="91425" rIns="91425" bIns="91425" anchor="t" anchorCtr="0">
+            <a:normAutofit fontScale="90000"/>
+          </a:bodyPr>
+          <a:lstStyle/>
+          <a:p>
+            <a:pPr marL="0" lvl="0" indent="0" algn="l" rtl="0">
               <a:spcBef>
                 <a:spcPts val="0"/>
               </a:spcBef>
@@ -7431,9 +7789,11 @@
       <p:sp>
         <p:nvSpPr>
           <p:cNvPr id="121" name="Google Shape;121;p22"/>
-          <p:cNvSpPr txBox="1"/>
+          <p:cNvSpPr txBox="1">
+            <a:spLocks noGrp="1"/>
+          </p:cNvSpPr>
           <p:nvPr>
-            <p:ph idx="1" type="body"/>
+            <p:ph type="body" idx="1"/>
           </p:nvPr>
         </p:nvSpPr>
         <p:spPr>
@@ -7446,12 +7806,12 @@
           </a:prstGeom>
         </p:spPr>
         <p:txBody>
-          <a:bodyPr anchorCtr="0" anchor="t" bIns="91425" lIns="91425" spcFirstLastPara="1" rIns="91425" wrap="square" tIns="91425">
+          <a:bodyPr spcFirstLastPara="1" wrap="square" lIns="91425" tIns="91425" rIns="91425" bIns="91425" anchor="t" anchorCtr="0">
             <a:normAutofit/>
           </a:bodyPr>
           <a:lstStyle/>
           <a:p>
-            <a:pPr indent="0" lvl="0" marL="0" rtl="0" algn="l">
+            <a:pPr marL="0" lvl="0" indent="0" algn="l" rtl="0">
               <a:spcBef>
                 <a:spcPts val="0"/>
               </a:spcBef>
@@ -7467,7 +7827,7 @@
             <a:endParaRPr/>
           </a:p>
           <a:p>
-            <a:pPr indent="0" lvl="0" marL="0" rtl="0" algn="l">
+            <a:pPr marL="0" lvl="0" indent="0" algn="l" rtl="0">
               <a:spcBef>
                 <a:spcPts val="1200"/>
               </a:spcBef>
@@ -7520,12 +7880,12 @@
 </p:sld>
 </file>
 
-<file path=ppt/slides/slide11.xml><?xml version="1.0" encoding="utf-8"?>
-<p:sld xmlns:a="http://schemas.openxmlformats.org/drawingml/2006/main" xmlns:r="http://schemas.openxmlformats.org/officeDocument/2006/relationships" xmlns:mc="http://schemas.openxmlformats.org/markup-compatibility/2006" xmlns:mv="urn:schemas-microsoft-com:mac:vml" xmlns:p="http://schemas.openxmlformats.org/presentationml/2006/main" xmlns:c="http://schemas.openxmlformats.org/drawingml/2006/chart" xmlns:dgm="http://schemas.openxmlformats.org/drawingml/2006/diagram" xmlns:o="urn:schemas-microsoft-com:office:office" xmlns:v="urn:schemas-microsoft-com:vml" xmlns:pvml="urn:schemas-microsoft-com:office:powerpoint" xmlns:com="http://schemas.openxmlformats.org/drawingml/2006/compatibility" xmlns:p14="http://schemas.microsoft.com/office/powerpoint/2010/main" xmlns:p15="http://schemas.microsoft.com/office/powerpoint/2012/main" xmlns:ahyp="http://schemas.microsoft.com/office/drawing/2018/hyperlinkcolor">
+<file path=ppt/slides/slide12.xml><?xml version="1.0" encoding="utf-8"?>
+<p:sld xmlns:a="http://schemas.openxmlformats.org/drawingml/2006/main" xmlns:r="http://schemas.openxmlformats.org/officeDocument/2006/relationships" xmlns:p="http://schemas.openxmlformats.org/presentationml/2006/main">
   <p:cSld>
     <p:spTree>
       <p:nvGrpSpPr>
-        <p:cNvPr id="126" name="Shape 126"/>
+        <p:cNvPr id="1" name="Shape 126"/>
         <p:cNvGrpSpPr/>
         <p:nvPr/>
       </p:nvGrpSpPr>
@@ -7540,7 +7900,9 @@
       <p:sp>
         <p:nvSpPr>
           <p:cNvPr id="127" name="Google Shape;127;p23"/>
-          <p:cNvSpPr txBox="1"/>
+          <p:cNvSpPr txBox="1">
+            <a:spLocks noGrp="1"/>
+          </p:cNvSpPr>
           <p:nvPr>
             <p:ph type="title"/>
           </p:nvPr>
@@ -7555,12 +7917,12 @@
           </a:prstGeom>
         </p:spPr>
         <p:txBody>
-          <a:bodyPr anchorCtr="0" anchor="t" bIns="91425" lIns="91425" spcFirstLastPara="1" rIns="91425" wrap="square" tIns="91425">
+          <a:bodyPr spcFirstLastPara="1" wrap="square" lIns="91425" tIns="91425" rIns="91425" bIns="91425" anchor="t" anchorCtr="0">
             <a:normAutofit fontScale="90000"/>
           </a:bodyPr>
           <a:lstStyle/>
           <a:p>
-            <a:pPr indent="0" lvl="0" marL="0" rtl="0" algn="l">
+            <a:pPr marL="0" lvl="0" indent="0" algn="l" rtl="0">
               <a:spcBef>
                 <a:spcPts val="0"/>
               </a:spcBef>
@@ -7580,9 +7942,11 @@
       <p:sp>
         <p:nvSpPr>
           <p:cNvPr id="128" name="Google Shape;128;p23"/>
-          <p:cNvSpPr txBox="1"/>
+          <p:cNvSpPr txBox="1">
+            <a:spLocks noGrp="1"/>
+          </p:cNvSpPr>
           <p:nvPr>
-            <p:ph idx="1" type="body"/>
+            <p:ph type="body" idx="1"/>
           </p:nvPr>
         </p:nvSpPr>
         <p:spPr>
@@ -7595,12 +7959,12 @@
           </a:prstGeom>
         </p:spPr>
         <p:txBody>
-          <a:bodyPr anchorCtr="0" anchor="t" bIns="91425" lIns="91425" spcFirstLastPara="1" rIns="91425" wrap="square" tIns="91425">
+          <a:bodyPr spcFirstLastPara="1" wrap="square" lIns="91425" tIns="91425" rIns="91425" bIns="91425" anchor="t" anchorCtr="0">
             <a:normAutofit/>
           </a:bodyPr>
           <a:lstStyle/>
           <a:p>
-            <a:pPr indent="0" lvl="0" marL="0" rtl="0" algn="l">
+            <a:pPr marL="0" lvl="0" indent="0" algn="l" rtl="0">
               <a:spcBef>
                 <a:spcPts val="0"/>
               </a:spcBef>
@@ -7616,7 +7980,7 @@
             <a:endParaRPr/>
           </a:p>
           <a:p>
-            <a:pPr indent="0" lvl="0" marL="0" rtl="0" algn="l">
+            <a:pPr marL="0" lvl="0" indent="0" algn="l" rtl="0">
               <a:spcBef>
                 <a:spcPts val="1200"/>
               </a:spcBef>
@@ -7632,7 +7996,7 @@
             <a:endParaRPr/>
           </a:p>
           <a:p>
-            <a:pPr indent="0" lvl="0" marL="0" rtl="0" algn="l">
+            <a:pPr marL="0" lvl="0" indent="0" algn="l" rtl="0">
               <a:spcBef>
                 <a:spcPts val="1200"/>
               </a:spcBef>
@@ -7685,12 +8049,12 @@
 </p:sld>
 </file>
 
-<file path=ppt/slides/slide12.xml><?xml version="1.0" encoding="utf-8"?>
-<p:sld xmlns:a="http://schemas.openxmlformats.org/drawingml/2006/main" xmlns:r="http://schemas.openxmlformats.org/officeDocument/2006/relationships" xmlns:mc="http://schemas.openxmlformats.org/markup-compatibility/2006" xmlns:mv="urn:schemas-microsoft-com:mac:vml" xmlns:p="http://schemas.openxmlformats.org/presentationml/2006/main" xmlns:c="http://schemas.openxmlformats.org/drawingml/2006/chart" xmlns:dgm="http://schemas.openxmlformats.org/drawingml/2006/diagram" xmlns:o="urn:schemas-microsoft-com:office:office" xmlns:v="urn:schemas-microsoft-com:vml" xmlns:pvml="urn:schemas-microsoft-com:office:powerpoint" xmlns:com="http://schemas.openxmlformats.org/drawingml/2006/compatibility" xmlns:p14="http://schemas.microsoft.com/office/powerpoint/2010/main" xmlns:p15="http://schemas.microsoft.com/office/powerpoint/2012/main" xmlns:ahyp="http://schemas.microsoft.com/office/drawing/2018/hyperlinkcolor">
+<file path=ppt/slides/slide13.xml><?xml version="1.0" encoding="utf-8"?>
+<p:sld xmlns:a="http://schemas.openxmlformats.org/drawingml/2006/main" xmlns:r="http://schemas.openxmlformats.org/officeDocument/2006/relationships" xmlns:p="http://schemas.openxmlformats.org/presentationml/2006/main">
   <p:cSld>
     <p:spTree>
       <p:nvGrpSpPr>
-        <p:cNvPr id="133" name="Shape 133"/>
+        <p:cNvPr id="1" name="Shape 133"/>
         <p:cNvGrpSpPr/>
         <p:nvPr/>
       </p:nvGrpSpPr>
@@ -7705,7 +8069,9 @@
       <p:sp>
         <p:nvSpPr>
           <p:cNvPr id="134" name="Google Shape;134;p24"/>
-          <p:cNvSpPr txBox="1"/>
+          <p:cNvSpPr txBox="1">
+            <a:spLocks noGrp="1"/>
+          </p:cNvSpPr>
           <p:nvPr>
             <p:ph type="title"/>
           </p:nvPr>
@@ -7720,12 +8086,12 @@
           </a:prstGeom>
         </p:spPr>
         <p:txBody>
-          <a:bodyPr anchorCtr="0" anchor="t" bIns="91425" lIns="91425" spcFirstLastPara="1" rIns="91425" wrap="square" tIns="91425">
+          <a:bodyPr spcFirstLastPara="1" wrap="square" lIns="91425" tIns="91425" rIns="91425" bIns="91425" anchor="t" anchorCtr="0">
             <a:normAutofit fontScale="90000"/>
           </a:bodyPr>
           <a:lstStyle/>
           <a:p>
-            <a:pPr indent="0" lvl="0" marL="0" rtl="0" algn="l">
+            <a:pPr marL="0" lvl="0" indent="0" algn="l" rtl="0">
               <a:spcBef>
                 <a:spcPts val="0"/>
               </a:spcBef>
@@ -7745,9 +8111,11 @@
       <p:sp>
         <p:nvSpPr>
           <p:cNvPr id="135" name="Google Shape;135;p24"/>
-          <p:cNvSpPr txBox="1"/>
+          <p:cNvSpPr txBox="1">
+            <a:spLocks noGrp="1"/>
+          </p:cNvSpPr>
           <p:nvPr>
-            <p:ph idx="1" type="body"/>
+            <p:ph type="body" idx="1"/>
           </p:nvPr>
         </p:nvSpPr>
         <p:spPr>
@@ -7760,12 +8128,12 @@
           </a:prstGeom>
         </p:spPr>
         <p:txBody>
-          <a:bodyPr anchorCtr="0" anchor="t" bIns="91425" lIns="91425" spcFirstLastPara="1" rIns="91425" wrap="square" tIns="91425">
+          <a:bodyPr spcFirstLastPara="1" wrap="square" lIns="91425" tIns="91425" rIns="91425" bIns="91425" anchor="t" anchorCtr="0">
             <a:normAutofit/>
           </a:bodyPr>
           <a:lstStyle/>
           <a:p>
-            <a:pPr indent="0" lvl="0" marL="0" rtl="0" algn="l">
+            <a:pPr marL="0" lvl="0" indent="0" algn="l" rtl="0">
               <a:spcBef>
                 <a:spcPts val="0"/>
               </a:spcBef>
@@ -7781,7 +8149,7 @@
             <a:endParaRPr/>
           </a:p>
           <a:p>
-            <a:pPr indent="0" lvl="0" marL="0" rtl="0" algn="l">
+            <a:pPr marL="0" lvl="0" indent="0" algn="l" rtl="0">
               <a:spcBef>
                 <a:spcPts val="1200"/>
               </a:spcBef>
@@ -7797,7 +8165,7 @@
             <a:endParaRPr/>
           </a:p>
           <a:p>
-            <a:pPr indent="0" lvl="0" marL="0" rtl="0" algn="l">
+            <a:pPr marL="0" lvl="0" indent="0" algn="l" rtl="0">
               <a:spcBef>
                 <a:spcPts val="1200"/>
               </a:spcBef>
@@ -7822,12 +8190,12 @@
 </p:sld>
 </file>
 
-<file path=ppt/slides/slide13.xml><?xml version="1.0" encoding="utf-8"?>
-<p:sld xmlns:a="http://schemas.openxmlformats.org/drawingml/2006/main" xmlns:r="http://schemas.openxmlformats.org/officeDocument/2006/relationships" xmlns:mc="http://schemas.openxmlformats.org/markup-compatibility/2006" xmlns:mv="urn:schemas-microsoft-com:mac:vml" xmlns:p="http://schemas.openxmlformats.org/presentationml/2006/main" xmlns:c="http://schemas.openxmlformats.org/drawingml/2006/chart" xmlns:dgm="http://schemas.openxmlformats.org/drawingml/2006/diagram" xmlns:o="urn:schemas-microsoft-com:office:office" xmlns:v="urn:schemas-microsoft-com:vml" xmlns:pvml="urn:schemas-microsoft-com:office:powerpoint" xmlns:com="http://schemas.openxmlformats.org/drawingml/2006/compatibility" xmlns:p14="http://schemas.microsoft.com/office/powerpoint/2010/main" xmlns:p15="http://schemas.microsoft.com/office/powerpoint/2012/main" xmlns:ahyp="http://schemas.microsoft.com/office/drawing/2018/hyperlinkcolor">
+<file path=ppt/slides/slide14.xml><?xml version="1.0" encoding="utf-8"?>
+<p:sld xmlns:a="http://schemas.openxmlformats.org/drawingml/2006/main" xmlns:r="http://schemas.openxmlformats.org/officeDocument/2006/relationships" xmlns:p="http://schemas.openxmlformats.org/presentationml/2006/main">
   <p:cSld>
     <p:spTree>
       <p:nvGrpSpPr>
-        <p:cNvPr id="139" name="Shape 139"/>
+        <p:cNvPr id="1" name="Shape 139"/>
         <p:cNvGrpSpPr/>
         <p:nvPr/>
       </p:nvGrpSpPr>
@@ -7842,7 +8210,9 @@
       <p:sp>
         <p:nvSpPr>
           <p:cNvPr id="140" name="Google Shape;140;p25"/>
-          <p:cNvSpPr txBox="1"/>
+          <p:cNvSpPr txBox="1">
+            <a:spLocks noGrp="1"/>
+          </p:cNvSpPr>
           <p:nvPr>
             <p:ph type="title"/>
           </p:nvPr>
@@ -7857,12 +8227,12 @@
           </a:prstGeom>
         </p:spPr>
         <p:txBody>
-          <a:bodyPr anchorCtr="0" anchor="t" bIns="91425" lIns="91425" spcFirstLastPara="1" rIns="91425" wrap="square" tIns="91425">
+          <a:bodyPr spcFirstLastPara="1" wrap="square" lIns="91425" tIns="91425" rIns="91425" bIns="91425" anchor="t" anchorCtr="0">
             <a:normAutofit fontScale="90000"/>
           </a:bodyPr>
           <a:lstStyle/>
           <a:p>
-            <a:pPr indent="0" lvl="0" marL="0" rtl="0" algn="l">
+            <a:pPr marL="0" lvl="0" indent="0" algn="l" rtl="0">
               <a:spcBef>
                 <a:spcPts val="0"/>
               </a:spcBef>
@@ -7882,9 +8252,11 @@
       <p:sp>
         <p:nvSpPr>
           <p:cNvPr id="141" name="Google Shape;141;p25"/>
-          <p:cNvSpPr txBox="1"/>
+          <p:cNvSpPr txBox="1">
+            <a:spLocks noGrp="1"/>
+          </p:cNvSpPr>
           <p:nvPr>
-            <p:ph idx="1" type="body"/>
+            <p:ph type="body" idx="1"/>
           </p:nvPr>
         </p:nvSpPr>
         <p:spPr>
@@ -7897,12 +8269,12 @@
           </a:prstGeom>
         </p:spPr>
         <p:txBody>
-          <a:bodyPr anchorCtr="0" anchor="t" bIns="91425" lIns="91425" spcFirstLastPara="1" rIns="91425" wrap="square" tIns="91425">
+          <a:bodyPr spcFirstLastPara="1" wrap="square" lIns="91425" tIns="91425" rIns="91425" bIns="91425" anchor="t" anchorCtr="0">
             <a:normAutofit/>
           </a:bodyPr>
           <a:lstStyle/>
           <a:p>
-            <a:pPr indent="0" lvl="0" marL="0" rtl="0" algn="l">
+            <a:pPr marL="0" lvl="0" indent="0" algn="l" rtl="0">
               <a:spcBef>
                 <a:spcPts val="0"/>
               </a:spcBef>
@@ -7918,7 +8290,7 @@
             <a:endParaRPr/>
           </a:p>
           <a:p>
-            <a:pPr indent="0" lvl="0" marL="0" rtl="0" algn="l">
+            <a:pPr marL="0" lvl="0" indent="0" algn="l" rtl="0">
               <a:spcBef>
                 <a:spcPts val="1200"/>
               </a:spcBef>
@@ -7934,7 +8306,7 @@
             <a:endParaRPr/>
           </a:p>
           <a:p>
-            <a:pPr indent="0" lvl="0" marL="0" rtl="0" algn="l">
+            <a:pPr marL="0" lvl="0" indent="0" algn="l" rtl="0">
               <a:spcBef>
                 <a:spcPts val="1200"/>
               </a:spcBef>
@@ -7959,12 +8331,12 @@
 </p:sld>
 </file>
 
-<file path=ppt/slides/slide14.xml><?xml version="1.0" encoding="utf-8"?>
-<p:sld xmlns:a="http://schemas.openxmlformats.org/drawingml/2006/main" xmlns:r="http://schemas.openxmlformats.org/officeDocument/2006/relationships" xmlns:mc="http://schemas.openxmlformats.org/markup-compatibility/2006" xmlns:mv="urn:schemas-microsoft-com:mac:vml" xmlns:p="http://schemas.openxmlformats.org/presentationml/2006/main" xmlns:c="http://schemas.openxmlformats.org/drawingml/2006/chart" xmlns:dgm="http://schemas.openxmlformats.org/drawingml/2006/diagram" xmlns:o="urn:schemas-microsoft-com:office:office" xmlns:v="urn:schemas-microsoft-com:vml" xmlns:pvml="urn:schemas-microsoft-com:office:powerpoint" xmlns:com="http://schemas.openxmlformats.org/drawingml/2006/compatibility" xmlns:p14="http://schemas.microsoft.com/office/powerpoint/2010/main" xmlns:p15="http://schemas.microsoft.com/office/powerpoint/2012/main" xmlns:ahyp="http://schemas.microsoft.com/office/drawing/2018/hyperlinkcolor">
+<file path=ppt/slides/slide15.xml><?xml version="1.0" encoding="utf-8"?>
+<p:sld xmlns:a="http://schemas.openxmlformats.org/drawingml/2006/main" xmlns:r="http://schemas.openxmlformats.org/officeDocument/2006/relationships" xmlns:p="http://schemas.openxmlformats.org/presentationml/2006/main">
   <p:cSld>
     <p:spTree>
       <p:nvGrpSpPr>
-        <p:cNvPr id="145" name="Shape 145"/>
+        <p:cNvPr id="1" name="Shape 145"/>
         <p:cNvGrpSpPr/>
         <p:nvPr/>
       </p:nvGrpSpPr>
@@ -7979,7 +8351,9 @@
       <p:sp>
         <p:nvSpPr>
           <p:cNvPr id="146" name="Google Shape;146;p26"/>
-          <p:cNvSpPr txBox="1"/>
+          <p:cNvSpPr txBox="1">
+            <a:spLocks noGrp="1"/>
+          </p:cNvSpPr>
           <p:nvPr>
             <p:ph type="title"/>
           </p:nvPr>
@@ -7994,12 +8368,12 @@
           </a:prstGeom>
         </p:spPr>
         <p:txBody>
-          <a:bodyPr anchorCtr="0" anchor="t" bIns="91425" lIns="91425" spcFirstLastPara="1" rIns="91425" wrap="square" tIns="91425">
+          <a:bodyPr spcFirstLastPara="1" wrap="square" lIns="91425" tIns="91425" rIns="91425" bIns="91425" anchor="t" anchorCtr="0">
             <a:normAutofit fontScale="90000"/>
           </a:bodyPr>
           <a:lstStyle/>
           <a:p>
-            <a:pPr indent="0" lvl="0" marL="0" rtl="0" algn="l">
+            <a:pPr marL="0" lvl="0" indent="0" algn="l" rtl="0">
               <a:spcBef>
                 <a:spcPts val="0"/>
               </a:spcBef>
@@ -8019,9 +8393,11 @@
       <p:sp>
         <p:nvSpPr>
           <p:cNvPr id="147" name="Google Shape;147;p26"/>
-          <p:cNvSpPr txBox="1"/>
+          <p:cNvSpPr txBox="1">
+            <a:spLocks noGrp="1"/>
+          </p:cNvSpPr>
           <p:nvPr>
-            <p:ph idx="1" type="body"/>
+            <p:ph type="body" idx="1"/>
           </p:nvPr>
         </p:nvSpPr>
         <p:spPr>
@@ -8034,12 +8410,12 @@
           </a:prstGeom>
         </p:spPr>
         <p:txBody>
-          <a:bodyPr anchorCtr="0" anchor="t" bIns="91425" lIns="91425" spcFirstLastPara="1" rIns="91425" wrap="square" tIns="91425">
+          <a:bodyPr spcFirstLastPara="1" wrap="square" lIns="91425" tIns="91425" rIns="91425" bIns="91425" anchor="t" anchorCtr="0">
             <a:normAutofit/>
           </a:bodyPr>
           <a:lstStyle/>
           <a:p>
-            <a:pPr indent="-342900" lvl="0" marL="457200" rtl="0" algn="l">
+            <a:pPr marL="457200" lvl="0" indent="-342900" algn="l" rtl="0">
               <a:spcBef>
                 <a:spcPts val="0"/>
               </a:spcBef>
@@ -8051,16 +8427,12 @@
             </a:pPr>
             <a:r>
               <a:rPr lang="en"/>
-              <a:t>A</a:t>
+              <a:t>A type of neural network used for unsupervised learning.</a:t>
             </a:r>
-            <a:r>
-              <a:rPr lang="en"/>
-              <a:t> type of neural network used for unsupervised learning.</a:t>
-            </a:r>
-            <a:endParaRPr/>
-          </a:p>
-          <a:p>
-            <a:pPr indent="-342900" lvl="0" marL="457200" rtl="0" algn="l">
+            <a:endParaRPr/>
+          </a:p>
+          <a:p>
+            <a:pPr marL="457200" lvl="0" indent="-342900" algn="l" rtl="0">
               <a:spcBef>
                 <a:spcPts val="0"/>
               </a:spcBef>
@@ -8077,7 +8449,7 @@
             <a:endParaRPr/>
           </a:p>
           <a:p>
-            <a:pPr indent="-342900" lvl="0" marL="457200" rtl="0" algn="l">
+            <a:pPr marL="457200" lvl="0" indent="-342900" algn="l" rtl="0">
               <a:spcBef>
                 <a:spcPts val="0"/>
               </a:spcBef>
@@ -8131,12 +8503,12 @@
 </p:sld>
 </file>
 
-<file path=ppt/slides/slide15.xml><?xml version="1.0" encoding="utf-8"?>
-<p:sld xmlns:a="http://schemas.openxmlformats.org/drawingml/2006/main" xmlns:r="http://schemas.openxmlformats.org/officeDocument/2006/relationships" xmlns:mc="http://schemas.openxmlformats.org/markup-compatibility/2006" xmlns:mv="urn:schemas-microsoft-com:mac:vml" xmlns:p="http://schemas.openxmlformats.org/presentationml/2006/main" xmlns:c="http://schemas.openxmlformats.org/drawingml/2006/chart" xmlns:dgm="http://schemas.openxmlformats.org/drawingml/2006/diagram" xmlns:o="urn:schemas-microsoft-com:office:office" xmlns:v="urn:schemas-microsoft-com:vml" xmlns:pvml="urn:schemas-microsoft-com:office:powerpoint" xmlns:com="http://schemas.openxmlformats.org/drawingml/2006/compatibility" xmlns:p14="http://schemas.microsoft.com/office/powerpoint/2010/main" xmlns:p15="http://schemas.microsoft.com/office/powerpoint/2012/main" xmlns:ahyp="http://schemas.microsoft.com/office/drawing/2018/hyperlinkcolor">
+<file path=ppt/slides/slide16.xml><?xml version="1.0" encoding="utf-8"?>
+<p:sld xmlns:a="http://schemas.openxmlformats.org/drawingml/2006/main" xmlns:r="http://schemas.openxmlformats.org/officeDocument/2006/relationships" xmlns:p="http://schemas.openxmlformats.org/presentationml/2006/main">
   <p:cSld>
     <p:spTree>
       <p:nvGrpSpPr>
-        <p:cNvPr id="152" name="Shape 152"/>
+        <p:cNvPr id="1" name="Shape 152"/>
         <p:cNvGrpSpPr/>
         <p:nvPr/>
       </p:nvGrpSpPr>
@@ -8151,7 +8523,9 @@
       <p:sp>
         <p:nvSpPr>
           <p:cNvPr id="153" name="Google Shape;153;p27"/>
-          <p:cNvSpPr txBox="1"/>
+          <p:cNvSpPr txBox="1">
+            <a:spLocks noGrp="1"/>
+          </p:cNvSpPr>
           <p:nvPr>
             <p:ph type="title"/>
           </p:nvPr>
@@ -8166,12 +8540,12 @@
           </a:prstGeom>
         </p:spPr>
         <p:txBody>
-          <a:bodyPr anchorCtr="0" anchor="t" bIns="91425" lIns="91425" spcFirstLastPara="1" rIns="91425" wrap="square" tIns="91425">
+          <a:bodyPr spcFirstLastPara="1" wrap="square" lIns="91425" tIns="91425" rIns="91425" bIns="91425" anchor="t" anchorCtr="0">
             <a:normAutofit fontScale="90000"/>
           </a:bodyPr>
           <a:lstStyle/>
           <a:p>
-            <a:pPr indent="0" lvl="0" marL="0" rtl="0" algn="l">
+            <a:pPr marL="0" lvl="0" indent="0" algn="l" rtl="0">
               <a:spcBef>
                 <a:spcPts val="0"/>
               </a:spcBef>
@@ -8191,9 +8565,11 @@
       <p:sp>
         <p:nvSpPr>
           <p:cNvPr id="154" name="Google Shape;154;p27"/>
-          <p:cNvSpPr txBox="1"/>
+          <p:cNvSpPr txBox="1">
+            <a:spLocks noGrp="1"/>
+          </p:cNvSpPr>
           <p:nvPr>
-            <p:ph idx="1" type="body"/>
+            <p:ph type="body" idx="1"/>
           </p:nvPr>
         </p:nvSpPr>
         <p:spPr>
@@ -8206,12 +8582,12 @@
           </a:prstGeom>
         </p:spPr>
         <p:txBody>
-          <a:bodyPr anchorCtr="0" anchor="t" bIns="91425" lIns="91425" spcFirstLastPara="1" rIns="91425" wrap="square" tIns="91425">
+          <a:bodyPr spcFirstLastPara="1" wrap="square" lIns="91425" tIns="91425" rIns="91425" bIns="91425" anchor="t" anchorCtr="0">
             <a:normAutofit/>
           </a:bodyPr>
           <a:lstStyle/>
           <a:p>
-            <a:pPr indent="-342900" lvl="0" marL="457200" rtl="0" algn="l">
+            <a:pPr marL="457200" lvl="0" indent="-342900" algn="l" rtl="0">
               <a:spcBef>
                 <a:spcPts val="0"/>
               </a:spcBef>
@@ -8228,7 +8604,7 @@
             <a:endParaRPr/>
           </a:p>
           <a:p>
-            <a:pPr indent="-342900" lvl="0" marL="457200" rtl="0" algn="l">
+            <a:pPr marL="457200" lvl="0" indent="-342900" algn="l" rtl="0">
               <a:spcBef>
                 <a:spcPts val="0"/>
               </a:spcBef>
@@ -8245,7 +8621,7 @@
             <a:endParaRPr/>
           </a:p>
           <a:p>
-            <a:pPr indent="-342900" lvl="0" marL="457200" rtl="0" algn="l">
+            <a:pPr marL="457200" lvl="0" indent="-342900" algn="l" rtl="0">
               <a:spcBef>
                 <a:spcPts val="0"/>
               </a:spcBef>
@@ -8271,12 +8647,12 @@
 </p:sld>
 </file>
 
-<file path=ppt/slides/slide16.xml><?xml version="1.0" encoding="utf-8"?>
-<p:sld xmlns:a="http://schemas.openxmlformats.org/drawingml/2006/main" xmlns:r="http://schemas.openxmlformats.org/officeDocument/2006/relationships" xmlns:mc="http://schemas.openxmlformats.org/markup-compatibility/2006" xmlns:mv="urn:schemas-microsoft-com:mac:vml" xmlns:p="http://schemas.openxmlformats.org/presentationml/2006/main" xmlns:c="http://schemas.openxmlformats.org/drawingml/2006/chart" xmlns:dgm="http://schemas.openxmlformats.org/drawingml/2006/diagram" xmlns:o="urn:schemas-microsoft-com:office:office" xmlns:v="urn:schemas-microsoft-com:vml" xmlns:pvml="urn:schemas-microsoft-com:office:powerpoint" xmlns:com="http://schemas.openxmlformats.org/drawingml/2006/compatibility" xmlns:p14="http://schemas.microsoft.com/office/powerpoint/2010/main" xmlns:p15="http://schemas.microsoft.com/office/powerpoint/2012/main" xmlns:ahyp="http://schemas.microsoft.com/office/drawing/2018/hyperlinkcolor">
+<file path=ppt/slides/slide17.xml><?xml version="1.0" encoding="utf-8"?>
+<p:sld xmlns:a="http://schemas.openxmlformats.org/drawingml/2006/main" xmlns:r="http://schemas.openxmlformats.org/officeDocument/2006/relationships" xmlns:p="http://schemas.openxmlformats.org/presentationml/2006/main">
   <p:cSld>
     <p:spTree>
       <p:nvGrpSpPr>
-        <p:cNvPr id="158" name="Shape 158"/>
+        <p:cNvPr id="1" name="Shape 158"/>
         <p:cNvGrpSpPr/>
         <p:nvPr/>
       </p:nvGrpSpPr>
@@ -8291,7 +8667,9 @@
       <p:sp>
         <p:nvSpPr>
           <p:cNvPr id="159" name="Google Shape;159;p28"/>
-          <p:cNvSpPr txBox="1"/>
+          <p:cNvSpPr txBox="1">
+            <a:spLocks noGrp="1"/>
+          </p:cNvSpPr>
           <p:nvPr>
             <p:ph type="title"/>
           </p:nvPr>
@@ -8306,12 +8684,12 @@
           </a:prstGeom>
         </p:spPr>
         <p:txBody>
-          <a:bodyPr anchorCtr="0" anchor="t" bIns="91425" lIns="91425" spcFirstLastPara="1" rIns="91425" wrap="square" tIns="91425">
+          <a:bodyPr spcFirstLastPara="1" wrap="square" lIns="91425" tIns="91425" rIns="91425" bIns="91425" anchor="t" anchorCtr="0">
             <a:normAutofit fontScale="90000"/>
           </a:bodyPr>
           <a:lstStyle/>
           <a:p>
-            <a:pPr indent="0" lvl="0" marL="0" rtl="0" algn="l">
+            <a:pPr marL="0" lvl="0" indent="0" algn="l" rtl="0">
               <a:spcBef>
                 <a:spcPts val="0"/>
               </a:spcBef>
@@ -8331,9 +8709,11 @@
       <p:sp>
         <p:nvSpPr>
           <p:cNvPr id="160" name="Google Shape;160;p28"/>
-          <p:cNvSpPr txBox="1"/>
+          <p:cNvSpPr txBox="1">
+            <a:spLocks noGrp="1"/>
+          </p:cNvSpPr>
           <p:nvPr>
-            <p:ph idx="1" type="body"/>
+            <p:ph type="body" idx="1"/>
           </p:nvPr>
         </p:nvSpPr>
         <p:spPr>
@@ -8346,12 +8726,12 @@
           </a:prstGeom>
         </p:spPr>
         <p:txBody>
-          <a:bodyPr anchorCtr="0" anchor="t" bIns="91425" lIns="91425" spcFirstLastPara="1" rIns="91425" wrap="square" tIns="91425">
+          <a:bodyPr spcFirstLastPara="1" wrap="square" lIns="91425" tIns="91425" rIns="91425" bIns="91425" anchor="t" anchorCtr="0">
             <a:normAutofit/>
           </a:bodyPr>
           <a:lstStyle/>
           <a:p>
-            <a:pPr indent="0" lvl="0" marL="0" rtl="0" algn="l">
+            <a:pPr marL="0" lvl="0" indent="0" algn="l" rtl="0">
               <a:spcBef>
                 <a:spcPts val="0"/>
               </a:spcBef>
@@ -8367,7 +8747,7 @@
             <a:endParaRPr/>
           </a:p>
           <a:p>
-            <a:pPr indent="0" lvl="0" marL="0" rtl="0" algn="l">
+            <a:pPr marL="0" lvl="0" indent="0" algn="l" rtl="0">
               <a:spcBef>
                 <a:spcPts val="1200"/>
               </a:spcBef>
@@ -8383,7 +8763,7 @@
             <a:endParaRPr/>
           </a:p>
           <a:p>
-            <a:pPr indent="0" lvl="0" marL="0" rtl="0" algn="l">
+            <a:pPr marL="0" lvl="0" indent="0" algn="l" rtl="0">
               <a:spcBef>
                 <a:spcPts val="1200"/>
               </a:spcBef>
@@ -8408,12 +8788,12 @@
 </p:sld>
 </file>
 
-<file path=ppt/slides/slide17.xml><?xml version="1.0" encoding="utf-8"?>
-<p:sld xmlns:a="http://schemas.openxmlformats.org/drawingml/2006/main" xmlns:r="http://schemas.openxmlformats.org/officeDocument/2006/relationships" xmlns:mc="http://schemas.openxmlformats.org/markup-compatibility/2006" xmlns:mv="urn:schemas-microsoft-com:mac:vml" xmlns:p="http://schemas.openxmlformats.org/presentationml/2006/main" xmlns:c="http://schemas.openxmlformats.org/drawingml/2006/chart" xmlns:dgm="http://schemas.openxmlformats.org/drawingml/2006/diagram" xmlns:o="urn:schemas-microsoft-com:office:office" xmlns:v="urn:schemas-microsoft-com:vml" xmlns:pvml="urn:schemas-microsoft-com:office:powerpoint" xmlns:com="http://schemas.openxmlformats.org/drawingml/2006/compatibility" xmlns:p14="http://schemas.microsoft.com/office/powerpoint/2010/main" xmlns:p15="http://schemas.microsoft.com/office/powerpoint/2012/main" xmlns:ahyp="http://schemas.microsoft.com/office/drawing/2018/hyperlinkcolor">
+<file path=ppt/slides/slide18.xml><?xml version="1.0" encoding="utf-8"?>
+<p:sld xmlns:a="http://schemas.openxmlformats.org/drawingml/2006/main" xmlns:r="http://schemas.openxmlformats.org/officeDocument/2006/relationships" xmlns:p="http://schemas.openxmlformats.org/presentationml/2006/main">
   <p:cSld>
     <p:spTree>
       <p:nvGrpSpPr>
-        <p:cNvPr id="164" name="Shape 164"/>
+        <p:cNvPr id="1" name="Shape 164"/>
         <p:cNvGrpSpPr/>
         <p:nvPr/>
       </p:nvGrpSpPr>
@@ -8428,7 +8808,9 @@
       <p:sp>
         <p:nvSpPr>
           <p:cNvPr id="165" name="Google Shape;165;p29"/>
-          <p:cNvSpPr txBox="1"/>
+          <p:cNvSpPr txBox="1">
+            <a:spLocks noGrp="1"/>
+          </p:cNvSpPr>
           <p:nvPr>
             <p:ph type="title"/>
           </p:nvPr>
@@ -8443,12 +8825,12 @@
           </a:prstGeom>
         </p:spPr>
         <p:txBody>
-          <a:bodyPr anchorCtr="0" anchor="t" bIns="91425" lIns="91425" spcFirstLastPara="1" rIns="91425" wrap="square" tIns="91425">
+          <a:bodyPr spcFirstLastPara="1" wrap="square" lIns="91425" tIns="91425" rIns="91425" bIns="91425" anchor="t" anchorCtr="0">
             <a:normAutofit fontScale="90000"/>
           </a:bodyPr>
           <a:lstStyle/>
           <a:p>
-            <a:pPr indent="0" lvl="0" marL="0" rtl="0" algn="l">
+            <a:pPr marL="0" lvl="0" indent="0" algn="l" rtl="0">
               <a:spcBef>
                 <a:spcPts val="0"/>
               </a:spcBef>
@@ -8468,9 +8850,11 @@
       <p:sp>
         <p:nvSpPr>
           <p:cNvPr id="166" name="Google Shape;166;p29"/>
-          <p:cNvSpPr txBox="1"/>
+          <p:cNvSpPr txBox="1">
+            <a:spLocks noGrp="1"/>
+          </p:cNvSpPr>
           <p:nvPr>
-            <p:ph idx="1" type="body"/>
+            <p:ph type="body" idx="1"/>
           </p:nvPr>
         </p:nvSpPr>
         <p:spPr>
@@ -8483,12 +8867,12 @@
           </a:prstGeom>
         </p:spPr>
         <p:txBody>
-          <a:bodyPr anchorCtr="0" anchor="t" bIns="91425" lIns="91425" spcFirstLastPara="1" rIns="91425" wrap="square" tIns="91425">
+          <a:bodyPr spcFirstLastPara="1" wrap="square" lIns="91425" tIns="91425" rIns="91425" bIns="91425" anchor="t" anchorCtr="0">
             <a:normAutofit/>
           </a:bodyPr>
           <a:lstStyle/>
           <a:p>
-            <a:pPr indent="0" lvl="0" marL="0" rtl="0" algn="l">
+            <a:pPr marL="0" lvl="0" indent="0" algn="l" rtl="0">
               <a:spcBef>
                 <a:spcPts val="0"/>
               </a:spcBef>
@@ -8504,7 +8888,7 @@
             <a:endParaRPr/>
           </a:p>
           <a:p>
-            <a:pPr indent="0" lvl="0" marL="0" rtl="0" algn="l">
+            <a:pPr marL="0" lvl="0" indent="0" algn="l" rtl="0">
               <a:spcBef>
                 <a:spcPts val="1200"/>
               </a:spcBef>
@@ -8520,7 +8904,7 @@
             <a:endParaRPr/>
           </a:p>
           <a:p>
-            <a:pPr indent="0" lvl="0" marL="0" rtl="0" algn="l">
+            <a:pPr marL="0" lvl="0" indent="0" algn="l" rtl="0">
               <a:spcBef>
                 <a:spcPts val="1200"/>
               </a:spcBef>
@@ -8545,12 +8929,12 @@
 </p:sld>
 </file>
 
-<file path=ppt/slides/slide18.xml><?xml version="1.0" encoding="utf-8"?>
-<p:sld xmlns:a="http://schemas.openxmlformats.org/drawingml/2006/main" xmlns:r="http://schemas.openxmlformats.org/officeDocument/2006/relationships" xmlns:mc="http://schemas.openxmlformats.org/markup-compatibility/2006" xmlns:mv="urn:schemas-microsoft-com:mac:vml" xmlns:p="http://schemas.openxmlformats.org/presentationml/2006/main" xmlns:c="http://schemas.openxmlformats.org/drawingml/2006/chart" xmlns:dgm="http://schemas.openxmlformats.org/drawingml/2006/diagram" xmlns:o="urn:schemas-microsoft-com:office:office" xmlns:v="urn:schemas-microsoft-com:vml" xmlns:pvml="urn:schemas-microsoft-com:office:powerpoint" xmlns:com="http://schemas.openxmlformats.org/drawingml/2006/compatibility" xmlns:p14="http://schemas.microsoft.com/office/powerpoint/2010/main" xmlns:p15="http://schemas.microsoft.com/office/powerpoint/2012/main" xmlns:ahyp="http://schemas.microsoft.com/office/drawing/2018/hyperlinkcolor">
+<file path=ppt/slides/slide19.xml><?xml version="1.0" encoding="utf-8"?>
+<p:sld xmlns:a="http://schemas.openxmlformats.org/drawingml/2006/main" xmlns:r="http://schemas.openxmlformats.org/officeDocument/2006/relationships" xmlns:p="http://schemas.openxmlformats.org/presentationml/2006/main">
   <p:cSld>
     <p:spTree>
       <p:nvGrpSpPr>
-        <p:cNvPr id="170" name="Shape 170"/>
+        <p:cNvPr id="1" name="Shape 170"/>
         <p:cNvGrpSpPr/>
         <p:nvPr/>
       </p:nvGrpSpPr>
@@ -8565,7 +8949,9 @@
       <p:sp>
         <p:nvSpPr>
           <p:cNvPr id="171" name="Google Shape;171;p30"/>
-          <p:cNvSpPr txBox="1"/>
+          <p:cNvSpPr txBox="1">
+            <a:spLocks noGrp="1"/>
+          </p:cNvSpPr>
           <p:nvPr>
             <p:ph type="title"/>
           </p:nvPr>
@@ -8580,12 +8966,12 @@
           </a:prstGeom>
         </p:spPr>
         <p:txBody>
-          <a:bodyPr anchorCtr="0" anchor="t" bIns="91425" lIns="91425" spcFirstLastPara="1" rIns="91425" wrap="square" tIns="91425">
+          <a:bodyPr spcFirstLastPara="1" wrap="square" lIns="91425" tIns="91425" rIns="91425" bIns="91425" anchor="t" anchorCtr="0">
             <a:normAutofit fontScale="90000"/>
           </a:bodyPr>
           <a:lstStyle/>
           <a:p>
-            <a:pPr indent="0" lvl="0" marL="0" rtl="0" algn="l">
+            <a:pPr marL="0" lvl="0" indent="0" algn="l" rtl="0">
               <a:spcBef>
                 <a:spcPts val="0"/>
               </a:spcBef>
@@ -8605,9 +8991,11 @@
       <p:sp>
         <p:nvSpPr>
           <p:cNvPr id="172" name="Google Shape;172;p30"/>
-          <p:cNvSpPr txBox="1"/>
+          <p:cNvSpPr txBox="1">
+            <a:spLocks noGrp="1"/>
+          </p:cNvSpPr>
           <p:nvPr>
-            <p:ph idx="1" type="body"/>
+            <p:ph type="body" idx="1"/>
           </p:nvPr>
         </p:nvSpPr>
         <p:spPr>
@@ -8620,12 +9008,12 @@
           </a:prstGeom>
         </p:spPr>
         <p:txBody>
-          <a:bodyPr anchorCtr="0" anchor="t" bIns="91425" lIns="91425" spcFirstLastPara="1" rIns="91425" wrap="square" tIns="91425">
+          <a:bodyPr spcFirstLastPara="1" wrap="square" lIns="91425" tIns="91425" rIns="91425" bIns="91425" anchor="t" anchorCtr="0">
             <a:normAutofit/>
           </a:bodyPr>
           <a:lstStyle/>
           <a:p>
-            <a:pPr indent="0" lvl="0" marL="0" rtl="0" algn="l">
+            <a:pPr marL="0" lvl="0" indent="0" algn="l" rtl="0">
               <a:spcBef>
                 <a:spcPts val="0"/>
               </a:spcBef>
@@ -8641,7 +9029,7 @@
             <a:endParaRPr/>
           </a:p>
           <a:p>
-            <a:pPr indent="0" lvl="0" marL="0" rtl="0" algn="l">
+            <a:pPr marL="0" lvl="0" indent="0" algn="l" rtl="0">
               <a:spcBef>
                 <a:spcPts val="1200"/>
               </a:spcBef>
@@ -8657,7 +9045,7 @@
             <a:endParaRPr/>
           </a:p>
           <a:p>
-            <a:pPr indent="0" lvl="0" marL="0" rtl="0" algn="l">
+            <a:pPr marL="0" lvl="0" indent="0" algn="l" rtl="0">
               <a:spcBef>
                 <a:spcPts val="1200"/>
               </a:spcBef>
@@ -8682,12 +9070,12 @@
 </p:sld>
 </file>
 
-<file path=ppt/slides/slide19.xml><?xml version="1.0" encoding="utf-8"?>
-<p:sld xmlns:a="http://schemas.openxmlformats.org/drawingml/2006/main" xmlns:r="http://schemas.openxmlformats.org/officeDocument/2006/relationships" xmlns:mc="http://schemas.openxmlformats.org/markup-compatibility/2006" xmlns:mv="urn:schemas-microsoft-com:mac:vml" xmlns:p="http://schemas.openxmlformats.org/presentationml/2006/main" xmlns:c="http://schemas.openxmlformats.org/drawingml/2006/chart" xmlns:dgm="http://schemas.openxmlformats.org/drawingml/2006/diagram" xmlns:o="urn:schemas-microsoft-com:office:office" xmlns:v="urn:schemas-microsoft-com:vml" xmlns:pvml="urn:schemas-microsoft-com:office:powerpoint" xmlns:com="http://schemas.openxmlformats.org/drawingml/2006/compatibility" xmlns:p14="http://schemas.microsoft.com/office/powerpoint/2010/main" xmlns:p15="http://schemas.microsoft.com/office/powerpoint/2012/main" xmlns:ahyp="http://schemas.microsoft.com/office/drawing/2018/hyperlinkcolor">
+<file path=ppt/slides/slide2.xml><?xml version="1.0" encoding="utf-8"?>
+<p:sld xmlns:a="http://schemas.openxmlformats.org/drawingml/2006/main" xmlns:r="http://schemas.openxmlformats.org/officeDocument/2006/relationships" xmlns:p="http://schemas.openxmlformats.org/presentationml/2006/main">
   <p:cSld>
     <p:spTree>
       <p:nvGrpSpPr>
-        <p:cNvPr id="176" name="Shape 176"/>
+        <p:cNvPr id="1" name="Shape 59"/>
         <p:cNvGrpSpPr/>
         <p:nvPr/>
       </p:nvGrpSpPr>
@@ -8701,8 +9089,10 @@
       </p:grpSpPr>
       <p:sp>
         <p:nvSpPr>
-          <p:cNvPr id="177" name="Google Shape;177;p31"/>
-          <p:cNvSpPr txBox="1"/>
+          <p:cNvPr id="60" name="Google Shape;60;p14"/>
+          <p:cNvSpPr txBox="1">
+            <a:spLocks noGrp="1"/>
+          </p:cNvSpPr>
           <p:nvPr>
             <p:ph type="title"/>
           </p:nvPr>
@@ -8717,12 +9107,12 @@
           </a:prstGeom>
         </p:spPr>
         <p:txBody>
-          <a:bodyPr anchorCtr="0" anchor="t" bIns="91425" lIns="91425" spcFirstLastPara="1" rIns="91425" wrap="square" tIns="91425">
+          <a:bodyPr spcFirstLastPara="1" wrap="square" lIns="91425" tIns="91425" rIns="91425" bIns="91425" anchor="t" anchorCtr="0">
             <a:normAutofit fontScale="90000"/>
           </a:bodyPr>
           <a:lstStyle/>
           <a:p>
-            <a:pPr indent="0" lvl="0" marL="0" rtl="0" algn="l">
+            <a:pPr marL="0" lvl="0" indent="0" algn="l" rtl="0">
               <a:spcBef>
                 <a:spcPts val="0"/>
               </a:spcBef>
@@ -8733,7 +9123,7 @@
             </a:pPr>
             <a:r>
               <a:rPr lang="en"/>
-              <a:t>Challenges</a:t>
+              <a:t>Index</a:t>
             </a:r>
             <a:endParaRPr/>
           </a:p>
@@ -8741,15 +9131,17 @@
       </p:sp>
       <p:sp>
         <p:nvSpPr>
-          <p:cNvPr id="178" name="Google Shape;178;p31"/>
-          <p:cNvSpPr txBox="1"/>
+          <p:cNvPr id="61" name="Google Shape;61;p14"/>
+          <p:cNvSpPr txBox="1">
+            <a:spLocks noGrp="1"/>
+          </p:cNvSpPr>
           <p:nvPr>
-            <p:ph idx="1" type="body"/>
+            <p:ph type="body" idx="1"/>
           </p:nvPr>
         </p:nvSpPr>
         <p:spPr>
           <a:xfrm>
-            <a:off x="311700" y="1152475"/>
+            <a:off x="187700" y="1131800"/>
             <a:ext cx="8520600" cy="3416400"/>
           </a:xfrm>
           <a:prstGeom prst="rect">
@@ -8757,12 +9149,12 @@
           </a:prstGeom>
         </p:spPr>
         <p:txBody>
-          <a:bodyPr anchorCtr="0" anchor="t" bIns="91425" lIns="91425" spcFirstLastPara="1" rIns="91425" wrap="square" tIns="91425">
+          <a:bodyPr spcFirstLastPara="1" wrap="square" lIns="91425" tIns="91425" rIns="91425" bIns="91425" anchor="t" anchorCtr="0">
             <a:normAutofit/>
           </a:bodyPr>
           <a:lstStyle/>
           <a:p>
-            <a:pPr indent="-342900" lvl="0" marL="457200" rtl="0" algn="l">
+            <a:pPr marL="457200" lvl="0" indent="-342900" algn="l" rtl="0">
               <a:spcBef>
                 <a:spcPts val="0"/>
               </a:spcBef>
@@ -8773,13 +9165,25 @@
               <a:buChar char="●"/>
             </a:pPr>
             <a:r>
-              <a:rPr lang="en"/>
-              <a:t>Data requirements</a:t>
+              <a:rPr lang="en" dirty="0" err="1"/>
+              <a:t>SoundStream</a:t>
             </a:r>
-            <a:endParaRPr/>
-          </a:p>
-          <a:p>
-            <a:pPr indent="-342900" lvl="0" marL="457200" rtl="0" algn="l">
+            <a:r>
+              <a:rPr lang="en" dirty="0"/>
+              <a:t> and </a:t>
+            </a:r>
+            <a:r>
+              <a:rPr lang="en" dirty="0" err="1"/>
+              <a:t>EnCoded</a:t>
+            </a:r>
+            <a:r>
+              <a:rPr lang="en" dirty="0"/>
+              <a:t> systems</a:t>
+            </a:r>
+            <a:endParaRPr dirty="0"/>
+          </a:p>
+          <a:p>
+            <a:pPr marL="457200" lvl="0" indent="-342900" algn="l" rtl="0">
               <a:spcBef>
                 <a:spcPts val="0"/>
               </a:spcBef>
@@ -8790,13 +9194,13 @@
               <a:buChar char="●"/>
             </a:pPr>
             <a:r>
-              <a:rPr lang="en"/>
-              <a:t>Generalization</a:t>
+              <a:rPr lang="en" dirty="0"/>
+              <a:t>Convolutional Neural Networks (CNN)</a:t>
             </a:r>
-            <a:endParaRPr/>
-          </a:p>
-          <a:p>
-            <a:pPr indent="-342900" lvl="0" marL="457200" rtl="0" algn="l">
+            <a:endParaRPr dirty="0"/>
+          </a:p>
+          <a:p>
+            <a:pPr marL="457200" lvl="0" indent="-342900" algn="l" rtl="0">
               <a:spcBef>
                 <a:spcPts val="0"/>
               </a:spcBef>
@@ -8807,10 +9211,27 @@
               <a:buChar char="●"/>
             </a:pPr>
             <a:r>
-              <a:rPr lang="en"/>
-              <a:t>Real-Time Audio Coding</a:t>
+              <a:rPr lang="en" dirty="0"/>
+              <a:t>Convolutional Auto Encoder (CAE)</a:t>
             </a:r>
-            <a:endParaRPr/>
+            <a:endParaRPr dirty="0"/>
+          </a:p>
+          <a:p>
+            <a:pPr marL="457200" lvl="0" indent="-342900" algn="l" rtl="0">
+              <a:spcBef>
+                <a:spcPts val="0"/>
+              </a:spcBef>
+              <a:spcAft>
+                <a:spcPts val="0"/>
+              </a:spcAft>
+              <a:buSzPts val="1800"/>
+              <a:buChar char="●"/>
+            </a:pPr>
+            <a:r>
+              <a:rPr lang="en" dirty="0"/>
+              <a:t>Challenges in Deep Learning for Audio Coding</a:t>
+            </a:r>
+            <a:endParaRPr dirty="0"/>
           </a:p>
         </p:txBody>
       </p:sp>
@@ -8822,12 +9243,12 @@
 </p:sld>
 </file>
 
-<file path=ppt/slides/slide2.xml><?xml version="1.0" encoding="utf-8"?>
-<p:sld xmlns:a="http://schemas.openxmlformats.org/drawingml/2006/main" xmlns:r="http://schemas.openxmlformats.org/officeDocument/2006/relationships" xmlns:mc="http://schemas.openxmlformats.org/markup-compatibility/2006" xmlns:mv="urn:schemas-microsoft-com:mac:vml" xmlns:p="http://schemas.openxmlformats.org/presentationml/2006/main" xmlns:c="http://schemas.openxmlformats.org/drawingml/2006/chart" xmlns:dgm="http://schemas.openxmlformats.org/drawingml/2006/diagram" xmlns:o="urn:schemas-microsoft-com:office:office" xmlns:v="urn:schemas-microsoft-com:vml" xmlns:pvml="urn:schemas-microsoft-com:office:powerpoint" xmlns:com="http://schemas.openxmlformats.org/drawingml/2006/compatibility" xmlns:p14="http://schemas.microsoft.com/office/powerpoint/2010/main" xmlns:p15="http://schemas.microsoft.com/office/powerpoint/2012/main" xmlns:ahyp="http://schemas.microsoft.com/office/drawing/2018/hyperlinkcolor">
+<file path=ppt/slides/slide20.xml><?xml version="1.0" encoding="utf-8"?>
+<p:sld xmlns:a="http://schemas.openxmlformats.org/drawingml/2006/main" xmlns:r="http://schemas.openxmlformats.org/officeDocument/2006/relationships" xmlns:p="http://schemas.openxmlformats.org/presentationml/2006/main">
   <p:cSld>
     <p:spTree>
       <p:nvGrpSpPr>
-        <p:cNvPr id="59" name="Shape 59"/>
+        <p:cNvPr id="1" name="Shape 176"/>
         <p:cNvGrpSpPr/>
         <p:nvPr/>
       </p:nvGrpSpPr>
@@ -8841,8 +9262,10 @@
       </p:grpSpPr>
       <p:sp>
         <p:nvSpPr>
-          <p:cNvPr id="60" name="Google Shape;60;p14"/>
-          <p:cNvSpPr txBox="1"/>
+          <p:cNvPr id="177" name="Google Shape;177;p31"/>
+          <p:cNvSpPr txBox="1">
+            <a:spLocks noGrp="1"/>
+          </p:cNvSpPr>
           <p:nvPr>
             <p:ph type="title"/>
           </p:nvPr>
@@ -8857,12 +9280,12 @@
           </a:prstGeom>
         </p:spPr>
         <p:txBody>
-          <a:bodyPr anchorCtr="0" anchor="t" bIns="91425" lIns="91425" spcFirstLastPara="1" rIns="91425" wrap="square" tIns="91425">
+          <a:bodyPr spcFirstLastPara="1" wrap="square" lIns="91425" tIns="91425" rIns="91425" bIns="91425" anchor="t" anchorCtr="0">
             <a:normAutofit fontScale="90000"/>
           </a:bodyPr>
           <a:lstStyle/>
           <a:p>
-            <a:pPr indent="0" lvl="0" marL="0" rtl="0" algn="l">
+            <a:pPr marL="0" lvl="0" indent="0" algn="l" rtl="0">
               <a:spcBef>
                 <a:spcPts val="0"/>
               </a:spcBef>
@@ -8873,7 +9296,7 @@
             </a:pPr>
             <a:r>
               <a:rPr lang="en"/>
-              <a:t>Index</a:t>
+              <a:t>Challenges</a:t>
             </a:r>
             <a:endParaRPr/>
           </a:p>
@@ -8881,15 +9304,17 @@
       </p:sp>
       <p:sp>
         <p:nvSpPr>
-          <p:cNvPr id="61" name="Google Shape;61;p14"/>
-          <p:cNvSpPr txBox="1"/>
+          <p:cNvPr id="178" name="Google Shape;178;p31"/>
+          <p:cNvSpPr txBox="1">
+            <a:spLocks noGrp="1"/>
+          </p:cNvSpPr>
           <p:nvPr>
-            <p:ph idx="1" type="body"/>
+            <p:ph type="body" idx="1"/>
           </p:nvPr>
         </p:nvSpPr>
         <p:spPr>
           <a:xfrm>
-            <a:off x="187700" y="1131800"/>
+            <a:off x="311700" y="1152475"/>
             <a:ext cx="8520600" cy="3416400"/>
           </a:xfrm>
           <a:prstGeom prst="rect">
@@ -8897,12 +9322,12 @@
           </a:prstGeom>
         </p:spPr>
         <p:txBody>
-          <a:bodyPr anchorCtr="0" anchor="t" bIns="91425" lIns="91425" spcFirstLastPara="1" rIns="91425" wrap="square" tIns="91425">
+          <a:bodyPr spcFirstLastPara="1" wrap="square" lIns="91425" tIns="91425" rIns="91425" bIns="91425" anchor="t" anchorCtr="0">
             <a:normAutofit/>
           </a:bodyPr>
           <a:lstStyle/>
           <a:p>
-            <a:pPr indent="-342900" lvl="0" marL="457200" rtl="0" algn="l">
+            <a:pPr marL="457200" lvl="0" indent="-342900" algn="l" rtl="0">
               <a:spcBef>
                 <a:spcPts val="0"/>
               </a:spcBef>
@@ -8914,12 +9339,12 @@
             </a:pPr>
             <a:r>
               <a:rPr lang="en"/>
-              <a:t>The EnCoded system</a:t>
+              <a:t>Data requirements</a:t>
             </a:r>
             <a:endParaRPr/>
           </a:p>
           <a:p>
-            <a:pPr indent="-342900" lvl="0" marL="457200" rtl="0" algn="l">
+            <a:pPr marL="457200" lvl="0" indent="-342900" algn="l" rtl="0">
               <a:spcBef>
                 <a:spcPts val="0"/>
               </a:spcBef>
@@ -8931,12 +9356,12 @@
             </a:pPr>
             <a:r>
               <a:rPr lang="en"/>
-              <a:t>Convolutional Neural Networks (CNN)</a:t>
+              <a:t>Generalization</a:t>
             </a:r>
             <a:endParaRPr/>
           </a:p>
           <a:p>
-            <a:pPr indent="-342900" lvl="0" marL="457200" rtl="0" algn="l">
+            <a:pPr marL="457200" lvl="0" indent="-342900" algn="l" rtl="0">
               <a:spcBef>
                 <a:spcPts val="0"/>
               </a:spcBef>
@@ -8948,24 +9373,7 @@
             </a:pPr>
             <a:r>
               <a:rPr lang="en"/>
-              <a:t>Convolutional Auto Encoder (CAE)</a:t>
-            </a:r>
-            <a:endParaRPr/>
-          </a:p>
-          <a:p>
-            <a:pPr indent="-342900" lvl="0" marL="457200" rtl="0" algn="l">
-              <a:spcBef>
-                <a:spcPts val="0"/>
-              </a:spcBef>
-              <a:spcAft>
-                <a:spcPts val="0"/>
-              </a:spcAft>
-              <a:buSzPts val="1800"/>
-              <a:buChar char="●"/>
-            </a:pPr>
-            <a:r>
-              <a:rPr lang="en"/>
-              <a:t>Challenges in Deep Learning for Audio Coding</a:t>
+              <a:t>Real-Time Audio Coding</a:t>
             </a:r>
             <a:endParaRPr/>
           </a:p>
@@ -8980,11 +9388,11 @@
 </file>
 
 <file path=ppt/slides/slide3.xml><?xml version="1.0" encoding="utf-8"?>
-<p:sld xmlns:a="http://schemas.openxmlformats.org/drawingml/2006/main" xmlns:r="http://schemas.openxmlformats.org/officeDocument/2006/relationships" xmlns:mc="http://schemas.openxmlformats.org/markup-compatibility/2006" xmlns:mv="urn:schemas-microsoft-com:mac:vml" xmlns:p="http://schemas.openxmlformats.org/presentationml/2006/main" xmlns:c="http://schemas.openxmlformats.org/drawingml/2006/chart" xmlns:dgm="http://schemas.openxmlformats.org/drawingml/2006/diagram" xmlns:o="urn:schemas-microsoft-com:office:office" xmlns:v="urn:schemas-microsoft-com:vml" xmlns:pvml="urn:schemas-microsoft-com:office:powerpoint" xmlns:com="http://schemas.openxmlformats.org/drawingml/2006/compatibility" xmlns:p14="http://schemas.microsoft.com/office/powerpoint/2010/main" xmlns:p15="http://schemas.microsoft.com/office/powerpoint/2012/main" xmlns:ahyp="http://schemas.microsoft.com/office/drawing/2018/hyperlinkcolor">
+<p:sld xmlns:a="http://schemas.openxmlformats.org/drawingml/2006/main" xmlns:r="http://schemas.openxmlformats.org/officeDocument/2006/relationships" xmlns:p="http://schemas.openxmlformats.org/presentationml/2006/main">
   <p:cSld>
     <p:spTree>
       <p:nvGrpSpPr>
-        <p:cNvPr id="65" name="Shape 65"/>
+        <p:cNvPr id="1" name=""/>
         <p:cNvGrpSpPr/>
         <p:nvPr/>
       </p:nvGrpSpPr>
@@ -8998,28 +9406,174 @@
       </p:grpSpPr>
       <p:sp>
         <p:nvSpPr>
-          <p:cNvPr id="66" name="Google Shape;66;p15"/>
-          <p:cNvSpPr txBox="1"/>
+          <p:cNvPr id="2" name="Title 1">
+            <a:extLst>
+              <a:ext uri="{FF2B5EF4-FFF2-40B4-BE49-F238E27FC236}">
+                <a16:creationId xmlns:a16="http://schemas.microsoft.com/office/drawing/2014/main" id="{1B4F2986-0C51-ED08-00FE-960C6B262334}"/>
+              </a:ext>
+            </a:extLst>
+          </p:cNvPr>
+          <p:cNvSpPr>
+            <a:spLocks noGrp="1"/>
+          </p:cNvSpPr>
           <p:nvPr>
             <p:ph type="title"/>
           </p:nvPr>
         </p:nvSpPr>
         <p:spPr>
           <a:xfrm>
-            <a:off x="311700" y="216425"/>
+            <a:off x="311700" y="243857"/>
             <a:ext cx="8520600" cy="572700"/>
           </a:xfrm>
-          <a:prstGeom prst="rect">
-            <a:avLst/>
-          </a:prstGeom>
         </p:spPr>
         <p:txBody>
-          <a:bodyPr anchorCtr="0" anchor="t" bIns="91425" lIns="91425" spcFirstLastPara="1" rIns="91425" wrap="square" tIns="91425">
+          <a:bodyPr>
             <a:normAutofit fontScale="90000"/>
           </a:bodyPr>
           <a:lstStyle/>
           <a:p>
-            <a:pPr indent="0" lvl="0" marL="0" rtl="0" algn="l">
+            <a:r>
+              <a:rPr lang="en-US" dirty="0" err="1"/>
+              <a:t>SoundStream</a:t>
+            </a:r>
+            <a:endParaRPr lang="en-US" dirty="0"/>
+          </a:p>
+        </p:txBody>
+      </p:sp>
+      <p:pic>
+        <p:nvPicPr>
+          <p:cNvPr id="5" name="Picture 4" descr="A screenshot of a computer&#10;&#10;Description automatically generated">
+            <a:extLst>
+              <a:ext uri="{FF2B5EF4-FFF2-40B4-BE49-F238E27FC236}">
+                <a16:creationId xmlns:a16="http://schemas.microsoft.com/office/drawing/2014/main" id="{C9B50DEF-A48D-C963-778F-152408BF80B4}"/>
+              </a:ext>
+            </a:extLst>
+          </p:cNvPr>
+          <p:cNvPicPr>
+            <a:picLocks noChangeAspect="1"/>
+          </p:cNvPicPr>
+          <p:nvPr/>
+        </p:nvPicPr>
+        <p:blipFill>
+          <a:blip r:embed="rId2"/>
+          <a:stretch>
+            <a:fillRect/>
+          </a:stretch>
+        </p:blipFill>
+        <p:spPr>
+          <a:xfrm>
+            <a:off x="532737" y="963955"/>
+            <a:ext cx="7772400" cy="2508865"/>
+          </a:xfrm>
+          <a:prstGeom prst="rect">
+            <a:avLst/>
+          </a:prstGeom>
+        </p:spPr>
+      </p:pic>
+      <p:sp>
+        <p:nvSpPr>
+          <p:cNvPr id="6" name="Google Shape;89;p17">
+            <a:extLst>
+              <a:ext uri="{FF2B5EF4-FFF2-40B4-BE49-F238E27FC236}">
+                <a16:creationId xmlns:a16="http://schemas.microsoft.com/office/drawing/2014/main" id="{F83BD961-774E-7A5A-19C7-B7D2894EEB84}"/>
+              </a:ext>
+            </a:extLst>
+          </p:cNvPr>
+          <p:cNvSpPr txBox="1">
+            <a:spLocks noGrp="1"/>
+          </p:cNvSpPr>
+          <p:nvPr>
+            <p:ph type="body" idx="1"/>
+          </p:nvPr>
+        </p:nvSpPr>
+        <p:spPr>
+          <a:xfrm>
+            <a:off x="421419" y="3803114"/>
+            <a:ext cx="8410881" cy="1096529"/>
+          </a:xfrm>
+          <a:prstGeom prst="rect">
+            <a:avLst/>
+          </a:prstGeom>
+        </p:spPr>
+        <p:txBody>
+          <a:bodyPr spcFirstLastPara="1" wrap="square" lIns="91425" tIns="91425" rIns="91425" bIns="91425" anchor="t" anchorCtr="0">
+            <a:normAutofit fontScale="85000" lnSpcReduction="10000"/>
+          </a:bodyPr>
+          <a:lstStyle/>
+          <a:p>
+            <a:pPr marL="114300" lvl="0" indent="0" algn="l" rtl="0">
+              <a:spcBef>
+                <a:spcPts val="0"/>
+              </a:spcBef>
+              <a:spcAft>
+                <a:spcPts val="0"/>
+              </a:spcAft>
+              <a:buSzPts val="1800"/>
+              <a:buNone/>
+            </a:pPr>
+            <a:r>
+              <a:rPr lang="en-GB" noProof="0" dirty="0"/>
+              <a:t>A convolutional encoder produces a latent representation of the input audio simples, which is quantized using a variable number of residual vector quantizers (RVQ). During training, the model parameters are optimized using a combination or reconstruction and adversarial losses.</a:t>
+            </a:r>
+          </a:p>
+        </p:txBody>
+      </p:sp>
+    </p:spTree>
+    <p:extLst>
+      <p:ext uri="{BB962C8B-B14F-4D97-AF65-F5344CB8AC3E}">
+        <p14:creationId xmlns:p14="http://schemas.microsoft.com/office/powerpoint/2010/main" val="196263347"/>
+      </p:ext>
+    </p:extLst>
+  </p:cSld>
+  <p:clrMapOvr>
+    <a:masterClrMapping/>
+  </p:clrMapOvr>
+</p:sld>
+</file>
+
+<file path=ppt/slides/slide4.xml><?xml version="1.0" encoding="utf-8"?>
+<p:sld xmlns:a="http://schemas.openxmlformats.org/drawingml/2006/main" xmlns:r="http://schemas.openxmlformats.org/officeDocument/2006/relationships" xmlns:p="http://schemas.openxmlformats.org/presentationml/2006/main">
+  <p:cSld>
+    <p:spTree>
+      <p:nvGrpSpPr>
+        <p:cNvPr id="1" name="Shape 65"/>
+        <p:cNvGrpSpPr/>
+        <p:nvPr/>
+      </p:nvGrpSpPr>
+      <p:grpSpPr>
+        <a:xfrm>
+          <a:off x="0" y="0"/>
+          <a:ext cx="0" cy="0"/>
+          <a:chOff x="0" y="0"/>
+          <a:chExt cx="0" cy="0"/>
+        </a:xfrm>
+      </p:grpSpPr>
+      <p:sp>
+        <p:nvSpPr>
+          <p:cNvPr id="66" name="Google Shape;66;p15"/>
+          <p:cNvSpPr txBox="1">
+            <a:spLocks noGrp="1"/>
+          </p:cNvSpPr>
+          <p:nvPr>
+            <p:ph type="title"/>
+          </p:nvPr>
+        </p:nvSpPr>
+        <p:spPr>
+          <a:xfrm>
+            <a:off x="311700" y="216425"/>
+            <a:ext cx="8520600" cy="572700"/>
+          </a:xfrm>
+          <a:prstGeom prst="rect">
+            <a:avLst/>
+          </a:prstGeom>
+        </p:spPr>
+        <p:txBody>
+          <a:bodyPr spcFirstLastPara="1" wrap="square" lIns="91425" tIns="91425" rIns="91425" bIns="91425" anchor="t" anchorCtr="0">
+            <a:normAutofit fontScale="90000"/>
+          </a:bodyPr>
+          <a:lstStyle/>
+          <a:p>
+            <a:pPr marL="0" lvl="0" indent="0" algn="l" rtl="0">
               <a:spcBef>
                 <a:spcPts val="0"/>
               </a:spcBef>
@@ -9077,29 +9631,29 @@
           </a:xfrm>
           <a:prstGeom prst="roundRect">
             <a:avLst>
-              <a:gd fmla="val 16667" name="adj"/>
+              <a:gd name="adj" fmla="val 16667"/>
             </a:avLst>
           </a:prstGeom>
           <a:solidFill>
             <a:srgbClr val="B6D7A8"/>
           </a:solidFill>
-          <a:ln cap="flat" cmpd="sng" w="9525">
+          <a:ln w="9525" cap="flat" cmpd="sng">
             <a:solidFill>
               <a:srgbClr val="1A1A1A"/>
             </a:solidFill>
             <a:prstDash val="solid"/>
             <a:round/>
-            <a:headEnd len="sm" w="sm" type="none"/>
-            <a:tailEnd len="sm" w="sm" type="none"/>
+            <a:headEnd type="none" w="sm" len="sm"/>
+            <a:tailEnd type="none" w="sm" len="sm"/>
           </a:ln>
         </p:spPr>
         <p:txBody>
-          <a:bodyPr anchorCtr="0" anchor="ctr" bIns="91425" lIns="91425" spcFirstLastPara="1" rIns="91425" wrap="square" tIns="91425">
+          <a:bodyPr spcFirstLastPara="1" wrap="square" lIns="91425" tIns="91425" rIns="91425" bIns="91425" anchor="ctr" anchorCtr="0">
             <a:noAutofit/>
           </a:bodyPr>
           <a:lstStyle/>
           <a:p>
-            <a:pPr indent="0" lvl="0" marL="0" rtl="0" algn="ctr">
+            <a:pPr marL="0" lvl="0" indent="0" algn="ctr" rtl="0">
               <a:lnSpc>
                 <a:spcPct val="115000"/>
               </a:lnSpc>
@@ -9111,10 +9665,7 @@
               </a:spcAft>
               <a:buNone/>
             </a:pPr>
-            <a:r>
-              <a:t/>
-            </a:r>
-            <a:endParaRPr b="1" sz="800">
+            <a:endParaRPr sz="800" b="1">
               <a:latin typeface="Raleway"/>
               <a:ea typeface="Raleway"/>
               <a:cs typeface="Raleway"/>
@@ -9122,7 +9673,7 @@
             </a:endParaRPr>
           </a:p>
           <a:p>
-            <a:pPr indent="0" lvl="0" marL="0" rtl="0" algn="ctr">
+            <a:pPr marL="0" lvl="0" indent="0" algn="ctr" rtl="0">
               <a:lnSpc>
                 <a:spcPct val="115000"/>
               </a:lnSpc>
@@ -9135,7 +9686,7 @@
               <a:buNone/>
             </a:pPr>
             <a:r>
-              <a:rPr b="1" lang="en" sz="800">
+              <a:rPr lang="en" sz="800" b="1">
                 <a:latin typeface="Raleway"/>
                 <a:ea typeface="Raleway"/>
                 <a:cs typeface="Raleway"/>
@@ -9146,7 +9697,7 @@
             <a:endParaRPr/>
           </a:p>
           <a:p>
-            <a:pPr indent="0" lvl="0" marL="0" rtl="0" algn="l">
+            <a:pPr marL="0" lvl="0" indent="0" algn="l" rtl="0">
               <a:spcBef>
                 <a:spcPts val="0"/>
               </a:spcBef>
@@ -9155,9 +9706,6 @@
               </a:spcAft>
               <a:buNone/>
             </a:pPr>
-            <a:r>
-              <a:t/>
-            </a:r>
             <a:endParaRPr/>
           </a:p>
         </p:txBody>
@@ -9179,14 +9727,14 @@
             <a:avLst/>
           </a:prstGeom>
           <a:noFill/>
-          <a:ln cap="flat" cmpd="sng" w="9525">
+          <a:ln w="9525" cap="flat" cmpd="sng">
             <a:solidFill>
               <a:srgbClr val="1A1A1A"/>
             </a:solidFill>
             <a:prstDash val="solid"/>
             <a:round/>
-            <a:headEnd len="med" w="med" type="none"/>
-            <a:tailEnd len="med" w="med" type="triangle"/>
+            <a:headEnd type="none" w="med" len="med"/>
+            <a:tailEnd type="triangle" w="med" len="med"/>
           </a:ln>
         </p:spPr>
       </p:cxnSp>
@@ -9203,29 +9751,29 @@
           </a:xfrm>
           <a:prstGeom prst="roundRect">
             <a:avLst>
-              <a:gd fmla="val 16667" name="adj"/>
+              <a:gd name="adj" fmla="val 16667"/>
             </a:avLst>
           </a:prstGeom>
           <a:solidFill>
             <a:srgbClr val="B6D7A8"/>
           </a:solidFill>
-          <a:ln cap="flat" cmpd="sng" w="9525">
+          <a:ln w="9525" cap="flat" cmpd="sng">
             <a:solidFill>
               <a:srgbClr val="1A1A1A"/>
             </a:solidFill>
             <a:prstDash val="solid"/>
             <a:round/>
-            <a:headEnd len="sm" w="sm" type="none"/>
-            <a:tailEnd len="sm" w="sm" type="none"/>
+            <a:headEnd type="none" w="sm" len="sm"/>
+            <a:tailEnd type="none" w="sm" len="sm"/>
           </a:ln>
         </p:spPr>
         <p:txBody>
-          <a:bodyPr anchorCtr="0" anchor="ctr" bIns="91425" lIns="91425" spcFirstLastPara="1" rIns="91425" wrap="square" tIns="91425">
+          <a:bodyPr spcFirstLastPara="1" wrap="square" lIns="91425" tIns="91425" rIns="91425" bIns="91425" anchor="ctr" anchorCtr="0">
             <a:noAutofit/>
           </a:bodyPr>
           <a:lstStyle/>
           <a:p>
-            <a:pPr indent="0" lvl="0" marL="0" rtl="0" algn="ctr">
+            <a:pPr marL="0" lvl="0" indent="0" algn="ctr" rtl="0">
               <a:lnSpc>
                 <a:spcPct val="115000"/>
               </a:lnSpc>
@@ -9237,10 +9785,7 @@
               </a:spcAft>
               <a:buNone/>
             </a:pPr>
-            <a:r>
-              <a:t/>
-            </a:r>
-            <a:endParaRPr b="1" sz="800">
+            <a:endParaRPr sz="800" b="1">
               <a:latin typeface="Raleway"/>
               <a:ea typeface="Raleway"/>
               <a:cs typeface="Raleway"/>
@@ -9248,7 +9793,7 @@
             </a:endParaRPr>
           </a:p>
           <a:p>
-            <a:pPr indent="0" lvl="0" marL="0" rtl="0" algn="ctr">
+            <a:pPr marL="0" lvl="0" indent="0" algn="ctr" rtl="0">
               <a:lnSpc>
                 <a:spcPct val="115000"/>
               </a:lnSpc>
@@ -9261,7 +9806,7 @@
               <a:buNone/>
             </a:pPr>
             <a:r>
-              <a:rPr b="1" lang="en" sz="800">
+              <a:rPr lang="en" sz="800" b="1">
                 <a:latin typeface="Raleway"/>
                 <a:ea typeface="Raleway"/>
                 <a:cs typeface="Raleway"/>
@@ -9272,7 +9817,7 @@
             <a:endParaRPr/>
           </a:p>
           <a:p>
-            <a:pPr indent="0" lvl="0" marL="0" rtl="0" algn="l">
+            <a:pPr marL="0" lvl="0" indent="0" algn="l" rtl="0">
               <a:spcBef>
                 <a:spcPts val="0"/>
               </a:spcBef>
@@ -9281,9 +9826,6 @@
               </a:spcAft>
               <a:buNone/>
             </a:pPr>
-            <a:r>
-              <a:t/>
-            </a:r>
             <a:endParaRPr/>
           </a:p>
         </p:txBody>
@@ -9305,14 +9847,14 @@
             <a:avLst/>
           </a:prstGeom>
           <a:noFill/>
-          <a:ln cap="flat" cmpd="sng" w="9525">
+          <a:ln w="9525" cap="flat" cmpd="sng">
             <a:solidFill>
               <a:srgbClr val="1A1A1A"/>
             </a:solidFill>
             <a:prstDash val="solid"/>
             <a:round/>
-            <a:headEnd len="med" w="med" type="none"/>
-            <a:tailEnd len="med" w="med" type="triangle"/>
+            <a:headEnd type="none" w="med" len="med"/>
+            <a:tailEnd type="triangle" w="med" len="med"/>
           </a:ln>
         </p:spPr>
       </p:cxnSp>
@@ -9329,29 +9871,29 @@
           </a:xfrm>
           <a:prstGeom prst="roundRect">
             <a:avLst>
-              <a:gd fmla="val 16667" name="adj"/>
+              <a:gd name="adj" fmla="val 16667"/>
             </a:avLst>
           </a:prstGeom>
           <a:solidFill>
             <a:srgbClr val="00FF00"/>
           </a:solidFill>
-          <a:ln cap="flat" cmpd="sng" w="9525">
+          <a:ln w="9525" cap="flat" cmpd="sng">
             <a:solidFill>
               <a:srgbClr val="1A1A1A"/>
             </a:solidFill>
             <a:prstDash val="solid"/>
             <a:round/>
-            <a:headEnd len="sm" w="sm" type="none"/>
-            <a:tailEnd len="sm" w="sm" type="none"/>
+            <a:headEnd type="none" w="sm" len="sm"/>
+            <a:tailEnd type="none" w="sm" len="sm"/>
           </a:ln>
         </p:spPr>
         <p:txBody>
-          <a:bodyPr anchorCtr="0" anchor="ctr" bIns="91425" lIns="91425" spcFirstLastPara="1" rIns="91425" wrap="square" tIns="91425">
+          <a:bodyPr spcFirstLastPara="1" wrap="square" lIns="91425" tIns="91425" rIns="91425" bIns="91425" anchor="ctr" anchorCtr="0">
             <a:noAutofit/>
           </a:bodyPr>
           <a:lstStyle/>
           <a:p>
-            <a:pPr indent="0" lvl="0" marL="0" rtl="0" algn="ctr">
+            <a:pPr marL="0" lvl="0" indent="0" algn="ctr" rtl="0">
               <a:lnSpc>
                 <a:spcPct val="115000"/>
               </a:lnSpc>
@@ -9363,10 +9905,7 @@
               </a:spcAft>
               <a:buNone/>
             </a:pPr>
-            <a:r>
-              <a:t/>
-            </a:r>
-            <a:endParaRPr b="1" sz="800">
+            <a:endParaRPr sz="800" b="1">
               <a:latin typeface="Raleway"/>
               <a:ea typeface="Raleway"/>
               <a:cs typeface="Raleway"/>
@@ -9374,7 +9913,7 @@
             </a:endParaRPr>
           </a:p>
           <a:p>
-            <a:pPr indent="0" lvl="0" marL="0" rtl="0" algn="ctr">
+            <a:pPr marL="0" lvl="0" indent="0" algn="ctr" rtl="0">
               <a:lnSpc>
                 <a:spcPct val="115000"/>
               </a:lnSpc>
@@ -9387,7 +9926,7 @@
               <a:buNone/>
             </a:pPr>
             <a:r>
-              <a:rPr b="1" lang="en" sz="800">
+              <a:rPr lang="en" sz="800" b="1">
                 <a:latin typeface="Raleway"/>
                 <a:ea typeface="Raleway"/>
                 <a:cs typeface="Raleway"/>
@@ -9398,7 +9937,7 @@
             <a:endParaRPr/>
           </a:p>
           <a:p>
-            <a:pPr indent="0" lvl="0" marL="0" rtl="0" algn="l">
+            <a:pPr marL="0" lvl="0" indent="0" algn="l" rtl="0">
               <a:spcBef>
                 <a:spcPts val="0"/>
               </a:spcBef>
@@ -9407,9 +9946,6 @@
               </a:spcAft>
               <a:buNone/>
             </a:pPr>
-            <a:r>
-              <a:t/>
-            </a:r>
             <a:endParaRPr/>
           </a:p>
         </p:txBody>
@@ -9431,14 +9967,14 @@
             <a:avLst/>
           </a:prstGeom>
           <a:noFill/>
-          <a:ln cap="flat" cmpd="sng" w="9525">
+          <a:ln w="9525" cap="flat" cmpd="sng">
             <a:solidFill>
               <a:srgbClr val="1A1A1A"/>
             </a:solidFill>
             <a:prstDash val="solid"/>
             <a:round/>
-            <a:headEnd len="med" w="med" type="none"/>
-            <a:tailEnd len="med" w="med" type="triangle"/>
+            <a:headEnd type="none" w="med" len="med"/>
+            <a:tailEnd type="triangle" w="med" len="med"/>
           </a:ln>
         </p:spPr>
       </p:cxnSp>
@@ -9461,23 +9997,23 @@
               <a:alpha val="28930"/>
             </a:srgbClr>
           </a:solidFill>
-          <a:ln cap="flat" cmpd="sng" w="9525">
+          <a:ln w="9525" cap="flat" cmpd="sng">
             <a:solidFill>
               <a:srgbClr val="1A1A1A"/>
             </a:solidFill>
             <a:prstDash val="solid"/>
             <a:round/>
-            <a:headEnd len="sm" w="sm" type="none"/>
-            <a:tailEnd len="sm" w="sm" type="none"/>
+            <a:headEnd type="none" w="sm" len="sm"/>
+            <a:tailEnd type="none" w="sm" len="sm"/>
           </a:ln>
         </p:spPr>
         <p:txBody>
-          <a:bodyPr anchorCtr="0" anchor="ctr" bIns="91425" lIns="91425" spcFirstLastPara="1" rIns="91425" wrap="square" tIns="91425">
+          <a:bodyPr spcFirstLastPara="1" wrap="square" lIns="91425" tIns="91425" rIns="91425" bIns="91425" anchor="ctr" anchorCtr="0">
             <a:noAutofit/>
           </a:bodyPr>
           <a:lstStyle/>
           <a:p>
-            <a:pPr indent="0" lvl="0" marL="0" rtl="0" algn="l">
+            <a:pPr marL="0" lvl="0" indent="0" algn="l" rtl="0">
               <a:spcBef>
                 <a:spcPts val="0"/>
               </a:spcBef>
@@ -9486,9 +10022,6 @@
               </a:spcAft>
               <a:buNone/>
             </a:pPr>
-            <a:r>
-              <a:t/>
-            </a:r>
             <a:endParaRPr/>
           </a:p>
         </p:txBody>
@@ -9502,7 +10035,7 @@
           <p:nvPr/>
         </p:nvCxnSpPr>
         <p:spPr>
-          <a:xfrm flipH="1" rot="10800000">
+          <a:xfrm rot="10800000" flipH="1">
             <a:off x="4711111" y="1003977"/>
             <a:ext cx="833400" cy="1314000"/>
           </a:xfrm>
@@ -9510,14 +10043,14 @@
             <a:avLst/>
           </a:prstGeom>
           <a:noFill/>
-          <a:ln cap="flat" cmpd="sng" w="9525">
+          <a:ln w="9525" cap="flat" cmpd="sng">
             <a:solidFill>
               <a:srgbClr val="1A1A1A"/>
             </a:solidFill>
             <a:prstDash val="solid"/>
             <a:round/>
-            <a:headEnd len="med" w="med" type="none"/>
-            <a:tailEnd len="med" w="med" type="triangle"/>
+            <a:headEnd type="none" w="med" len="med"/>
+            <a:tailEnd type="triangle" w="med" len="med"/>
           </a:ln>
         </p:spPr>
       </p:cxnSp>
@@ -9534,7 +10067,7 @@
           </a:xfrm>
           <a:prstGeom prst="roundRect">
             <a:avLst>
-              <a:gd fmla="val 16667" name="adj"/>
+              <a:gd name="adj" fmla="val 16667"/>
             </a:avLst>
           </a:prstGeom>
           <a:solidFill>
@@ -9542,23 +10075,23 @@
               <a:alpha val="28930"/>
             </a:srgbClr>
           </a:solidFill>
-          <a:ln cap="flat" cmpd="sng" w="9525">
+          <a:ln w="9525" cap="flat" cmpd="sng">
             <a:solidFill>
               <a:srgbClr val="1A1A1A"/>
             </a:solidFill>
             <a:prstDash val="solid"/>
             <a:round/>
-            <a:headEnd len="sm" w="sm" type="none"/>
-            <a:tailEnd len="sm" w="sm" type="none"/>
+            <a:headEnd type="none" w="sm" len="sm"/>
+            <a:tailEnd type="none" w="sm" len="sm"/>
           </a:ln>
         </p:spPr>
         <p:txBody>
-          <a:bodyPr anchorCtr="0" anchor="ctr" bIns="91425" lIns="91425" spcFirstLastPara="1" rIns="91425" wrap="square" tIns="91425">
+          <a:bodyPr spcFirstLastPara="1" wrap="square" lIns="91425" tIns="91425" rIns="91425" bIns="91425" anchor="ctr" anchorCtr="0">
             <a:noAutofit/>
           </a:bodyPr>
           <a:lstStyle/>
           <a:p>
-            <a:pPr indent="0" lvl="0" marL="0" rtl="0" algn="ctr">
+            <a:pPr marL="0" lvl="0" indent="0" algn="ctr" rtl="0">
               <a:lnSpc>
                 <a:spcPct val="115000"/>
               </a:lnSpc>
@@ -9570,10 +10103,7 @@
               </a:spcAft>
               <a:buNone/>
             </a:pPr>
-            <a:r>
-              <a:t/>
-            </a:r>
-            <a:endParaRPr b="1" sz="800">
+            <a:endParaRPr sz="800" b="1">
               <a:latin typeface="Raleway"/>
               <a:ea typeface="Raleway"/>
               <a:cs typeface="Raleway"/>
@@ -9581,7 +10111,7 @@
             </a:endParaRPr>
           </a:p>
           <a:p>
-            <a:pPr indent="0" lvl="0" marL="0" rtl="0" algn="ctr">
+            <a:pPr marL="0" lvl="0" indent="0" algn="ctr" rtl="0">
               <a:lnSpc>
                 <a:spcPct val="115000"/>
               </a:lnSpc>
@@ -9594,7 +10124,7 @@
               <a:buNone/>
             </a:pPr>
             <a:r>
-              <a:rPr b="1" lang="en" sz="800">
+              <a:rPr lang="en" sz="800" b="1">
                 <a:latin typeface="Raleway"/>
                 <a:ea typeface="Raleway"/>
                 <a:cs typeface="Raleway"/>
@@ -9605,7 +10135,7 @@
             <a:endParaRPr/>
           </a:p>
           <a:p>
-            <a:pPr indent="0" lvl="0" marL="0" rtl="0" algn="l">
+            <a:pPr marL="0" lvl="0" indent="0" algn="l" rtl="0">
               <a:spcBef>
                 <a:spcPts val="0"/>
               </a:spcBef>
@@ -9614,9 +10144,6 @@
               </a:spcAft>
               <a:buNone/>
             </a:pPr>
-            <a:r>
-              <a:t/>
-            </a:r>
             <a:endParaRPr/>
           </a:p>
         </p:txBody>
@@ -9641,12 +10168,12 @@
           </a:ln>
         </p:spPr>
         <p:txBody>
-          <a:bodyPr anchorCtr="0" anchor="t" bIns="91425" lIns="91425" spcFirstLastPara="1" rIns="91425" wrap="square" tIns="91425">
+          <a:bodyPr spcFirstLastPara="1" wrap="square" lIns="91425" tIns="91425" rIns="91425" bIns="91425" anchor="t" anchorCtr="0">
             <a:spAutoFit/>
           </a:bodyPr>
           <a:lstStyle/>
           <a:p>
-            <a:pPr indent="0" lvl="0" marL="0" rtl="0" algn="l">
+            <a:pPr marL="0" lvl="0" indent="0" algn="l" rtl="0">
               <a:spcBef>
                 <a:spcPts val="0"/>
               </a:spcBef>
@@ -9655,9 +10182,6 @@
               </a:spcAft>
               <a:buNone/>
             </a:pPr>
-            <a:r>
-              <a:t/>
-            </a:r>
             <a:endParaRPr>
               <a:latin typeface="Lato"/>
               <a:ea typeface="Lato"/>
@@ -9675,12 +10199,12 @@
 </p:sld>
 </file>
 
-<file path=ppt/slides/slide4.xml><?xml version="1.0" encoding="utf-8"?>
-<p:sld xmlns:a="http://schemas.openxmlformats.org/drawingml/2006/main" xmlns:r="http://schemas.openxmlformats.org/officeDocument/2006/relationships" xmlns:mc="http://schemas.openxmlformats.org/markup-compatibility/2006" xmlns:mv="urn:schemas-microsoft-com:mac:vml" xmlns:p="http://schemas.openxmlformats.org/presentationml/2006/main" xmlns:c="http://schemas.openxmlformats.org/drawingml/2006/chart" xmlns:dgm="http://schemas.openxmlformats.org/drawingml/2006/diagram" xmlns:o="urn:schemas-microsoft-com:office:office" xmlns:v="urn:schemas-microsoft-com:vml" xmlns:pvml="urn:schemas-microsoft-com:office:powerpoint" xmlns:com="http://schemas.openxmlformats.org/drawingml/2006/compatibility" xmlns:p14="http://schemas.microsoft.com/office/powerpoint/2010/main" xmlns:p15="http://schemas.microsoft.com/office/powerpoint/2012/main" xmlns:ahyp="http://schemas.microsoft.com/office/drawing/2018/hyperlinkcolor">
+<file path=ppt/slides/slide5.xml><?xml version="1.0" encoding="utf-8"?>
+<p:sld xmlns:a="http://schemas.openxmlformats.org/drawingml/2006/main" xmlns:r="http://schemas.openxmlformats.org/officeDocument/2006/relationships" xmlns:p="http://schemas.openxmlformats.org/presentationml/2006/main">
   <p:cSld>
     <p:spTree>
       <p:nvGrpSpPr>
-        <p:cNvPr id="81" name="Shape 81"/>
+        <p:cNvPr id="1" name="Shape 81"/>
         <p:cNvGrpSpPr/>
         <p:nvPr/>
       </p:nvGrpSpPr>
@@ -9695,7 +10219,9 @@
       <p:sp>
         <p:nvSpPr>
           <p:cNvPr id="82" name="Google Shape;82;p16"/>
-          <p:cNvSpPr txBox="1"/>
+          <p:cNvSpPr txBox="1">
+            <a:spLocks noGrp="1"/>
+          </p:cNvSpPr>
           <p:nvPr>
             <p:ph type="title"/>
           </p:nvPr>
@@ -9710,12 +10236,12 @@
           </a:prstGeom>
         </p:spPr>
         <p:txBody>
-          <a:bodyPr anchorCtr="0" anchor="t" bIns="91425" lIns="91425" spcFirstLastPara="1" rIns="91425" wrap="square" tIns="91425">
+          <a:bodyPr spcFirstLastPara="1" wrap="square" lIns="91425" tIns="91425" rIns="91425" bIns="91425" anchor="t" anchorCtr="0">
             <a:normAutofit fontScale="90000"/>
           </a:bodyPr>
           <a:lstStyle/>
           <a:p>
-            <a:pPr indent="0" lvl="0" marL="0" rtl="0" algn="l">
+            <a:pPr marL="0" lvl="0" indent="0" algn="l" rtl="0">
               <a:spcBef>
                 <a:spcPts val="0"/>
               </a:spcBef>
@@ -9768,12 +10294,12 @@
 </p:sld>
 </file>
 
-<file path=ppt/slides/slide5.xml><?xml version="1.0" encoding="utf-8"?>
-<p:sld xmlns:a="http://schemas.openxmlformats.org/drawingml/2006/main" xmlns:r="http://schemas.openxmlformats.org/officeDocument/2006/relationships" xmlns:mc="http://schemas.openxmlformats.org/markup-compatibility/2006" xmlns:mv="urn:schemas-microsoft-com:mac:vml" xmlns:p="http://schemas.openxmlformats.org/presentationml/2006/main" xmlns:c="http://schemas.openxmlformats.org/drawingml/2006/chart" xmlns:dgm="http://schemas.openxmlformats.org/drawingml/2006/diagram" xmlns:o="urn:schemas-microsoft-com:office:office" xmlns:v="urn:schemas-microsoft-com:vml" xmlns:pvml="urn:schemas-microsoft-com:office:powerpoint" xmlns:com="http://schemas.openxmlformats.org/drawingml/2006/compatibility" xmlns:p14="http://schemas.microsoft.com/office/powerpoint/2010/main" xmlns:p15="http://schemas.microsoft.com/office/powerpoint/2012/main" xmlns:ahyp="http://schemas.microsoft.com/office/drawing/2018/hyperlinkcolor">
+<file path=ppt/slides/slide6.xml><?xml version="1.0" encoding="utf-8"?>
+<p:sld xmlns:a="http://schemas.openxmlformats.org/drawingml/2006/main" xmlns:r="http://schemas.openxmlformats.org/officeDocument/2006/relationships" xmlns:p="http://schemas.openxmlformats.org/presentationml/2006/main">
   <p:cSld>
     <p:spTree>
       <p:nvGrpSpPr>
-        <p:cNvPr id="87" name="Shape 87"/>
+        <p:cNvPr id="1" name="Shape 87"/>
         <p:cNvGrpSpPr/>
         <p:nvPr/>
       </p:nvGrpSpPr>
@@ -9788,7 +10314,9 @@
       <p:sp>
         <p:nvSpPr>
           <p:cNvPr id="88" name="Google Shape;88;p17"/>
-          <p:cNvSpPr txBox="1"/>
+          <p:cNvSpPr txBox="1">
+            <a:spLocks noGrp="1"/>
+          </p:cNvSpPr>
           <p:nvPr>
             <p:ph type="title"/>
           </p:nvPr>
@@ -9803,12 +10331,12 @@
           </a:prstGeom>
         </p:spPr>
         <p:txBody>
-          <a:bodyPr anchorCtr="0" anchor="t" bIns="91425" lIns="91425" spcFirstLastPara="1" rIns="91425" wrap="square" tIns="91425">
+          <a:bodyPr spcFirstLastPara="1" wrap="square" lIns="91425" tIns="91425" rIns="91425" bIns="91425" anchor="t" anchorCtr="0">
             <a:normAutofit fontScale="90000"/>
           </a:bodyPr>
           <a:lstStyle/>
           <a:p>
-            <a:pPr indent="0" lvl="0" marL="0" rtl="0" algn="l">
+            <a:pPr marL="0" lvl="0" indent="0" algn="l" rtl="0">
               <a:spcBef>
                 <a:spcPts val="0"/>
               </a:spcBef>
@@ -9819,12 +10347,8 @@
             </a:pPr>
             <a:r>
               <a:rPr lang="en"/>
-              <a:t>Convolutional Neural </a:t>
+              <a:t>Convolutional Neural Networks (CNN)</a:t>
             </a:r>
-            <a:r>
-              <a:rPr lang="en"/>
-              <a:t>Networks (CNN)</a:t>
-            </a:r>
             <a:endParaRPr/>
           </a:p>
         </p:txBody>
@@ -9832,9 +10356,11 @@
       <p:sp>
         <p:nvSpPr>
           <p:cNvPr id="89" name="Google Shape;89;p17"/>
-          <p:cNvSpPr txBox="1"/>
+          <p:cNvSpPr txBox="1">
+            <a:spLocks noGrp="1"/>
+          </p:cNvSpPr>
           <p:nvPr>
-            <p:ph idx="1" type="body"/>
+            <p:ph type="body" idx="1"/>
           </p:nvPr>
         </p:nvSpPr>
         <p:spPr>
@@ -9847,12 +10373,12 @@
           </a:prstGeom>
         </p:spPr>
         <p:txBody>
-          <a:bodyPr anchorCtr="0" anchor="t" bIns="91425" lIns="91425" spcFirstLastPara="1" rIns="91425" wrap="square" tIns="91425">
+          <a:bodyPr spcFirstLastPara="1" wrap="square" lIns="91425" tIns="91425" rIns="91425" bIns="91425" anchor="t" anchorCtr="0">
             <a:normAutofit/>
           </a:bodyPr>
           <a:lstStyle/>
           <a:p>
-            <a:pPr indent="-342900" lvl="0" marL="457200" rtl="0" algn="l">
+            <a:pPr marL="457200" lvl="0" indent="-342900" algn="l" rtl="0">
               <a:spcBef>
                 <a:spcPts val="0"/>
               </a:spcBef>
@@ -9863,13 +10389,13 @@
               <a:buChar char="●"/>
             </a:pPr>
             <a:r>
-              <a:rPr lang="en"/>
+              <a:rPr lang="en" dirty="0"/>
               <a:t>CNNs are used to detect patterns and structures in data.</a:t>
             </a:r>
-            <a:endParaRPr/>
-          </a:p>
-          <a:p>
-            <a:pPr indent="-342900" lvl="0" marL="457200" rtl="0" algn="l">
+            <a:endParaRPr dirty="0"/>
+          </a:p>
+          <a:p>
+            <a:pPr marL="457200" lvl="0" indent="-342900" algn="l" rtl="0">
               <a:spcBef>
                 <a:spcPts val="0"/>
               </a:spcBef>
@@ -9880,13 +10406,13 @@
               <a:buChar char="●"/>
             </a:pPr>
             <a:r>
-              <a:rPr lang="en"/>
+              <a:rPr lang="en" dirty="0"/>
               <a:t>Originally developed for images, but widely applied to audio.</a:t>
             </a:r>
-            <a:endParaRPr/>
-          </a:p>
-          <a:p>
-            <a:pPr indent="-342900" lvl="0" marL="457200" rtl="0" algn="l">
+            <a:endParaRPr dirty="0"/>
+          </a:p>
+          <a:p>
+            <a:pPr marL="457200" lvl="0" indent="-342900" algn="l" rtl="0">
               <a:spcBef>
                 <a:spcPts val="0"/>
               </a:spcBef>
@@ -9897,10 +10423,10 @@
               <a:buChar char="●"/>
             </a:pPr>
             <a:r>
-              <a:rPr lang="en"/>
+              <a:rPr lang="en" dirty="0"/>
               <a:t>Key strength: automatic feature extraction (from low-level to high-level).</a:t>
             </a:r>
-            <a:endParaRPr/>
+            <a:endParaRPr dirty="0"/>
           </a:p>
         </p:txBody>
       </p:sp>
@@ -9940,12 +10466,12 @@
 </p:sld>
 </file>
 
-<file path=ppt/slides/slide6.xml><?xml version="1.0" encoding="utf-8"?>
-<p:sld xmlns:a="http://schemas.openxmlformats.org/drawingml/2006/main" xmlns:r="http://schemas.openxmlformats.org/officeDocument/2006/relationships" xmlns:mc="http://schemas.openxmlformats.org/markup-compatibility/2006" xmlns:mv="urn:schemas-microsoft-com:mac:vml" xmlns:p="http://schemas.openxmlformats.org/presentationml/2006/main" xmlns:c="http://schemas.openxmlformats.org/drawingml/2006/chart" xmlns:dgm="http://schemas.openxmlformats.org/drawingml/2006/diagram" xmlns:o="urn:schemas-microsoft-com:office:office" xmlns:v="urn:schemas-microsoft-com:vml" xmlns:pvml="urn:schemas-microsoft-com:office:powerpoint" xmlns:com="http://schemas.openxmlformats.org/drawingml/2006/compatibility" xmlns:p14="http://schemas.microsoft.com/office/powerpoint/2010/main" xmlns:p15="http://schemas.microsoft.com/office/powerpoint/2012/main" xmlns:ahyp="http://schemas.microsoft.com/office/drawing/2018/hyperlinkcolor">
+<file path=ppt/slides/slide7.xml><?xml version="1.0" encoding="utf-8"?>
+<p:sld xmlns:a="http://schemas.openxmlformats.org/drawingml/2006/main" xmlns:r="http://schemas.openxmlformats.org/officeDocument/2006/relationships" xmlns:p="http://schemas.openxmlformats.org/presentationml/2006/main">
   <p:cSld>
     <p:spTree>
       <p:nvGrpSpPr>
-        <p:cNvPr id="94" name="Shape 94"/>
+        <p:cNvPr id="1" name="Shape 94"/>
         <p:cNvGrpSpPr/>
         <p:nvPr/>
       </p:nvGrpSpPr>
@@ -9960,7 +10486,9 @@
       <p:sp>
         <p:nvSpPr>
           <p:cNvPr id="95" name="Google Shape;95;p18"/>
-          <p:cNvSpPr txBox="1"/>
+          <p:cNvSpPr txBox="1">
+            <a:spLocks noGrp="1"/>
+          </p:cNvSpPr>
           <p:nvPr>
             <p:ph type="title"/>
           </p:nvPr>
@@ -9975,12 +10503,12 @@
           </a:prstGeom>
         </p:spPr>
         <p:txBody>
-          <a:bodyPr anchorCtr="0" anchor="t" bIns="91425" lIns="91425" spcFirstLastPara="1" rIns="91425" wrap="square" tIns="91425">
+          <a:bodyPr spcFirstLastPara="1" wrap="square" lIns="91425" tIns="91425" rIns="91425" bIns="91425" anchor="t" anchorCtr="0">
             <a:normAutofit fontScale="90000"/>
           </a:bodyPr>
           <a:lstStyle/>
           <a:p>
-            <a:pPr indent="0" lvl="0" marL="0" rtl="0" algn="l">
+            <a:pPr marL="0" lvl="0" indent="0" algn="l" rtl="0">
               <a:spcBef>
                 <a:spcPts val="0"/>
               </a:spcBef>
@@ -10000,9 +10528,11 @@
       <p:sp>
         <p:nvSpPr>
           <p:cNvPr id="96" name="Google Shape;96;p18"/>
-          <p:cNvSpPr txBox="1"/>
+          <p:cNvSpPr txBox="1">
+            <a:spLocks noGrp="1"/>
+          </p:cNvSpPr>
           <p:nvPr>
-            <p:ph idx="1" type="body"/>
+            <p:ph type="body" idx="1"/>
           </p:nvPr>
         </p:nvSpPr>
         <p:spPr>
@@ -10015,12 +10545,12 @@
           </a:prstGeom>
         </p:spPr>
         <p:txBody>
-          <a:bodyPr anchorCtr="0" anchor="t" bIns="91425" lIns="91425" spcFirstLastPara="1" rIns="91425" wrap="square" tIns="91425">
+          <a:bodyPr spcFirstLastPara="1" wrap="square" lIns="91425" tIns="91425" rIns="91425" bIns="91425" anchor="t" anchorCtr="0">
             <a:normAutofit/>
           </a:bodyPr>
           <a:lstStyle/>
           <a:p>
-            <a:pPr indent="-342900" lvl="0" marL="457200" rtl="0" algn="l">
+            <a:pPr marL="457200" lvl="0" indent="-342900" algn="l" rtl="0">
               <a:spcBef>
                 <a:spcPts val="0"/>
               </a:spcBef>
@@ -10037,7 +10567,7 @@
             <a:endParaRPr/>
           </a:p>
           <a:p>
-            <a:pPr indent="-342900" lvl="0" marL="457200" rtl="0" algn="l">
+            <a:pPr marL="457200" lvl="0" indent="-342900" algn="l" rtl="0">
               <a:spcBef>
                 <a:spcPts val="0"/>
               </a:spcBef>
@@ -10054,7 +10584,7 @@
             <a:endParaRPr/>
           </a:p>
           <a:p>
-            <a:pPr indent="-342900" lvl="0" marL="457200" rtl="0" algn="l">
+            <a:pPr marL="457200" lvl="0" indent="-342900" algn="l" rtl="0">
               <a:spcBef>
                 <a:spcPts val="0"/>
               </a:spcBef>
@@ -10108,12 +10638,12 @@
 </p:sld>
 </file>
 
-<file path=ppt/slides/slide7.xml><?xml version="1.0" encoding="utf-8"?>
-<p:sld xmlns:a="http://schemas.openxmlformats.org/drawingml/2006/main" xmlns:r="http://schemas.openxmlformats.org/officeDocument/2006/relationships" xmlns:mc="http://schemas.openxmlformats.org/markup-compatibility/2006" xmlns:mv="urn:schemas-microsoft-com:mac:vml" xmlns:p="http://schemas.openxmlformats.org/presentationml/2006/main" xmlns:c="http://schemas.openxmlformats.org/drawingml/2006/chart" xmlns:dgm="http://schemas.openxmlformats.org/drawingml/2006/diagram" xmlns:o="urn:schemas-microsoft-com:office:office" xmlns:v="urn:schemas-microsoft-com:vml" xmlns:pvml="urn:schemas-microsoft-com:office:powerpoint" xmlns:com="http://schemas.openxmlformats.org/drawingml/2006/compatibility" xmlns:p14="http://schemas.microsoft.com/office/powerpoint/2010/main" xmlns:p15="http://schemas.microsoft.com/office/powerpoint/2012/main" xmlns:ahyp="http://schemas.microsoft.com/office/drawing/2018/hyperlinkcolor">
+<file path=ppt/slides/slide8.xml><?xml version="1.0" encoding="utf-8"?>
+<p:sld xmlns:a="http://schemas.openxmlformats.org/drawingml/2006/main" xmlns:r="http://schemas.openxmlformats.org/officeDocument/2006/relationships" xmlns:p="http://schemas.openxmlformats.org/presentationml/2006/main">
   <p:cSld>
     <p:spTree>
       <p:nvGrpSpPr>
-        <p:cNvPr id="101" name="Shape 101"/>
+        <p:cNvPr id="1" name="Shape 101"/>
         <p:cNvGrpSpPr/>
         <p:nvPr/>
       </p:nvGrpSpPr>
@@ -10128,7 +10658,9 @@
       <p:sp>
         <p:nvSpPr>
           <p:cNvPr id="102" name="Google Shape;102;p19"/>
-          <p:cNvSpPr txBox="1"/>
+          <p:cNvSpPr txBox="1">
+            <a:spLocks noGrp="1"/>
+          </p:cNvSpPr>
           <p:nvPr>
             <p:ph type="title"/>
           </p:nvPr>
@@ -10143,12 +10675,12 @@
           </a:prstGeom>
         </p:spPr>
         <p:txBody>
-          <a:bodyPr anchorCtr="0" anchor="t" bIns="91425" lIns="91425" spcFirstLastPara="1" rIns="91425" wrap="square" tIns="91425">
+          <a:bodyPr spcFirstLastPara="1" wrap="square" lIns="91425" tIns="91425" rIns="91425" bIns="91425" anchor="t" anchorCtr="0">
             <a:normAutofit fontScale="90000"/>
           </a:bodyPr>
           <a:lstStyle/>
           <a:p>
-            <a:pPr indent="0" lvl="0" marL="0" rtl="0" algn="l">
+            <a:pPr marL="0" lvl="0" indent="0" algn="l" rtl="0">
               <a:spcBef>
                 <a:spcPts val="0"/>
               </a:spcBef>
@@ -10168,9 +10700,11 @@
       <p:sp>
         <p:nvSpPr>
           <p:cNvPr id="103" name="Google Shape;103;p19"/>
-          <p:cNvSpPr txBox="1"/>
+          <p:cNvSpPr txBox="1">
+            <a:spLocks noGrp="1"/>
+          </p:cNvSpPr>
           <p:nvPr>
-            <p:ph idx="1" type="body"/>
+            <p:ph type="body" idx="1"/>
           </p:nvPr>
         </p:nvSpPr>
         <p:spPr>
@@ -10183,12 +10717,12 @@
           </a:prstGeom>
         </p:spPr>
         <p:txBody>
-          <a:bodyPr anchorCtr="0" anchor="t" bIns="91425" lIns="91425" spcFirstLastPara="1" rIns="91425" wrap="square" tIns="91425">
+          <a:bodyPr spcFirstLastPara="1" wrap="square" lIns="91425" tIns="91425" rIns="91425" bIns="91425" anchor="t" anchorCtr="0">
             <a:normAutofit/>
           </a:bodyPr>
           <a:lstStyle/>
           <a:p>
-            <a:pPr indent="-342900" lvl="0" marL="457200" rtl="0" algn="l">
+            <a:pPr marL="457200" lvl="0" indent="-342900" algn="l" rtl="0">
               <a:spcBef>
                 <a:spcPts val="0"/>
               </a:spcBef>
@@ -10205,7 +10739,7 @@
             <a:endParaRPr/>
           </a:p>
           <a:p>
-            <a:pPr indent="-342900" lvl="0" marL="457200" rtl="0" algn="l">
+            <a:pPr marL="457200" lvl="0" indent="-342900" algn="l" rtl="0">
               <a:spcBef>
                 <a:spcPts val="0"/>
               </a:spcBef>
@@ -10222,7 +10756,7 @@
             <a:endParaRPr/>
           </a:p>
           <a:p>
-            <a:pPr indent="-342900" lvl="0" marL="457200" rtl="0" algn="l">
+            <a:pPr marL="457200" lvl="0" indent="-342900" algn="l" rtl="0">
               <a:spcBef>
                 <a:spcPts val="0"/>
               </a:spcBef>
@@ -10248,12 +10782,12 @@
 </p:sld>
 </file>
 
-<file path=ppt/slides/slide8.xml><?xml version="1.0" encoding="utf-8"?>
-<p:sld xmlns:a="http://schemas.openxmlformats.org/drawingml/2006/main" xmlns:r="http://schemas.openxmlformats.org/officeDocument/2006/relationships" xmlns:mc="http://schemas.openxmlformats.org/markup-compatibility/2006" xmlns:mv="urn:schemas-microsoft-com:mac:vml" xmlns:p="http://schemas.openxmlformats.org/presentationml/2006/main" xmlns:c="http://schemas.openxmlformats.org/drawingml/2006/chart" xmlns:dgm="http://schemas.openxmlformats.org/drawingml/2006/diagram" xmlns:o="urn:schemas-microsoft-com:office:office" xmlns:v="urn:schemas-microsoft-com:vml" xmlns:pvml="urn:schemas-microsoft-com:office:powerpoint" xmlns:com="http://schemas.openxmlformats.org/drawingml/2006/compatibility" xmlns:p14="http://schemas.microsoft.com/office/powerpoint/2010/main" xmlns:p15="http://schemas.microsoft.com/office/powerpoint/2012/main" xmlns:ahyp="http://schemas.microsoft.com/office/drawing/2018/hyperlinkcolor">
+<file path=ppt/slides/slide9.xml><?xml version="1.0" encoding="utf-8"?>
+<p:sld xmlns:a="http://schemas.openxmlformats.org/drawingml/2006/main" xmlns:r="http://schemas.openxmlformats.org/officeDocument/2006/relationships" xmlns:p="http://schemas.openxmlformats.org/presentationml/2006/main">
   <p:cSld>
     <p:spTree>
       <p:nvGrpSpPr>
-        <p:cNvPr id="107" name="Shape 107"/>
+        <p:cNvPr id="1" name="Shape 107"/>
         <p:cNvGrpSpPr/>
         <p:nvPr/>
       </p:nvGrpSpPr>
@@ -10268,7 +10802,9 @@
       <p:sp>
         <p:nvSpPr>
           <p:cNvPr id="108" name="Google Shape;108;p20"/>
-          <p:cNvSpPr txBox="1"/>
+          <p:cNvSpPr txBox="1">
+            <a:spLocks noGrp="1"/>
+          </p:cNvSpPr>
           <p:nvPr>
             <p:ph type="title"/>
           </p:nvPr>
@@ -10283,12 +10819,12 @@
           </a:prstGeom>
         </p:spPr>
         <p:txBody>
-          <a:bodyPr anchorCtr="0" anchor="t" bIns="91425" lIns="91425" spcFirstLastPara="1" rIns="91425" wrap="square" tIns="91425">
+          <a:bodyPr spcFirstLastPara="1" wrap="square" lIns="91425" tIns="91425" rIns="91425" bIns="91425" anchor="t" anchorCtr="0">
             <a:normAutofit fontScale="90000"/>
           </a:bodyPr>
           <a:lstStyle/>
           <a:p>
-            <a:pPr indent="0" lvl="0" marL="0" rtl="0" algn="l">
+            <a:pPr marL="0" lvl="0" indent="0" algn="l" rtl="0">
               <a:spcBef>
                 <a:spcPts val="0"/>
               </a:spcBef>
@@ -10308,9 +10844,11 @@
       <p:sp>
         <p:nvSpPr>
           <p:cNvPr id="109" name="Google Shape;109;p20"/>
-          <p:cNvSpPr txBox="1"/>
+          <p:cNvSpPr txBox="1">
+            <a:spLocks noGrp="1"/>
+          </p:cNvSpPr>
           <p:nvPr>
-            <p:ph idx="1" type="body"/>
+            <p:ph type="body" idx="1"/>
           </p:nvPr>
         </p:nvSpPr>
         <p:spPr>
@@ -10323,12 +10861,12 @@
           </a:prstGeom>
         </p:spPr>
         <p:txBody>
-          <a:bodyPr anchorCtr="0" anchor="t" bIns="91425" lIns="91425" spcFirstLastPara="1" rIns="91425" wrap="square" tIns="91425">
+          <a:bodyPr spcFirstLastPara="1" wrap="square" lIns="91425" tIns="91425" rIns="91425" bIns="91425" anchor="t" anchorCtr="0">
             <a:normAutofit/>
           </a:bodyPr>
           <a:lstStyle/>
           <a:p>
-            <a:pPr indent="0" lvl="0" marL="0" rtl="0" algn="l">
+            <a:pPr marL="0" lvl="0" indent="0" algn="l" rtl="0">
               <a:spcBef>
                 <a:spcPts val="0"/>
               </a:spcBef>
@@ -10344,7 +10882,7 @@
             <a:endParaRPr/>
           </a:p>
           <a:p>
-            <a:pPr indent="0" lvl="0" marL="0" rtl="0" algn="l">
+            <a:pPr marL="0" lvl="0" indent="0" algn="l" rtl="0">
               <a:spcBef>
                 <a:spcPts val="1200"/>
               </a:spcBef>
@@ -10356,143 +10894,6 @@
             <a:r>
               <a:rPr lang="en"/>
               <a:t>Padding: Adds extra space around the input (e.g., zero-padding) to control output size and maintain important boundary information.</a:t>
-            </a:r>
-            <a:endParaRPr/>
-          </a:p>
-        </p:txBody>
-      </p:sp>
-    </p:spTree>
-  </p:cSld>
-  <p:clrMapOvr>
-    <a:masterClrMapping/>
-  </p:clrMapOvr>
-</p:sld>
-</file>
-
-<file path=ppt/slides/slide9.xml><?xml version="1.0" encoding="utf-8"?>
-<p:sld xmlns:a="http://schemas.openxmlformats.org/drawingml/2006/main" xmlns:r="http://schemas.openxmlformats.org/officeDocument/2006/relationships" xmlns:mc="http://schemas.openxmlformats.org/markup-compatibility/2006" xmlns:mv="urn:schemas-microsoft-com:mac:vml" xmlns:p="http://schemas.openxmlformats.org/presentationml/2006/main" xmlns:c="http://schemas.openxmlformats.org/drawingml/2006/chart" xmlns:dgm="http://schemas.openxmlformats.org/drawingml/2006/diagram" xmlns:o="urn:schemas-microsoft-com:office:office" xmlns:v="urn:schemas-microsoft-com:vml" xmlns:pvml="urn:schemas-microsoft-com:office:powerpoint" xmlns:com="http://schemas.openxmlformats.org/drawingml/2006/compatibility" xmlns:p14="http://schemas.microsoft.com/office/powerpoint/2010/main" xmlns:p15="http://schemas.microsoft.com/office/powerpoint/2012/main" xmlns:ahyp="http://schemas.microsoft.com/office/drawing/2018/hyperlinkcolor">
-  <p:cSld>
-    <p:spTree>
-      <p:nvGrpSpPr>
-        <p:cNvPr id="113" name="Shape 113"/>
-        <p:cNvGrpSpPr/>
-        <p:nvPr/>
-      </p:nvGrpSpPr>
-      <p:grpSpPr>
-        <a:xfrm>
-          <a:off x="0" y="0"/>
-          <a:ext cx="0" cy="0"/>
-          <a:chOff x="0" y="0"/>
-          <a:chExt cx="0" cy="0"/>
-        </a:xfrm>
-      </p:grpSpPr>
-      <p:sp>
-        <p:nvSpPr>
-          <p:cNvPr id="114" name="Google Shape;114;p21"/>
-          <p:cNvSpPr txBox="1"/>
-          <p:nvPr>
-            <p:ph type="title"/>
-          </p:nvPr>
-        </p:nvSpPr>
-        <p:spPr>
-          <a:xfrm>
-            <a:off x="311700" y="445025"/>
-            <a:ext cx="8520600" cy="572700"/>
-          </a:xfrm>
-          <a:prstGeom prst="rect">
-            <a:avLst/>
-          </a:prstGeom>
-        </p:spPr>
-        <p:txBody>
-          <a:bodyPr anchorCtr="0" anchor="t" bIns="91425" lIns="91425" spcFirstLastPara="1" rIns="91425" wrap="square" tIns="91425">
-            <a:normAutofit fontScale="90000"/>
-          </a:bodyPr>
-          <a:lstStyle/>
-          <a:p>
-            <a:pPr indent="0" lvl="0" marL="0" rtl="0" algn="l">
-              <a:spcBef>
-                <a:spcPts val="0"/>
-              </a:spcBef>
-              <a:spcAft>
-                <a:spcPts val="0"/>
-              </a:spcAft>
-              <a:buNone/>
-            </a:pPr>
-            <a:r>
-              <a:rPr lang="en"/>
-              <a:t>Convolutional Layer: Extracting Features</a:t>
-            </a:r>
-            <a:endParaRPr/>
-          </a:p>
-        </p:txBody>
-      </p:sp>
-      <p:sp>
-        <p:nvSpPr>
-          <p:cNvPr id="115" name="Google Shape;115;p21"/>
-          <p:cNvSpPr txBox="1"/>
-          <p:nvPr>
-            <p:ph idx="1" type="body"/>
-          </p:nvPr>
-        </p:nvSpPr>
-        <p:spPr>
-          <a:xfrm>
-            <a:off x="311700" y="1152475"/>
-            <a:ext cx="8520600" cy="3416400"/>
-          </a:xfrm>
-          <a:prstGeom prst="rect">
-            <a:avLst/>
-          </a:prstGeom>
-        </p:spPr>
-        <p:txBody>
-          <a:bodyPr anchorCtr="0" anchor="t" bIns="91425" lIns="91425" spcFirstLastPara="1" rIns="91425" wrap="square" tIns="91425">
-            <a:normAutofit/>
-          </a:bodyPr>
-          <a:lstStyle/>
-          <a:p>
-            <a:pPr indent="0" lvl="0" marL="0" rtl="0" algn="l">
-              <a:spcBef>
-                <a:spcPts val="0"/>
-              </a:spcBef>
-              <a:spcAft>
-                <a:spcPts val="0"/>
-              </a:spcAft>
-              <a:buNone/>
-            </a:pPr>
-            <a:r>
-              <a:rPr lang="en"/>
-              <a:t>A convolutional layer applies multiple filters to the input, producing feature maps.</a:t>
-            </a:r>
-            <a:endParaRPr/>
-          </a:p>
-          <a:p>
-            <a:pPr indent="0" lvl="0" marL="0" rtl="0" algn="l">
-              <a:spcBef>
-                <a:spcPts val="1200"/>
-              </a:spcBef>
-              <a:spcAft>
-                <a:spcPts val="0"/>
-              </a:spcAft>
-              <a:buNone/>
-            </a:pPr>
-            <a:r>
-              <a:rPr lang="en"/>
-              <a:t>Each feature map highlights a specific pattern (e.g., rhythm, timbre, harmonic structure).</a:t>
-            </a:r>
-            <a:endParaRPr/>
-          </a:p>
-          <a:p>
-            <a:pPr indent="0" lvl="0" marL="0" rtl="0" algn="l">
-              <a:spcBef>
-                <a:spcPts val="1200"/>
-              </a:spcBef>
-              <a:spcAft>
-                <a:spcPts val="1200"/>
-              </a:spcAft>
-              <a:buNone/>
-            </a:pPr>
-            <a:r>
-              <a:rPr lang="en"/>
-              <a:t>Multiple convolutional layers are stacked to capture progressively more complex patterns.</a:t>
             </a:r>
             <a:endParaRPr/>
           </a:p>
@@ -10507,7 +10908,288 @@
 </file>
 
 <file path=ppt/theme/theme1.xml><?xml version="1.0" encoding="utf-8"?>
-<a:theme xmlns:a="http://schemas.openxmlformats.org/drawingml/2006/main" xmlns:r="http://schemas.openxmlformats.org/officeDocument/2006/relationships">
+<a:theme xmlns:a="http://schemas.openxmlformats.org/drawingml/2006/main" name="Simple Light">
+  <a:themeElements>
+    <a:clrScheme name="Simple Light">
+      <a:dk1>
+        <a:srgbClr val="000000"/>
+      </a:dk1>
+      <a:lt1>
+        <a:srgbClr val="FFFFFF"/>
+      </a:lt1>
+      <a:dk2>
+        <a:srgbClr val="595959"/>
+      </a:dk2>
+      <a:lt2>
+        <a:srgbClr val="EEEEEE"/>
+      </a:lt2>
+      <a:accent1>
+        <a:srgbClr val="4285F4"/>
+      </a:accent1>
+      <a:accent2>
+        <a:srgbClr val="212121"/>
+      </a:accent2>
+      <a:accent3>
+        <a:srgbClr val="78909C"/>
+      </a:accent3>
+      <a:accent4>
+        <a:srgbClr val="FFAB40"/>
+      </a:accent4>
+      <a:accent5>
+        <a:srgbClr val="0097A7"/>
+      </a:accent5>
+      <a:accent6>
+        <a:srgbClr val="EEFF41"/>
+      </a:accent6>
+      <a:hlink>
+        <a:srgbClr val="0097A7"/>
+      </a:hlink>
+      <a:folHlink>
+        <a:srgbClr val="0097A7"/>
+      </a:folHlink>
+    </a:clrScheme>
+    <a:fontScheme name="Office">
+      <a:majorFont>
+        <a:latin typeface="Arial"/>
+        <a:ea typeface=""/>
+        <a:cs typeface=""/>
+        <a:font script="Jpan" typeface="ＭＳ Ｐゴシック"/>
+        <a:font script="Hang" typeface="맑은 고딕"/>
+        <a:font script="Hans" typeface="宋体"/>
+        <a:font script="Hant" typeface="新細明體"/>
+        <a:font script="Arab" typeface="Times New Roman"/>
+        <a:font script="Hebr" typeface="Times New Roman"/>
+        <a:font script="Thai" typeface="Angsana New"/>
+        <a:font script="Ethi" typeface="Nyala"/>
+        <a:font script="Beng" typeface="Vrinda"/>
+        <a:font script="Gujr" typeface="Shruti"/>
+        <a:font script="Khmr" typeface="MoolBoran"/>
+        <a:font script="Knda" typeface="Tunga"/>
+        <a:font script="Guru" typeface="Raavi"/>
+        <a:font script="Cans" typeface="Euphemia"/>
+        <a:font script="Cher" typeface="Plantagenet Cherokee"/>
+        <a:font script="Yiii" typeface="Microsoft Yi Baiti"/>
+        <a:font script="Tibt" typeface="Microsoft Himalaya"/>
+        <a:font script="Thaa" typeface="MV Boli"/>
+        <a:font script="Deva" typeface="Mangal"/>
+        <a:font script="Telu" typeface="Gautami"/>
+        <a:font script="Taml" typeface="Latha"/>
+        <a:font script="Syrc" typeface="Estrangelo Edessa"/>
+        <a:font script="Orya" typeface="Kalinga"/>
+        <a:font script="Mlym" typeface="Kartika"/>
+        <a:font script="Laoo" typeface="DokChampa"/>
+        <a:font script="Sinh" typeface="Iskoola Pota"/>
+        <a:font script="Mong" typeface="Mongolian Baiti"/>
+        <a:font script="Viet" typeface="Times New Roman"/>
+        <a:font script="Uigh" typeface="Microsoft Uighur"/>
+        <a:font script="Geor" typeface="Sylfaen"/>
+      </a:majorFont>
+      <a:minorFont>
+        <a:latin typeface="Arial"/>
+        <a:ea typeface=""/>
+        <a:cs typeface=""/>
+        <a:font script="Jpan" typeface="ＭＳ Ｐゴシック"/>
+        <a:font script="Hang" typeface="맑은 고딕"/>
+        <a:font script="Hans" typeface="宋体"/>
+        <a:font script="Hant" typeface="新細明體"/>
+        <a:font script="Arab" typeface="Arial"/>
+        <a:font script="Hebr" typeface="Arial"/>
+        <a:font script="Thai" typeface="Cordia New"/>
+        <a:font script="Ethi" typeface="Nyala"/>
+        <a:font script="Beng" typeface="Vrinda"/>
+        <a:font script="Gujr" typeface="Shruti"/>
+        <a:font script="Khmr" typeface="DaunPenh"/>
+        <a:font script="Knda" typeface="Tunga"/>
+        <a:font script="Guru" typeface="Raavi"/>
+        <a:font script="Cans" typeface="Euphemia"/>
+        <a:font script="Cher" typeface="Plantagenet Cherokee"/>
+        <a:font script="Yiii" typeface="Microsoft Yi Baiti"/>
+        <a:font script="Tibt" typeface="Microsoft Himalaya"/>
+        <a:font script="Thaa" typeface="MV Boli"/>
+        <a:font script="Deva" typeface="Mangal"/>
+        <a:font script="Telu" typeface="Gautami"/>
+        <a:font script="Taml" typeface="Latha"/>
+        <a:font script="Syrc" typeface="Estrangelo Edessa"/>
+        <a:font script="Orya" typeface="Kalinga"/>
+        <a:font script="Mlym" typeface="Kartika"/>
+        <a:font script="Laoo" typeface="DokChampa"/>
+        <a:font script="Sinh" typeface="Iskoola Pota"/>
+        <a:font script="Mong" typeface="Mongolian Baiti"/>
+        <a:font script="Viet" typeface="Arial"/>
+        <a:font script="Uigh" typeface="Microsoft Uighur"/>
+        <a:font script="Geor" typeface="Sylfaen"/>
+      </a:minorFont>
+    </a:fontScheme>
+    <a:fmtScheme name="Office">
+      <a:fillStyleLst>
+        <a:solidFill>
+          <a:schemeClr val="phClr"/>
+        </a:solidFill>
+        <a:gradFill rotWithShape="1">
+          <a:gsLst>
+            <a:gs pos="0">
+              <a:schemeClr val="phClr">
+                <a:tint val="50000"/>
+                <a:satMod val="300000"/>
+              </a:schemeClr>
+            </a:gs>
+            <a:gs pos="35000">
+              <a:schemeClr val="phClr">
+                <a:tint val="37000"/>
+                <a:satMod val="300000"/>
+              </a:schemeClr>
+            </a:gs>
+            <a:gs pos="100000">
+              <a:schemeClr val="phClr">
+                <a:tint val="15000"/>
+                <a:satMod val="350000"/>
+              </a:schemeClr>
+            </a:gs>
+          </a:gsLst>
+          <a:lin ang="16200000" scaled="1"/>
+        </a:gradFill>
+        <a:gradFill rotWithShape="1">
+          <a:gsLst>
+            <a:gs pos="0">
+              <a:schemeClr val="phClr">
+                <a:tint val="100000"/>
+                <a:shade val="100000"/>
+                <a:satMod val="130000"/>
+              </a:schemeClr>
+            </a:gs>
+            <a:gs pos="100000">
+              <a:schemeClr val="phClr">
+                <a:tint val="50000"/>
+                <a:shade val="100000"/>
+                <a:satMod val="350000"/>
+              </a:schemeClr>
+            </a:gs>
+          </a:gsLst>
+          <a:lin ang="16200000" scaled="0"/>
+        </a:gradFill>
+      </a:fillStyleLst>
+      <a:lnStyleLst>
+        <a:ln w="9525" cap="flat" cmpd="sng" algn="ctr">
+          <a:solidFill>
+            <a:schemeClr val="phClr">
+              <a:shade val="95000"/>
+              <a:satMod val="105000"/>
+            </a:schemeClr>
+          </a:solidFill>
+          <a:prstDash val="solid"/>
+        </a:ln>
+        <a:ln w="25400" cap="flat" cmpd="sng" algn="ctr">
+          <a:solidFill>
+            <a:schemeClr val="phClr"/>
+          </a:solidFill>
+          <a:prstDash val="solid"/>
+        </a:ln>
+        <a:ln w="38100" cap="flat" cmpd="sng" algn="ctr">
+          <a:solidFill>
+            <a:schemeClr val="phClr"/>
+          </a:solidFill>
+          <a:prstDash val="solid"/>
+        </a:ln>
+      </a:lnStyleLst>
+      <a:effectStyleLst>
+        <a:effectStyle>
+          <a:effectLst>
+            <a:outerShdw blurRad="40000" dist="20000" dir="5400000" rotWithShape="0">
+              <a:srgbClr val="000000">
+                <a:alpha val="38000"/>
+              </a:srgbClr>
+            </a:outerShdw>
+          </a:effectLst>
+        </a:effectStyle>
+        <a:effectStyle>
+          <a:effectLst>
+            <a:outerShdw blurRad="40000" dist="23000" dir="5400000" rotWithShape="0">
+              <a:srgbClr val="000000">
+                <a:alpha val="35000"/>
+              </a:srgbClr>
+            </a:outerShdw>
+          </a:effectLst>
+        </a:effectStyle>
+        <a:effectStyle>
+          <a:effectLst>
+            <a:outerShdw blurRad="40000" dist="23000" dir="5400000" rotWithShape="0">
+              <a:srgbClr val="000000">
+                <a:alpha val="35000"/>
+              </a:srgbClr>
+            </a:outerShdw>
+          </a:effectLst>
+          <a:scene3d>
+            <a:camera prst="orthographicFront">
+              <a:rot lat="0" lon="0" rev="0"/>
+            </a:camera>
+            <a:lightRig rig="threePt" dir="t">
+              <a:rot lat="0" lon="0" rev="1200000"/>
+            </a:lightRig>
+          </a:scene3d>
+          <a:sp3d>
+            <a:bevelT w="63500" h="25400"/>
+          </a:sp3d>
+        </a:effectStyle>
+      </a:effectStyleLst>
+      <a:bgFillStyleLst>
+        <a:solidFill>
+          <a:schemeClr val="phClr"/>
+        </a:solidFill>
+        <a:gradFill rotWithShape="1">
+          <a:gsLst>
+            <a:gs pos="0">
+              <a:schemeClr val="phClr">
+                <a:tint val="40000"/>
+                <a:satMod val="350000"/>
+              </a:schemeClr>
+            </a:gs>
+            <a:gs pos="40000">
+              <a:schemeClr val="phClr">
+                <a:tint val="45000"/>
+                <a:shade val="99000"/>
+                <a:satMod val="350000"/>
+              </a:schemeClr>
+            </a:gs>
+            <a:gs pos="100000">
+              <a:schemeClr val="phClr">
+                <a:shade val="20000"/>
+                <a:satMod val="255000"/>
+              </a:schemeClr>
+            </a:gs>
+          </a:gsLst>
+          <a:path path="circle">
+            <a:fillToRect l="50000" t="-80000" r="50000" b="180000"/>
+          </a:path>
+        </a:gradFill>
+        <a:gradFill rotWithShape="1">
+          <a:gsLst>
+            <a:gs pos="0">
+              <a:schemeClr val="phClr">
+                <a:tint val="80000"/>
+                <a:satMod val="300000"/>
+              </a:schemeClr>
+            </a:gs>
+            <a:gs pos="100000">
+              <a:schemeClr val="phClr">
+                <a:shade val="30000"/>
+                <a:satMod val="200000"/>
+              </a:schemeClr>
+            </a:gs>
+          </a:gsLst>
+          <a:path path="circle">
+            <a:fillToRect l="50000" t="50000" r="50000" b="50000"/>
+          </a:path>
+        </a:gradFill>
+      </a:bgFillStyleLst>
+    </a:fmtScheme>
+  </a:themeElements>
+  <a:objectDefaults/>
+  <a:extraClrSchemeLst/>
+</a:theme>
+</file>
+
+<file path=ppt/theme/theme2.xml><?xml version="1.0" encoding="utf-8"?>
+<a:theme xmlns:a="http://schemas.openxmlformats.org/drawingml/2006/main">
   <a:themeElements>
     <a:clrScheme name="Default">
       <a:dk1>
@@ -10782,284 +11464,7 @@
       </a:bgFillStyleLst>
     </a:fmtScheme>
   </a:themeElements>
-</a:theme>
-</file>
-
-<file path=ppt/theme/theme2.xml><?xml version="1.0" encoding="utf-8"?>
-<a:theme xmlns:a="http://schemas.openxmlformats.org/drawingml/2006/main" xmlns:r="http://schemas.openxmlformats.org/officeDocument/2006/relationships" name="Simple Light">
-  <a:themeElements>
-    <a:clrScheme name="Simple Light">
-      <a:dk1>
-        <a:srgbClr val="000000"/>
-      </a:dk1>
-      <a:lt1>
-        <a:srgbClr val="FFFFFF"/>
-      </a:lt1>
-      <a:dk2>
-        <a:srgbClr val="595959"/>
-      </a:dk2>
-      <a:lt2>
-        <a:srgbClr val="EEEEEE"/>
-      </a:lt2>
-      <a:accent1>
-        <a:srgbClr val="4285F4"/>
-      </a:accent1>
-      <a:accent2>
-        <a:srgbClr val="212121"/>
-      </a:accent2>
-      <a:accent3>
-        <a:srgbClr val="78909C"/>
-      </a:accent3>
-      <a:accent4>
-        <a:srgbClr val="FFAB40"/>
-      </a:accent4>
-      <a:accent5>
-        <a:srgbClr val="0097A7"/>
-      </a:accent5>
-      <a:accent6>
-        <a:srgbClr val="EEFF41"/>
-      </a:accent6>
-      <a:hlink>
-        <a:srgbClr val="0097A7"/>
-      </a:hlink>
-      <a:folHlink>
-        <a:srgbClr val="0097A7"/>
-      </a:folHlink>
-    </a:clrScheme>
-    <a:fontScheme name="Office">
-      <a:majorFont>
-        <a:latin typeface="Arial"/>
-        <a:ea typeface=""/>
-        <a:cs typeface=""/>
-        <a:font script="Jpan" typeface="ＭＳ Ｐゴシック"/>
-        <a:font script="Hang" typeface="맑은 고딕"/>
-        <a:font script="Hans" typeface="宋体"/>
-        <a:font script="Hant" typeface="新細明體"/>
-        <a:font script="Arab" typeface="Times New Roman"/>
-        <a:font script="Hebr" typeface="Times New Roman"/>
-        <a:font script="Thai" typeface="Angsana New"/>
-        <a:font script="Ethi" typeface="Nyala"/>
-        <a:font script="Beng" typeface="Vrinda"/>
-        <a:font script="Gujr" typeface="Shruti"/>
-        <a:font script="Khmr" typeface="MoolBoran"/>
-        <a:font script="Knda" typeface="Tunga"/>
-        <a:font script="Guru" typeface="Raavi"/>
-        <a:font script="Cans" typeface="Euphemia"/>
-        <a:font script="Cher" typeface="Plantagenet Cherokee"/>
-        <a:font script="Yiii" typeface="Microsoft Yi Baiti"/>
-        <a:font script="Tibt" typeface="Microsoft Himalaya"/>
-        <a:font script="Thaa" typeface="MV Boli"/>
-        <a:font script="Deva" typeface="Mangal"/>
-        <a:font script="Telu" typeface="Gautami"/>
-        <a:font script="Taml" typeface="Latha"/>
-        <a:font script="Syrc" typeface="Estrangelo Edessa"/>
-        <a:font script="Orya" typeface="Kalinga"/>
-        <a:font script="Mlym" typeface="Kartika"/>
-        <a:font script="Laoo" typeface="DokChampa"/>
-        <a:font script="Sinh" typeface="Iskoola Pota"/>
-        <a:font script="Mong" typeface="Mongolian Baiti"/>
-        <a:font script="Viet" typeface="Times New Roman"/>
-        <a:font script="Uigh" typeface="Microsoft Uighur"/>
-        <a:font script="Geor" typeface="Sylfaen"/>
-      </a:majorFont>
-      <a:minorFont>
-        <a:latin typeface="Arial"/>
-        <a:ea typeface=""/>
-        <a:cs typeface=""/>
-        <a:font script="Jpan" typeface="ＭＳ Ｐゴシック"/>
-        <a:font script="Hang" typeface="맑은 고딕"/>
-        <a:font script="Hans" typeface="宋体"/>
-        <a:font script="Hant" typeface="新細明體"/>
-        <a:font script="Arab" typeface="Arial"/>
-        <a:font script="Hebr" typeface="Arial"/>
-        <a:font script="Thai" typeface="Cordia New"/>
-        <a:font script="Ethi" typeface="Nyala"/>
-        <a:font script="Beng" typeface="Vrinda"/>
-        <a:font script="Gujr" typeface="Shruti"/>
-        <a:font script="Khmr" typeface="DaunPenh"/>
-        <a:font script="Knda" typeface="Tunga"/>
-        <a:font script="Guru" typeface="Raavi"/>
-        <a:font script="Cans" typeface="Euphemia"/>
-        <a:font script="Cher" typeface="Plantagenet Cherokee"/>
-        <a:font script="Yiii" typeface="Microsoft Yi Baiti"/>
-        <a:font script="Tibt" typeface="Microsoft Himalaya"/>
-        <a:font script="Thaa" typeface="MV Boli"/>
-        <a:font script="Deva" typeface="Mangal"/>
-        <a:font script="Telu" typeface="Gautami"/>
-        <a:font script="Taml" typeface="Latha"/>
-        <a:font script="Syrc" typeface="Estrangelo Edessa"/>
-        <a:font script="Orya" typeface="Kalinga"/>
-        <a:font script="Mlym" typeface="Kartika"/>
-        <a:font script="Laoo" typeface="DokChampa"/>
-        <a:font script="Sinh" typeface="Iskoola Pota"/>
-        <a:font script="Mong" typeface="Mongolian Baiti"/>
-        <a:font script="Viet" typeface="Arial"/>
-        <a:font script="Uigh" typeface="Microsoft Uighur"/>
-        <a:font script="Geor" typeface="Sylfaen"/>
-      </a:minorFont>
-    </a:fontScheme>
-    <a:fmtScheme name="Office">
-      <a:fillStyleLst>
-        <a:solidFill>
-          <a:schemeClr val="phClr"/>
-        </a:solidFill>
-        <a:gradFill rotWithShape="1">
-          <a:gsLst>
-            <a:gs pos="0">
-              <a:schemeClr val="phClr">
-                <a:tint val="50000"/>
-                <a:satMod val="300000"/>
-              </a:schemeClr>
-            </a:gs>
-            <a:gs pos="35000">
-              <a:schemeClr val="phClr">
-                <a:tint val="37000"/>
-                <a:satMod val="300000"/>
-              </a:schemeClr>
-            </a:gs>
-            <a:gs pos="100000">
-              <a:schemeClr val="phClr">
-                <a:tint val="15000"/>
-                <a:satMod val="350000"/>
-              </a:schemeClr>
-            </a:gs>
-          </a:gsLst>
-          <a:lin ang="16200000" scaled="1"/>
-        </a:gradFill>
-        <a:gradFill rotWithShape="1">
-          <a:gsLst>
-            <a:gs pos="0">
-              <a:schemeClr val="phClr">
-                <a:tint val="100000"/>
-                <a:shade val="100000"/>
-                <a:satMod val="130000"/>
-              </a:schemeClr>
-            </a:gs>
-            <a:gs pos="100000">
-              <a:schemeClr val="phClr">
-                <a:tint val="50000"/>
-                <a:shade val="100000"/>
-                <a:satMod val="350000"/>
-              </a:schemeClr>
-            </a:gs>
-          </a:gsLst>
-          <a:lin ang="16200000" scaled="0"/>
-        </a:gradFill>
-      </a:fillStyleLst>
-      <a:lnStyleLst>
-        <a:ln w="9525" cap="flat" cmpd="sng" algn="ctr">
-          <a:solidFill>
-            <a:schemeClr val="phClr">
-              <a:shade val="95000"/>
-              <a:satMod val="105000"/>
-            </a:schemeClr>
-          </a:solidFill>
-          <a:prstDash val="solid"/>
-        </a:ln>
-        <a:ln w="25400" cap="flat" cmpd="sng" algn="ctr">
-          <a:solidFill>
-            <a:schemeClr val="phClr"/>
-          </a:solidFill>
-          <a:prstDash val="solid"/>
-        </a:ln>
-        <a:ln w="38100" cap="flat" cmpd="sng" algn="ctr">
-          <a:solidFill>
-            <a:schemeClr val="phClr"/>
-          </a:solidFill>
-          <a:prstDash val="solid"/>
-        </a:ln>
-      </a:lnStyleLst>
-      <a:effectStyleLst>
-        <a:effectStyle>
-          <a:effectLst>
-            <a:outerShdw blurRad="40000" dist="20000" dir="5400000" rotWithShape="0">
-              <a:srgbClr val="000000">
-                <a:alpha val="38000"/>
-              </a:srgbClr>
-            </a:outerShdw>
-          </a:effectLst>
-        </a:effectStyle>
-        <a:effectStyle>
-          <a:effectLst>
-            <a:outerShdw blurRad="40000" dist="23000" dir="5400000" rotWithShape="0">
-              <a:srgbClr val="000000">
-                <a:alpha val="35000"/>
-              </a:srgbClr>
-            </a:outerShdw>
-          </a:effectLst>
-        </a:effectStyle>
-        <a:effectStyle>
-          <a:effectLst>
-            <a:outerShdw blurRad="40000" dist="23000" dir="5400000" rotWithShape="0">
-              <a:srgbClr val="000000">
-                <a:alpha val="35000"/>
-              </a:srgbClr>
-            </a:outerShdw>
-          </a:effectLst>
-          <a:scene3d>
-            <a:camera prst="orthographicFront">
-              <a:rot lat="0" lon="0" rev="0"/>
-            </a:camera>
-            <a:lightRig rig="threePt" dir="t">
-              <a:rot lat="0" lon="0" rev="1200000"/>
-            </a:lightRig>
-          </a:scene3d>
-          <a:sp3d>
-            <a:bevelT w="63500" h="25400"/>
-          </a:sp3d>
-        </a:effectStyle>
-      </a:effectStyleLst>
-      <a:bgFillStyleLst>
-        <a:solidFill>
-          <a:schemeClr val="phClr"/>
-        </a:solidFill>
-        <a:gradFill rotWithShape="1">
-          <a:gsLst>
-            <a:gs pos="0">
-              <a:schemeClr val="phClr">
-                <a:tint val="40000"/>
-                <a:satMod val="350000"/>
-              </a:schemeClr>
-            </a:gs>
-            <a:gs pos="40000">
-              <a:schemeClr val="phClr">
-                <a:tint val="45000"/>
-                <a:shade val="99000"/>
-                <a:satMod val="350000"/>
-              </a:schemeClr>
-            </a:gs>
-            <a:gs pos="100000">
-              <a:schemeClr val="phClr">
-                <a:shade val="20000"/>
-                <a:satMod val="255000"/>
-              </a:schemeClr>
-            </a:gs>
-          </a:gsLst>
-          <a:path path="circle">
-            <a:fillToRect l="50000" t="-80000" r="50000" b="180000"/>
-          </a:path>
-        </a:gradFill>
-        <a:gradFill rotWithShape="1">
-          <a:gsLst>
-            <a:gs pos="0">
-              <a:schemeClr val="phClr">
-                <a:tint val="80000"/>
-                <a:satMod val="300000"/>
-              </a:schemeClr>
-            </a:gs>
-            <a:gs pos="100000">
-              <a:schemeClr val="phClr">
-                <a:shade val="30000"/>
-                <a:satMod val="200000"/>
-              </a:schemeClr>
-            </a:gs>
-          </a:gsLst>
-          <a:path path="circle">
-            <a:fillToRect l="50000" t="50000" r="50000" b="50000"/>
-          </a:path>
-        </a:gradFill>
-      </a:bgFillStyleLst>
-    </a:fmtScheme>
-  </a:themeElements>
+  <a:objectDefaults/>
+  <a:extraClrSchemeLst/>
 </a:theme>
 </file>
--- a/lectures/6. Neural audio compression.pptx
+++ b/lectures/6. Neural audio compression.pptx
@@ -5,7 +5,7 @@
     <p:sldMasterId id="2147483659" r:id="rId1"/>
   </p:sldMasterIdLst>
   <p:notesMasterIdLst>
-    <p:notesMasterId r:id="rId22"/>
+    <p:notesMasterId r:id="rId24"/>
   </p:notesMasterIdLst>
   <p:sldIdLst>
     <p:sldId id="256" r:id="rId2"/>
@@ -27,24 +27,26 @@
     <p:sldId id="271" r:id="rId18"/>
     <p:sldId id="272" r:id="rId19"/>
     <p:sldId id="273" r:id="rId20"/>
-    <p:sldId id="274" r:id="rId21"/>
+    <p:sldId id="277" r:id="rId21"/>
+    <p:sldId id="274" r:id="rId22"/>
+    <p:sldId id="276" r:id="rId23"/>
   </p:sldIdLst>
   <p:sldSz cx="9144000" cy="5143500" type="screen16x9"/>
   <p:notesSz cx="6858000" cy="9144000"/>
   <p:embeddedFontLst>
     <p:embeddedFont>
       <p:font typeface="Lato" panose="020F0502020204030203" pitchFamily="34" charset="0"/>
-      <p:regular r:id="rId23"/>
-      <p:bold r:id="rId24"/>
-      <p:italic r:id="rId25"/>
-      <p:boldItalic r:id="rId26"/>
+      <p:regular r:id="rId25"/>
+      <p:bold r:id="rId26"/>
+      <p:italic r:id="rId27"/>
+      <p:boldItalic r:id="rId28"/>
     </p:embeddedFont>
     <p:embeddedFont>
       <p:font typeface="Raleway" pitchFamily="2" charset="77"/>
-      <p:regular r:id="rId27"/>
-      <p:bold r:id="rId28"/>
-      <p:italic r:id="rId29"/>
-      <p:boldItalic r:id="rId30"/>
+      <p:regular r:id="rId29"/>
+      <p:bold r:id="rId30"/>
+      <p:italic r:id="rId31"/>
+      <p:boldItalic r:id="rId32"/>
     </p:embeddedFont>
   </p:embeddedFontLst>
   <p:defaultTextStyle>
@@ -1077,7 +1079,7 @@
         </p:nvSpPr>
         <p:spPr>
           <a:xfrm>
-            <a:off x="381300" y="685800"/>
+            <a:off x="381000" y="685800"/>
             <a:ext cx="6096000" cy="3429000"/>
           </a:xfrm>
           <a:custGeom>
@@ -1181,7 +1183,7 @@
         </p:nvSpPr>
         <p:spPr>
           <a:xfrm>
-            <a:off x="381300" y="685800"/>
+            <a:off x="381000" y="685800"/>
             <a:ext cx="6096000" cy="3429000"/>
           </a:xfrm>
           <a:custGeom>
@@ -1285,7 +1287,7 @@
         </p:nvSpPr>
         <p:spPr>
           <a:xfrm>
-            <a:off x="381300" y="685800"/>
+            <a:off x="381000" y="685800"/>
             <a:ext cx="6096000" cy="3429000"/>
           </a:xfrm>
           <a:custGeom>
@@ -1493,7 +1495,7 @@
         </p:nvSpPr>
         <p:spPr>
           <a:xfrm>
-            <a:off x="381300" y="685800"/>
+            <a:off x="381000" y="685800"/>
             <a:ext cx="6096000" cy="3429000"/>
           </a:xfrm>
           <a:custGeom>
@@ -1597,7 +1599,7 @@
         </p:nvSpPr>
         <p:spPr>
           <a:xfrm>
-            <a:off x="381300" y="685800"/>
+            <a:off x="381000" y="685800"/>
             <a:ext cx="6096000" cy="3429000"/>
           </a:xfrm>
           <a:custGeom>
@@ -1701,7 +1703,7 @@
         </p:nvSpPr>
         <p:spPr>
           <a:xfrm>
-            <a:off x="381300" y="685800"/>
+            <a:off x="381000" y="685800"/>
             <a:ext cx="6096000" cy="3429000"/>
           </a:xfrm>
           <a:custGeom>
@@ -2533,7 +2535,7 @@
         </p:nvSpPr>
         <p:spPr>
           <a:xfrm>
-            <a:off x="381300" y="685800"/>
+            <a:off x="381000" y="685800"/>
             <a:ext cx="6096000" cy="3429000"/>
           </a:xfrm>
           <a:custGeom>
@@ -2637,7 +2639,7 @@
         </p:nvSpPr>
         <p:spPr>
           <a:xfrm>
-            <a:off x="381300" y="685800"/>
+            <a:off x="381000" y="685800"/>
             <a:ext cx="6096000" cy="3429000"/>
           </a:xfrm>
           <a:custGeom>
@@ -7670,52 +7672,39 @@
           </a:bodyPr>
           <a:lstStyle/>
           <a:p>
-            <a:pPr marL="0" lvl="0" indent="0" algn="l" rtl="0">
-              <a:spcBef>
-                <a:spcPts val="0"/>
-              </a:spcBef>
-              <a:spcAft>
-                <a:spcPts val="0"/>
-              </a:spcAft>
-              <a:buNone/>
+            <a:pPr marL="285750" indent="-285750"/>
+            <a:r>
+              <a:rPr lang="en" dirty="0"/>
+              <a:t>A convolutional layer applies multiple filters to the input, producing feature maps.</a:t>
+            </a:r>
+            <a:endParaRPr dirty="0"/>
+          </a:p>
+          <a:p>
+            <a:pPr marL="285750" indent="-285750">
+              <a:spcBef>
+                <a:spcPts val="1200"/>
+              </a:spcBef>
             </a:pPr>
             <a:r>
-              <a:rPr lang="en"/>
-              <a:t>A convolutional layer applies multiple filters to the input, producing feature maps.</a:t>
+              <a:rPr lang="en" dirty="0"/>
+              <a:t>Each feature map highlights a specific pattern (e.g., rhythm, timbre, harmonic structure).</a:t>
             </a:r>
-            <a:endParaRPr/>
-          </a:p>
-          <a:p>
-            <a:pPr marL="0" lvl="0" indent="0" algn="l" rtl="0">
+            <a:endParaRPr dirty="0"/>
+          </a:p>
+          <a:p>
+            <a:pPr marL="285750" indent="-285750">
               <a:spcBef>
                 <a:spcPts val="1200"/>
               </a:spcBef>
               <a:spcAft>
-                <a:spcPts val="0"/>
-              </a:spcAft>
-              <a:buNone/>
+                <a:spcPts val="1200"/>
+              </a:spcAft>
             </a:pPr>
             <a:r>
-              <a:rPr lang="en"/>
-              <a:t>Each feature map highlights a specific pattern (e.g., rhythm, timbre, harmonic structure).</a:t>
-            </a:r>
-            <a:endParaRPr/>
-          </a:p>
-          <a:p>
-            <a:pPr marL="0" lvl="0" indent="0" algn="l" rtl="0">
-              <a:spcBef>
-                <a:spcPts val="1200"/>
-              </a:spcBef>
-              <a:spcAft>
-                <a:spcPts val="1200"/>
-              </a:spcAft>
-              <a:buNone/>
-            </a:pPr>
-            <a:r>
-              <a:rPr lang="en"/>
+              <a:rPr lang="en" dirty="0"/>
               <a:t>Multiple convolutional layers are stacked to capture progressively more complex patterns.</a:t>
             </a:r>
-            <a:endParaRPr/>
+            <a:endParaRPr dirty="0"/>
           </a:p>
         </p:txBody>
       </p:sp>
@@ -8133,52 +8122,39 @@
           </a:bodyPr>
           <a:lstStyle/>
           <a:p>
-            <a:pPr marL="0" lvl="0" indent="0" algn="l" rtl="0">
-              <a:spcBef>
-                <a:spcPts val="0"/>
-              </a:spcBef>
-              <a:spcAft>
-                <a:spcPts val="0"/>
-              </a:spcAft>
-              <a:buNone/>
+            <a:pPr marL="285750" indent="-285750"/>
+            <a:r>
+              <a:rPr lang="en" dirty="0"/>
+              <a:t>Multiple layers of convolutions and pooling allow CNNs to learn increasingly abstract representations.</a:t>
+            </a:r>
+            <a:endParaRPr dirty="0"/>
+          </a:p>
+          <a:p>
+            <a:pPr marL="285750" indent="-285750">
+              <a:spcBef>
+                <a:spcPts val="1200"/>
+              </a:spcBef>
             </a:pPr>
             <a:r>
-              <a:rPr lang="en"/>
-              <a:t>Multiple layers of convolutions and pooling allow CNNs to learn increasingly abstract representations.</a:t>
+              <a:rPr lang="en" dirty="0"/>
+              <a:t>Early layers learn simple features (e.g., edges, transients), while deeper layers learn complex features (e.g., melodies, harmonics).</a:t>
             </a:r>
-            <a:endParaRPr/>
-          </a:p>
-          <a:p>
-            <a:pPr marL="0" lvl="0" indent="0" algn="l" rtl="0">
+            <a:endParaRPr dirty="0"/>
+          </a:p>
+          <a:p>
+            <a:pPr marL="285750" indent="-285750">
               <a:spcBef>
                 <a:spcPts val="1200"/>
               </a:spcBef>
               <a:spcAft>
-                <a:spcPts val="0"/>
-              </a:spcAft>
-              <a:buNone/>
+                <a:spcPts val="1200"/>
+              </a:spcAft>
             </a:pPr>
             <a:r>
-              <a:rPr lang="en"/>
-              <a:t>Early layers learn simple features (e.g., edges, transients), while deeper layers learn complex features (e.g., melodies, harmonics).</a:t>
-            </a:r>
-            <a:endParaRPr/>
-          </a:p>
-          <a:p>
-            <a:pPr marL="0" lvl="0" indent="0" algn="l" rtl="0">
-              <a:spcBef>
-                <a:spcPts val="1200"/>
-              </a:spcBef>
-              <a:spcAft>
-                <a:spcPts val="1200"/>
-              </a:spcAft>
-              <a:buNone/>
-            </a:pPr>
-            <a:r>
-              <a:rPr lang="en"/>
+              <a:rPr lang="en" dirty="0"/>
               <a:t>CNNs are trained end-to-end: from raw audio to compressed representation or output.</a:t>
             </a:r>
-            <a:endParaRPr/>
+            <a:endParaRPr dirty="0"/>
           </a:p>
         </p:txBody>
       </p:sp>
@@ -8274,52 +8250,39 @@
           </a:bodyPr>
           <a:lstStyle/>
           <a:p>
-            <a:pPr marL="0" lvl="0" indent="0" algn="l" rtl="0">
-              <a:spcBef>
-                <a:spcPts val="0"/>
-              </a:spcBef>
-              <a:spcAft>
-                <a:spcPts val="0"/>
-              </a:spcAft>
-              <a:buNone/>
+            <a:pPr marL="285750" indent="-285750"/>
+            <a:r>
+              <a:rPr lang="en" dirty="0"/>
+              <a:t>Traditional methods use predefined filters (e.g., Fourier, filter-banks) for feature extraction.</a:t>
+            </a:r>
+            <a:endParaRPr dirty="0"/>
+          </a:p>
+          <a:p>
+            <a:pPr marL="285750" indent="-285750">
+              <a:spcBef>
+                <a:spcPts val="1200"/>
+              </a:spcBef>
             </a:pPr>
             <a:r>
-              <a:rPr lang="en"/>
-              <a:t>Traditional methods use predefined filters (e.g., Fourier, filter-banks) for feature extraction.</a:t>
+              <a:rPr lang="en" dirty="0"/>
+              <a:t>CNNs learn the filters directly from the data, making them more adaptable and task-specific.</a:t>
             </a:r>
-            <a:endParaRPr/>
-          </a:p>
-          <a:p>
-            <a:pPr marL="0" lvl="0" indent="0" algn="l" rtl="0">
+            <a:endParaRPr dirty="0"/>
+          </a:p>
+          <a:p>
+            <a:pPr marL="285750" indent="-285750">
               <a:spcBef>
                 <a:spcPts val="1200"/>
               </a:spcBef>
               <a:spcAft>
-                <a:spcPts val="0"/>
-              </a:spcAft>
-              <a:buNone/>
+                <a:spcPts val="1200"/>
+              </a:spcAft>
             </a:pPr>
             <a:r>
-              <a:rPr lang="en"/>
-              <a:t>CNNs learn the filters directly from the data, making them more adaptable and task-specific.</a:t>
-            </a:r>
-            <a:endParaRPr/>
-          </a:p>
-          <a:p>
-            <a:pPr marL="0" lvl="0" indent="0" algn="l" rtl="0">
-              <a:spcBef>
-                <a:spcPts val="1200"/>
-              </a:spcBef>
-              <a:spcAft>
-                <a:spcPts val="1200"/>
-              </a:spcAft>
-              <a:buNone/>
-            </a:pPr>
-            <a:r>
-              <a:rPr lang="en"/>
+              <a:rPr lang="en" dirty="0"/>
               <a:t>CNNs can achieve better compression by optimizing for the specific characteristics of the input audio.</a:t>
             </a:r>
-            <a:endParaRPr/>
+            <a:endParaRPr dirty="0"/>
           </a:p>
         </p:txBody>
       </p:sp>
@@ -8403,7 +8366,7 @@
         <p:spPr>
           <a:xfrm>
             <a:off x="311700" y="656875"/>
-            <a:ext cx="8832300" cy="3416400"/>
+            <a:ext cx="8444674" cy="3416400"/>
           </a:xfrm>
           <a:prstGeom prst="rect">
             <a:avLst/>
@@ -8426,10 +8389,10 @@
               <a:buChar char="●"/>
             </a:pPr>
             <a:r>
-              <a:rPr lang="en"/>
+              <a:rPr lang="en" dirty="0"/>
               <a:t>A type of neural network used for unsupervised learning.</a:t>
             </a:r>
-            <a:endParaRPr/>
+            <a:endParaRPr dirty="0"/>
           </a:p>
           <a:p>
             <a:pPr marL="457200" lvl="0" indent="-342900" algn="l" rtl="0">
@@ -8443,10 +8406,10 @@
               <a:buChar char="●"/>
             </a:pPr>
             <a:r>
-              <a:rPr lang="en"/>
+              <a:rPr lang="en" dirty="0"/>
               <a:t>Two parts: Encoder (compresses data) and Decoder (reconstructs data).</a:t>
             </a:r>
-            <a:endParaRPr/>
+            <a:endParaRPr dirty="0"/>
           </a:p>
           <a:p>
             <a:pPr marL="457200" lvl="0" indent="-342900" algn="l" rtl="0">
@@ -8460,10 +8423,10 @@
               <a:buChar char="●"/>
             </a:pPr>
             <a:r>
-              <a:rPr lang="en"/>
+              <a:rPr lang="en" dirty="0"/>
               <a:t>Purpose in audio: learn compact representations of audio signals for compression.</a:t>
             </a:r>
-            <a:endParaRPr/>
+            <a:endParaRPr dirty="0"/>
           </a:p>
         </p:txBody>
       </p:sp>
@@ -8731,52 +8694,47 @@
           </a:bodyPr>
           <a:lstStyle/>
           <a:p>
-            <a:pPr marL="0" lvl="0" indent="0" algn="l" rtl="0">
-              <a:spcBef>
-                <a:spcPts val="0"/>
-              </a:spcBef>
-              <a:spcAft>
-                <a:spcPts val="0"/>
-              </a:spcAft>
-              <a:buNone/>
+            <a:pPr marL="285750" indent="-285750"/>
+            <a:r>
+              <a:rPr lang="en" dirty="0"/>
+              <a:t>The Decoder is the inverse of the encoder: a series of transposed convolutional layers that </a:t>
+            </a:r>
+            <a:r>
+              <a:rPr lang="en" dirty="0" err="1"/>
+              <a:t>upsample</a:t>
+            </a:r>
+            <a:r>
+              <a:rPr lang="en" dirty="0"/>
+              <a:t> the compressed data to reconstruct the original audio.</a:t>
+            </a:r>
+            <a:endParaRPr dirty="0"/>
+          </a:p>
+          <a:p>
+            <a:pPr marL="285750" indent="-285750">
+              <a:spcBef>
+                <a:spcPts val="1200"/>
+              </a:spcBef>
             </a:pPr>
             <a:r>
-              <a:rPr lang="en"/>
-              <a:t>The Decoder is the inverse of the encoder: a series of transposed convolutional layers that upsample the compressed data to reconstruct the original audio.</a:t>
+              <a:rPr lang="en" dirty="0"/>
+              <a:t>The goal is to reconstruct the audio signal as accurately as possible from the compressed representation.</a:t>
             </a:r>
-            <a:endParaRPr/>
-          </a:p>
-          <a:p>
-            <a:pPr marL="0" lvl="0" indent="0" algn="l" rtl="0">
+            <a:endParaRPr dirty="0"/>
+          </a:p>
+          <a:p>
+            <a:pPr marL="285750" indent="-285750">
               <a:spcBef>
                 <a:spcPts val="1200"/>
               </a:spcBef>
               <a:spcAft>
-                <a:spcPts val="0"/>
-              </a:spcAft>
-              <a:buNone/>
+                <a:spcPts val="1200"/>
+              </a:spcAft>
             </a:pPr>
             <a:r>
-              <a:rPr lang="en"/>
-              <a:t>The goal is to reconstruct the audio signal as accurately as possible from the compressed representation.</a:t>
-            </a:r>
-            <a:endParaRPr/>
-          </a:p>
-          <a:p>
-            <a:pPr marL="0" lvl="0" indent="0" algn="l" rtl="0">
-              <a:spcBef>
-                <a:spcPts val="1200"/>
-              </a:spcBef>
-              <a:spcAft>
-                <a:spcPts val="1200"/>
-              </a:spcAft>
-              <a:buNone/>
-            </a:pPr>
-            <a:r>
-              <a:rPr lang="en"/>
+              <a:rPr lang="en" dirty="0"/>
               <a:t>The success of the decoder depends on how well the encoder captured the essential features of the audio.</a:t>
             </a:r>
-            <a:endParaRPr/>
+            <a:endParaRPr dirty="0"/>
           </a:p>
         </p:txBody>
       </p:sp>
@@ -8872,52 +8830,39 @@
           </a:bodyPr>
           <a:lstStyle/>
           <a:p>
-            <a:pPr marL="0" lvl="0" indent="0" algn="l" rtl="0">
-              <a:spcBef>
-                <a:spcPts val="0"/>
-              </a:spcBef>
-              <a:spcAft>
-                <a:spcPts val="0"/>
-              </a:spcAft>
-              <a:buNone/>
+            <a:pPr marL="285750" indent="-285750"/>
+            <a:r>
+              <a:rPr lang="en" dirty="0"/>
+              <a:t>The bottleneck layer is the most critical part of the autoencoder, where compression happens.</a:t>
+            </a:r>
+            <a:endParaRPr dirty="0"/>
+          </a:p>
+          <a:p>
+            <a:pPr marL="285750" indent="-285750">
+              <a:spcBef>
+                <a:spcPts val="1200"/>
+              </a:spcBef>
             </a:pPr>
             <a:r>
-              <a:rPr lang="en"/>
-              <a:t>The bottleneck layer is the most critical part of the autoencoder, where compression happens.</a:t>
+              <a:rPr lang="en" dirty="0"/>
+              <a:t>The size of the bottleneck determines the compression ratio: smaller bottleneck -&gt; higher compression, but at the risk of losing important audio details.</a:t>
             </a:r>
-            <a:endParaRPr/>
-          </a:p>
-          <a:p>
-            <a:pPr marL="0" lvl="0" indent="0" algn="l" rtl="0">
+            <a:endParaRPr dirty="0"/>
+          </a:p>
+          <a:p>
+            <a:pPr marL="285750" indent="-285750">
               <a:spcBef>
                 <a:spcPts val="1200"/>
               </a:spcBef>
               <a:spcAft>
-                <a:spcPts val="0"/>
-              </a:spcAft>
-              <a:buNone/>
+                <a:spcPts val="1200"/>
+              </a:spcAft>
             </a:pPr>
             <a:r>
-              <a:rPr lang="en"/>
-              <a:t>The size of the bottleneck determines the compression ratio: smaller bottleneck -&gt; higher compression, but at the risk of losing important audio details.</a:t>
-            </a:r>
-            <a:endParaRPr/>
-          </a:p>
-          <a:p>
-            <a:pPr marL="0" lvl="0" indent="0" algn="l" rtl="0">
-              <a:spcBef>
-                <a:spcPts val="1200"/>
-              </a:spcBef>
-              <a:spcAft>
-                <a:spcPts val="1200"/>
-              </a:spcAft>
-              <a:buNone/>
-            </a:pPr>
-            <a:r>
-              <a:rPr lang="en"/>
+              <a:rPr lang="en" dirty="0"/>
               <a:t>Finding the right balance between compression rate and audio quality is key.</a:t>
             </a:r>
-            <a:endParaRPr/>
+            <a:endParaRPr dirty="0"/>
           </a:p>
         </p:txBody>
       </p:sp>
@@ -8981,10 +8926,10 @@
               <a:buNone/>
             </a:pPr>
             <a:r>
-              <a:rPr lang="en"/>
+              <a:rPr lang="en" dirty="0"/>
               <a:t>Training the Autoencoder: Loss Function and Optimization</a:t>
             </a:r>
-            <a:endParaRPr/>
+            <a:endParaRPr dirty="0"/>
           </a:p>
         </p:txBody>
       </p:sp>
@@ -9013,52 +8958,39 @@
           </a:bodyPr>
           <a:lstStyle/>
           <a:p>
-            <a:pPr marL="0" lvl="0" indent="0" algn="l" rtl="0">
-              <a:spcBef>
-                <a:spcPts val="0"/>
-              </a:spcBef>
-              <a:spcAft>
-                <a:spcPts val="0"/>
-              </a:spcAft>
-              <a:buNone/>
+            <a:pPr marL="285750" indent="-285750"/>
+            <a:r>
+              <a:rPr lang="en" dirty="0"/>
+              <a:t>The autoencoder is trained to minimize the difference between the original input and the reconstructed output (reconstruction error).</a:t>
+            </a:r>
+            <a:endParaRPr dirty="0"/>
+          </a:p>
+          <a:p>
+            <a:pPr marL="285750" indent="-285750">
+              <a:spcBef>
+                <a:spcPts val="1200"/>
+              </a:spcBef>
             </a:pPr>
             <a:r>
-              <a:rPr lang="en"/>
-              <a:t>The autoencoder is trained to minimize the difference between the original input and the reconstructed output (reconstruction error).</a:t>
+              <a:rPr lang="en" dirty="0"/>
+              <a:t>Common loss functions: Mean Squared Error (MSE) for signal differences, and perceptual loss for quality-based reconstruction.</a:t>
             </a:r>
-            <a:endParaRPr/>
-          </a:p>
-          <a:p>
-            <a:pPr marL="0" lvl="0" indent="0" algn="l" rtl="0">
+            <a:endParaRPr dirty="0"/>
+          </a:p>
+          <a:p>
+            <a:pPr marL="285750" indent="-285750">
               <a:spcBef>
                 <a:spcPts val="1200"/>
               </a:spcBef>
               <a:spcAft>
-                <a:spcPts val="0"/>
-              </a:spcAft>
-              <a:buNone/>
+                <a:spcPts val="1200"/>
+              </a:spcAft>
             </a:pPr>
             <a:r>
-              <a:rPr lang="en"/>
-              <a:t>Common loss functions: Mean Squared Error (MSE) for signal differences, and perceptual loss for quality-based reconstruction.</a:t>
-            </a:r>
-            <a:endParaRPr/>
-          </a:p>
-          <a:p>
-            <a:pPr marL="0" lvl="0" indent="0" algn="l" rtl="0">
-              <a:spcBef>
-                <a:spcPts val="1200"/>
-              </a:spcBef>
-              <a:spcAft>
-                <a:spcPts val="1200"/>
-              </a:spcAft>
-              <a:buNone/>
-            </a:pPr>
-            <a:r>
-              <a:rPr lang="en"/>
+              <a:rPr lang="en" dirty="0"/>
               <a:t>The autoencoder is optimized using backpropagation and gradient descent.</a:t>
             </a:r>
-            <a:endParaRPr/>
+            <a:endParaRPr dirty="0"/>
           </a:p>
         </p:txBody>
       </p:sp>
@@ -9248,6 +9180,86 @@
   <p:cSld>
     <p:spTree>
       <p:nvGrpSpPr>
+        <p:cNvPr id="1" name=""/>
+        <p:cNvGrpSpPr/>
+        <p:nvPr/>
+      </p:nvGrpSpPr>
+      <p:grpSpPr>
+        <a:xfrm>
+          <a:off x="0" y="0"/>
+          <a:ext cx="0" cy="0"/>
+          <a:chOff x="0" y="0"/>
+          <a:chExt cx="0" cy="0"/>
+        </a:xfrm>
+      </p:grpSpPr>
+      <p:sp>
+        <p:nvSpPr>
+          <p:cNvPr id="2" name="Title 1">
+            <a:extLst>
+              <a:ext uri="{FF2B5EF4-FFF2-40B4-BE49-F238E27FC236}">
+                <a16:creationId xmlns:a16="http://schemas.microsoft.com/office/drawing/2014/main" id="{D4884FCA-DD1C-632A-C003-053EA79C23E2}"/>
+              </a:ext>
+            </a:extLst>
+          </p:cNvPr>
+          <p:cNvSpPr>
+            <a:spLocks noGrp="1"/>
+          </p:cNvSpPr>
+          <p:nvPr>
+            <p:ph type="title"/>
+          </p:nvPr>
+        </p:nvSpPr>
+        <p:spPr/>
+        <p:txBody>
+          <a:bodyPr/>
+          <a:lstStyle/>
+          <a:p>
+            <a:endParaRPr lang="en-US"/>
+          </a:p>
+        </p:txBody>
+      </p:sp>
+      <p:sp>
+        <p:nvSpPr>
+          <p:cNvPr id="3" name="Text Placeholder 2">
+            <a:extLst>
+              <a:ext uri="{FF2B5EF4-FFF2-40B4-BE49-F238E27FC236}">
+                <a16:creationId xmlns:a16="http://schemas.microsoft.com/office/drawing/2014/main" id="{50E7E786-F710-945A-93E9-316D7532279F}"/>
+              </a:ext>
+            </a:extLst>
+          </p:cNvPr>
+          <p:cNvSpPr>
+            <a:spLocks noGrp="1"/>
+          </p:cNvSpPr>
+          <p:nvPr>
+            <p:ph type="body" idx="1"/>
+          </p:nvPr>
+        </p:nvSpPr>
+        <p:spPr/>
+        <p:txBody>
+          <a:bodyPr/>
+          <a:lstStyle/>
+          <a:p>
+            <a:endParaRPr lang="en-US"/>
+          </a:p>
+        </p:txBody>
+      </p:sp>
+    </p:spTree>
+    <p:extLst>
+      <p:ext uri="{BB962C8B-B14F-4D97-AF65-F5344CB8AC3E}">
+        <p14:creationId xmlns:p14="http://schemas.microsoft.com/office/powerpoint/2010/main" val="484262887"/>
+      </p:ext>
+    </p:extLst>
+  </p:cSld>
+  <p:clrMapOvr>
+    <a:masterClrMapping/>
+  </p:clrMapOvr>
+</p:sld>
+</file>
+
+<file path=ppt/slides/slide21.xml><?xml version="1.0" encoding="utf-8"?>
+<p:sld xmlns:a="http://schemas.openxmlformats.org/drawingml/2006/main" xmlns:r="http://schemas.openxmlformats.org/officeDocument/2006/relationships" xmlns:p="http://schemas.openxmlformats.org/presentationml/2006/main">
+  <p:cSld>
+    <p:spTree>
+      <p:nvGrpSpPr>
         <p:cNvPr id="1" name="Shape 176"/>
         <p:cNvGrpSpPr/>
         <p:nvPr/>
@@ -9380,6 +9392,164 @@
         </p:txBody>
       </p:sp>
     </p:spTree>
+  </p:cSld>
+  <p:clrMapOvr>
+    <a:masterClrMapping/>
+  </p:clrMapOvr>
+</p:sld>
+</file>
+
+<file path=ppt/slides/slide22.xml><?xml version="1.0" encoding="utf-8"?>
+<p:sld xmlns:a="http://schemas.openxmlformats.org/drawingml/2006/main" xmlns:r="http://schemas.openxmlformats.org/officeDocument/2006/relationships" xmlns:p="http://schemas.openxmlformats.org/presentationml/2006/main">
+  <p:cSld>
+    <p:spTree>
+      <p:nvGrpSpPr>
+        <p:cNvPr id="1" name=""/>
+        <p:cNvGrpSpPr/>
+        <p:nvPr/>
+      </p:nvGrpSpPr>
+      <p:grpSpPr>
+        <a:xfrm>
+          <a:off x="0" y="0"/>
+          <a:ext cx="0" cy="0"/>
+          <a:chOff x="0" y="0"/>
+          <a:chExt cx="0" cy="0"/>
+        </a:xfrm>
+      </p:grpSpPr>
+      <p:sp>
+        <p:nvSpPr>
+          <p:cNvPr id="2" name="Title 1">
+            <a:extLst>
+              <a:ext uri="{FF2B5EF4-FFF2-40B4-BE49-F238E27FC236}">
+                <a16:creationId xmlns:a16="http://schemas.microsoft.com/office/drawing/2014/main" id="{0C4FAA40-2498-D673-2F6C-27CF1F0DC41B}"/>
+              </a:ext>
+            </a:extLst>
+          </p:cNvPr>
+          <p:cNvSpPr>
+            <a:spLocks noGrp="1"/>
+          </p:cNvSpPr>
+          <p:nvPr>
+            <p:ph type="title"/>
+          </p:nvPr>
+        </p:nvSpPr>
+        <p:spPr/>
+        <p:txBody>
+          <a:bodyPr>
+            <a:normAutofit fontScale="90000"/>
+          </a:bodyPr>
+          <a:lstStyle/>
+          <a:p>
+            <a:r>
+              <a:rPr lang="en-US" dirty="0"/>
+              <a:t>References</a:t>
+            </a:r>
+          </a:p>
+        </p:txBody>
+      </p:sp>
+      <p:sp>
+        <p:nvSpPr>
+          <p:cNvPr id="3" name="Text Placeholder 2">
+            <a:extLst>
+              <a:ext uri="{FF2B5EF4-FFF2-40B4-BE49-F238E27FC236}">
+                <a16:creationId xmlns:a16="http://schemas.microsoft.com/office/drawing/2014/main" id="{46910A26-9858-AAB1-8B69-3A26B3AD3833}"/>
+              </a:ext>
+            </a:extLst>
+          </p:cNvPr>
+          <p:cNvSpPr>
+            <a:spLocks noGrp="1"/>
+          </p:cNvSpPr>
+          <p:nvPr>
+            <p:ph type="body" idx="1"/>
+          </p:nvPr>
+        </p:nvSpPr>
+        <p:spPr/>
+        <p:txBody>
+          <a:bodyPr/>
+          <a:lstStyle/>
+          <a:p>
+            <a:r>
+              <a:rPr lang="en-US" dirty="0"/>
+              <a:t>Neil </a:t>
+            </a:r>
+            <a:r>
+              <a:rPr lang="en-US" dirty="0" err="1"/>
+              <a:t>Zeghidour</a:t>
+            </a:r>
+            <a:r>
+              <a:rPr lang="en-US" dirty="0"/>
+              <a:t>, Alejandro </a:t>
+            </a:r>
+            <a:r>
+              <a:rPr lang="en-US" dirty="0" err="1"/>
+              <a:t>Luebs</a:t>
+            </a:r>
+            <a:r>
+              <a:rPr lang="en-US" dirty="0"/>
+              <a:t>, Ahmed </a:t>
+            </a:r>
+            <a:r>
+              <a:rPr lang="en-US" dirty="0" err="1"/>
+              <a:t>Omran</a:t>
+            </a:r>
+            <a:r>
+              <a:rPr lang="en-US" dirty="0"/>
+              <a:t>, Jan Skoglund, Marco </a:t>
+            </a:r>
+            <a:r>
+              <a:rPr lang="en-US" dirty="0" err="1"/>
+              <a:t>Tagliasacchi</a:t>
+            </a:r>
+            <a:r>
+              <a:rPr lang="en-US" dirty="0"/>
+              <a:t>. 2021. "</a:t>
+            </a:r>
+            <a:r>
+              <a:rPr lang="en-US" dirty="0" err="1"/>
+              <a:t>SoundStream</a:t>
+            </a:r>
+            <a:r>
+              <a:rPr lang="en-US" dirty="0"/>
+              <a:t>: An End-to-End Neural Audio Codec".</a:t>
+            </a:r>
+          </a:p>
+          <a:p>
+            <a:r>
+              <a:rPr lang="en-US" dirty="0"/>
+              <a:t>Alexandre </a:t>
+            </a:r>
+            <a:r>
+              <a:rPr lang="en-US" dirty="0" err="1"/>
+              <a:t>Défossez</a:t>
+            </a:r>
+            <a:r>
+              <a:rPr lang="en-US" dirty="0"/>
+              <a:t>, Jade </a:t>
+            </a:r>
+            <a:r>
+              <a:rPr lang="en-US" dirty="0" err="1"/>
+              <a:t>Copet</a:t>
+            </a:r>
+            <a:r>
+              <a:rPr lang="en-US" dirty="0"/>
+              <a:t>, Gabriel </a:t>
+            </a:r>
+            <a:r>
+              <a:rPr lang="en-US" dirty="0" err="1"/>
+              <a:t>Synnaeve</a:t>
+            </a:r>
+            <a:r>
+              <a:rPr lang="en-US" dirty="0"/>
+              <a:t>, Yossi Adi. 2022. "High Fidelity Neural Audio Compression".</a:t>
+            </a:r>
+          </a:p>
+        </p:txBody>
+      </p:sp>
+    </p:spTree>
+    <p:extLst>
+      <p:ext uri="{BB962C8B-B14F-4D97-AF65-F5344CB8AC3E}">
+        <p14:creationId xmlns:p14="http://schemas.microsoft.com/office/powerpoint/2010/main" val="2490322254"/>
+      </p:ext>
+    </p:extLst>
   </p:cSld>
   <p:clrMapOvr>
     <a:masterClrMapping/>
@@ -9513,7 +9683,7 @@
             </a:pPr>
             <a:r>
               <a:rPr lang="en-GB" noProof="0" dirty="0"/>
-              <a:t>A convolutional encoder produces a latent representation of the input audio simples, which is quantized using a variable number of residual vector quantizers (RVQ). During training, the model parameters are optimized using a combination or reconstruction and adversarial losses.</a:t>
+              <a:t>A convolutional encoder produces a latent representation of the input audio simples, which is quantized using a variable number of residual vector quantizers (RVQ). During training, the model parameters are optimized using a combination of reconstruction and adversarial losses.</a:t>
             </a:r>
           </a:p>
         </p:txBody>
@@ -10866,36 +11036,35 @@
           </a:bodyPr>
           <a:lstStyle/>
           <a:p>
-            <a:pPr marL="0" lvl="0" indent="0" algn="l" rtl="0">
-              <a:spcBef>
-                <a:spcPts val="0"/>
-              </a:spcBef>
-              <a:spcAft>
-                <a:spcPts val="0"/>
-              </a:spcAft>
-              <a:buNone/>
+            <a:pPr marL="285750" indent="-285750"/>
+            <a:r>
+              <a:rPr lang="en" b="1" dirty="0"/>
+              <a:t>Stride</a:t>
+            </a:r>
+            <a:r>
+              <a:rPr lang="en" dirty="0"/>
+              <a:t>: Defines how much the filter moves across the input (affects output size).</a:t>
+            </a:r>
+            <a:endParaRPr dirty="0"/>
+          </a:p>
+          <a:p>
+            <a:pPr marL="285750" indent="-285750">
+              <a:spcBef>
+                <a:spcPts val="1200"/>
+              </a:spcBef>
+              <a:spcAft>
+                <a:spcPts val="1200"/>
+              </a:spcAft>
             </a:pPr>
             <a:r>
-              <a:rPr lang="en"/>
-              <a:t>Stride: Defines how much the filter moves across the input (affects output size).</a:t>
+              <a:rPr lang="en" b="1" dirty="0"/>
+              <a:t>Padding</a:t>
             </a:r>
-            <a:endParaRPr/>
-          </a:p>
-          <a:p>
-            <a:pPr marL="0" lvl="0" indent="0" algn="l" rtl="0">
-              <a:spcBef>
-                <a:spcPts val="1200"/>
-              </a:spcBef>
-              <a:spcAft>
-                <a:spcPts val="1200"/>
-              </a:spcAft>
-              <a:buNone/>
-            </a:pPr>
             <a:r>
-              <a:rPr lang="en"/>
-              <a:t>Padding: Adds extra space around the input (e.g., zero-padding) to control output size and maintain important boundary information.</a:t>
+              <a:rPr lang="en" dirty="0"/>
+              <a:t>: Adds extra space around the input (e.g., zero-padding) to control output size and maintain important boundary information.</a:t>
             </a:r>
-            <a:endParaRPr/>
+            <a:endParaRPr dirty="0"/>
           </a:p>
         </p:txBody>
       </p:sp>

--- a/lectures/6. Neural audio compression.pptx
+++ b/lectures/6. Neural audio compression.pptx
@@ -5,7 +5,7 @@
     <p:sldMasterId id="2147483659" r:id="rId1"/>
   </p:sldMasterIdLst>
   <p:notesMasterIdLst>
-    <p:notesMasterId r:id="rId24"/>
+    <p:notesMasterId r:id="rId25"/>
   </p:notesMasterIdLst>
   <p:sldIdLst>
     <p:sldId id="256" r:id="rId2"/>
@@ -28,25 +28,26 @@
     <p:sldId id="272" r:id="rId19"/>
     <p:sldId id="273" r:id="rId20"/>
     <p:sldId id="277" r:id="rId21"/>
-    <p:sldId id="274" r:id="rId22"/>
-    <p:sldId id="276" r:id="rId23"/>
+    <p:sldId id="278" r:id="rId22"/>
+    <p:sldId id="274" r:id="rId23"/>
+    <p:sldId id="276" r:id="rId24"/>
   </p:sldIdLst>
   <p:sldSz cx="9144000" cy="5143500" type="screen16x9"/>
   <p:notesSz cx="6858000" cy="9144000"/>
   <p:embeddedFontLst>
     <p:embeddedFont>
       <p:font typeface="Lato" panose="020F0502020204030203" pitchFamily="34" charset="0"/>
-      <p:regular r:id="rId25"/>
-      <p:bold r:id="rId26"/>
-      <p:italic r:id="rId27"/>
-      <p:boldItalic r:id="rId28"/>
+      <p:regular r:id="rId26"/>
+      <p:bold r:id="rId27"/>
+      <p:italic r:id="rId28"/>
+      <p:boldItalic r:id="rId29"/>
     </p:embeddedFont>
     <p:embeddedFont>
       <p:font typeface="Raleway" pitchFamily="2" charset="77"/>
-      <p:regular r:id="rId29"/>
-      <p:bold r:id="rId30"/>
-      <p:italic r:id="rId31"/>
-      <p:boldItalic r:id="rId32"/>
+      <p:regular r:id="rId30"/>
+      <p:bold r:id="rId31"/>
+      <p:italic r:id="rId32"/>
+      <p:boldItalic r:id="rId33"/>
     </p:embeddedFont>
   </p:embeddedFontLst>
   <p:defaultTextStyle>
@@ -2431,7 +2432,7 @@
         </p:nvSpPr>
         <p:spPr>
           <a:xfrm>
-            <a:off x="381300" y="685800"/>
+            <a:off x="381000" y="685800"/>
             <a:ext cx="6096000" cy="3429000"/>
           </a:xfrm>
           <a:custGeom>
@@ -9146,6 +9147,30 @@
               <a:rPr lang="en" dirty="0"/>
               <a:t>Convolutional Auto Encoder (CAE)</a:t>
             </a:r>
+          </a:p>
+          <a:p>
+            <a:pPr marL="457200" lvl="0" indent="-342900" algn="l" rtl="0">
+              <a:spcBef>
+                <a:spcPts val="0"/>
+              </a:spcBef>
+              <a:spcAft>
+                <a:spcPts val="0"/>
+              </a:spcAft>
+              <a:buSzPts val="1800"/>
+              <a:buChar char="●"/>
+            </a:pPr>
+            <a:r>
+              <a:rPr lang="en" dirty="0"/>
+              <a:t>Implementation (</a:t>
+            </a:r>
+            <a:r>
+              <a:rPr lang="en" dirty="0" err="1"/>
+              <a:t>Pytorch</a:t>
+            </a:r>
+            <a:r>
+              <a:rPr lang="en" dirty="0"/>
+              <a:t>)</a:t>
+            </a:r>
             <a:endParaRPr dirty="0"/>
           </a:p>
           <a:p>
@@ -9210,10 +9235,15 @@
         </p:nvSpPr>
         <p:spPr/>
         <p:txBody>
-          <a:bodyPr/>
+          <a:bodyPr>
+            <a:normAutofit fontScale="90000"/>
+          </a:bodyPr>
           <a:lstStyle/>
           <a:p>
-            <a:endParaRPr lang="en-US"/>
+            <a:r>
+              <a:rPr lang="en-US" dirty="0"/>
+              <a:t>Gradient descent and learning rate</a:t>
+            </a:r>
           </a:p>
         </p:txBody>
       </p:sp>
@@ -9238,7 +9268,28 @@
           <a:bodyPr/>
           <a:lstStyle/>
           <a:p>
-            <a:endParaRPr lang="en-US"/>
+            <a:r>
+              <a:rPr lang="en-US" b="1" dirty="0"/>
+              <a:t>Gradient descent </a:t>
+            </a:r>
+            <a:r>
+              <a:rPr lang="en-US" dirty="0"/>
+              <a:t>is an optimization algorithm used in machine learning and deep learning to minimize the loss function and improve model accuracy. The basic idea behind gradient descent is to iteratively adjust the model's parameters (weights and biases) in the direction that reduces the loss function, helping the model better fit the training data.</a:t>
+            </a:r>
+          </a:p>
+          <a:p>
+            <a:r>
+              <a:rPr lang="en-US" dirty="0"/>
+              <a:t>The </a:t>
+            </a:r>
+            <a:r>
+              <a:rPr lang="en-US" b="1" dirty="0"/>
+              <a:t>learning rate </a:t>
+            </a:r>
+            <a:r>
+              <a:rPr lang="en-US" dirty="0"/>
+              <a:t>is a crucial hyperparameter in machine learning, particularly in training neural networks. It controls the size of the steps that the optimization algorithm (usually gradient descent or a variant) takes when adjusting the model's weights to minimize the loss function.</a:t>
+            </a:r>
           </a:p>
         </p:txBody>
       </p:sp>
@@ -9260,6 +9311,95 @@
   <p:cSld>
     <p:spTree>
       <p:nvGrpSpPr>
+        <p:cNvPr id="1" name=""/>
+        <p:cNvGrpSpPr/>
+        <p:nvPr/>
+      </p:nvGrpSpPr>
+      <p:grpSpPr>
+        <a:xfrm>
+          <a:off x="0" y="0"/>
+          <a:ext cx="0" cy="0"/>
+          <a:chOff x="0" y="0"/>
+          <a:chExt cx="0" cy="0"/>
+        </a:xfrm>
+      </p:grpSpPr>
+      <p:sp>
+        <p:nvSpPr>
+          <p:cNvPr id="2" name="Title 1">
+            <a:extLst>
+              <a:ext uri="{FF2B5EF4-FFF2-40B4-BE49-F238E27FC236}">
+                <a16:creationId xmlns:a16="http://schemas.microsoft.com/office/drawing/2014/main" id="{5844F49E-F3E9-EC2A-AF5C-735A2689F9B2}"/>
+              </a:ext>
+            </a:extLst>
+          </p:cNvPr>
+          <p:cNvSpPr>
+            <a:spLocks noGrp="1"/>
+          </p:cNvSpPr>
+          <p:nvPr>
+            <p:ph type="title"/>
+          </p:nvPr>
+        </p:nvSpPr>
+        <p:spPr/>
+        <p:txBody>
+          <a:bodyPr>
+            <a:normAutofit fontScale="90000"/>
+          </a:bodyPr>
+          <a:lstStyle/>
+          <a:p>
+            <a:r>
+              <a:rPr lang="en-US" dirty="0" err="1"/>
+              <a:t>Pytorch</a:t>
+            </a:r>
+            <a:endParaRPr lang="en-US" dirty="0"/>
+          </a:p>
+        </p:txBody>
+      </p:sp>
+      <p:sp>
+        <p:nvSpPr>
+          <p:cNvPr id="3" name="Text Placeholder 2">
+            <a:extLst>
+              <a:ext uri="{FF2B5EF4-FFF2-40B4-BE49-F238E27FC236}">
+                <a16:creationId xmlns:a16="http://schemas.microsoft.com/office/drawing/2014/main" id="{24C5B273-F203-8F8A-2DCB-CA3808468DEF}"/>
+              </a:ext>
+            </a:extLst>
+          </p:cNvPr>
+          <p:cNvSpPr>
+            <a:spLocks noGrp="1"/>
+          </p:cNvSpPr>
+          <p:nvPr>
+            <p:ph type="body" idx="1"/>
+          </p:nvPr>
+        </p:nvSpPr>
+        <p:spPr/>
+        <p:txBody>
+          <a:bodyPr/>
+          <a:lstStyle/>
+          <a:p>
+            <a:r>
+              <a:rPr lang="en-US" dirty="0"/>
+              <a:t>An open-source machine learning framework that provides a flexible and efficient platform for building and training deep learning models. It has become one of the most popular deep learning frameworks due to its flexibility, Pythonic interface, and extensive support for GPUs (Graphics Processing Units), which are crucial for accelerating deep learning computations.</a:t>
+            </a:r>
+          </a:p>
+        </p:txBody>
+      </p:sp>
+    </p:spTree>
+    <p:extLst>
+      <p:ext uri="{BB962C8B-B14F-4D97-AF65-F5344CB8AC3E}">
+        <p14:creationId xmlns:p14="http://schemas.microsoft.com/office/powerpoint/2010/main" val="194440167"/>
+      </p:ext>
+    </p:extLst>
+  </p:cSld>
+  <p:clrMapOvr>
+    <a:masterClrMapping/>
+  </p:clrMapOvr>
+</p:sld>
+</file>
+
+<file path=ppt/slides/slide22.xml><?xml version="1.0" encoding="utf-8"?>
+<p:sld xmlns:a="http://schemas.openxmlformats.org/drawingml/2006/main" xmlns:r="http://schemas.openxmlformats.org/officeDocument/2006/relationships" xmlns:p="http://schemas.openxmlformats.org/presentationml/2006/main">
+  <p:cSld>
+    <p:spTree>
+      <p:nvGrpSpPr>
         <p:cNvPr id="1" name="Shape 176"/>
         <p:cNvGrpSpPr/>
         <p:nvPr/>
@@ -9399,7 +9539,7 @@
 </p:sld>
 </file>
 
-<file path=ppt/slides/slide22.xml><?xml version="1.0" encoding="utf-8"?>
+<file path=ppt/slides/slide23.xml><?xml version="1.0" encoding="utf-8"?>
 <p:sld xmlns:a="http://schemas.openxmlformats.org/drawingml/2006/main" xmlns:r="http://schemas.openxmlformats.org/officeDocument/2006/relationships" xmlns:p="http://schemas.openxmlformats.org/presentationml/2006/main">
   <p:cSld>
     <p:spTree>
@@ -10903,10 +11043,14 @@
               <a:buChar char="●"/>
             </a:pPr>
             <a:r>
-              <a:rPr lang="en"/>
-              <a:t>Kernels (or filters) are small-sized matrices (e.g., 3x3, 5x5) that detect specific features in the input.</a:t>
+              <a:rPr lang="en" b="1" dirty="0"/>
+              <a:t>Kernels</a:t>
             </a:r>
-            <a:endParaRPr/>
+            <a:r>
+              <a:rPr lang="en" dirty="0"/>
+              <a:t> (or filters) are small-sized matrices (e.g., 3x3, 5x5) that detect specific features in the input.</a:t>
+            </a:r>
+            <a:endParaRPr dirty="0"/>
           </a:p>
           <a:p>
             <a:pPr marL="457200" lvl="0" indent="-342900" algn="l" rtl="0">
@@ -10920,10 +11064,10 @@
               <a:buChar char="●"/>
             </a:pPr>
             <a:r>
-              <a:rPr lang="en"/>
+              <a:rPr lang="en" dirty="0"/>
               <a:t>Different filters detect different patterns (e.g., low-frequency vs. high-frequency components in audio).</a:t>
             </a:r>
-            <a:endParaRPr/>
+            <a:endParaRPr dirty="0"/>
           </a:p>
           <a:p>
             <a:pPr marL="457200" lvl="0" indent="-342900" algn="l" rtl="0">
@@ -10937,10 +11081,10 @@
               <a:buChar char="●"/>
             </a:pPr>
             <a:r>
-              <a:rPr lang="en"/>
+              <a:rPr lang="en" dirty="0"/>
               <a:t>Filters are learned from the data during training.</a:t>
             </a:r>
-            <a:endParaRPr/>
+            <a:endParaRPr dirty="0"/>
           </a:p>
         </p:txBody>
       </p:sp>

--- a/lectures/6. Neural audio compression.pptx
+++ b/lectures/6. Neural audio compression.pptx
@@ -9682,6 +9682,39 @@
               <a:t>, Yossi Adi. 2022. "High Fidelity Neural Audio Compression".</a:t>
             </a:r>
           </a:p>
+          <a:p>
+            <a:r>
+              <a:rPr lang="en-US" dirty="0">
+                <a:hlinkClick r:id="rId2"/>
+              </a:rPr>
+              <a:t>https://github.com/xserra/audio-coding-materials/</a:t>
+            </a:r>
+            <a:endParaRPr lang="en-US" dirty="0"/>
+          </a:p>
+          <a:p>
+            <a:pPr lvl="1"/>
+            <a:r>
+              <a:rPr lang="en-US" dirty="0"/>
+              <a:t>examples/convolutional-autoencoder-</a:t>
+            </a:r>
+            <a:r>
+              <a:rPr lang="en-US" dirty="0" err="1"/>
+              <a:t>simple.ipynb</a:t>
+            </a:r>
+            <a:endParaRPr lang="en-US" dirty="0"/>
+          </a:p>
+          <a:p>
+            <a:pPr lvl="1"/>
+            <a:r>
+              <a:rPr lang="en-US" dirty="0"/>
+              <a:t>examples/convolutional-autoencoder-</a:t>
+            </a:r>
+            <a:r>
+              <a:rPr lang="en-US"/>
+              <a:t>complex.ipynb</a:t>
+            </a:r>
+            <a:endParaRPr lang="en-US" dirty="0"/>
+          </a:p>
         </p:txBody>
       </p:sp>
     </p:spTree>

--- a/lectures/6. Neural audio compression.pptx
+++ b/lectures/6. Neural audio compression.pptx
@@ -5,7 +5,7 @@
     <p:sldMasterId id="2147483659" r:id="rId1"/>
   </p:sldMasterIdLst>
   <p:notesMasterIdLst>
-    <p:notesMasterId r:id="rId25"/>
+    <p:notesMasterId r:id="rId28"/>
   </p:notesMasterIdLst>
   <p:sldIdLst>
     <p:sldId id="256" r:id="rId2"/>
@@ -28,26 +28,29 @@
     <p:sldId id="272" r:id="rId19"/>
     <p:sldId id="273" r:id="rId20"/>
     <p:sldId id="277" r:id="rId21"/>
-    <p:sldId id="278" r:id="rId22"/>
-    <p:sldId id="274" r:id="rId23"/>
-    <p:sldId id="276" r:id="rId24"/>
+    <p:sldId id="279" r:id="rId22"/>
+    <p:sldId id="280" r:id="rId23"/>
+    <p:sldId id="281" r:id="rId24"/>
+    <p:sldId id="278" r:id="rId25"/>
+    <p:sldId id="274" r:id="rId26"/>
+    <p:sldId id="276" r:id="rId27"/>
   </p:sldIdLst>
   <p:sldSz cx="9144000" cy="5143500" type="screen16x9"/>
   <p:notesSz cx="6858000" cy="9144000"/>
   <p:embeddedFontLst>
     <p:embeddedFont>
       <p:font typeface="Lato" panose="020F0502020204030203" pitchFamily="34" charset="0"/>
-      <p:regular r:id="rId26"/>
-      <p:bold r:id="rId27"/>
-      <p:italic r:id="rId28"/>
-      <p:boldItalic r:id="rId29"/>
+      <p:regular r:id="rId29"/>
+      <p:bold r:id="rId30"/>
+      <p:italic r:id="rId31"/>
+      <p:boldItalic r:id="rId32"/>
     </p:embeddedFont>
     <p:embeddedFont>
       <p:font typeface="Raleway" pitchFamily="2" charset="77"/>
-      <p:regular r:id="rId30"/>
-      <p:bold r:id="rId31"/>
-      <p:italic r:id="rId32"/>
-      <p:boldItalic r:id="rId33"/>
+      <p:regular r:id="rId33"/>
+      <p:bold r:id="rId34"/>
+      <p:italic r:id="rId35"/>
+      <p:boldItalic r:id="rId36"/>
     </p:embeddedFont>
   </p:embeddedFontLst>
   <p:defaultTextStyle>
@@ -1808,7 +1811,7 @@
         </p:nvSpPr>
         <p:spPr>
           <a:xfrm>
-            <a:off x="381300" y="685800"/>
+            <a:off x="381000" y="685800"/>
             <a:ext cx="6096000" cy="3429000"/>
           </a:xfrm>
           <a:custGeom>
@@ -9186,7 +9189,7 @@
             </a:pPr>
             <a:r>
               <a:rPr lang="en" dirty="0"/>
-              <a:t>Challenges in Deep Learning for Audio Coding</a:t>
+              <a:t>Challenges (current limitations)</a:t>
             </a:r>
             <a:endParaRPr dirty="0"/>
           </a:p>
@@ -9328,7 +9331,7 @@
           <p:cNvPr id="2" name="Title 1">
             <a:extLst>
               <a:ext uri="{FF2B5EF4-FFF2-40B4-BE49-F238E27FC236}">
-                <a16:creationId xmlns:a16="http://schemas.microsoft.com/office/drawing/2014/main" id="{5844F49E-F3E9-EC2A-AF5C-735A2689F9B2}"/>
+                <a16:creationId xmlns:a16="http://schemas.microsoft.com/office/drawing/2014/main" id="{1ECD3611-ED2E-7A41-B2DB-EE48866A6DB1}"/>
               </a:ext>
             </a:extLst>
           </p:cNvPr>
@@ -9347,10 +9350,9 @@
           <a:lstStyle/>
           <a:p>
             <a:r>
-              <a:rPr lang="en-US" dirty="0" err="1"/>
-              <a:t>Pytorch</a:t>
-            </a:r>
-            <a:endParaRPr lang="en-US" dirty="0"/>
+              <a:rPr lang="en-US" dirty="0"/>
+              <a:t>The discriminator and perceptual loss</a:t>
+            </a:r>
           </a:p>
         </p:txBody>
       </p:sp>
@@ -9359,7 +9361,7 @@
           <p:cNvPr id="3" name="Text Placeholder 2">
             <a:extLst>
               <a:ext uri="{FF2B5EF4-FFF2-40B4-BE49-F238E27FC236}">
-                <a16:creationId xmlns:a16="http://schemas.microsoft.com/office/drawing/2014/main" id="{24C5B273-F203-8F8A-2DCB-CA3808468DEF}"/>
+                <a16:creationId xmlns:a16="http://schemas.microsoft.com/office/drawing/2014/main" id="{E1B04C4F-97BB-74FE-63E0-05D17BE83724}"/>
               </a:ext>
             </a:extLst>
           </p:cNvPr>
@@ -9372,12 +9374,38 @@
         </p:nvSpPr>
         <p:spPr/>
         <p:txBody>
-          <a:bodyPr/>
+          <a:bodyPr>
+            <a:normAutofit fontScale="92500" lnSpcReduction="10000"/>
+          </a:bodyPr>
           <a:lstStyle/>
           <a:p>
+            <a:pPr marL="114300" indent="0">
+              <a:buNone/>
+            </a:pPr>
             <a:r>
               <a:rPr lang="en-US" dirty="0"/>
-              <a:t>An open-source machine learning framework that provides a flexible and efficient platform for building and training deep learning models. It has become one of the most popular deep learning frameworks due to its flexibility, Pythonic interface, and extensive support for GPUs (Graphics Processing Units), which are crucial for accelerating deep learning computations.</a:t>
+              <a:t>The Discriminator works alongside the Encoder/Decoder (the Generator) to train the model.</a:t>
+            </a:r>
+          </a:p>
+          <a:p>
+            <a:pPr marL="114300" indent="0">
+              <a:buNone/>
+            </a:pPr>
+            <a:endParaRPr lang="en-US" dirty="0"/>
+          </a:p>
+          <a:p>
+            <a:r>
+              <a:rPr lang="en-US" dirty="0"/>
+              <a:t>Traditional codecs are often optimized with simple distance metrics like Mean Squared Error (MSE), which penalize any difference between the original and reconstructed signal, even if that difference is inaudible to humans.</a:t>
+            </a:r>
+          </a:p>
+          <a:p>
+            <a:endParaRPr lang="en-US" dirty="0"/>
+          </a:p>
+          <a:p>
+            <a:r>
+              <a:rPr lang="en-US" dirty="0"/>
+              <a:t>The Discriminator replaces or augments these simple metrics with an Adversarial Loss. This loss forces the Generator to produce audio that is statistically and perceptually indistinguishable from the real thing. It trains the model to focus on minimizing perceptible distortion, not just numerical error.</a:t>
             </a:r>
           </a:p>
         </p:txBody>
@@ -9385,7 +9413,7 @@
     </p:spTree>
     <p:extLst>
       <p:ext uri="{BB962C8B-B14F-4D97-AF65-F5344CB8AC3E}">
-        <p14:creationId xmlns:p14="http://schemas.microsoft.com/office/powerpoint/2010/main" val="194440167"/>
+        <p14:creationId xmlns:p14="http://schemas.microsoft.com/office/powerpoint/2010/main" val="593264006"/>
       </p:ext>
     </p:extLst>
   </p:cSld>
@@ -9400,7 +9428,7 @@
   <p:cSld>
     <p:spTree>
       <p:nvGrpSpPr>
-        <p:cNvPr id="1" name="Shape 176"/>
+        <p:cNvPr id="1" name=""/>
         <p:cNvGrpSpPr/>
         <p:nvPr/>
       </p:nvGrpSpPr>
@@ -9414,50 +9442,44 @@
       </p:grpSpPr>
       <p:sp>
         <p:nvSpPr>
-          <p:cNvPr id="177" name="Google Shape;177;p31"/>
-          <p:cNvSpPr txBox="1">
+          <p:cNvPr id="2" name="Title 1">
+            <a:extLst>
+              <a:ext uri="{FF2B5EF4-FFF2-40B4-BE49-F238E27FC236}">
+                <a16:creationId xmlns:a16="http://schemas.microsoft.com/office/drawing/2014/main" id="{3113D640-F98B-D682-A07E-9EAEF1ACB527}"/>
+              </a:ext>
+            </a:extLst>
+          </p:cNvPr>
+          <p:cNvSpPr>
             <a:spLocks noGrp="1"/>
           </p:cNvSpPr>
           <p:nvPr>
             <p:ph type="title"/>
           </p:nvPr>
         </p:nvSpPr>
-        <p:spPr>
-          <a:xfrm>
-            <a:off x="311700" y="445025"/>
-            <a:ext cx="8520600" cy="572700"/>
-          </a:xfrm>
-          <a:prstGeom prst="rect">
-            <a:avLst/>
-          </a:prstGeom>
-        </p:spPr>
+        <p:spPr/>
         <p:txBody>
-          <a:bodyPr spcFirstLastPara="1" wrap="square" lIns="91425" tIns="91425" rIns="91425" bIns="91425" anchor="t" anchorCtr="0">
+          <a:bodyPr>
             <a:normAutofit fontScale="90000"/>
           </a:bodyPr>
           <a:lstStyle/>
           <a:p>
-            <a:pPr marL="0" lvl="0" indent="0" algn="l" rtl="0">
-              <a:spcBef>
-                <a:spcPts val="0"/>
-              </a:spcBef>
-              <a:spcAft>
-                <a:spcPts val="0"/>
-              </a:spcAft>
-              <a:buNone/>
-            </a:pPr>
-            <a:r>
-              <a:rPr lang="en"/>
-              <a:t>Challenges</a:t>
-            </a:r>
-            <a:endParaRPr/>
+            <a:r>
+              <a:rPr lang="en-US" dirty="0"/>
+              <a:t>Residual Vector Quantization (RVQ)</a:t>
+            </a:r>
           </a:p>
         </p:txBody>
       </p:sp>
       <p:sp>
         <p:nvSpPr>
-          <p:cNvPr id="178" name="Google Shape;178;p31"/>
-          <p:cNvSpPr txBox="1">
+          <p:cNvPr id="3" name="Text Placeholder 2">
+            <a:extLst>
+              <a:ext uri="{FF2B5EF4-FFF2-40B4-BE49-F238E27FC236}">
+                <a16:creationId xmlns:a16="http://schemas.microsoft.com/office/drawing/2014/main" id="{D0993BD3-1F26-403A-558C-DCE40BEFC1FE}"/>
+              </a:ext>
+            </a:extLst>
+          </p:cNvPr>
+          <p:cNvSpPr>
             <a:spLocks noGrp="1"/>
           </p:cNvSpPr>
           <p:nvPr>
@@ -9467,71 +9489,80 @@
         <p:spPr>
           <a:xfrm>
             <a:off x="311700" y="1152475"/>
-            <a:ext cx="8520600" cy="3416400"/>
-          </a:xfrm>
-          <a:prstGeom prst="rect">
-            <a:avLst/>
-          </a:prstGeom>
+            <a:ext cx="8520600" cy="3766366"/>
+          </a:xfrm>
         </p:spPr>
         <p:txBody>
-          <a:bodyPr spcFirstLastPara="1" wrap="square" lIns="91425" tIns="91425" rIns="91425" bIns="91425" anchor="t" anchorCtr="0">
-            <a:normAutofit/>
+          <a:bodyPr>
+            <a:normAutofit fontScale="92500" lnSpcReduction="10000"/>
           </a:bodyPr>
           <a:lstStyle/>
           <a:p>
-            <a:pPr marL="457200" lvl="0" indent="-342900" algn="l" rtl="0">
-              <a:spcBef>
-                <a:spcPts val="0"/>
-              </a:spcBef>
-              <a:spcAft>
-                <a:spcPts val="0"/>
-              </a:spcAft>
-              <a:buSzPts val="1800"/>
-              <a:buChar char="●"/>
+            <a:pPr marL="114300" indent="0">
+              <a:buNone/>
             </a:pPr>
             <a:r>
-              <a:rPr lang="en"/>
-              <a:t>Data requirements</a:t>
-            </a:r>
-            <a:endParaRPr/>
-          </a:p>
-          <a:p>
-            <a:pPr marL="457200" lvl="0" indent="-342900" algn="l" rtl="0">
-              <a:spcBef>
-                <a:spcPts val="0"/>
-              </a:spcBef>
-              <a:spcAft>
-                <a:spcPts val="0"/>
-              </a:spcAft>
-              <a:buSzPts val="1800"/>
-              <a:buChar char="●"/>
-            </a:pPr>
-            <a:r>
-              <a:rPr lang="en"/>
-              <a:t>Generalization</a:t>
-            </a:r>
-            <a:endParaRPr/>
-          </a:p>
-          <a:p>
-            <a:pPr marL="457200" lvl="0" indent="-342900" algn="l" rtl="0">
-              <a:spcBef>
-                <a:spcPts val="0"/>
-              </a:spcBef>
-              <a:spcAft>
-                <a:spcPts val="0"/>
-              </a:spcAft>
-              <a:buSzPts val="1800"/>
-              <a:buChar char="●"/>
-            </a:pPr>
-            <a:r>
-              <a:rPr lang="en"/>
-              <a:t>Real-Time Audio Coding</a:t>
-            </a:r>
-            <a:endParaRPr/>
+              <a:rPr lang="en-US" dirty="0"/>
+              <a:t>Residual Vector Quantization (RVQ) is the key component used in neural audio codecs (</a:t>
+            </a:r>
+            <a:r>
+              <a:rPr lang="en-US" dirty="0" err="1"/>
+              <a:t>SoundStream</a:t>
+            </a:r>
+            <a:r>
+              <a:rPr lang="en-US" dirty="0"/>
+              <a:t>, </a:t>
+            </a:r>
+            <a:r>
+              <a:rPr lang="en-US" dirty="0" err="1"/>
+              <a:t>EnCodec</a:t>
+            </a:r>
+            <a:r>
+              <a:rPr lang="en-US" dirty="0"/>
+              <a:t>) to convert a continuous, complex representation (the neural network's latent vector) into a sequence of discrete, compact integers (tokens).</a:t>
+            </a:r>
+          </a:p>
+          <a:p>
+            <a:r>
+              <a:rPr lang="en-US" dirty="0"/>
+              <a:t>It maps an input vector to the closest code vector in a learned dictionary (a codebook). This is a lossy step, as the input vector is replaced by its nearest neighbor.</a:t>
+            </a:r>
+          </a:p>
+          <a:p>
+            <a:r>
+              <a:rPr lang="en-US" dirty="0"/>
+              <a:t>RVQ addresses the lossy nature of VQ by using a series of cascaded VQ layers instead of just one:</a:t>
+            </a:r>
+          </a:p>
+          <a:p>
+            <a:pPr lvl="1"/>
+            <a:r>
+              <a:rPr lang="en-US" dirty="0"/>
+              <a:t>Layer 1: Quantizes the input vector to get the first code. A residual is calculated.</a:t>
+            </a:r>
+          </a:p>
+          <a:p>
+            <a:pPr lvl="1"/>
+            <a:r>
+              <a:rPr lang="en-US" dirty="0"/>
+              <a:t> Layer 2: Quantizes the residual from Layer 1 to get a second code. A new, smaller residual is calculated.</a:t>
+            </a:r>
+          </a:p>
+          <a:p>
+            <a:pPr lvl="1"/>
+            <a:r>
+              <a:rPr lang="en-US" dirty="0"/>
+              <a:t>Repeat: This process is repeated across N layers, with each layer refining the quantization of the previous layer's residual.</a:t>
+            </a:r>
           </a:p>
         </p:txBody>
       </p:sp>
     </p:spTree>
+    <p:extLst>
+      <p:ext uri="{BB962C8B-B14F-4D97-AF65-F5344CB8AC3E}">
+        <p14:creationId xmlns:p14="http://schemas.microsoft.com/office/powerpoint/2010/main" val="3817001327"/>
+      </p:ext>
+    </p:extLst>
   </p:cSld>
   <p:clrMapOvr>
     <a:masterClrMapping/>
@@ -9561,6 +9592,442 @@
           <p:cNvPr id="2" name="Title 1">
             <a:extLst>
               <a:ext uri="{FF2B5EF4-FFF2-40B4-BE49-F238E27FC236}">
+                <a16:creationId xmlns:a16="http://schemas.microsoft.com/office/drawing/2014/main" id="{836B4AA9-2ACC-BC41-0F70-26BB6A0A1F10}"/>
+              </a:ext>
+            </a:extLst>
+          </p:cNvPr>
+          <p:cNvSpPr>
+            <a:spLocks noGrp="1"/>
+          </p:cNvSpPr>
+          <p:nvPr>
+            <p:ph type="title"/>
+          </p:nvPr>
+        </p:nvSpPr>
+        <p:spPr/>
+        <p:txBody>
+          <a:bodyPr>
+            <a:normAutofit fontScale="90000"/>
+          </a:bodyPr>
+          <a:lstStyle/>
+          <a:p>
+            <a:r>
+              <a:rPr lang="en-US" dirty="0"/>
+              <a:t>The transformer layer: context through attention</a:t>
+            </a:r>
+          </a:p>
+        </p:txBody>
+      </p:sp>
+      <p:sp>
+        <p:nvSpPr>
+          <p:cNvPr id="3" name="Text Placeholder 2">
+            <a:extLst>
+              <a:ext uri="{FF2B5EF4-FFF2-40B4-BE49-F238E27FC236}">
+                <a16:creationId xmlns:a16="http://schemas.microsoft.com/office/drawing/2014/main" id="{E3E44FA5-7145-3A68-B311-2DFB9687C83F}"/>
+              </a:ext>
+            </a:extLst>
+          </p:cNvPr>
+          <p:cNvSpPr>
+            <a:spLocks noGrp="1"/>
+          </p:cNvSpPr>
+          <p:nvPr>
+            <p:ph type="body" idx="1"/>
+          </p:nvPr>
+        </p:nvSpPr>
+        <p:spPr/>
+        <p:txBody>
+          <a:bodyPr>
+            <a:normAutofit/>
+          </a:bodyPr>
+          <a:lstStyle/>
+          <a:p>
+            <a:pPr marL="114300" indent="0">
+              <a:buNone/>
+            </a:pPr>
+            <a:r>
+              <a:rPr lang="en-US" dirty="0"/>
+              <a:t>A mechanism that allows the model to weigh the relevance of every other element in the sequence (all audio frames) when processing a single element. Models the statistics of the discrete audio tokens (the RVQ codes) to allow an entropy coder to assign shorter bitstrings to common token sequences, achieving a smaller final file size.</a:t>
+            </a:r>
+          </a:p>
+          <a:p>
+            <a:pPr marL="114300" indent="0">
+              <a:buNone/>
+            </a:pPr>
+            <a:endParaRPr lang="en-US" dirty="0"/>
+          </a:p>
+          <a:p>
+            <a:pPr marL="114300" indent="0">
+              <a:buNone/>
+            </a:pPr>
+            <a:r>
+              <a:rPr lang="en-US" dirty="0"/>
+              <a:t>A transformer layer is composed of two main sub-layers:</a:t>
+            </a:r>
+          </a:p>
+          <a:p>
+            <a:pPr lvl="1"/>
+            <a:r>
+              <a:rPr lang="en-US" dirty="0"/>
+              <a:t>Multi-Head Self-Attention: Computes the contextual weightings between all parts of the sequence.</a:t>
+            </a:r>
+          </a:p>
+          <a:p>
+            <a:pPr lvl="1"/>
+            <a:r>
+              <a:rPr lang="en-US" dirty="0"/>
+              <a:t>Feed-Forward Network (FFN): A simple neural network applied independently to each position to further process the information gathered by the attention layer.</a:t>
+            </a:r>
+          </a:p>
+        </p:txBody>
+      </p:sp>
+    </p:spTree>
+    <p:extLst>
+      <p:ext uri="{BB962C8B-B14F-4D97-AF65-F5344CB8AC3E}">
+        <p14:creationId xmlns:p14="http://schemas.microsoft.com/office/powerpoint/2010/main" val="2290932921"/>
+      </p:ext>
+    </p:extLst>
+  </p:cSld>
+  <p:clrMapOvr>
+    <a:masterClrMapping/>
+  </p:clrMapOvr>
+</p:sld>
+</file>
+
+<file path=ppt/slides/slide24.xml><?xml version="1.0" encoding="utf-8"?>
+<p:sld xmlns:a="http://schemas.openxmlformats.org/drawingml/2006/main" xmlns:r="http://schemas.openxmlformats.org/officeDocument/2006/relationships" xmlns:p="http://schemas.openxmlformats.org/presentationml/2006/main">
+  <p:cSld>
+    <p:spTree>
+      <p:nvGrpSpPr>
+        <p:cNvPr id="1" name=""/>
+        <p:cNvGrpSpPr/>
+        <p:nvPr/>
+      </p:nvGrpSpPr>
+      <p:grpSpPr>
+        <a:xfrm>
+          <a:off x="0" y="0"/>
+          <a:ext cx="0" cy="0"/>
+          <a:chOff x="0" y="0"/>
+          <a:chExt cx="0" cy="0"/>
+        </a:xfrm>
+      </p:grpSpPr>
+      <p:sp>
+        <p:nvSpPr>
+          <p:cNvPr id="2" name="Title 1">
+            <a:extLst>
+              <a:ext uri="{FF2B5EF4-FFF2-40B4-BE49-F238E27FC236}">
+                <a16:creationId xmlns:a16="http://schemas.microsoft.com/office/drawing/2014/main" id="{5844F49E-F3E9-EC2A-AF5C-735A2689F9B2}"/>
+              </a:ext>
+            </a:extLst>
+          </p:cNvPr>
+          <p:cNvSpPr>
+            <a:spLocks noGrp="1"/>
+          </p:cNvSpPr>
+          <p:nvPr>
+            <p:ph type="title"/>
+          </p:nvPr>
+        </p:nvSpPr>
+        <p:spPr/>
+        <p:txBody>
+          <a:bodyPr>
+            <a:normAutofit fontScale="90000"/>
+          </a:bodyPr>
+          <a:lstStyle/>
+          <a:p>
+            <a:r>
+              <a:rPr lang="en-US" dirty="0" err="1"/>
+              <a:t>Pytorch</a:t>
+            </a:r>
+            <a:endParaRPr lang="en-US" dirty="0"/>
+          </a:p>
+        </p:txBody>
+      </p:sp>
+      <p:sp>
+        <p:nvSpPr>
+          <p:cNvPr id="3" name="Text Placeholder 2">
+            <a:extLst>
+              <a:ext uri="{FF2B5EF4-FFF2-40B4-BE49-F238E27FC236}">
+                <a16:creationId xmlns:a16="http://schemas.microsoft.com/office/drawing/2014/main" id="{24C5B273-F203-8F8A-2DCB-CA3808468DEF}"/>
+              </a:ext>
+            </a:extLst>
+          </p:cNvPr>
+          <p:cNvSpPr>
+            <a:spLocks noGrp="1"/>
+          </p:cNvSpPr>
+          <p:nvPr>
+            <p:ph type="body" idx="1"/>
+          </p:nvPr>
+        </p:nvSpPr>
+        <p:spPr/>
+        <p:txBody>
+          <a:bodyPr/>
+          <a:lstStyle/>
+          <a:p>
+            <a:pPr marL="114300" indent="0">
+              <a:buNone/>
+            </a:pPr>
+            <a:r>
+              <a:rPr lang="en-US" dirty="0"/>
+              <a:t>An open-source machine learning framework that provides a flexible and efficient platform for building and training deep learning models. It has become one of the most popular deep learning frameworks due to its flexibility, Pythonic interface, and extensive support for GPUs (Graphics Processing Units), which are crucial for accelerating deep learning computations.</a:t>
+            </a:r>
+          </a:p>
+          <a:p>
+            <a:pPr marL="114300" indent="0">
+              <a:buNone/>
+            </a:pPr>
+            <a:endParaRPr lang="en-US" dirty="0"/>
+          </a:p>
+          <a:p>
+            <a:pPr marL="114300" indent="0">
+              <a:buNone/>
+            </a:pPr>
+            <a:r>
+              <a:rPr lang="en-US" i="1" dirty="0" err="1"/>
+              <a:t>Torchaudio</a:t>
+            </a:r>
+            <a:r>
+              <a:rPr lang="en-US" i="1" dirty="0"/>
+              <a:t>: </a:t>
+            </a:r>
+            <a:r>
+              <a:rPr lang="en-US" dirty="0"/>
+              <a:t>dedicated library for audio and speech processing. It provides GPU-accelerated implementations of essential audio signal processing functions (like Spectrogram, Mel-spectrogram, Resampling, etc.) directly integrated with </a:t>
+            </a:r>
+            <a:r>
+              <a:rPr lang="en-US" dirty="0" err="1"/>
+              <a:t>PyTorch's</a:t>
+            </a:r>
+            <a:r>
+              <a:rPr lang="en-US" dirty="0"/>
+              <a:t> tensor structure.</a:t>
+            </a:r>
+          </a:p>
+        </p:txBody>
+      </p:sp>
+    </p:spTree>
+    <p:extLst>
+      <p:ext uri="{BB962C8B-B14F-4D97-AF65-F5344CB8AC3E}">
+        <p14:creationId xmlns:p14="http://schemas.microsoft.com/office/powerpoint/2010/main" val="194440167"/>
+      </p:ext>
+    </p:extLst>
+  </p:cSld>
+  <p:clrMapOvr>
+    <a:masterClrMapping/>
+  </p:clrMapOvr>
+</p:sld>
+</file>
+
+<file path=ppt/slides/slide25.xml><?xml version="1.0" encoding="utf-8"?>
+<p:sld xmlns:a="http://schemas.openxmlformats.org/drawingml/2006/main" xmlns:r="http://schemas.openxmlformats.org/officeDocument/2006/relationships" xmlns:p="http://schemas.openxmlformats.org/presentationml/2006/main">
+  <p:cSld>
+    <p:spTree>
+      <p:nvGrpSpPr>
+        <p:cNvPr id="1" name="Shape 176"/>
+        <p:cNvGrpSpPr/>
+        <p:nvPr/>
+      </p:nvGrpSpPr>
+      <p:grpSpPr>
+        <a:xfrm>
+          <a:off x="0" y="0"/>
+          <a:ext cx="0" cy="0"/>
+          <a:chOff x="0" y="0"/>
+          <a:chExt cx="0" cy="0"/>
+        </a:xfrm>
+      </p:grpSpPr>
+      <p:sp>
+        <p:nvSpPr>
+          <p:cNvPr id="177" name="Google Shape;177;p31"/>
+          <p:cNvSpPr txBox="1">
+            <a:spLocks noGrp="1"/>
+          </p:cNvSpPr>
+          <p:nvPr>
+            <p:ph type="title"/>
+          </p:nvPr>
+        </p:nvSpPr>
+        <p:spPr>
+          <a:xfrm>
+            <a:off x="311700" y="445025"/>
+            <a:ext cx="8520600" cy="572700"/>
+          </a:xfrm>
+          <a:prstGeom prst="rect">
+            <a:avLst/>
+          </a:prstGeom>
+        </p:spPr>
+        <p:txBody>
+          <a:bodyPr spcFirstLastPara="1" wrap="square" lIns="91425" tIns="91425" rIns="91425" bIns="91425" anchor="t" anchorCtr="0">
+            <a:normAutofit fontScale="90000"/>
+          </a:bodyPr>
+          <a:lstStyle/>
+          <a:p>
+            <a:pPr marL="0" lvl="0" indent="0" algn="l" rtl="0">
+              <a:spcBef>
+                <a:spcPts val="0"/>
+              </a:spcBef>
+              <a:spcAft>
+                <a:spcPts val="0"/>
+              </a:spcAft>
+              <a:buNone/>
+            </a:pPr>
+            <a:r>
+              <a:rPr lang="en" dirty="0"/>
+              <a:t>Challenges (current limitations)</a:t>
+            </a:r>
+            <a:endParaRPr dirty="0"/>
+          </a:p>
+        </p:txBody>
+      </p:sp>
+      <p:sp>
+        <p:nvSpPr>
+          <p:cNvPr id="178" name="Google Shape;178;p31"/>
+          <p:cNvSpPr txBox="1">
+            <a:spLocks noGrp="1"/>
+          </p:cNvSpPr>
+          <p:nvPr>
+            <p:ph type="body" idx="1"/>
+          </p:nvPr>
+        </p:nvSpPr>
+        <p:spPr>
+          <a:xfrm>
+            <a:off x="311700" y="1152475"/>
+            <a:ext cx="8520600" cy="3829428"/>
+          </a:xfrm>
+          <a:prstGeom prst="rect">
+            <a:avLst/>
+          </a:prstGeom>
+        </p:spPr>
+        <p:txBody>
+          <a:bodyPr spcFirstLastPara="1" wrap="square" lIns="91425" tIns="91425" rIns="91425" bIns="91425" anchor="t" anchorCtr="0">
+            <a:normAutofit/>
+          </a:bodyPr>
+          <a:lstStyle/>
+          <a:p>
+            <a:pPr>
+              <a:buFont typeface="Arial" panose="020B0604020202020204" pitchFamily="34" charset="0"/>
+              <a:buChar char="•"/>
+            </a:pPr>
+            <a:r>
+              <a:rPr lang="en-US" dirty="0"/>
+              <a:t>Computational Complexity (real-time)</a:t>
+            </a:r>
+          </a:p>
+          <a:p>
+            <a:pPr lvl="1">
+              <a:buFont typeface="Arial" panose="020B0604020202020204" pitchFamily="34" charset="0"/>
+              <a:buChar char="•"/>
+            </a:pPr>
+            <a:r>
+              <a:rPr lang="en-US" dirty="0"/>
+              <a:t>Large, data-driven architectures require significant compute power, challenging deployment on resource-limited devices (like smartphones).</a:t>
+            </a:r>
+          </a:p>
+          <a:p>
+            <a:pPr lvl="1">
+              <a:buFont typeface="Arial" panose="020B0604020202020204" pitchFamily="34" charset="0"/>
+              <a:buChar char="•"/>
+            </a:pPr>
+            <a:r>
+              <a:rPr lang="en-US" dirty="0"/>
+              <a:t>Achieving low latency for real-time communication systems remains critical.</a:t>
+            </a:r>
+          </a:p>
+          <a:p>
+            <a:pPr lvl="0" algn="l" rtl="0">
+              <a:spcBef>
+                <a:spcPts val="0"/>
+              </a:spcBef>
+              <a:spcAft>
+                <a:spcPts val="0"/>
+              </a:spcAft>
+              <a:buSzPts val="1800"/>
+              <a:buFont typeface="Arial" panose="020B0604020202020204" pitchFamily="34" charset="0"/>
+              <a:buChar char="•"/>
+            </a:pPr>
+            <a:r>
+              <a:rPr lang="en-US" dirty="0"/>
+              <a:t>Generalization</a:t>
+            </a:r>
+          </a:p>
+          <a:p>
+            <a:pPr lvl="1" indent="-342900">
+              <a:buSzPts val="1800"/>
+              <a:buFont typeface="Arial" panose="020B0604020202020204" pitchFamily="34" charset="0"/>
+              <a:buChar char="•"/>
+            </a:pPr>
+            <a:r>
+              <a:rPr lang="en-US" dirty="0"/>
+              <a:t>Models often struggle to generalize across different acoustic domains (speech vs. music vs. environment).</a:t>
+            </a:r>
+          </a:p>
+          <a:p>
+            <a:pPr lvl="1" indent="-342900">
+              <a:buSzPts val="1800"/>
+              <a:buFont typeface="Arial" panose="020B0604020202020204" pitchFamily="34" charset="0"/>
+              <a:buChar char="•"/>
+            </a:pPr>
+            <a:r>
+              <a:rPr lang="en-US" dirty="0"/>
+              <a:t>Training requires massive, undifferentiated audio datasets, complicating data modeling and control.</a:t>
+            </a:r>
+          </a:p>
+          <a:p>
+            <a:pPr lvl="0" algn="l" rtl="0">
+              <a:spcBef>
+                <a:spcPts val="0"/>
+              </a:spcBef>
+              <a:spcAft>
+                <a:spcPts val="0"/>
+              </a:spcAft>
+              <a:buSzPts val="1800"/>
+              <a:buFont typeface="Arial" panose="020B0604020202020204" pitchFamily="34" charset="0"/>
+              <a:buChar char="•"/>
+            </a:pPr>
+            <a:r>
+              <a:rPr lang="en-US" dirty="0"/>
+              <a:t>Subjective Quality Evaluation</a:t>
+            </a:r>
+          </a:p>
+          <a:p>
+            <a:pPr lvl="1" indent="-342900">
+              <a:buSzPts val="1800"/>
+              <a:buFont typeface="Arial" panose="020B0604020202020204" pitchFamily="34" charset="0"/>
+              <a:buChar char="•"/>
+            </a:pPr>
+            <a:r>
+              <a:rPr lang="en-US" dirty="0"/>
+              <a:t>Subjective listening tests (MUSHRA) are resource-intensive to scale.</a:t>
+            </a:r>
+            <a:endParaRPr dirty="0"/>
+          </a:p>
+        </p:txBody>
+      </p:sp>
+    </p:spTree>
+  </p:cSld>
+  <p:clrMapOvr>
+    <a:masterClrMapping/>
+  </p:clrMapOvr>
+</p:sld>
+</file>
+
+<file path=ppt/slides/slide26.xml><?xml version="1.0" encoding="utf-8"?>
+<p:sld xmlns:a="http://schemas.openxmlformats.org/drawingml/2006/main" xmlns:r="http://schemas.openxmlformats.org/officeDocument/2006/relationships" xmlns:p="http://schemas.openxmlformats.org/presentationml/2006/main">
+  <p:cSld>
+    <p:spTree>
+      <p:nvGrpSpPr>
+        <p:cNvPr id="1" name=""/>
+        <p:cNvGrpSpPr/>
+        <p:nvPr/>
+      </p:nvGrpSpPr>
+      <p:grpSpPr>
+        <a:xfrm>
+          <a:off x="0" y="0"/>
+          <a:ext cx="0" cy="0"/>
+          <a:chOff x="0" y="0"/>
+          <a:chExt cx="0" cy="0"/>
+        </a:xfrm>
+      </p:grpSpPr>
+      <p:sp>
+        <p:nvSpPr>
+          <p:cNvPr id="2" name="Title 1">
+            <a:extLst>
+              <a:ext uri="{FF2B5EF4-FFF2-40B4-BE49-F238E27FC236}">
                 <a16:creationId xmlns:a16="http://schemas.microsoft.com/office/drawing/2014/main" id="{0C4FAA40-2498-D673-2F6C-27CF1F0DC41B}"/>
               </a:ext>
             </a:extLst>
@@ -9687,6 +10154,21 @@
               <a:rPr lang="en-US" dirty="0">
                 <a:hlinkClick r:id="rId2"/>
               </a:rPr>
+              <a:t>https://</a:t>
+            </a:r>
+            <a:r>
+              <a:rPr lang="en-US" dirty="0" err="1">
+                <a:hlinkClick r:id="rId2"/>
+              </a:rPr>
+              <a:t>pytorch.org</a:t>
+            </a:r>
+            <a:endParaRPr lang="en-US" dirty="0"/>
+          </a:p>
+          <a:p>
+            <a:r>
+              <a:rPr lang="en-US" dirty="0">
+                <a:hlinkClick r:id="rId3"/>
+              </a:rPr>
               <a:t>https://github.com/xserra/audio-coding-materials/</a:t>
             </a:r>
             <a:endParaRPr lang="en-US" dirty="0"/>
@@ -9710,7 +10192,7 @@
               <a:t>examples/convolutional-autoencoder-</a:t>
             </a:r>
             <a:r>
-              <a:rPr lang="en-US"/>
+              <a:rPr lang="en-US" dirty="0" err="1"/>
               <a:t>complex.ipynb</a:t>
             </a:r>
             <a:endParaRPr lang="en-US" dirty="0"/>
